--- a/기술 7부 김민수 성과 발표.pptx
+++ b/기술 7부 김민수 성과 발표.pptx
@@ -5,7 +5,7 @@
     <p:sldMasterId id="2147483648" r:id="rId1"/>
   </p:sldMasterIdLst>
   <p:notesMasterIdLst>
-    <p:notesMasterId r:id="rId17"/>
+    <p:notesMasterId r:id="rId31"/>
   </p:notesMasterIdLst>
   <p:sldIdLst>
     <p:sldId id="268" r:id="rId2"/>
@@ -22,7 +22,21 @@
     <p:sldId id="282" r:id="rId13"/>
     <p:sldId id="283" r:id="rId14"/>
     <p:sldId id="284" r:id="rId15"/>
-    <p:sldId id="267" r:id="rId16"/>
+    <p:sldId id="285" r:id="rId16"/>
+    <p:sldId id="286" r:id="rId17"/>
+    <p:sldId id="287" r:id="rId18"/>
+    <p:sldId id="288" r:id="rId19"/>
+    <p:sldId id="289" r:id="rId20"/>
+    <p:sldId id="290" r:id="rId21"/>
+    <p:sldId id="291" r:id="rId22"/>
+    <p:sldId id="292" r:id="rId23"/>
+    <p:sldId id="293" r:id="rId24"/>
+    <p:sldId id="294" r:id="rId25"/>
+    <p:sldId id="295" r:id="rId26"/>
+    <p:sldId id="296" r:id="rId27"/>
+    <p:sldId id="297" r:id="rId28"/>
+    <p:sldId id="298" r:id="rId29"/>
+    <p:sldId id="267" r:id="rId30"/>
   </p:sldIdLst>
   <p:sldSz cx="12192000" cy="6858000"/>
   <p:notesSz cx="6858000" cy="9144000"/>
@@ -4706,22 +4720,120 @@
       </p:grpSpPr>
       <p:sp>
         <p:nvSpPr>
-          <p:cNvPr id="10" name="TextBox 9">
-            <a:extLst>
-              <a:ext uri="{FF2B5EF4-FFF2-40B4-BE49-F238E27FC236}">
-                <a16:creationId xmlns:a16="http://schemas.microsoft.com/office/drawing/2014/main" id="{05032E34-9937-AD9A-D4CF-075AFB7D19F7}"/>
-              </a:ext>
-            </a:extLst>
-          </p:cNvPr>
-          <p:cNvSpPr txBox="1">
-            <a:spLocks noGrp="1" noRot="1" noMove="1" noResize="1" noEditPoints="1" noAdjustHandles="1" noChangeArrowheads="1" noChangeShapeType="1"/>
-          </p:cNvSpPr>
+          <p:cNvPr id="2" name="제목 1">
+            <a:extLst>
+              <a:ext uri="{FF2B5EF4-FFF2-40B4-BE49-F238E27FC236}">
+                <a16:creationId xmlns:a16="http://schemas.microsoft.com/office/drawing/2014/main" id="{40E988EF-B08A-1B7E-6C67-F009F4F735A5}"/>
+              </a:ext>
+            </a:extLst>
+          </p:cNvPr>
+          <p:cNvSpPr>
+            <a:spLocks noGrp="1"/>
+          </p:cNvSpPr>
+          <p:nvPr>
+            <p:ph type="title"/>
+          </p:nvPr>
+        </p:nvSpPr>
+        <p:spPr/>
+        <p:txBody>
+          <a:bodyPr/>
+          <a:lstStyle/>
+          <a:p>
+            <a:r>
+              <a:rPr lang="ko-KR" altLang="en-US" dirty="0"/>
+              <a:t>채용 프로세스 </a:t>
+            </a:r>
+            <a:r>
+              <a:rPr lang="en-US" altLang="ko-KR" dirty="0"/>
+              <a:t>: </a:t>
+            </a:r>
+            <a:r>
+              <a:rPr lang="ko-KR" altLang="en-US" dirty="0"/>
+              <a:t>관리자</a:t>
+            </a:r>
+          </a:p>
+        </p:txBody>
+      </p:sp>
+      <p:sp>
+        <p:nvSpPr>
+          <p:cNvPr id="4" name="텍스트 개체 틀 3">
+            <a:extLst>
+              <a:ext uri="{FF2B5EF4-FFF2-40B4-BE49-F238E27FC236}">
+                <a16:creationId xmlns:a16="http://schemas.microsoft.com/office/drawing/2014/main" id="{A092DFB1-10A2-E7D9-11D1-92CFB29D9CBA}"/>
+              </a:ext>
+            </a:extLst>
+          </p:cNvPr>
+          <p:cNvSpPr>
+            <a:spLocks noGrp="1"/>
+          </p:cNvSpPr>
+          <p:nvPr>
+            <p:ph type="body" sz="quarter" idx="13"/>
+          </p:nvPr>
+        </p:nvSpPr>
+        <p:spPr/>
+        <p:txBody>
+          <a:bodyPr/>
+          <a:lstStyle/>
+          <a:p>
+            <a:r>
+              <a:rPr lang="en-US" altLang="ko-KR" dirty="0"/>
+              <a:t>04. </a:t>
+            </a:r>
+            <a:r>
+              <a:rPr lang="ko-KR" altLang="en-US" dirty="0"/>
+              <a:t>개발 과정</a:t>
+            </a:r>
+          </a:p>
+        </p:txBody>
+      </p:sp>
+      <p:sp>
+        <p:nvSpPr>
+          <p:cNvPr id="5" name="텍스트 개체 틀 4">
+            <a:extLst>
+              <a:ext uri="{FF2B5EF4-FFF2-40B4-BE49-F238E27FC236}">
+                <a16:creationId xmlns:a16="http://schemas.microsoft.com/office/drawing/2014/main" id="{A220348D-1DB7-F156-A60C-AFD6F2B5A248}"/>
+              </a:ext>
+            </a:extLst>
+          </p:cNvPr>
+          <p:cNvSpPr>
+            <a:spLocks noGrp="1"/>
+          </p:cNvSpPr>
+          <p:nvPr>
+            <p:ph type="body" sz="quarter" idx="14"/>
+          </p:nvPr>
+        </p:nvSpPr>
+        <p:spPr/>
+        <p:txBody>
+          <a:bodyPr/>
+          <a:lstStyle/>
+          <a:p>
+            <a:r>
+              <a:rPr lang="en-US" altLang="ko-KR" dirty="0"/>
+              <a:t>4-1 </a:t>
+            </a:r>
+            <a:r>
+              <a:rPr lang="ko-KR" altLang="en-US" dirty="0"/>
+              <a:t>시퀀스 다이어그램</a:t>
+            </a:r>
+          </a:p>
+        </p:txBody>
+      </p:sp>
+      <p:sp>
+        <p:nvSpPr>
+          <p:cNvPr id="6" name="TextBox 5">
+            <a:extLst>
+              <a:ext uri="{FF2B5EF4-FFF2-40B4-BE49-F238E27FC236}">
+                <a16:creationId xmlns:a16="http://schemas.microsoft.com/office/drawing/2014/main" id="{6A9640C9-65F7-ECEA-9BF4-ADBD02D71466}"/>
+              </a:ext>
+            </a:extLst>
+          </p:cNvPr>
+          <p:cNvSpPr txBox="1"/>
           <p:nvPr/>
         </p:nvSpPr>
         <p:spPr>
           <a:xfrm>
-            <a:off x="670559" y="5665573"/>
-            <a:ext cx="4831772" cy="552267"/>
+            <a:off x="6534622" y="786883"/>
+            <a:ext cx="3132589" cy="369332"/>
           </a:xfrm>
           <a:prstGeom prst="rect">
             <a:avLst/>
@@ -4734,184 +4846,759 @@
           </a:bodyPr>
           <a:lstStyle/>
           <a:p>
-            <a:pPr>
-              <a:lnSpc>
-                <a:spcPct val="120000"/>
-              </a:lnSpc>
-            </a:pPr>
-            <a:r>
-              <a:rPr lang="ko-KR" altLang="en-US" sz="1300" dirty="0">
-                <a:solidFill>
-                  <a:schemeClr val="bg1"/>
-                </a:solidFill>
-                <a:latin typeface="Noto Sans KR Medium" panose="020B0200000000000000" pitchFamily="34" charset="-127"/>
-                <a:ea typeface="Noto Sans KR Medium" panose="020B0200000000000000" pitchFamily="34" charset="-127"/>
-                <a:cs typeface="Pretendard Medium" panose="02000603000000020004" pitchFamily="50" charset="-127"/>
+            <a:r>
+              <a:rPr lang="ko-KR" altLang="en-US" dirty="0">
+                <a:solidFill>
+                  <a:srgbClr val="00B0F0"/>
+                </a:solidFill>
+                <a:latin typeface="Pretendard ExtraBold" panose="02000903000000020004" pitchFamily="50" charset="-127"/>
+                <a:ea typeface="Pretendard ExtraBold" panose="02000903000000020004" pitchFamily="50" charset="-127"/>
+                <a:cs typeface="Pretendard ExtraBold" panose="02000903000000020004" pitchFamily="50" charset="-127"/>
               </a:rPr>
-              <a:t>경기도 용인시 </a:t>
-            </a:r>
-            <a:r>
-              <a:rPr lang="ko-KR" altLang="en-US" sz="1300" dirty="0" err="1">
-                <a:solidFill>
-                  <a:schemeClr val="bg1"/>
-                </a:solidFill>
-                <a:latin typeface="Noto Sans KR Medium" panose="020B0200000000000000" pitchFamily="34" charset="-127"/>
-                <a:ea typeface="Noto Sans KR Medium" panose="020B0200000000000000" pitchFamily="34" charset="-127"/>
-                <a:cs typeface="Pretendard Medium" panose="02000603000000020004" pitchFamily="50" charset="-127"/>
+              <a:t>내지 슬라이드 제목 폰트 크기 </a:t>
+            </a:r>
+            <a:r>
+              <a:rPr lang="en-US" altLang="ko-KR" dirty="0">
+                <a:solidFill>
+                  <a:srgbClr val="00B0F0"/>
+                </a:solidFill>
+                <a:latin typeface="Pretendard ExtraBold" panose="02000903000000020004" pitchFamily="50" charset="-127"/>
+                <a:ea typeface="Pretendard ExtraBold" panose="02000903000000020004" pitchFamily="50" charset="-127"/>
+                <a:cs typeface="Pretendard ExtraBold" panose="02000903000000020004" pitchFamily="50" charset="-127"/>
               </a:rPr>
-              <a:t>수지구</a:t>
-            </a:r>
-            <a:r>
-              <a:rPr lang="ko-KR" altLang="en-US" sz="1300" dirty="0">
-                <a:solidFill>
-                  <a:schemeClr val="bg1"/>
-                </a:solidFill>
-                <a:latin typeface="Noto Sans KR Medium" panose="020B0200000000000000" pitchFamily="34" charset="-127"/>
-                <a:ea typeface="Noto Sans KR Medium" panose="020B0200000000000000" pitchFamily="34" charset="-127"/>
-                <a:cs typeface="Pretendard Medium" panose="02000603000000020004" pitchFamily="50" charset="-127"/>
-              </a:rPr>
-              <a:t> 신수로 </a:t>
-            </a:r>
-            <a:r>
-              <a:rPr lang="en-US" altLang="ko-KR" sz="1300" dirty="0">
-                <a:solidFill>
-                  <a:schemeClr val="bg1"/>
-                </a:solidFill>
-                <a:latin typeface="Noto Sans KR Medium" panose="020B0200000000000000" pitchFamily="34" charset="-127"/>
-                <a:ea typeface="Noto Sans KR Medium" panose="020B0200000000000000" pitchFamily="34" charset="-127"/>
-                <a:cs typeface="Pretendard Medium" panose="02000603000000020004" pitchFamily="50" charset="-127"/>
-              </a:rPr>
-              <a:t>767, </a:t>
-            </a:r>
-            <a:r>
-              <a:rPr lang="ko-KR" altLang="en-US" sz="1300" dirty="0">
-                <a:solidFill>
-                  <a:schemeClr val="bg1"/>
-                </a:solidFill>
-                <a:latin typeface="Noto Sans KR Medium" panose="020B0200000000000000" pitchFamily="34" charset="-127"/>
-                <a:ea typeface="Noto Sans KR Medium" panose="020B0200000000000000" pitchFamily="34" charset="-127"/>
-                <a:cs typeface="Pretendard Medium" panose="02000603000000020004" pitchFamily="50" charset="-127"/>
-              </a:rPr>
-              <a:t>분당수지</a:t>
-            </a:r>
-            <a:r>
-              <a:rPr lang="en-US" altLang="ko-KR" sz="1300" dirty="0">
-                <a:solidFill>
-                  <a:schemeClr val="bg1"/>
-                </a:solidFill>
-                <a:latin typeface="Noto Sans KR Medium" panose="020B0200000000000000" pitchFamily="34" charset="-127"/>
-                <a:ea typeface="Noto Sans KR Medium" panose="020B0200000000000000" pitchFamily="34" charset="-127"/>
-                <a:cs typeface="Pretendard Medium" panose="02000603000000020004" pitchFamily="50" charset="-127"/>
-              </a:rPr>
-              <a:t> U-TOWER A</a:t>
-            </a:r>
-            <a:r>
-              <a:rPr lang="ko-KR" altLang="en-US" sz="1300" dirty="0">
-                <a:solidFill>
-                  <a:schemeClr val="bg1"/>
-                </a:solidFill>
-                <a:latin typeface="Noto Sans KR Medium" panose="020B0200000000000000" pitchFamily="34" charset="-127"/>
-                <a:ea typeface="Noto Sans KR Medium" panose="020B0200000000000000" pitchFamily="34" charset="-127"/>
-                <a:cs typeface="Pretendard Medium" panose="02000603000000020004" pitchFamily="50" charset="-127"/>
-              </a:rPr>
-              <a:t>동 </a:t>
-            </a:r>
-            <a:r>
-              <a:rPr lang="en-US" altLang="ko-KR" sz="1300" dirty="0">
-                <a:solidFill>
-                  <a:schemeClr val="bg1"/>
-                </a:solidFill>
-                <a:latin typeface="Noto Sans KR Medium" panose="020B0200000000000000" pitchFamily="34" charset="-127"/>
-                <a:ea typeface="Noto Sans KR Medium" panose="020B0200000000000000" pitchFamily="34" charset="-127"/>
-                <a:cs typeface="Pretendard Medium" panose="02000603000000020004" pitchFamily="50" charset="-127"/>
-              </a:rPr>
-              <a:t>1103</a:t>
-            </a:r>
-            <a:r>
-              <a:rPr lang="ko-KR" altLang="en-US" sz="1300" dirty="0">
-                <a:solidFill>
-                  <a:schemeClr val="bg1"/>
-                </a:solidFill>
-                <a:latin typeface="Noto Sans KR Medium" panose="020B0200000000000000" pitchFamily="34" charset="-127"/>
-                <a:ea typeface="Noto Sans KR Medium" panose="020B0200000000000000" pitchFamily="34" charset="-127"/>
-                <a:cs typeface="Pretendard Medium" panose="02000603000000020004" pitchFamily="50" charset="-127"/>
-              </a:rPr>
-              <a:t>호</a:t>
-            </a:r>
-            <a:endParaRPr lang="en-US" altLang="ko-KR" sz="1300" dirty="0">
+              <a:t>30</a:t>
+            </a:r>
+            <a:endParaRPr lang="ko-KR" altLang="en-US" dirty="0">
               <a:solidFill>
-                <a:schemeClr val="bg1"/>
+                <a:srgbClr val="00B0F0"/>
               </a:solidFill>
-              <a:latin typeface="Noto Sans KR Medium" panose="020B0200000000000000" pitchFamily="34" charset="-127"/>
-              <a:ea typeface="Noto Sans KR Medium" panose="020B0200000000000000" pitchFamily="34" charset="-127"/>
-              <a:cs typeface="Pretendard Medium" panose="02000603000000020004" pitchFamily="50" charset="-127"/>
+              <a:latin typeface="Pretendard ExtraBold" panose="02000903000000020004" pitchFamily="50" charset="-127"/>
+              <a:ea typeface="Pretendard ExtraBold" panose="02000903000000020004" pitchFamily="50" charset="-127"/>
+              <a:cs typeface="Pretendard ExtraBold" panose="02000903000000020004" pitchFamily="50" charset="-127"/>
             </a:endParaRPr>
           </a:p>
-          <a:p>
-            <a:pPr>
-              <a:lnSpc>
-                <a:spcPct val="120000"/>
-              </a:lnSpc>
-            </a:pPr>
-            <a:r>
-              <a:rPr lang="en-US" altLang="ko-KR" sz="1300" dirty="0">
-                <a:solidFill>
-                  <a:schemeClr val="bg1"/>
-                </a:solidFill>
-                <a:latin typeface="Noto Sans CJK KR Black" panose="020B0A00000000000000" pitchFamily="34" charset="-127"/>
-                <a:ea typeface="Noto Sans CJK KR Black" panose="020B0A00000000000000" pitchFamily="34" charset="-127"/>
-                <a:cs typeface="Pretendard Black" panose="02000A03000000020004" pitchFamily="50" charset="-127"/>
-              </a:rPr>
-              <a:t>PHONE</a:t>
-            </a:r>
-            <a:r>
-              <a:rPr lang="en-US" altLang="ko-KR" sz="1300" dirty="0">
-                <a:solidFill>
-                  <a:schemeClr val="bg1"/>
-                </a:solidFill>
-                <a:latin typeface="Noto Sans KR Medium" panose="020B0200000000000000" pitchFamily="34" charset="-127"/>
-                <a:ea typeface="Noto Sans KR Medium" panose="020B0200000000000000" pitchFamily="34" charset="-127"/>
-                <a:cs typeface="Pretendard Medium" panose="02000603000000020004" pitchFamily="50" charset="-127"/>
-              </a:rPr>
-              <a:t>  031-525-3800       </a:t>
-            </a:r>
-            <a:r>
-              <a:rPr lang="en-US" altLang="ko-KR" sz="1300" dirty="0">
-                <a:solidFill>
-                  <a:schemeClr val="bg1"/>
-                </a:solidFill>
-                <a:latin typeface="Noto Sans CJK KR Black" panose="020B0A00000000000000" pitchFamily="34" charset="-127"/>
-                <a:ea typeface="Noto Sans CJK KR Black" panose="020B0A00000000000000" pitchFamily="34" charset="-127"/>
-                <a:cs typeface="Pretendard Black" panose="02000A03000000020004" pitchFamily="50" charset="-127"/>
-              </a:rPr>
-              <a:t>FAX</a:t>
-            </a:r>
-            <a:r>
-              <a:rPr lang="en-US" altLang="ko-KR" sz="1300" dirty="0">
-                <a:solidFill>
-                  <a:schemeClr val="bg1"/>
-                </a:solidFill>
-                <a:latin typeface="Noto Sans KR Medium" panose="020B0200000000000000" pitchFamily="34" charset="-127"/>
-                <a:ea typeface="Noto Sans KR Medium" panose="020B0200000000000000" pitchFamily="34" charset="-127"/>
-                <a:cs typeface="Pretendard Medium" panose="02000603000000020004" pitchFamily="50" charset="-127"/>
-              </a:rPr>
-              <a:t>  031-525-3801</a:t>
-            </a:r>
-            <a:endParaRPr lang="ko-KR" altLang="en-US" sz="1300" dirty="0">
-              <a:solidFill>
-                <a:schemeClr val="bg1"/>
-              </a:solidFill>
-              <a:latin typeface="Noto Sans KR Medium" panose="020B0200000000000000" pitchFamily="34" charset="-127"/>
-              <a:ea typeface="Noto Sans KR Medium" panose="020B0200000000000000" pitchFamily="34" charset="-127"/>
-              <a:cs typeface="Pretendard Medium" panose="02000603000000020004" pitchFamily="50" charset="-127"/>
-            </a:endParaRPr>
-          </a:p>
-        </p:txBody>
-      </p:sp>
+        </p:txBody>
+      </p:sp>
+      <p:pic>
+        <p:nvPicPr>
+          <p:cNvPr id="18" name="그림 17">
+            <a:extLst>
+              <a:ext uri="{FF2B5EF4-FFF2-40B4-BE49-F238E27FC236}">
+                <a16:creationId xmlns:a16="http://schemas.microsoft.com/office/drawing/2014/main" id="{746F4F5B-4791-2C31-C894-4C39D4715665}"/>
+              </a:ext>
+            </a:extLst>
+          </p:cNvPr>
+          <p:cNvPicPr>
+            <a:picLocks noChangeAspect="1"/>
+          </p:cNvPicPr>
+          <p:nvPr/>
+        </p:nvPicPr>
+        <p:blipFill>
+          <a:blip r:embed="rId2"/>
+          <a:stretch>
+            <a:fillRect/>
+          </a:stretch>
+        </p:blipFill>
+        <p:spPr>
+          <a:xfrm>
+            <a:off x="4500459" y="1362076"/>
+            <a:ext cx="3191080" cy="5087923"/>
+          </a:xfrm>
+          <a:prstGeom prst="rect">
+            <a:avLst/>
+          </a:prstGeom>
+        </p:spPr>
+      </p:pic>
     </p:spTree>
     <p:extLst>
       <p:ext uri="{BB962C8B-B14F-4D97-AF65-F5344CB8AC3E}">
-        <p14:creationId xmlns:p14="http://schemas.microsoft.com/office/powerpoint/2010/main" val="2950452290"/>
+        <p14:creationId xmlns:p14="http://schemas.microsoft.com/office/powerpoint/2010/main" val="3772745012"/>
+      </p:ext>
+    </p:extLst>
+  </p:cSld>
+  <p:clrMapOvr>
+    <a:masterClrMapping/>
+  </p:clrMapOvr>
+</p:sld>
+</file>
+
+<file path=ppt/slides/slide16.xml><?xml version="1.0" encoding="utf-8"?>
+<p:sld xmlns:a="http://schemas.openxmlformats.org/drawingml/2006/main" xmlns:r="http://schemas.openxmlformats.org/officeDocument/2006/relationships" xmlns:p="http://schemas.openxmlformats.org/presentationml/2006/main">
+  <p:cSld>
+    <p:spTree>
+      <p:nvGrpSpPr>
+        <p:cNvPr id="1" name=""/>
+        <p:cNvGrpSpPr/>
+        <p:nvPr/>
+      </p:nvGrpSpPr>
+      <p:grpSpPr>
+        <a:xfrm>
+          <a:off x="0" y="0"/>
+          <a:ext cx="0" cy="0"/>
+          <a:chOff x="0" y="0"/>
+          <a:chExt cx="0" cy="0"/>
+        </a:xfrm>
+      </p:grpSpPr>
+      <p:sp>
+        <p:nvSpPr>
+          <p:cNvPr id="2" name="제목 1">
+            <a:extLst>
+              <a:ext uri="{FF2B5EF4-FFF2-40B4-BE49-F238E27FC236}">
+                <a16:creationId xmlns:a16="http://schemas.microsoft.com/office/drawing/2014/main" id="{40E988EF-B08A-1B7E-6C67-F009F4F735A5}"/>
+              </a:ext>
+            </a:extLst>
+          </p:cNvPr>
+          <p:cNvSpPr>
+            <a:spLocks noGrp="1"/>
+          </p:cNvSpPr>
+          <p:nvPr>
+            <p:ph type="title"/>
+          </p:nvPr>
+        </p:nvSpPr>
+        <p:spPr/>
+        <p:txBody>
+          <a:bodyPr/>
+          <a:lstStyle/>
+          <a:p>
+            <a:r>
+              <a:rPr lang="ko-KR" altLang="en-US" dirty="0"/>
+              <a:t>전체 채용 프로세스</a:t>
+            </a:r>
+          </a:p>
+        </p:txBody>
+      </p:sp>
+      <p:sp>
+        <p:nvSpPr>
+          <p:cNvPr id="4" name="텍스트 개체 틀 3">
+            <a:extLst>
+              <a:ext uri="{FF2B5EF4-FFF2-40B4-BE49-F238E27FC236}">
+                <a16:creationId xmlns:a16="http://schemas.microsoft.com/office/drawing/2014/main" id="{A092DFB1-10A2-E7D9-11D1-92CFB29D9CBA}"/>
+              </a:ext>
+            </a:extLst>
+          </p:cNvPr>
+          <p:cNvSpPr>
+            <a:spLocks noGrp="1"/>
+          </p:cNvSpPr>
+          <p:nvPr>
+            <p:ph type="body" sz="quarter" idx="13"/>
+          </p:nvPr>
+        </p:nvSpPr>
+        <p:spPr/>
+        <p:txBody>
+          <a:bodyPr/>
+          <a:lstStyle/>
+          <a:p>
+            <a:r>
+              <a:rPr lang="en-US" altLang="ko-KR" dirty="0"/>
+              <a:t>04. </a:t>
+            </a:r>
+            <a:r>
+              <a:rPr lang="ko-KR" altLang="en-US" dirty="0"/>
+              <a:t>개발 과정</a:t>
+            </a:r>
+          </a:p>
+        </p:txBody>
+      </p:sp>
+      <p:sp>
+        <p:nvSpPr>
+          <p:cNvPr id="5" name="텍스트 개체 틀 4">
+            <a:extLst>
+              <a:ext uri="{FF2B5EF4-FFF2-40B4-BE49-F238E27FC236}">
+                <a16:creationId xmlns:a16="http://schemas.microsoft.com/office/drawing/2014/main" id="{A220348D-1DB7-F156-A60C-AFD6F2B5A248}"/>
+              </a:ext>
+            </a:extLst>
+          </p:cNvPr>
+          <p:cNvSpPr>
+            <a:spLocks noGrp="1"/>
+          </p:cNvSpPr>
+          <p:nvPr>
+            <p:ph type="body" sz="quarter" idx="14"/>
+          </p:nvPr>
+        </p:nvSpPr>
+        <p:spPr/>
+        <p:txBody>
+          <a:bodyPr/>
+          <a:lstStyle/>
+          <a:p>
+            <a:r>
+              <a:rPr lang="en-US" altLang="ko-KR" dirty="0"/>
+              <a:t>4-2 </a:t>
+            </a:r>
+            <a:r>
+              <a:rPr lang="ko-KR" altLang="en-US" dirty="0"/>
+              <a:t>상태 다이어그램</a:t>
+            </a:r>
+          </a:p>
+        </p:txBody>
+      </p:sp>
+      <p:sp>
+        <p:nvSpPr>
+          <p:cNvPr id="6" name="TextBox 5">
+            <a:extLst>
+              <a:ext uri="{FF2B5EF4-FFF2-40B4-BE49-F238E27FC236}">
+                <a16:creationId xmlns:a16="http://schemas.microsoft.com/office/drawing/2014/main" id="{6A9640C9-65F7-ECEA-9BF4-ADBD02D71466}"/>
+              </a:ext>
+            </a:extLst>
+          </p:cNvPr>
+          <p:cNvSpPr txBox="1"/>
+          <p:nvPr/>
+        </p:nvSpPr>
+        <p:spPr>
+          <a:xfrm>
+            <a:off x="6534622" y="786883"/>
+            <a:ext cx="3132589" cy="369332"/>
+          </a:xfrm>
+          <a:prstGeom prst="rect">
+            <a:avLst/>
+          </a:prstGeom>
+          <a:noFill/>
+        </p:spPr>
+        <p:txBody>
+          <a:bodyPr wrap="none" rtlCol="0">
+            <a:spAutoFit/>
+          </a:bodyPr>
+          <a:lstStyle/>
+          <a:p>
+            <a:r>
+              <a:rPr lang="ko-KR" altLang="en-US" dirty="0">
+                <a:solidFill>
+                  <a:srgbClr val="00B0F0"/>
+                </a:solidFill>
+                <a:latin typeface="Pretendard ExtraBold" panose="02000903000000020004" pitchFamily="50" charset="-127"/>
+                <a:ea typeface="Pretendard ExtraBold" panose="02000903000000020004" pitchFamily="50" charset="-127"/>
+                <a:cs typeface="Pretendard ExtraBold" panose="02000903000000020004" pitchFamily="50" charset="-127"/>
+              </a:rPr>
+              <a:t>내지 슬라이드 제목 폰트 크기 </a:t>
+            </a:r>
+            <a:r>
+              <a:rPr lang="en-US" altLang="ko-KR" dirty="0">
+                <a:solidFill>
+                  <a:srgbClr val="00B0F0"/>
+                </a:solidFill>
+                <a:latin typeface="Pretendard ExtraBold" panose="02000903000000020004" pitchFamily="50" charset="-127"/>
+                <a:ea typeface="Pretendard ExtraBold" panose="02000903000000020004" pitchFamily="50" charset="-127"/>
+                <a:cs typeface="Pretendard ExtraBold" panose="02000903000000020004" pitchFamily="50" charset="-127"/>
+              </a:rPr>
+              <a:t>30</a:t>
+            </a:r>
+            <a:endParaRPr lang="ko-KR" altLang="en-US" dirty="0">
+              <a:solidFill>
+                <a:srgbClr val="00B0F0"/>
+              </a:solidFill>
+              <a:latin typeface="Pretendard ExtraBold" panose="02000903000000020004" pitchFamily="50" charset="-127"/>
+              <a:ea typeface="Pretendard ExtraBold" panose="02000903000000020004" pitchFamily="50" charset="-127"/>
+              <a:cs typeface="Pretendard ExtraBold" panose="02000903000000020004" pitchFamily="50" charset="-127"/>
+            </a:endParaRPr>
+          </a:p>
+        </p:txBody>
+      </p:sp>
+      <p:pic>
+        <p:nvPicPr>
+          <p:cNvPr id="7" name="그림 6">
+            <a:extLst>
+              <a:ext uri="{FF2B5EF4-FFF2-40B4-BE49-F238E27FC236}">
+                <a16:creationId xmlns:a16="http://schemas.microsoft.com/office/drawing/2014/main" id="{2C653691-8EDD-8DD2-DC14-C331F535D184}"/>
+              </a:ext>
+            </a:extLst>
+          </p:cNvPr>
+          <p:cNvPicPr>
+            <a:picLocks noChangeAspect="1"/>
+          </p:cNvPicPr>
+          <p:nvPr/>
+        </p:nvPicPr>
+        <p:blipFill>
+          <a:blip r:embed="rId2"/>
+          <a:stretch>
+            <a:fillRect/>
+          </a:stretch>
+        </p:blipFill>
+        <p:spPr>
+          <a:xfrm>
+            <a:off x="3832381" y="1464763"/>
+            <a:ext cx="4527236" cy="4925153"/>
+          </a:xfrm>
+          <a:prstGeom prst="rect">
+            <a:avLst/>
+          </a:prstGeom>
+        </p:spPr>
+      </p:pic>
+    </p:spTree>
+    <p:extLst>
+      <p:ext uri="{BB962C8B-B14F-4D97-AF65-F5344CB8AC3E}">
+        <p14:creationId xmlns:p14="http://schemas.microsoft.com/office/powerpoint/2010/main" val="2695692036"/>
+      </p:ext>
+    </p:extLst>
+  </p:cSld>
+  <p:clrMapOvr>
+    <a:masterClrMapping/>
+  </p:clrMapOvr>
+</p:sld>
+</file>
+
+<file path=ppt/slides/slide17.xml><?xml version="1.0" encoding="utf-8"?>
+<p:sld xmlns:a="http://schemas.openxmlformats.org/drawingml/2006/main" xmlns:r="http://schemas.openxmlformats.org/officeDocument/2006/relationships" xmlns:p="http://schemas.openxmlformats.org/presentationml/2006/main">
+  <p:cSld>
+    <p:spTree>
+      <p:nvGrpSpPr>
+        <p:cNvPr id="1" name=""/>
+        <p:cNvGrpSpPr/>
+        <p:nvPr/>
+      </p:nvGrpSpPr>
+      <p:grpSpPr>
+        <a:xfrm>
+          <a:off x="0" y="0"/>
+          <a:ext cx="0" cy="0"/>
+          <a:chOff x="0" y="0"/>
+          <a:chExt cx="0" cy="0"/>
+        </a:xfrm>
+      </p:grpSpPr>
+      <p:sp>
+        <p:nvSpPr>
+          <p:cNvPr id="2" name="제목 1">
+            <a:extLst>
+              <a:ext uri="{FF2B5EF4-FFF2-40B4-BE49-F238E27FC236}">
+                <a16:creationId xmlns:a16="http://schemas.microsoft.com/office/drawing/2014/main" id="{40E988EF-B08A-1B7E-6C67-F009F4F735A5}"/>
+              </a:ext>
+            </a:extLst>
+          </p:cNvPr>
+          <p:cNvSpPr>
+            <a:spLocks noGrp="1"/>
+          </p:cNvSpPr>
+          <p:nvPr>
+            <p:ph type="title"/>
+          </p:nvPr>
+        </p:nvSpPr>
+        <p:spPr/>
+        <p:txBody>
+          <a:bodyPr/>
+          <a:lstStyle/>
+          <a:p>
+            <a:r>
+              <a:rPr lang="ko-KR" altLang="en-US" dirty="0"/>
+              <a:t>전체 채용 프로세스</a:t>
+            </a:r>
+          </a:p>
+        </p:txBody>
+      </p:sp>
+      <p:sp>
+        <p:nvSpPr>
+          <p:cNvPr id="4" name="텍스트 개체 틀 3">
+            <a:extLst>
+              <a:ext uri="{FF2B5EF4-FFF2-40B4-BE49-F238E27FC236}">
+                <a16:creationId xmlns:a16="http://schemas.microsoft.com/office/drawing/2014/main" id="{A092DFB1-10A2-E7D9-11D1-92CFB29D9CBA}"/>
+              </a:ext>
+            </a:extLst>
+          </p:cNvPr>
+          <p:cNvSpPr>
+            <a:spLocks noGrp="1"/>
+          </p:cNvSpPr>
+          <p:nvPr>
+            <p:ph type="body" sz="quarter" idx="13"/>
+          </p:nvPr>
+        </p:nvSpPr>
+        <p:spPr/>
+        <p:txBody>
+          <a:bodyPr/>
+          <a:lstStyle/>
+          <a:p>
+            <a:r>
+              <a:rPr lang="en-US" altLang="ko-KR" dirty="0"/>
+              <a:t>04. </a:t>
+            </a:r>
+            <a:r>
+              <a:rPr lang="ko-KR" altLang="en-US" dirty="0"/>
+              <a:t>개발 과정</a:t>
+            </a:r>
+          </a:p>
+        </p:txBody>
+      </p:sp>
+      <p:sp>
+        <p:nvSpPr>
+          <p:cNvPr id="5" name="텍스트 개체 틀 4">
+            <a:extLst>
+              <a:ext uri="{FF2B5EF4-FFF2-40B4-BE49-F238E27FC236}">
+                <a16:creationId xmlns:a16="http://schemas.microsoft.com/office/drawing/2014/main" id="{A220348D-1DB7-F156-A60C-AFD6F2B5A248}"/>
+              </a:ext>
+            </a:extLst>
+          </p:cNvPr>
+          <p:cNvSpPr>
+            <a:spLocks noGrp="1"/>
+          </p:cNvSpPr>
+          <p:nvPr>
+            <p:ph type="body" sz="quarter" idx="14"/>
+          </p:nvPr>
+        </p:nvSpPr>
+        <p:spPr/>
+        <p:txBody>
+          <a:bodyPr/>
+          <a:lstStyle/>
+          <a:p>
+            <a:r>
+              <a:rPr lang="en-US" altLang="ko-KR" dirty="0"/>
+              <a:t>4-3 </a:t>
+            </a:r>
+            <a:r>
+              <a:rPr lang="ko-KR" altLang="en-US" dirty="0" err="1"/>
+              <a:t>유즈</a:t>
+            </a:r>
+            <a:r>
+              <a:rPr lang="ko-KR" altLang="en-US" dirty="0"/>
+              <a:t> 케이스</a:t>
+            </a:r>
+          </a:p>
+        </p:txBody>
+      </p:sp>
+      <p:sp>
+        <p:nvSpPr>
+          <p:cNvPr id="6" name="TextBox 5">
+            <a:extLst>
+              <a:ext uri="{FF2B5EF4-FFF2-40B4-BE49-F238E27FC236}">
+                <a16:creationId xmlns:a16="http://schemas.microsoft.com/office/drawing/2014/main" id="{6A9640C9-65F7-ECEA-9BF4-ADBD02D71466}"/>
+              </a:ext>
+            </a:extLst>
+          </p:cNvPr>
+          <p:cNvSpPr txBox="1"/>
+          <p:nvPr/>
+        </p:nvSpPr>
+        <p:spPr>
+          <a:xfrm>
+            <a:off x="6534622" y="786883"/>
+            <a:ext cx="3132589" cy="369332"/>
+          </a:xfrm>
+          <a:prstGeom prst="rect">
+            <a:avLst/>
+          </a:prstGeom>
+          <a:noFill/>
+        </p:spPr>
+        <p:txBody>
+          <a:bodyPr wrap="none" rtlCol="0">
+            <a:spAutoFit/>
+          </a:bodyPr>
+          <a:lstStyle/>
+          <a:p>
+            <a:r>
+              <a:rPr lang="ko-KR" altLang="en-US" dirty="0">
+                <a:solidFill>
+                  <a:srgbClr val="00B0F0"/>
+                </a:solidFill>
+                <a:latin typeface="Pretendard ExtraBold" panose="02000903000000020004" pitchFamily="50" charset="-127"/>
+                <a:ea typeface="Pretendard ExtraBold" panose="02000903000000020004" pitchFamily="50" charset="-127"/>
+                <a:cs typeface="Pretendard ExtraBold" panose="02000903000000020004" pitchFamily="50" charset="-127"/>
+              </a:rPr>
+              <a:t>내지 슬라이드 제목 폰트 크기 </a:t>
+            </a:r>
+            <a:r>
+              <a:rPr lang="en-US" altLang="ko-KR" dirty="0">
+                <a:solidFill>
+                  <a:srgbClr val="00B0F0"/>
+                </a:solidFill>
+                <a:latin typeface="Pretendard ExtraBold" panose="02000903000000020004" pitchFamily="50" charset="-127"/>
+                <a:ea typeface="Pretendard ExtraBold" panose="02000903000000020004" pitchFamily="50" charset="-127"/>
+                <a:cs typeface="Pretendard ExtraBold" panose="02000903000000020004" pitchFamily="50" charset="-127"/>
+              </a:rPr>
+              <a:t>30</a:t>
+            </a:r>
+            <a:endParaRPr lang="ko-KR" altLang="en-US" dirty="0">
+              <a:solidFill>
+                <a:srgbClr val="00B0F0"/>
+              </a:solidFill>
+              <a:latin typeface="Pretendard ExtraBold" panose="02000903000000020004" pitchFamily="50" charset="-127"/>
+              <a:ea typeface="Pretendard ExtraBold" panose="02000903000000020004" pitchFamily="50" charset="-127"/>
+              <a:cs typeface="Pretendard ExtraBold" panose="02000903000000020004" pitchFamily="50" charset="-127"/>
+            </a:endParaRPr>
+          </a:p>
+        </p:txBody>
+      </p:sp>
+    </p:spTree>
+    <p:extLst>
+      <p:ext uri="{BB962C8B-B14F-4D97-AF65-F5344CB8AC3E}">
+        <p14:creationId xmlns:p14="http://schemas.microsoft.com/office/powerpoint/2010/main" val="835740370"/>
+      </p:ext>
+    </p:extLst>
+  </p:cSld>
+  <p:clrMapOvr>
+    <a:masterClrMapping/>
+  </p:clrMapOvr>
+</p:sld>
+</file>
+
+<file path=ppt/slides/slide18.xml><?xml version="1.0" encoding="utf-8"?>
+<p:sld xmlns:a="http://schemas.openxmlformats.org/drawingml/2006/main" xmlns:r="http://schemas.openxmlformats.org/officeDocument/2006/relationships" xmlns:p="http://schemas.openxmlformats.org/presentationml/2006/main">
+  <p:cSld>
+    <p:spTree>
+      <p:nvGrpSpPr>
+        <p:cNvPr id="1" name=""/>
+        <p:cNvGrpSpPr/>
+        <p:nvPr/>
+      </p:nvGrpSpPr>
+      <p:grpSpPr>
+        <a:xfrm>
+          <a:off x="0" y="0"/>
+          <a:ext cx="0" cy="0"/>
+          <a:chOff x="0" y="0"/>
+          <a:chExt cx="0" cy="0"/>
+        </a:xfrm>
+      </p:grpSpPr>
+      <p:sp>
+        <p:nvSpPr>
+          <p:cNvPr id="2" name="제목 1">
+            <a:extLst>
+              <a:ext uri="{FF2B5EF4-FFF2-40B4-BE49-F238E27FC236}">
+                <a16:creationId xmlns:a16="http://schemas.microsoft.com/office/drawing/2014/main" id="{18672ECC-5481-83A4-D483-2C6E826E641A}"/>
+              </a:ext>
+            </a:extLst>
+          </p:cNvPr>
+          <p:cNvSpPr>
+            <a:spLocks noGrp="1"/>
+          </p:cNvSpPr>
+          <p:nvPr>
+            <p:ph type="title"/>
+          </p:nvPr>
+        </p:nvSpPr>
+        <p:spPr/>
+        <p:txBody>
+          <a:bodyPr/>
+          <a:lstStyle/>
+          <a:p>
+            <a:r>
+              <a:rPr lang="ko-KR" altLang="en-US" dirty="0"/>
+              <a:t>테스트 전략</a:t>
+            </a:r>
+          </a:p>
+        </p:txBody>
+      </p:sp>
+      <p:sp>
+        <p:nvSpPr>
+          <p:cNvPr id="3" name="텍스트 개체 틀 2">
+            <a:extLst>
+              <a:ext uri="{FF2B5EF4-FFF2-40B4-BE49-F238E27FC236}">
+                <a16:creationId xmlns:a16="http://schemas.microsoft.com/office/drawing/2014/main" id="{91CC686E-813A-2E86-DE7F-6E0DCBA4375D}"/>
+              </a:ext>
+            </a:extLst>
+          </p:cNvPr>
+          <p:cNvSpPr>
+            <a:spLocks noGrp="1"/>
+          </p:cNvSpPr>
+          <p:nvPr>
+            <p:ph type="body" idx="1"/>
+          </p:nvPr>
+        </p:nvSpPr>
+        <p:spPr/>
+        <p:txBody>
+          <a:bodyPr>
+            <a:normAutofit/>
+          </a:bodyPr>
+          <a:lstStyle/>
+          <a:p>
+            <a:pPr marL="342900" indent="-342900">
+              <a:buFontTx/>
+              <a:buChar char="-"/>
+            </a:pPr>
+            <a:r>
+              <a:rPr lang="ko-KR" altLang="en-US" dirty="0"/>
+              <a:t>유닛 테스트</a:t>
+            </a:r>
+            <a:endParaRPr lang="en-US" altLang="ko-KR" dirty="0"/>
+          </a:p>
+          <a:p>
+            <a:pPr marL="342900" indent="-342900">
+              <a:buFontTx/>
+              <a:buChar char="-"/>
+            </a:pPr>
+            <a:r>
+              <a:rPr lang="ko-KR" altLang="en-US" dirty="0"/>
+              <a:t>통합 테스트</a:t>
+            </a:r>
+          </a:p>
+        </p:txBody>
+      </p:sp>
+    </p:spTree>
+    <p:extLst>
+      <p:ext uri="{BB962C8B-B14F-4D97-AF65-F5344CB8AC3E}">
+        <p14:creationId xmlns:p14="http://schemas.microsoft.com/office/powerpoint/2010/main" val="1104510042"/>
+      </p:ext>
+    </p:extLst>
+  </p:cSld>
+  <p:clrMapOvr>
+    <a:masterClrMapping/>
+  </p:clrMapOvr>
+</p:sld>
+</file>
+
+<file path=ppt/slides/slide19.xml><?xml version="1.0" encoding="utf-8"?>
+<p:sld xmlns:a="http://schemas.openxmlformats.org/drawingml/2006/main" xmlns:r="http://schemas.openxmlformats.org/officeDocument/2006/relationships" xmlns:p="http://schemas.openxmlformats.org/presentationml/2006/main">
+  <p:cSld>
+    <p:spTree>
+      <p:nvGrpSpPr>
+        <p:cNvPr id="1" name=""/>
+        <p:cNvGrpSpPr/>
+        <p:nvPr/>
+      </p:nvGrpSpPr>
+      <p:grpSpPr>
+        <a:xfrm>
+          <a:off x="0" y="0"/>
+          <a:ext cx="0" cy="0"/>
+          <a:chOff x="0" y="0"/>
+          <a:chExt cx="0" cy="0"/>
+        </a:xfrm>
+      </p:grpSpPr>
+      <p:sp>
+        <p:nvSpPr>
+          <p:cNvPr id="2" name="제목 1">
+            <a:extLst>
+              <a:ext uri="{FF2B5EF4-FFF2-40B4-BE49-F238E27FC236}">
+                <a16:creationId xmlns:a16="http://schemas.microsoft.com/office/drawing/2014/main" id="{40E988EF-B08A-1B7E-6C67-F009F4F735A5}"/>
+              </a:ext>
+            </a:extLst>
+          </p:cNvPr>
+          <p:cNvSpPr>
+            <a:spLocks noGrp="1"/>
+          </p:cNvSpPr>
+          <p:nvPr>
+            <p:ph type="title"/>
+          </p:nvPr>
+        </p:nvSpPr>
+        <p:spPr/>
+        <p:txBody>
+          <a:bodyPr/>
+          <a:lstStyle/>
+          <a:p>
+            <a:r>
+              <a:rPr lang="ko-KR" altLang="en-US" dirty="0"/>
+              <a:t>전체 채용 프로세스</a:t>
+            </a:r>
+          </a:p>
+        </p:txBody>
+      </p:sp>
+      <p:sp>
+        <p:nvSpPr>
+          <p:cNvPr id="4" name="텍스트 개체 틀 3">
+            <a:extLst>
+              <a:ext uri="{FF2B5EF4-FFF2-40B4-BE49-F238E27FC236}">
+                <a16:creationId xmlns:a16="http://schemas.microsoft.com/office/drawing/2014/main" id="{A092DFB1-10A2-E7D9-11D1-92CFB29D9CBA}"/>
+              </a:ext>
+            </a:extLst>
+          </p:cNvPr>
+          <p:cNvSpPr>
+            <a:spLocks noGrp="1"/>
+          </p:cNvSpPr>
+          <p:nvPr>
+            <p:ph type="body" sz="quarter" idx="13"/>
+          </p:nvPr>
+        </p:nvSpPr>
+        <p:spPr/>
+        <p:txBody>
+          <a:bodyPr/>
+          <a:lstStyle/>
+          <a:p>
+            <a:r>
+              <a:rPr lang="en-US" altLang="ko-KR" dirty="0"/>
+              <a:t>05. </a:t>
+            </a:r>
+            <a:r>
+              <a:rPr lang="ko-KR" altLang="en-US" dirty="0"/>
+              <a:t>테스트 전략</a:t>
+            </a:r>
+          </a:p>
+        </p:txBody>
+      </p:sp>
+      <p:sp>
+        <p:nvSpPr>
+          <p:cNvPr id="5" name="텍스트 개체 틀 4">
+            <a:extLst>
+              <a:ext uri="{FF2B5EF4-FFF2-40B4-BE49-F238E27FC236}">
+                <a16:creationId xmlns:a16="http://schemas.microsoft.com/office/drawing/2014/main" id="{A220348D-1DB7-F156-A60C-AFD6F2B5A248}"/>
+              </a:ext>
+            </a:extLst>
+          </p:cNvPr>
+          <p:cNvSpPr>
+            <a:spLocks noGrp="1"/>
+          </p:cNvSpPr>
+          <p:nvPr>
+            <p:ph type="body" sz="quarter" idx="14"/>
+          </p:nvPr>
+        </p:nvSpPr>
+        <p:spPr/>
+        <p:txBody>
+          <a:bodyPr/>
+          <a:lstStyle/>
+          <a:p>
+            <a:r>
+              <a:rPr lang="en-US" altLang="ko-KR" dirty="0"/>
+              <a:t>5-1 </a:t>
+            </a:r>
+            <a:r>
+              <a:rPr lang="ko-KR" altLang="en-US" dirty="0"/>
+              <a:t>유닛 테스트</a:t>
+            </a:r>
+          </a:p>
+        </p:txBody>
+      </p:sp>
+      <p:sp>
+        <p:nvSpPr>
+          <p:cNvPr id="6" name="TextBox 5">
+            <a:extLst>
+              <a:ext uri="{FF2B5EF4-FFF2-40B4-BE49-F238E27FC236}">
+                <a16:creationId xmlns:a16="http://schemas.microsoft.com/office/drawing/2014/main" id="{6A9640C9-65F7-ECEA-9BF4-ADBD02D71466}"/>
+              </a:ext>
+            </a:extLst>
+          </p:cNvPr>
+          <p:cNvSpPr txBox="1"/>
+          <p:nvPr/>
+        </p:nvSpPr>
+        <p:spPr>
+          <a:xfrm>
+            <a:off x="6534622" y="786883"/>
+            <a:ext cx="3132589" cy="369332"/>
+          </a:xfrm>
+          <a:prstGeom prst="rect">
+            <a:avLst/>
+          </a:prstGeom>
+          <a:noFill/>
+        </p:spPr>
+        <p:txBody>
+          <a:bodyPr wrap="none" rtlCol="0">
+            <a:spAutoFit/>
+          </a:bodyPr>
+          <a:lstStyle/>
+          <a:p>
+            <a:r>
+              <a:rPr lang="ko-KR" altLang="en-US" dirty="0">
+                <a:solidFill>
+                  <a:srgbClr val="00B0F0"/>
+                </a:solidFill>
+                <a:latin typeface="Pretendard ExtraBold" panose="02000903000000020004" pitchFamily="50" charset="-127"/>
+                <a:ea typeface="Pretendard ExtraBold" panose="02000903000000020004" pitchFamily="50" charset="-127"/>
+                <a:cs typeface="Pretendard ExtraBold" panose="02000903000000020004" pitchFamily="50" charset="-127"/>
+              </a:rPr>
+              <a:t>내지 슬라이드 제목 폰트 크기 </a:t>
+            </a:r>
+            <a:r>
+              <a:rPr lang="en-US" altLang="ko-KR" dirty="0">
+                <a:solidFill>
+                  <a:srgbClr val="00B0F0"/>
+                </a:solidFill>
+                <a:latin typeface="Pretendard ExtraBold" panose="02000903000000020004" pitchFamily="50" charset="-127"/>
+                <a:ea typeface="Pretendard ExtraBold" panose="02000903000000020004" pitchFamily="50" charset="-127"/>
+                <a:cs typeface="Pretendard ExtraBold" panose="02000903000000020004" pitchFamily="50" charset="-127"/>
+              </a:rPr>
+              <a:t>30</a:t>
+            </a:r>
+            <a:endParaRPr lang="ko-KR" altLang="en-US" dirty="0">
+              <a:solidFill>
+                <a:srgbClr val="00B0F0"/>
+              </a:solidFill>
+              <a:latin typeface="Pretendard ExtraBold" panose="02000903000000020004" pitchFamily="50" charset="-127"/>
+              <a:ea typeface="Pretendard ExtraBold" panose="02000903000000020004" pitchFamily="50" charset="-127"/>
+              <a:cs typeface="Pretendard ExtraBold" panose="02000903000000020004" pitchFamily="50" charset="-127"/>
+            </a:endParaRPr>
+          </a:p>
+        </p:txBody>
+      </p:sp>
+    </p:spTree>
+    <p:extLst>
+      <p:ext uri="{BB962C8B-B14F-4D97-AF65-F5344CB8AC3E}">
+        <p14:creationId xmlns:p14="http://schemas.microsoft.com/office/powerpoint/2010/main" val="3987420248"/>
       </p:ext>
     </p:extLst>
   </p:cSld>
@@ -5078,6 +5765,1652 @@
     <p:extLst>
       <p:ext uri="{BB962C8B-B14F-4D97-AF65-F5344CB8AC3E}">
         <p14:creationId xmlns:p14="http://schemas.microsoft.com/office/powerpoint/2010/main" val="4189121039"/>
+      </p:ext>
+    </p:extLst>
+  </p:cSld>
+  <p:clrMapOvr>
+    <a:masterClrMapping/>
+  </p:clrMapOvr>
+</p:sld>
+</file>
+
+<file path=ppt/slides/slide20.xml><?xml version="1.0" encoding="utf-8"?>
+<p:sld xmlns:a="http://schemas.openxmlformats.org/drawingml/2006/main" xmlns:r="http://schemas.openxmlformats.org/officeDocument/2006/relationships" xmlns:p="http://schemas.openxmlformats.org/presentationml/2006/main">
+  <p:cSld>
+    <p:spTree>
+      <p:nvGrpSpPr>
+        <p:cNvPr id="1" name=""/>
+        <p:cNvGrpSpPr/>
+        <p:nvPr/>
+      </p:nvGrpSpPr>
+      <p:grpSpPr>
+        <a:xfrm>
+          <a:off x="0" y="0"/>
+          <a:ext cx="0" cy="0"/>
+          <a:chOff x="0" y="0"/>
+          <a:chExt cx="0" cy="0"/>
+        </a:xfrm>
+      </p:grpSpPr>
+      <p:sp>
+        <p:nvSpPr>
+          <p:cNvPr id="2" name="제목 1">
+            <a:extLst>
+              <a:ext uri="{FF2B5EF4-FFF2-40B4-BE49-F238E27FC236}">
+                <a16:creationId xmlns:a16="http://schemas.microsoft.com/office/drawing/2014/main" id="{40E988EF-B08A-1B7E-6C67-F009F4F735A5}"/>
+              </a:ext>
+            </a:extLst>
+          </p:cNvPr>
+          <p:cNvSpPr>
+            <a:spLocks noGrp="1"/>
+          </p:cNvSpPr>
+          <p:nvPr>
+            <p:ph type="title"/>
+          </p:nvPr>
+        </p:nvSpPr>
+        <p:spPr/>
+        <p:txBody>
+          <a:bodyPr/>
+          <a:lstStyle/>
+          <a:p>
+            <a:r>
+              <a:rPr lang="ko-KR" altLang="en-US" dirty="0"/>
+              <a:t>전체 채용 프로세스</a:t>
+            </a:r>
+          </a:p>
+        </p:txBody>
+      </p:sp>
+      <p:sp>
+        <p:nvSpPr>
+          <p:cNvPr id="4" name="텍스트 개체 틀 3">
+            <a:extLst>
+              <a:ext uri="{FF2B5EF4-FFF2-40B4-BE49-F238E27FC236}">
+                <a16:creationId xmlns:a16="http://schemas.microsoft.com/office/drawing/2014/main" id="{A092DFB1-10A2-E7D9-11D1-92CFB29D9CBA}"/>
+              </a:ext>
+            </a:extLst>
+          </p:cNvPr>
+          <p:cNvSpPr>
+            <a:spLocks noGrp="1"/>
+          </p:cNvSpPr>
+          <p:nvPr>
+            <p:ph type="body" sz="quarter" idx="13"/>
+          </p:nvPr>
+        </p:nvSpPr>
+        <p:spPr/>
+        <p:txBody>
+          <a:bodyPr/>
+          <a:lstStyle/>
+          <a:p>
+            <a:r>
+              <a:rPr lang="en-US" altLang="ko-KR" dirty="0"/>
+              <a:t>05. </a:t>
+            </a:r>
+            <a:r>
+              <a:rPr lang="ko-KR" altLang="en-US" dirty="0"/>
+              <a:t>테스트 전략</a:t>
+            </a:r>
+          </a:p>
+        </p:txBody>
+      </p:sp>
+      <p:sp>
+        <p:nvSpPr>
+          <p:cNvPr id="5" name="텍스트 개체 틀 4">
+            <a:extLst>
+              <a:ext uri="{FF2B5EF4-FFF2-40B4-BE49-F238E27FC236}">
+                <a16:creationId xmlns:a16="http://schemas.microsoft.com/office/drawing/2014/main" id="{A220348D-1DB7-F156-A60C-AFD6F2B5A248}"/>
+              </a:ext>
+            </a:extLst>
+          </p:cNvPr>
+          <p:cNvSpPr>
+            <a:spLocks noGrp="1"/>
+          </p:cNvSpPr>
+          <p:nvPr>
+            <p:ph type="body" sz="quarter" idx="14"/>
+          </p:nvPr>
+        </p:nvSpPr>
+        <p:spPr/>
+        <p:txBody>
+          <a:bodyPr/>
+          <a:lstStyle/>
+          <a:p>
+            <a:r>
+              <a:rPr lang="en-US" altLang="ko-KR" dirty="0"/>
+              <a:t>5-2 </a:t>
+            </a:r>
+            <a:r>
+              <a:rPr lang="ko-KR" altLang="en-US" dirty="0"/>
+              <a:t>통합 테스트</a:t>
+            </a:r>
+          </a:p>
+        </p:txBody>
+      </p:sp>
+      <p:sp>
+        <p:nvSpPr>
+          <p:cNvPr id="6" name="TextBox 5">
+            <a:extLst>
+              <a:ext uri="{FF2B5EF4-FFF2-40B4-BE49-F238E27FC236}">
+                <a16:creationId xmlns:a16="http://schemas.microsoft.com/office/drawing/2014/main" id="{6A9640C9-65F7-ECEA-9BF4-ADBD02D71466}"/>
+              </a:ext>
+            </a:extLst>
+          </p:cNvPr>
+          <p:cNvSpPr txBox="1"/>
+          <p:nvPr/>
+        </p:nvSpPr>
+        <p:spPr>
+          <a:xfrm>
+            <a:off x="6534622" y="786883"/>
+            <a:ext cx="3132589" cy="369332"/>
+          </a:xfrm>
+          <a:prstGeom prst="rect">
+            <a:avLst/>
+          </a:prstGeom>
+          <a:noFill/>
+        </p:spPr>
+        <p:txBody>
+          <a:bodyPr wrap="none" rtlCol="0">
+            <a:spAutoFit/>
+          </a:bodyPr>
+          <a:lstStyle/>
+          <a:p>
+            <a:r>
+              <a:rPr lang="ko-KR" altLang="en-US" dirty="0">
+                <a:solidFill>
+                  <a:srgbClr val="00B0F0"/>
+                </a:solidFill>
+                <a:latin typeface="Pretendard ExtraBold" panose="02000903000000020004" pitchFamily="50" charset="-127"/>
+                <a:ea typeface="Pretendard ExtraBold" panose="02000903000000020004" pitchFamily="50" charset="-127"/>
+                <a:cs typeface="Pretendard ExtraBold" panose="02000903000000020004" pitchFamily="50" charset="-127"/>
+              </a:rPr>
+              <a:t>내지 슬라이드 제목 폰트 크기 </a:t>
+            </a:r>
+            <a:r>
+              <a:rPr lang="en-US" altLang="ko-KR" dirty="0">
+                <a:solidFill>
+                  <a:srgbClr val="00B0F0"/>
+                </a:solidFill>
+                <a:latin typeface="Pretendard ExtraBold" panose="02000903000000020004" pitchFamily="50" charset="-127"/>
+                <a:ea typeface="Pretendard ExtraBold" panose="02000903000000020004" pitchFamily="50" charset="-127"/>
+                <a:cs typeface="Pretendard ExtraBold" panose="02000903000000020004" pitchFamily="50" charset="-127"/>
+              </a:rPr>
+              <a:t>30</a:t>
+            </a:r>
+            <a:endParaRPr lang="ko-KR" altLang="en-US" dirty="0">
+              <a:solidFill>
+                <a:srgbClr val="00B0F0"/>
+              </a:solidFill>
+              <a:latin typeface="Pretendard ExtraBold" panose="02000903000000020004" pitchFamily="50" charset="-127"/>
+              <a:ea typeface="Pretendard ExtraBold" panose="02000903000000020004" pitchFamily="50" charset="-127"/>
+              <a:cs typeface="Pretendard ExtraBold" panose="02000903000000020004" pitchFamily="50" charset="-127"/>
+            </a:endParaRPr>
+          </a:p>
+        </p:txBody>
+      </p:sp>
+    </p:spTree>
+    <p:extLst>
+      <p:ext uri="{BB962C8B-B14F-4D97-AF65-F5344CB8AC3E}">
+        <p14:creationId xmlns:p14="http://schemas.microsoft.com/office/powerpoint/2010/main" val="996726361"/>
+      </p:ext>
+    </p:extLst>
+  </p:cSld>
+  <p:clrMapOvr>
+    <a:masterClrMapping/>
+  </p:clrMapOvr>
+</p:sld>
+</file>
+
+<file path=ppt/slides/slide21.xml><?xml version="1.0" encoding="utf-8"?>
+<p:sld xmlns:a="http://schemas.openxmlformats.org/drawingml/2006/main" xmlns:r="http://schemas.openxmlformats.org/officeDocument/2006/relationships" xmlns:p="http://schemas.openxmlformats.org/presentationml/2006/main">
+  <p:cSld>
+    <p:spTree>
+      <p:nvGrpSpPr>
+        <p:cNvPr id="1" name=""/>
+        <p:cNvGrpSpPr/>
+        <p:nvPr/>
+      </p:nvGrpSpPr>
+      <p:grpSpPr>
+        <a:xfrm>
+          <a:off x="0" y="0"/>
+          <a:ext cx="0" cy="0"/>
+          <a:chOff x="0" y="0"/>
+          <a:chExt cx="0" cy="0"/>
+        </a:xfrm>
+      </p:grpSpPr>
+      <p:sp>
+        <p:nvSpPr>
+          <p:cNvPr id="2" name="제목 1">
+            <a:extLst>
+              <a:ext uri="{FF2B5EF4-FFF2-40B4-BE49-F238E27FC236}">
+                <a16:creationId xmlns:a16="http://schemas.microsoft.com/office/drawing/2014/main" id="{18672ECC-5481-83A4-D483-2C6E826E641A}"/>
+              </a:ext>
+            </a:extLst>
+          </p:cNvPr>
+          <p:cNvSpPr>
+            <a:spLocks noGrp="1"/>
+          </p:cNvSpPr>
+          <p:nvPr>
+            <p:ph type="title"/>
+          </p:nvPr>
+        </p:nvSpPr>
+        <p:spPr/>
+        <p:txBody>
+          <a:bodyPr/>
+          <a:lstStyle/>
+          <a:p>
+            <a:r>
+              <a:rPr lang="ko-KR" altLang="en-US" dirty="0"/>
+              <a:t>리스크 관리</a:t>
+            </a:r>
+          </a:p>
+        </p:txBody>
+      </p:sp>
+      <p:sp>
+        <p:nvSpPr>
+          <p:cNvPr id="3" name="텍스트 개체 틀 2">
+            <a:extLst>
+              <a:ext uri="{FF2B5EF4-FFF2-40B4-BE49-F238E27FC236}">
+                <a16:creationId xmlns:a16="http://schemas.microsoft.com/office/drawing/2014/main" id="{91CC686E-813A-2E86-DE7F-6E0DCBA4375D}"/>
+              </a:ext>
+            </a:extLst>
+          </p:cNvPr>
+          <p:cNvSpPr>
+            <a:spLocks noGrp="1"/>
+          </p:cNvSpPr>
+          <p:nvPr>
+            <p:ph type="body" idx="1"/>
+          </p:nvPr>
+        </p:nvSpPr>
+        <p:spPr/>
+        <p:txBody>
+          <a:bodyPr>
+            <a:normAutofit/>
+          </a:bodyPr>
+          <a:lstStyle/>
+          <a:p>
+            <a:pPr marL="342900" indent="-342900">
+              <a:buFontTx/>
+              <a:buChar char="-"/>
+            </a:pPr>
+            <a:r>
+              <a:rPr lang="ko-KR" altLang="en-US" dirty="0"/>
+              <a:t>식별된 리스트</a:t>
+            </a:r>
+            <a:endParaRPr lang="en-US" altLang="ko-KR" dirty="0"/>
+          </a:p>
+          <a:p>
+            <a:pPr marL="342900" indent="-342900">
+              <a:buFontTx/>
+              <a:buChar char="-"/>
+            </a:pPr>
+            <a:r>
+              <a:rPr lang="ko-KR" altLang="en-US" dirty="0"/>
+              <a:t>대응 전략 및 예방</a:t>
+            </a:r>
+          </a:p>
+        </p:txBody>
+      </p:sp>
+    </p:spTree>
+    <p:extLst>
+      <p:ext uri="{BB962C8B-B14F-4D97-AF65-F5344CB8AC3E}">
+        <p14:creationId xmlns:p14="http://schemas.microsoft.com/office/powerpoint/2010/main" val="785043507"/>
+      </p:ext>
+    </p:extLst>
+  </p:cSld>
+  <p:clrMapOvr>
+    <a:masterClrMapping/>
+  </p:clrMapOvr>
+</p:sld>
+</file>
+
+<file path=ppt/slides/slide22.xml><?xml version="1.0" encoding="utf-8"?>
+<p:sld xmlns:a="http://schemas.openxmlformats.org/drawingml/2006/main" xmlns:r="http://schemas.openxmlformats.org/officeDocument/2006/relationships" xmlns:p="http://schemas.openxmlformats.org/presentationml/2006/main">
+  <p:cSld>
+    <p:spTree>
+      <p:nvGrpSpPr>
+        <p:cNvPr id="1" name=""/>
+        <p:cNvGrpSpPr/>
+        <p:nvPr/>
+      </p:nvGrpSpPr>
+      <p:grpSpPr>
+        <a:xfrm>
+          <a:off x="0" y="0"/>
+          <a:ext cx="0" cy="0"/>
+          <a:chOff x="0" y="0"/>
+          <a:chExt cx="0" cy="0"/>
+        </a:xfrm>
+      </p:grpSpPr>
+      <p:sp>
+        <p:nvSpPr>
+          <p:cNvPr id="2" name="제목 1">
+            <a:extLst>
+              <a:ext uri="{FF2B5EF4-FFF2-40B4-BE49-F238E27FC236}">
+                <a16:creationId xmlns:a16="http://schemas.microsoft.com/office/drawing/2014/main" id="{40E988EF-B08A-1B7E-6C67-F009F4F735A5}"/>
+              </a:ext>
+            </a:extLst>
+          </p:cNvPr>
+          <p:cNvSpPr>
+            <a:spLocks noGrp="1"/>
+          </p:cNvSpPr>
+          <p:nvPr>
+            <p:ph type="title"/>
+          </p:nvPr>
+        </p:nvSpPr>
+        <p:spPr/>
+        <p:txBody>
+          <a:bodyPr/>
+          <a:lstStyle/>
+          <a:p>
+            <a:r>
+              <a:rPr lang="ko-KR" altLang="en-US" dirty="0"/>
+              <a:t>전체 채용 프로세스</a:t>
+            </a:r>
+          </a:p>
+        </p:txBody>
+      </p:sp>
+      <p:sp>
+        <p:nvSpPr>
+          <p:cNvPr id="4" name="텍스트 개체 틀 3">
+            <a:extLst>
+              <a:ext uri="{FF2B5EF4-FFF2-40B4-BE49-F238E27FC236}">
+                <a16:creationId xmlns:a16="http://schemas.microsoft.com/office/drawing/2014/main" id="{A092DFB1-10A2-E7D9-11D1-92CFB29D9CBA}"/>
+              </a:ext>
+            </a:extLst>
+          </p:cNvPr>
+          <p:cNvSpPr>
+            <a:spLocks noGrp="1"/>
+          </p:cNvSpPr>
+          <p:nvPr>
+            <p:ph type="body" sz="quarter" idx="13"/>
+          </p:nvPr>
+        </p:nvSpPr>
+        <p:spPr/>
+        <p:txBody>
+          <a:bodyPr/>
+          <a:lstStyle/>
+          <a:p>
+            <a:r>
+              <a:rPr lang="en-US" altLang="ko-KR" dirty="0"/>
+              <a:t>06. </a:t>
+            </a:r>
+            <a:r>
+              <a:rPr lang="ko-KR" altLang="en-US" dirty="0"/>
+              <a:t>리스크 관리</a:t>
+            </a:r>
+          </a:p>
+        </p:txBody>
+      </p:sp>
+      <p:sp>
+        <p:nvSpPr>
+          <p:cNvPr id="5" name="텍스트 개체 틀 4">
+            <a:extLst>
+              <a:ext uri="{FF2B5EF4-FFF2-40B4-BE49-F238E27FC236}">
+                <a16:creationId xmlns:a16="http://schemas.microsoft.com/office/drawing/2014/main" id="{A220348D-1DB7-F156-A60C-AFD6F2B5A248}"/>
+              </a:ext>
+            </a:extLst>
+          </p:cNvPr>
+          <p:cNvSpPr>
+            <a:spLocks noGrp="1"/>
+          </p:cNvSpPr>
+          <p:nvPr>
+            <p:ph type="body" sz="quarter" idx="14"/>
+          </p:nvPr>
+        </p:nvSpPr>
+        <p:spPr/>
+        <p:txBody>
+          <a:bodyPr/>
+          <a:lstStyle/>
+          <a:p>
+            <a:r>
+              <a:rPr lang="en-US" altLang="ko-KR" dirty="0"/>
+              <a:t>6-1 </a:t>
+            </a:r>
+            <a:r>
+              <a:rPr lang="ko-KR" altLang="en-US" dirty="0"/>
+              <a:t>식별된 리스크</a:t>
+            </a:r>
+          </a:p>
+        </p:txBody>
+      </p:sp>
+      <p:sp>
+        <p:nvSpPr>
+          <p:cNvPr id="6" name="TextBox 5">
+            <a:extLst>
+              <a:ext uri="{FF2B5EF4-FFF2-40B4-BE49-F238E27FC236}">
+                <a16:creationId xmlns:a16="http://schemas.microsoft.com/office/drawing/2014/main" id="{6A9640C9-65F7-ECEA-9BF4-ADBD02D71466}"/>
+              </a:ext>
+            </a:extLst>
+          </p:cNvPr>
+          <p:cNvSpPr txBox="1"/>
+          <p:nvPr/>
+        </p:nvSpPr>
+        <p:spPr>
+          <a:xfrm>
+            <a:off x="6534622" y="786883"/>
+            <a:ext cx="3132589" cy="369332"/>
+          </a:xfrm>
+          <a:prstGeom prst="rect">
+            <a:avLst/>
+          </a:prstGeom>
+          <a:noFill/>
+        </p:spPr>
+        <p:txBody>
+          <a:bodyPr wrap="none" rtlCol="0">
+            <a:spAutoFit/>
+          </a:bodyPr>
+          <a:lstStyle/>
+          <a:p>
+            <a:r>
+              <a:rPr lang="ko-KR" altLang="en-US" dirty="0">
+                <a:solidFill>
+                  <a:srgbClr val="00B0F0"/>
+                </a:solidFill>
+                <a:latin typeface="Pretendard ExtraBold" panose="02000903000000020004" pitchFamily="50" charset="-127"/>
+                <a:ea typeface="Pretendard ExtraBold" panose="02000903000000020004" pitchFamily="50" charset="-127"/>
+                <a:cs typeface="Pretendard ExtraBold" panose="02000903000000020004" pitchFamily="50" charset="-127"/>
+              </a:rPr>
+              <a:t>내지 슬라이드 제목 폰트 크기 </a:t>
+            </a:r>
+            <a:r>
+              <a:rPr lang="en-US" altLang="ko-KR" dirty="0">
+                <a:solidFill>
+                  <a:srgbClr val="00B0F0"/>
+                </a:solidFill>
+                <a:latin typeface="Pretendard ExtraBold" panose="02000903000000020004" pitchFamily="50" charset="-127"/>
+                <a:ea typeface="Pretendard ExtraBold" panose="02000903000000020004" pitchFamily="50" charset="-127"/>
+                <a:cs typeface="Pretendard ExtraBold" panose="02000903000000020004" pitchFamily="50" charset="-127"/>
+              </a:rPr>
+              <a:t>30</a:t>
+            </a:r>
+            <a:endParaRPr lang="ko-KR" altLang="en-US" dirty="0">
+              <a:solidFill>
+                <a:srgbClr val="00B0F0"/>
+              </a:solidFill>
+              <a:latin typeface="Pretendard ExtraBold" panose="02000903000000020004" pitchFamily="50" charset="-127"/>
+              <a:ea typeface="Pretendard ExtraBold" panose="02000903000000020004" pitchFamily="50" charset="-127"/>
+              <a:cs typeface="Pretendard ExtraBold" panose="02000903000000020004" pitchFamily="50" charset="-127"/>
+            </a:endParaRPr>
+          </a:p>
+        </p:txBody>
+      </p:sp>
+    </p:spTree>
+    <p:extLst>
+      <p:ext uri="{BB962C8B-B14F-4D97-AF65-F5344CB8AC3E}">
+        <p14:creationId xmlns:p14="http://schemas.microsoft.com/office/powerpoint/2010/main" val="3010512287"/>
+      </p:ext>
+    </p:extLst>
+  </p:cSld>
+  <p:clrMapOvr>
+    <a:masterClrMapping/>
+  </p:clrMapOvr>
+</p:sld>
+</file>
+
+<file path=ppt/slides/slide23.xml><?xml version="1.0" encoding="utf-8"?>
+<p:sld xmlns:a="http://schemas.openxmlformats.org/drawingml/2006/main" xmlns:r="http://schemas.openxmlformats.org/officeDocument/2006/relationships" xmlns:p="http://schemas.openxmlformats.org/presentationml/2006/main">
+  <p:cSld>
+    <p:spTree>
+      <p:nvGrpSpPr>
+        <p:cNvPr id="1" name=""/>
+        <p:cNvGrpSpPr/>
+        <p:nvPr/>
+      </p:nvGrpSpPr>
+      <p:grpSpPr>
+        <a:xfrm>
+          <a:off x="0" y="0"/>
+          <a:ext cx="0" cy="0"/>
+          <a:chOff x="0" y="0"/>
+          <a:chExt cx="0" cy="0"/>
+        </a:xfrm>
+      </p:grpSpPr>
+      <p:sp>
+        <p:nvSpPr>
+          <p:cNvPr id="2" name="제목 1">
+            <a:extLst>
+              <a:ext uri="{FF2B5EF4-FFF2-40B4-BE49-F238E27FC236}">
+                <a16:creationId xmlns:a16="http://schemas.microsoft.com/office/drawing/2014/main" id="{40E988EF-B08A-1B7E-6C67-F009F4F735A5}"/>
+              </a:ext>
+            </a:extLst>
+          </p:cNvPr>
+          <p:cNvSpPr>
+            <a:spLocks noGrp="1"/>
+          </p:cNvSpPr>
+          <p:nvPr>
+            <p:ph type="title"/>
+          </p:nvPr>
+        </p:nvSpPr>
+        <p:spPr/>
+        <p:txBody>
+          <a:bodyPr/>
+          <a:lstStyle/>
+          <a:p>
+            <a:r>
+              <a:rPr lang="ko-KR" altLang="en-US" dirty="0"/>
+              <a:t>전체 채용 프로세스</a:t>
+            </a:r>
+          </a:p>
+        </p:txBody>
+      </p:sp>
+      <p:sp>
+        <p:nvSpPr>
+          <p:cNvPr id="4" name="텍스트 개체 틀 3">
+            <a:extLst>
+              <a:ext uri="{FF2B5EF4-FFF2-40B4-BE49-F238E27FC236}">
+                <a16:creationId xmlns:a16="http://schemas.microsoft.com/office/drawing/2014/main" id="{A092DFB1-10A2-E7D9-11D1-92CFB29D9CBA}"/>
+              </a:ext>
+            </a:extLst>
+          </p:cNvPr>
+          <p:cNvSpPr>
+            <a:spLocks noGrp="1"/>
+          </p:cNvSpPr>
+          <p:nvPr>
+            <p:ph type="body" sz="quarter" idx="13"/>
+          </p:nvPr>
+        </p:nvSpPr>
+        <p:spPr/>
+        <p:txBody>
+          <a:bodyPr/>
+          <a:lstStyle/>
+          <a:p>
+            <a:r>
+              <a:rPr lang="en-US" altLang="ko-KR" dirty="0"/>
+              <a:t>06. </a:t>
+            </a:r>
+            <a:r>
+              <a:rPr lang="ko-KR" altLang="en-US" dirty="0"/>
+              <a:t>리스크 관리</a:t>
+            </a:r>
+          </a:p>
+        </p:txBody>
+      </p:sp>
+      <p:sp>
+        <p:nvSpPr>
+          <p:cNvPr id="5" name="텍스트 개체 틀 4">
+            <a:extLst>
+              <a:ext uri="{FF2B5EF4-FFF2-40B4-BE49-F238E27FC236}">
+                <a16:creationId xmlns:a16="http://schemas.microsoft.com/office/drawing/2014/main" id="{A220348D-1DB7-F156-A60C-AFD6F2B5A248}"/>
+              </a:ext>
+            </a:extLst>
+          </p:cNvPr>
+          <p:cNvSpPr>
+            <a:spLocks noGrp="1"/>
+          </p:cNvSpPr>
+          <p:nvPr>
+            <p:ph type="body" sz="quarter" idx="14"/>
+          </p:nvPr>
+        </p:nvSpPr>
+        <p:spPr/>
+        <p:txBody>
+          <a:bodyPr/>
+          <a:lstStyle/>
+          <a:p>
+            <a:r>
+              <a:rPr lang="en-US" altLang="ko-KR" dirty="0"/>
+              <a:t>6-2 </a:t>
+            </a:r>
+            <a:r>
+              <a:rPr lang="ko-KR" altLang="en-US" dirty="0"/>
+              <a:t>대응 전략 및 예방</a:t>
+            </a:r>
+          </a:p>
+        </p:txBody>
+      </p:sp>
+      <p:sp>
+        <p:nvSpPr>
+          <p:cNvPr id="6" name="TextBox 5">
+            <a:extLst>
+              <a:ext uri="{FF2B5EF4-FFF2-40B4-BE49-F238E27FC236}">
+                <a16:creationId xmlns:a16="http://schemas.microsoft.com/office/drawing/2014/main" id="{6A9640C9-65F7-ECEA-9BF4-ADBD02D71466}"/>
+              </a:ext>
+            </a:extLst>
+          </p:cNvPr>
+          <p:cNvSpPr txBox="1"/>
+          <p:nvPr/>
+        </p:nvSpPr>
+        <p:spPr>
+          <a:xfrm>
+            <a:off x="6534622" y="786883"/>
+            <a:ext cx="3132589" cy="369332"/>
+          </a:xfrm>
+          <a:prstGeom prst="rect">
+            <a:avLst/>
+          </a:prstGeom>
+          <a:noFill/>
+        </p:spPr>
+        <p:txBody>
+          <a:bodyPr wrap="none" rtlCol="0">
+            <a:spAutoFit/>
+          </a:bodyPr>
+          <a:lstStyle/>
+          <a:p>
+            <a:r>
+              <a:rPr lang="ko-KR" altLang="en-US" dirty="0">
+                <a:solidFill>
+                  <a:srgbClr val="00B0F0"/>
+                </a:solidFill>
+                <a:latin typeface="Pretendard ExtraBold" panose="02000903000000020004" pitchFamily="50" charset="-127"/>
+                <a:ea typeface="Pretendard ExtraBold" panose="02000903000000020004" pitchFamily="50" charset="-127"/>
+                <a:cs typeface="Pretendard ExtraBold" panose="02000903000000020004" pitchFamily="50" charset="-127"/>
+              </a:rPr>
+              <a:t>내지 슬라이드 제목 폰트 크기 </a:t>
+            </a:r>
+            <a:r>
+              <a:rPr lang="en-US" altLang="ko-KR" dirty="0">
+                <a:solidFill>
+                  <a:srgbClr val="00B0F0"/>
+                </a:solidFill>
+                <a:latin typeface="Pretendard ExtraBold" panose="02000903000000020004" pitchFamily="50" charset="-127"/>
+                <a:ea typeface="Pretendard ExtraBold" panose="02000903000000020004" pitchFamily="50" charset="-127"/>
+                <a:cs typeface="Pretendard ExtraBold" panose="02000903000000020004" pitchFamily="50" charset="-127"/>
+              </a:rPr>
+              <a:t>30</a:t>
+            </a:r>
+            <a:endParaRPr lang="ko-KR" altLang="en-US" dirty="0">
+              <a:solidFill>
+                <a:srgbClr val="00B0F0"/>
+              </a:solidFill>
+              <a:latin typeface="Pretendard ExtraBold" panose="02000903000000020004" pitchFamily="50" charset="-127"/>
+              <a:ea typeface="Pretendard ExtraBold" panose="02000903000000020004" pitchFamily="50" charset="-127"/>
+              <a:cs typeface="Pretendard ExtraBold" panose="02000903000000020004" pitchFamily="50" charset="-127"/>
+            </a:endParaRPr>
+          </a:p>
+        </p:txBody>
+      </p:sp>
+    </p:spTree>
+    <p:extLst>
+      <p:ext uri="{BB962C8B-B14F-4D97-AF65-F5344CB8AC3E}">
+        <p14:creationId xmlns:p14="http://schemas.microsoft.com/office/powerpoint/2010/main" val="4204987598"/>
+      </p:ext>
+    </p:extLst>
+  </p:cSld>
+  <p:clrMapOvr>
+    <a:masterClrMapping/>
+  </p:clrMapOvr>
+</p:sld>
+</file>
+
+<file path=ppt/slides/slide24.xml><?xml version="1.0" encoding="utf-8"?>
+<p:sld xmlns:a="http://schemas.openxmlformats.org/drawingml/2006/main" xmlns:r="http://schemas.openxmlformats.org/officeDocument/2006/relationships" xmlns:p="http://schemas.openxmlformats.org/presentationml/2006/main">
+  <p:cSld>
+    <p:spTree>
+      <p:nvGrpSpPr>
+        <p:cNvPr id="1" name=""/>
+        <p:cNvGrpSpPr/>
+        <p:nvPr/>
+      </p:nvGrpSpPr>
+      <p:grpSpPr>
+        <a:xfrm>
+          <a:off x="0" y="0"/>
+          <a:ext cx="0" cy="0"/>
+          <a:chOff x="0" y="0"/>
+          <a:chExt cx="0" cy="0"/>
+        </a:xfrm>
+      </p:grpSpPr>
+      <p:sp>
+        <p:nvSpPr>
+          <p:cNvPr id="2" name="제목 1">
+            <a:extLst>
+              <a:ext uri="{FF2B5EF4-FFF2-40B4-BE49-F238E27FC236}">
+                <a16:creationId xmlns:a16="http://schemas.microsoft.com/office/drawing/2014/main" id="{18672ECC-5481-83A4-D483-2C6E826E641A}"/>
+              </a:ext>
+            </a:extLst>
+          </p:cNvPr>
+          <p:cNvSpPr>
+            <a:spLocks noGrp="1"/>
+          </p:cNvSpPr>
+          <p:nvPr>
+            <p:ph type="title"/>
+          </p:nvPr>
+        </p:nvSpPr>
+        <p:spPr/>
+        <p:txBody>
+          <a:bodyPr/>
+          <a:lstStyle/>
+          <a:p>
+            <a:r>
+              <a:rPr lang="ko-KR" altLang="en-US" dirty="0"/>
+              <a:t>프로젝트 회고</a:t>
+            </a:r>
+          </a:p>
+        </p:txBody>
+      </p:sp>
+      <p:sp>
+        <p:nvSpPr>
+          <p:cNvPr id="3" name="텍스트 개체 틀 2">
+            <a:extLst>
+              <a:ext uri="{FF2B5EF4-FFF2-40B4-BE49-F238E27FC236}">
+                <a16:creationId xmlns:a16="http://schemas.microsoft.com/office/drawing/2014/main" id="{91CC686E-813A-2E86-DE7F-6E0DCBA4375D}"/>
+              </a:ext>
+            </a:extLst>
+          </p:cNvPr>
+          <p:cNvSpPr>
+            <a:spLocks noGrp="1"/>
+          </p:cNvSpPr>
+          <p:nvPr>
+            <p:ph type="body" idx="1"/>
+          </p:nvPr>
+        </p:nvSpPr>
+        <p:spPr/>
+        <p:txBody>
+          <a:bodyPr>
+            <a:normAutofit fontScale="85000" lnSpcReduction="20000"/>
+          </a:bodyPr>
+          <a:lstStyle/>
+          <a:p>
+            <a:pPr marL="342900" indent="-342900">
+              <a:buFontTx/>
+              <a:buChar char="-"/>
+            </a:pPr>
+            <a:r>
+              <a:rPr lang="ko-KR" altLang="en-US" dirty="0"/>
+              <a:t>성공적인 부분</a:t>
+            </a:r>
+            <a:endParaRPr lang="en-US" altLang="ko-KR" dirty="0"/>
+          </a:p>
+          <a:p>
+            <a:pPr marL="342900" indent="-342900">
+              <a:buFontTx/>
+              <a:buChar char="-"/>
+            </a:pPr>
+            <a:r>
+              <a:rPr lang="ko-KR" altLang="en-US" dirty="0"/>
+              <a:t>개선 필요 부분</a:t>
+            </a:r>
+            <a:endParaRPr lang="en-US" altLang="ko-KR" dirty="0"/>
+          </a:p>
+          <a:p>
+            <a:pPr marL="342900" indent="-342900">
+              <a:buFontTx/>
+              <a:buChar char="-"/>
+            </a:pPr>
+            <a:r>
+              <a:rPr lang="ko-KR" altLang="en-US" dirty="0"/>
+              <a:t>학습 포인트</a:t>
+            </a:r>
+          </a:p>
+        </p:txBody>
+      </p:sp>
+    </p:spTree>
+    <p:extLst>
+      <p:ext uri="{BB962C8B-B14F-4D97-AF65-F5344CB8AC3E}">
+        <p14:creationId xmlns:p14="http://schemas.microsoft.com/office/powerpoint/2010/main" val="1550699674"/>
+      </p:ext>
+    </p:extLst>
+  </p:cSld>
+  <p:clrMapOvr>
+    <a:masterClrMapping/>
+  </p:clrMapOvr>
+</p:sld>
+</file>
+
+<file path=ppt/slides/slide25.xml><?xml version="1.0" encoding="utf-8"?>
+<p:sld xmlns:a="http://schemas.openxmlformats.org/drawingml/2006/main" xmlns:r="http://schemas.openxmlformats.org/officeDocument/2006/relationships" xmlns:p="http://schemas.openxmlformats.org/presentationml/2006/main">
+  <p:cSld>
+    <p:spTree>
+      <p:nvGrpSpPr>
+        <p:cNvPr id="1" name=""/>
+        <p:cNvGrpSpPr/>
+        <p:nvPr/>
+      </p:nvGrpSpPr>
+      <p:grpSpPr>
+        <a:xfrm>
+          <a:off x="0" y="0"/>
+          <a:ext cx="0" cy="0"/>
+          <a:chOff x="0" y="0"/>
+          <a:chExt cx="0" cy="0"/>
+        </a:xfrm>
+      </p:grpSpPr>
+      <p:sp>
+        <p:nvSpPr>
+          <p:cNvPr id="2" name="제목 1">
+            <a:extLst>
+              <a:ext uri="{FF2B5EF4-FFF2-40B4-BE49-F238E27FC236}">
+                <a16:creationId xmlns:a16="http://schemas.microsoft.com/office/drawing/2014/main" id="{40E988EF-B08A-1B7E-6C67-F009F4F735A5}"/>
+              </a:ext>
+            </a:extLst>
+          </p:cNvPr>
+          <p:cNvSpPr>
+            <a:spLocks noGrp="1"/>
+          </p:cNvSpPr>
+          <p:nvPr>
+            <p:ph type="title"/>
+          </p:nvPr>
+        </p:nvSpPr>
+        <p:spPr/>
+        <p:txBody>
+          <a:bodyPr/>
+          <a:lstStyle/>
+          <a:p>
+            <a:r>
+              <a:rPr lang="ko-KR" altLang="en-US" dirty="0"/>
+              <a:t>전체 채용 프로세스</a:t>
+            </a:r>
+          </a:p>
+        </p:txBody>
+      </p:sp>
+      <p:sp>
+        <p:nvSpPr>
+          <p:cNvPr id="4" name="텍스트 개체 틀 3">
+            <a:extLst>
+              <a:ext uri="{FF2B5EF4-FFF2-40B4-BE49-F238E27FC236}">
+                <a16:creationId xmlns:a16="http://schemas.microsoft.com/office/drawing/2014/main" id="{A092DFB1-10A2-E7D9-11D1-92CFB29D9CBA}"/>
+              </a:ext>
+            </a:extLst>
+          </p:cNvPr>
+          <p:cNvSpPr>
+            <a:spLocks noGrp="1"/>
+          </p:cNvSpPr>
+          <p:nvPr>
+            <p:ph type="body" sz="quarter" idx="13"/>
+          </p:nvPr>
+        </p:nvSpPr>
+        <p:spPr/>
+        <p:txBody>
+          <a:bodyPr/>
+          <a:lstStyle/>
+          <a:p>
+            <a:r>
+              <a:rPr lang="en-US" altLang="ko-KR" dirty="0"/>
+              <a:t>07. </a:t>
+            </a:r>
+            <a:r>
+              <a:rPr lang="ko-KR" altLang="en-US" dirty="0"/>
+              <a:t>프로젝트 회고</a:t>
+            </a:r>
+          </a:p>
+        </p:txBody>
+      </p:sp>
+      <p:sp>
+        <p:nvSpPr>
+          <p:cNvPr id="5" name="텍스트 개체 틀 4">
+            <a:extLst>
+              <a:ext uri="{FF2B5EF4-FFF2-40B4-BE49-F238E27FC236}">
+                <a16:creationId xmlns:a16="http://schemas.microsoft.com/office/drawing/2014/main" id="{A220348D-1DB7-F156-A60C-AFD6F2B5A248}"/>
+              </a:ext>
+            </a:extLst>
+          </p:cNvPr>
+          <p:cNvSpPr>
+            <a:spLocks noGrp="1"/>
+          </p:cNvSpPr>
+          <p:nvPr>
+            <p:ph type="body" sz="quarter" idx="14"/>
+          </p:nvPr>
+        </p:nvSpPr>
+        <p:spPr/>
+        <p:txBody>
+          <a:bodyPr/>
+          <a:lstStyle/>
+          <a:p>
+            <a:r>
+              <a:rPr lang="en-US" altLang="ko-KR" dirty="0"/>
+              <a:t>7-1 </a:t>
+            </a:r>
+            <a:r>
+              <a:rPr lang="ko-KR" altLang="en-US" dirty="0"/>
+              <a:t>성공적인 부분</a:t>
+            </a:r>
+          </a:p>
+        </p:txBody>
+      </p:sp>
+      <p:sp>
+        <p:nvSpPr>
+          <p:cNvPr id="6" name="TextBox 5">
+            <a:extLst>
+              <a:ext uri="{FF2B5EF4-FFF2-40B4-BE49-F238E27FC236}">
+                <a16:creationId xmlns:a16="http://schemas.microsoft.com/office/drawing/2014/main" id="{6A9640C9-65F7-ECEA-9BF4-ADBD02D71466}"/>
+              </a:ext>
+            </a:extLst>
+          </p:cNvPr>
+          <p:cNvSpPr txBox="1"/>
+          <p:nvPr/>
+        </p:nvSpPr>
+        <p:spPr>
+          <a:xfrm>
+            <a:off x="6534622" y="786883"/>
+            <a:ext cx="3132589" cy="369332"/>
+          </a:xfrm>
+          <a:prstGeom prst="rect">
+            <a:avLst/>
+          </a:prstGeom>
+          <a:noFill/>
+        </p:spPr>
+        <p:txBody>
+          <a:bodyPr wrap="none" rtlCol="0">
+            <a:spAutoFit/>
+          </a:bodyPr>
+          <a:lstStyle/>
+          <a:p>
+            <a:r>
+              <a:rPr lang="ko-KR" altLang="en-US" dirty="0">
+                <a:solidFill>
+                  <a:srgbClr val="00B0F0"/>
+                </a:solidFill>
+                <a:latin typeface="Pretendard ExtraBold" panose="02000903000000020004" pitchFamily="50" charset="-127"/>
+                <a:ea typeface="Pretendard ExtraBold" panose="02000903000000020004" pitchFamily="50" charset="-127"/>
+                <a:cs typeface="Pretendard ExtraBold" panose="02000903000000020004" pitchFamily="50" charset="-127"/>
+              </a:rPr>
+              <a:t>내지 슬라이드 제목 폰트 크기 </a:t>
+            </a:r>
+            <a:r>
+              <a:rPr lang="en-US" altLang="ko-KR" dirty="0">
+                <a:solidFill>
+                  <a:srgbClr val="00B0F0"/>
+                </a:solidFill>
+                <a:latin typeface="Pretendard ExtraBold" panose="02000903000000020004" pitchFamily="50" charset="-127"/>
+                <a:ea typeface="Pretendard ExtraBold" panose="02000903000000020004" pitchFamily="50" charset="-127"/>
+                <a:cs typeface="Pretendard ExtraBold" panose="02000903000000020004" pitchFamily="50" charset="-127"/>
+              </a:rPr>
+              <a:t>30</a:t>
+            </a:r>
+            <a:endParaRPr lang="ko-KR" altLang="en-US" dirty="0">
+              <a:solidFill>
+                <a:srgbClr val="00B0F0"/>
+              </a:solidFill>
+              <a:latin typeface="Pretendard ExtraBold" panose="02000903000000020004" pitchFamily="50" charset="-127"/>
+              <a:ea typeface="Pretendard ExtraBold" panose="02000903000000020004" pitchFamily="50" charset="-127"/>
+              <a:cs typeface="Pretendard ExtraBold" panose="02000903000000020004" pitchFamily="50" charset="-127"/>
+            </a:endParaRPr>
+          </a:p>
+        </p:txBody>
+      </p:sp>
+    </p:spTree>
+    <p:extLst>
+      <p:ext uri="{BB962C8B-B14F-4D97-AF65-F5344CB8AC3E}">
+        <p14:creationId xmlns:p14="http://schemas.microsoft.com/office/powerpoint/2010/main" val="1778019184"/>
+      </p:ext>
+    </p:extLst>
+  </p:cSld>
+  <p:clrMapOvr>
+    <a:masterClrMapping/>
+  </p:clrMapOvr>
+</p:sld>
+</file>
+
+<file path=ppt/slides/slide26.xml><?xml version="1.0" encoding="utf-8"?>
+<p:sld xmlns:a="http://schemas.openxmlformats.org/drawingml/2006/main" xmlns:r="http://schemas.openxmlformats.org/officeDocument/2006/relationships" xmlns:p="http://schemas.openxmlformats.org/presentationml/2006/main">
+  <p:cSld>
+    <p:spTree>
+      <p:nvGrpSpPr>
+        <p:cNvPr id="1" name=""/>
+        <p:cNvGrpSpPr/>
+        <p:nvPr/>
+      </p:nvGrpSpPr>
+      <p:grpSpPr>
+        <a:xfrm>
+          <a:off x="0" y="0"/>
+          <a:ext cx="0" cy="0"/>
+          <a:chOff x="0" y="0"/>
+          <a:chExt cx="0" cy="0"/>
+        </a:xfrm>
+      </p:grpSpPr>
+      <p:sp>
+        <p:nvSpPr>
+          <p:cNvPr id="2" name="제목 1">
+            <a:extLst>
+              <a:ext uri="{FF2B5EF4-FFF2-40B4-BE49-F238E27FC236}">
+                <a16:creationId xmlns:a16="http://schemas.microsoft.com/office/drawing/2014/main" id="{40E988EF-B08A-1B7E-6C67-F009F4F735A5}"/>
+              </a:ext>
+            </a:extLst>
+          </p:cNvPr>
+          <p:cNvSpPr>
+            <a:spLocks noGrp="1"/>
+          </p:cNvSpPr>
+          <p:nvPr>
+            <p:ph type="title"/>
+          </p:nvPr>
+        </p:nvSpPr>
+        <p:spPr/>
+        <p:txBody>
+          <a:bodyPr/>
+          <a:lstStyle/>
+          <a:p>
+            <a:r>
+              <a:rPr lang="ko-KR" altLang="en-US" dirty="0"/>
+              <a:t>전체 채용 프로세스</a:t>
+            </a:r>
+          </a:p>
+        </p:txBody>
+      </p:sp>
+      <p:sp>
+        <p:nvSpPr>
+          <p:cNvPr id="4" name="텍스트 개체 틀 3">
+            <a:extLst>
+              <a:ext uri="{FF2B5EF4-FFF2-40B4-BE49-F238E27FC236}">
+                <a16:creationId xmlns:a16="http://schemas.microsoft.com/office/drawing/2014/main" id="{A092DFB1-10A2-E7D9-11D1-92CFB29D9CBA}"/>
+              </a:ext>
+            </a:extLst>
+          </p:cNvPr>
+          <p:cNvSpPr>
+            <a:spLocks noGrp="1"/>
+          </p:cNvSpPr>
+          <p:nvPr>
+            <p:ph type="body" sz="quarter" idx="13"/>
+          </p:nvPr>
+        </p:nvSpPr>
+        <p:spPr/>
+        <p:txBody>
+          <a:bodyPr/>
+          <a:lstStyle/>
+          <a:p>
+            <a:r>
+              <a:rPr lang="en-US" altLang="ko-KR" dirty="0"/>
+              <a:t>07. </a:t>
+            </a:r>
+            <a:r>
+              <a:rPr lang="ko-KR" altLang="en-US" dirty="0"/>
+              <a:t>프로젝트 회고</a:t>
+            </a:r>
+          </a:p>
+        </p:txBody>
+      </p:sp>
+      <p:sp>
+        <p:nvSpPr>
+          <p:cNvPr id="5" name="텍스트 개체 틀 4">
+            <a:extLst>
+              <a:ext uri="{FF2B5EF4-FFF2-40B4-BE49-F238E27FC236}">
+                <a16:creationId xmlns:a16="http://schemas.microsoft.com/office/drawing/2014/main" id="{A220348D-1DB7-F156-A60C-AFD6F2B5A248}"/>
+              </a:ext>
+            </a:extLst>
+          </p:cNvPr>
+          <p:cNvSpPr>
+            <a:spLocks noGrp="1"/>
+          </p:cNvSpPr>
+          <p:nvPr>
+            <p:ph type="body" sz="quarter" idx="14"/>
+          </p:nvPr>
+        </p:nvSpPr>
+        <p:spPr/>
+        <p:txBody>
+          <a:bodyPr/>
+          <a:lstStyle/>
+          <a:p>
+            <a:r>
+              <a:rPr lang="en-US" altLang="ko-KR" dirty="0"/>
+              <a:t>7-2 </a:t>
+            </a:r>
+            <a:r>
+              <a:rPr lang="ko-KR" altLang="en-US" dirty="0"/>
+              <a:t>개선 필요 부분</a:t>
+            </a:r>
+          </a:p>
+        </p:txBody>
+      </p:sp>
+      <p:sp>
+        <p:nvSpPr>
+          <p:cNvPr id="6" name="TextBox 5">
+            <a:extLst>
+              <a:ext uri="{FF2B5EF4-FFF2-40B4-BE49-F238E27FC236}">
+                <a16:creationId xmlns:a16="http://schemas.microsoft.com/office/drawing/2014/main" id="{6A9640C9-65F7-ECEA-9BF4-ADBD02D71466}"/>
+              </a:ext>
+            </a:extLst>
+          </p:cNvPr>
+          <p:cNvSpPr txBox="1"/>
+          <p:nvPr/>
+        </p:nvSpPr>
+        <p:spPr>
+          <a:xfrm>
+            <a:off x="6534622" y="786883"/>
+            <a:ext cx="3132589" cy="369332"/>
+          </a:xfrm>
+          <a:prstGeom prst="rect">
+            <a:avLst/>
+          </a:prstGeom>
+          <a:noFill/>
+        </p:spPr>
+        <p:txBody>
+          <a:bodyPr wrap="none" rtlCol="0">
+            <a:spAutoFit/>
+          </a:bodyPr>
+          <a:lstStyle/>
+          <a:p>
+            <a:r>
+              <a:rPr lang="ko-KR" altLang="en-US" dirty="0">
+                <a:solidFill>
+                  <a:srgbClr val="00B0F0"/>
+                </a:solidFill>
+                <a:latin typeface="Pretendard ExtraBold" panose="02000903000000020004" pitchFamily="50" charset="-127"/>
+                <a:ea typeface="Pretendard ExtraBold" panose="02000903000000020004" pitchFamily="50" charset="-127"/>
+                <a:cs typeface="Pretendard ExtraBold" panose="02000903000000020004" pitchFamily="50" charset="-127"/>
+              </a:rPr>
+              <a:t>내지 슬라이드 제목 폰트 크기 </a:t>
+            </a:r>
+            <a:r>
+              <a:rPr lang="en-US" altLang="ko-KR" dirty="0">
+                <a:solidFill>
+                  <a:srgbClr val="00B0F0"/>
+                </a:solidFill>
+                <a:latin typeface="Pretendard ExtraBold" panose="02000903000000020004" pitchFamily="50" charset="-127"/>
+                <a:ea typeface="Pretendard ExtraBold" panose="02000903000000020004" pitchFamily="50" charset="-127"/>
+                <a:cs typeface="Pretendard ExtraBold" panose="02000903000000020004" pitchFamily="50" charset="-127"/>
+              </a:rPr>
+              <a:t>30</a:t>
+            </a:r>
+            <a:endParaRPr lang="ko-KR" altLang="en-US" dirty="0">
+              <a:solidFill>
+                <a:srgbClr val="00B0F0"/>
+              </a:solidFill>
+              <a:latin typeface="Pretendard ExtraBold" panose="02000903000000020004" pitchFamily="50" charset="-127"/>
+              <a:ea typeface="Pretendard ExtraBold" panose="02000903000000020004" pitchFamily="50" charset="-127"/>
+              <a:cs typeface="Pretendard ExtraBold" panose="02000903000000020004" pitchFamily="50" charset="-127"/>
+            </a:endParaRPr>
+          </a:p>
+        </p:txBody>
+      </p:sp>
+    </p:spTree>
+    <p:extLst>
+      <p:ext uri="{BB962C8B-B14F-4D97-AF65-F5344CB8AC3E}">
+        <p14:creationId xmlns:p14="http://schemas.microsoft.com/office/powerpoint/2010/main" val="1516070147"/>
+      </p:ext>
+    </p:extLst>
+  </p:cSld>
+  <p:clrMapOvr>
+    <a:masterClrMapping/>
+  </p:clrMapOvr>
+</p:sld>
+</file>
+
+<file path=ppt/slides/slide27.xml><?xml version="1.0" encoding="utf-8"?>
+<p:sld xmlns:a="http://schemas.openxmlformats.org/drawingml/2006/main" xmlns:r="http://schemas.openxmlformats.org/officeDocument/2006/relationships" xmlns:p="http://schemas.openxmlformats.org/presentationml/2006/main">
+  <p:cSld>
+    <p:spTree>
+      <p:nvGrpSpPr>
+        <p:cNvPr id="1" name=""/>
+        <p:cNvGrpSpPr/>
+        <p:nvPr/>
+      </p:nvGrpSpPr>
+      <p:grpSpPr>
+        <a:xfrm>
+          <a:off x="0" y="0"/>
+          <a:ext cx="0" cy="0"/>
+          <a:chOff x="0" y="0"/>
+          <a:chExt cx="0" cy="0"/>
+        </a:xfrm>
+      </p:grpSpPr>
+      <p:sp>
+        <p:nvSpPr>
+          <p:cNvPr id="2" name="제목 1">
+            <a:extLst>
+              <a:ext uri="{FF2B5EF4-FFF2-40B4-BE49-F238E27FC236}">
+                <a16:creationId xmlns:a16="http://schemas.microsoft.com/office/drawing/2014/main" id="{40E988EF-B08A-1B7E-6C67-F009F4F735A5}"/>
+              </a:ext>
+            </a:extLst>
+          </p:cNvPr>
+          <p:cNvSpPr>
+            <a:spLocks noGrp="1"/>
+          </p:cNvSpPr>
+          <p:nvPr>
+            <p:ph type="title"/>
+          </p:nvPr>
+        </p:nvSpPr>
+        <p:spPr/>
+        <p:txBody>
+          <a:bodyPr/>
+          <a:lstStyle/>
+          <a:p>
+            <a:r>
+              <a:rPr lang="ko-KR" altLang="en-US" dirty="0"/>
+              <a:t>전체 채용 프로세스</a:t>
+            </a:r>
+          </a:p>
+        </p:txBody>
+      </p:sp>
+      <p:sp>
+        <p:nvSpPr>
+          <p:cNvPr id="4" name="텍스트 개체 틀 3">
+            <a:extLst>
+              <a:ext uri="{FF2B5EF4-FFF2-40B4-BE49-F238E27FC236}">
+                <a16:creationId xmlns:a16="http://schemas.microsoft.com/office/drawing/2014/main" id="{A092DFB1-10A2-E7D9-11D1-92CFB29D9CBA}"/>
+              </a:ext>
+            </a:extLst>
+          </p:cNvPr>
+          <p:cNvSpPr>
+            <a:spLocks noGrp="1"/>
+          </p:cNvSpPr>
+          <p:nvPr>
+            <p:ph type="body" sz="quarter" idx="13"/>
+          </p:nvPr>
+        </p:nvSpPr>
+        <p:spPr/>
+        <p:txBody>
+          <a:bodyPr/>
+          <a:lstStyle/>
+          <a:p>
+            <a:r>
+              <a:rPr lang="en-US" altLang="ko-KR" dirty="0"/>
+              <a:t>07. </a:t>
+            </a:r>
+            <a:r>
+              <a:rPr lang="ko-KR" altLang="en-US" dirty="0"/>
+              <a:t>프로젝트 회고</a:t>
+            </a:r>
+          </a:p>
+        </p:txBody>
+      </p:sp>
+      <p:sp>
+        <p:nvSpPr>
+          <p:cNvPr id="5" name="텍스트 개체 틀 4">
+            <a:extLst>
+              <a:ext uri="{FF2B5EF4-FFF2-40B4-BE49-F238E27FC236}">
+                <a16:creationId xmlns:a16="http://schemas.microsoft.com/office/drawing/2014/main" id="{A220348D-1DB7-F156-A60C-AFD6F2B5A248}"/>
+              </a:ext>
+            </a:extLst>
+          </p:cNvPr>
+          <p:cNvSpPr>
+            <a:spLocks noGrp="1"/>
+          </p:cNvSpPr>
+          <p:nvPr>
+            <p:ph type="body" sz="quarter" idx="14"/>
+          </p:nvPr>
+        </p:nvSpPr>
+        <p:spPr/>
+        <p:txBody>
+          <a:bodyPr/>
+          <a:lstStyle/>
+          <a:p>
+            <a:r>
+              <a:rPr lang="en-US" altLang="ko-KR" dirty="0"/>
+              <a:t>7-3 </a:t>
+            </a:r>
+            <a:r>
+              <a:rPr lang="ko-KR" altLang="en-US" dirty="0"/>
+              <a:t>학습 포인트</a:t>
+            </a:r>
+          </a:p>
+        </p:txBody>
+      </p:sp>
+      <p:sp>
+        <p:nvSpPr>
+          <p:cNvPr id="6" name="TextBox 5">
+            <a:extLst>
+              <a:ext uri="{FF2B5EF4-FFF2-40B4-BE49-F238E27FC236}">
+                <a16:creationId xmlns:a16="http://schemas.microsoft.com/office/drawing/2014/main" id="{6A9640C9-65F7-ECEA-9BF4-ADBD02D71466}"/>
+              </a:ext>
+            </a:extLst>
+          </p:cNvPr>
+          <p:cNvSpPr txBox="1"/>
+          <p:nvPr/>
+        </p:nvSpPr>
+        <p:spPr>
+          <a:xfrm>
+            <a:off x="6534622" y="786883"/>
+            <a:ext cx="3132589" cy="369332"/>
+          </a:xfrm>
+          <a:prstGeom prst="rect">
+            <a:avLst/>
+          </a:prstGeom>
+          <a:noFill/>
+        </p:spPr>
+        <p:txBody>
+          <a:bodyPr wrap="none" rtlCol="0">
+            <a:spAutoFit/>
+          </a:bodyPr>
+          <a:lstStyle/>
+          <a:p>
+            <a:r>
+              <a:rPr lang="ko-KR" altLang="en-US" dirty="0">
+                <a:solidFill>
+                  <a:srgbClr val="00B0F0"/>
+                </a:solidFill>
+                <a:latin typeface="Pretendard ExtraBold" panose="02000903000000020004" pitchFamily="50" charset="-127"/>
+                <a:ea typeface="Pretendard ExtraBold" panose="02000903000000020004" pitchFamily="50" charset="-127"/>
+                <a:cs typeface="Pretendard ExtraBold" panose="02000903000000020004" pitchFamily="50" charset="-127"/>
+              </a:rPr>
+              <a:t>내지 슬라이드 제목 폰트 크기 </a:t>
+            </a:r>
+            <a:r>
+              <a:rPr lang="en-US" altLang="ko-KR" dirty="0">
+                <a:solidFill>
+                  <a:srgbClr val="00B0F0"/>
+                </a:solidFill>
+                <a:latin typeface="Pretendard ExtraBold" panose="02000903000000020004" pitchFamily="50" charset="-127"/>
+                <a:ea typeface="Pretendard ExtraBold" panose="02000903000000020004" pitchFamily="50" charset="-127"/>
+                <a:cs typeface="Pretendard ExtraBold" panose="02000903000000020004" pitchFamily="50" charset="-127"/>
+              </a:rPr>
+              <a:t>30</a:t>
+            </a:r>
+            <a:endParaRPr lang="ko-KR" altLang="en-US" dirty="0">
+              <a:solidFill>
+                <a:srgbClr val="00B0F0"/>
+              </a:solidFill>
+              <a:latin typeface="Pretendard ExtraBold" panose="02000903000000020004" pitchFamily="50" charset="-127"/>
+              <a:ea typeface="Pretendard ExtraBold" panose="02000903000000020004" pitchFamily="50" charset="-127"/>
+              <a:cs typeface="Pretendard ExtraBold" panose="02000903000000020004" pitchFamily="50" charset="-127"/>
+            </a:endParaRPr>
+          </a:p>
+        </p:txBody>
+      </p:sp>
+    </p:spTree>
+    <p:extLst>
+      <p:ext uri="{BB962C8B-B14F-4D97-AF65-F5344CB8AC3E}">
+        <p14:creationId xmlns:p14="http://schemas.microsoft.com/office/powerpoint/2010/main" val="1932754059"/>
+      </p:ext>
+    </p:extLst>
+  </p:cSld>
+  <p:clrMapOvr>
+    <a:masterClrMapping/>
+  </p:clrMapOvr>
+</p:sld>
+</file>
+
+<file path=ppt/slides/slide28.xml><?xml version="1.0" encoding="utf-8"?>
+<p:sld xmlns:a="http://schemas.openxmlformats.org/drawingml/2006/main" xmlns:r="http://schemas.openxmlformats.org/officeDocument/2006/relationships" xmlns:p="http://schemas.openxmlformats.org/presentationml/2006/main">
+  <p:cSld>
+    <p:spTree>
+      <p:nvGrpSpPr>
+        <p:cNvPr id="1" name=""/>
+        <p:cNvGrpSpPr/>
+        <p:nvPr/>
+      </p:nvGrpSpPr>
+      <p:grpSpPr>
+        <a:xfrm>
+          <a:off x="0" y="0"/>
+          <a:ext cx="0" cy="0"/>
+          <a:chOff x="0" y="0"/>
+          <a:chExt cx="0" cy="0"/>
+        </a:xfrm>
+      </p:grpSpPr>
+      <p:sp>
+        <p:nvSpPr>
+          <p:cNvPr id="2" name="제목 1">
+            <a:extLst>
+              <a:ext uri="{FF2B5EF4-FFF2-40B4-BE49-F238E27FC236}">
+                <a16:creationId xmlns:a16="http://schemas.microsoft.com/office/drawing/2014/main" id="{18672ECC-5481-83A4-D483-2C6E826E641A}"/>
+              </a:ext>
+            </a:extLst>
+          </p:cNvPr>
+          <p:cNvSpPr>
+            <a:spLocks noGrp="1"/>
+          </p:cNvSpPr>
+          <p:nvPr>
+            <p:ph type="title"/>
+          </p:nvPr>
+        </p:nvSpPr>
+        <p:spPr/>
+        <p:txBody>
+          <a:bodyPr/>
+          <a:lstStyle/>
+          <a:p>
+            <a:r>
+              <a:rPr lang="en-US" altLang="ko-KR" dirty="0"/>
+              <a:t>SARDIP</a:t>
+            </a:r>
+            <a:r>
+              <a:rPr lang="ko-KR" altLang="en-US" dirty="0"/>
+              <a:t> 계획</a:t>
+            </a:r>
+          </a:p>
+        </p:txBody>
+      </p:sp>
+      <p:sp>
+        <p:nvSpPr>
+          <p:cNvPr id="3" name="텍스트 개체 틀 2">
+            <a:extLst>
+              <a:ext uri="{FF2B5EF4-FFF2-40B4-BE49-F238E27FC236}">
+                <a16:creationId xmlns:a16="http://schemas.microsoft.com/office/drawing/2014/main" id="{91CC686E-813A-2E86-DE7F-6E0DCBA4375D}"/>
+              </a:ext>
+            </a:extLst>
+          </p:cNvPr>
+          <p:cNvSpPr>
+            <a:spLocks noGrp="1"/>
+          </p:cNvSpPr>
+          <p:nvPr>
+            <p:ph type="body" idx="1"/>
+          </p:nvPr>
+        </p:nvSpPr>
+        <p:spPr/>
+        <p:txBody>
+          <a:bodyPr>
+            <a:normAutofit/>
+          </a:bodyPr>
+          <a:lstStyle/>
+          <a:p>
+            <a:pPr marL="342900" indent="-342900">
+              <a:buFontTx/>
+              <a:buChar char="-"/>
+            </a:pPr>
+            <a:r>
+              <a:rPr lang="ko-KR" altLang="en-US" dirty="0"/>
+              <a:t>향후 개발 단계</a:t>
+            </a:r>
+            <a:endParaRPr lang="en-US" altLang="ko-KR" dirty="0"/>
+          </a:p>
+        </p:txBody>
+      </p:sp>
+    </p:spTree>
+    <p:extLst>
+      <p:ext uri="{BB962C8B-B14F-4D97-AF65-F5344CB8AC3E}">
+        <p14:creationId xmlns:p14="http://schemas.microsoft.com/office/powerpoint/2010/main" val="2894911022"/>
+      </p:ext>
+    </p:extLst>
+  </p:cSld>
+  <p:clrMapOvr>
+    <a:masterClrMapping/>
+  </p:clrMapOvr>
+</p:sld>
+</file>
+
+<file path=ppt/slides/slide29.xml><?xml version="1.0" encoding="utf-8"?>
+<p:sld xmlns:a="http://schemas.openxmlformats.org/drawingml/2006/main" xmlns:r="http://schemas.openxmlformats.org/officeDocument/2006/relationships" xmlns:p="http://schemas.openxmlformats.org/presentationml/2006/main">
+  <p:cSld>
+    <p:spTree>
+      <p:nvGrpSpPr>
+        <p:cNvPr id="1" name=""/>
+        <p:cNvGrpSpPr/>
+        <p:nvPr/>
+      </p:nvGrpSpPr>
+      <p:grpSpPr>
+        <a:xfrm>
+          <a:off x="0" y="0"/>
+          <a:ext cx="0" cy="0"/>
+          <a:chOff x="0" y="0"/>
+          <a:chExt cx="0" cy="0"/>
+        </a:xfrm>
+      </p:grpSpPr>
+      <p:sp>
+        <p:nvSpPr>
+          <p:cNvPr id="10" name="TextBox 9">
+            <a:extLst>
+              <a:ext uri="{FF2B5EF4-FFF2-40B4-BE49-F238E27FC236}">
+                <a16:creationId xmlns:a16="http://schemas.microsoft.com/office/drawing/2014/main" id="{05032E34-9937-AD9A-D4CF-075AFB7D19F7}"/>
+              </a:ext>
+            </a:extLst>
+          </p:cNvPr>
+          <p:cNvSpPr txBox="1">
+            <a:spLocks noGrp="1" noRot="1" noMove="1" noResize="1" noEditPoints="1" noAdjustHandles="1" noChangeArrowheads="1" noChangeShapeType="1"/>
+          </p:cNvSpPr>
+          <p:nvPr/>
+        </p:nvSpPr>
+        <p:spPr>
+          <a:xfrm>
+            <a:off x="670559" y="5665573"/>
+            <a:ext cx="4831772" cy="552267"/>
+          </a:xfrm>
+          <a:prstGeom prst="rect">
+            <a:avLst/>
+          </a:prstGeom>
+          <a:noFill/>
+        </p:spPr>
+        <p:txBody>
+          <a:bodyPr wrap="none" rtlCol="0">
+            <a:spAutoFit/>
+          </a:bodyPr>
+          <a:lstStyle/>
+          <a:p>
+            <a:pPr>
+              <a:lnSpc>
+                <a:spcPct val="120000"/>
+              </a:lnSpc>
+            </a:pPr>
+            <a:r>
+              <a:rPr lang="ko-KR" altLang="en-US" sz="1300" dirty="0">
+                <a:solidFill>
+                  <a:schemeClr val="bg1"/>
+                </a:solidFill>
+                <a:latin typeface="Noto Sans KR Medium" panose="020B0200000000000000" pitchFamily="34" charset="-127"/>
+                <a:ea typeface="Noto Sans KR Medium" panose="020B0200000000000000" pitchFamily="34" charset="-127"/>
+                <a:cs typeface="Pretendard Medium" panose="02000603000000020004" pitchFamily="50" charset="-127"/>
+              </a:rPr>
+              <a:t>경기도 용인시 </a:t>
+            </a:r>
+            <a:r>
+              <a:rPr lang="ko-KR" altLang="en-US" sz="1300" dirty="0" err="1">
+                <a:solidFill>
+                  <a:schemeClr val="bg1"/>
+                </a:solidFill>
+                <a:latin typeface="Noto Sans KR Medium" panose="020B0200000000000000" pitchFamily="34" charset="-127"/>
+                <a:ea typeface="Noto Sans KR Medium" panose="020B0200000000000000" pitchFamily="34" charset="-127"/>
+                <a:cs typeface="Pretendard Medium" panose="02000603000000020004" pitchFamily="50" charset="-127"/>
+              </a:rPr>
+              <a:t>수지구</a:t>
+            </a:r>
+            <a:r>
+              <a:rPr lang="ko-KR" altLang="en-US" sz="1300" dirty="0">
+                <a:solidFill>
+                  <a:schemeClr val="bg1"/>
+                </a:solidFill>
+                <a:latin typeface="Noto Sans KR Medium" panose="020B0200000000000000" pitchFamily="34" charset="-127"/>
+                <a:ea typeface="Noto Sans KR Medium" panose="020B0200000000000000" pitchFamily="34" charset="-127"/>
+                <a:cs typeface="Pretendard Medium" panose="02000603000000020004" pitchFamily="50" charset="-127"/>
+              </a:rPr>
+              <a:t> 신수로 </a:t>
+            </a:r>
+            <a:r>
+              <a:rPr lang="en-US" altLang="ko-KR" sz="1300" dirty="0">
+                <a:solidFill>
+                  <a:schemeClr val="bg1"/>
+                </a:solidFill>
+                <a:latin typeface="Noto Sans KR Medium" panose="020B0200000000000000" pitchFamily="34" charset="-127"/>
+                <a:ea typeface="Noto Sans KR Medium" panose="020B0200000000000000" pitchFamily="34" charset="-127"/>
+                <a:cs typeface="Pretendard Medium" panose="02000603000000020004" pitchFamily="50" charset="-127"/>
+              </a:rPr>
+              <a:t>767, </a:t>
+            </a:r>
+            <a:r>
+              <a:rPr lang="ko-KR" altLang="en-US" sz="1300" dirty="0">
+                <a:solidFill>
+                  <a:schemeClr val="bg1"/>
+                </a:solidFill>
+                <a:latin typeface="Noto Sans KR Medium" panose="020B0200000000000000" pitchFamily="34" charset="-127"/>
+                <a:ea typeface="Noto Sans KR Medium" panose="020B0200000000000000" pitchFamily="34" charset="-127"/>
+                <a:cs typeface="Pretendard Medium" panose="02000603000000020004" pitchFamily="50" charset="-127"/>
+              </a:rPr>
+              <a:t>분당수지</a:t>
+            </a:r>
+            <a:r>
+              <a:rPr lang="en-US" altLang="ko-KR" sz="1300" dirty="0">
+                <a:solidFill>
+                  <a:schemeClr val="bg1"/>
+                </a:solidFill>
+                <a:latin typeface="Noto Sans KR Medium" panose="020B0200000000000000" pitchFamily="34" charset="-127"/>
+                <a:ea typeface="Noto Sans KR Medium" panose="020B0200000000000000" pitchFamily="34" charset="-127"/>
+                <a:cs typeface="Pretendard Medium" panose="02000603000000020004" pitchFamily="50" charset="-127"/>
+              </a:rPr>
+              <a:t> U-TOWER A</a:t>
+            </a:r>
+            <a:r>
+              <a:rPr lang="ko-KR" altLang="en-US" sz="1300" dirty="0">
+                <a:solidFill>
+                  <a:schemeClr val="bg1"/>
+                </a:solidFill>
+                <a:latin typeface="Noto Sans KR Medium" panose="020B0200000000000000" pitchFamily="34" charset="-127"/>
+                <a:ea typeface="Noto Sans KR Medium" panose="020B0200000000000000" pitchFamily="34" charset="-127"/>
+                <a:cs typeface="Pretendard Medium" panose="02000603000000020004" pitchFamily="50" charset="-127"/>
+              </a:rPr>
+              <a:t>동 </a:t>
+            </a:r>
+            <a:r>
+              <a:rPr lang="en-US" altLang="ko-KR" sz="1300" dirty="0">
+                <a:solidFill>
+                  <a:schemeClr val="bg1"/>
+                </a:solidFill>
+                <a:latin typeface="Noto Sans KR Medium" panose="020B0200000000000000" pitchFamily="34" charset="-127"/>
+                <a:ea typeface="Noto Sans KR Medium" panose="020B0200000000000000" pitchFamily="34" charset="-127"/>
+                <a:cs typeface="Pretendard Medium" panose="02000603000000020004" pitchFamily="50" charset="-127"/>
+              </a:rPr>
+              <a:t>1103</a:t>
+            </a:r>
+            <a:r>
+              <a:rPr lang="ko-KR" altLang="en-US" sz="1300" dirty="0">
+                <a:solidFill>
+                  <a:schemeClr val="bg1"/>
+                </a:solidFill>
+                <a:latin typeface="Noto Sans KR Medium" panose="020B0200000000000000" pitchFamily="34" charset="-127"/>
+                <a:ea typeface="Noto Sans KR Medium" panose="020B0200000000000000" pitchFamily="34" charset="-127"/>
+                <a:cs typeface="Pretendard Medium" panose="02000603000000020004" pitchFamily="50" charset="-127"/>
+              </a:rPr>
+              <a:t>호</a:t>
+            </a:r>
+            <a:endParaRPr lang="en-US" altLang="ko-KR" sz="1300" dirty="0">
+              <a:solidFill>
+                <a:schemeClr val="bg1"/>
+              </a:solidFill>
+              <a:latin typeface="Noto Sans KR Medium" panose="020B0200000000000000" pitchFamily="34" charset="-127"/>
+              <a:ea typeface="Noto Sans KR Medium" panose="020B0200000000000000" pitchFamily="34" charset="-127"/>
+              <a:cs typeface="Pretendard Medium" panose="02000603000000020004" pitchFamily="50" charset="-127"/>
+            </a:endParaRPr>
+          </a:p>
+          <a:p>
+            <a:pPr>
+              <a:lnSpc>
+                <a:spcPct val="120000"/>
+              </a:lnSpc>
+            </a:pPr>
+            <a:r>
+              <a:rPr lang="en-US" altLang="ko-KR" sz="1300" dirty="0">
+                <a:solidFill>
+                  <a:schemeClr val="bg1"/>
+                </a:solidFill>
+                <a:latin typeface="Noto Sans CJK KR Black" panose="020B0A00000000000000" pitchFamily="34" charset="-127"/>
+                <a:ea typeface="Noto Sans CJK KR Black" panose="020B0A00000000000000" pitchFamily="34" charset="-127"/>
+                <a:cs typeface="Pretendard Black" panose="02000A03000000020004" pitchFamily="50" charset="-127"/>
+              </a:rPr>
+              <a:t>PHONE</a:t>
+            </a:r>
+            <a:r>
+              <a:rPr lang="en-US" altLang="ko-KR" sz="1300" dirty="0">
+                <a:solidFill>
+                  <a:schemeClr val="bg1"/>
+                </a:solidFill>
+                <a:latin typeface="Noto Sans KR Medium" panose="020B0200000000000000" pitchFamily="34" charset="-127"/>
+                <a:ea typeface="Noto Sans KR Medium" panose="020B0200000000000000" pitchFamily="34" charset="-127"/>
+                <a:cs typeface="Pretendard Medium" panose="02000603000000020004" pitchFamily="50" charset="-127"/>
+              </a:rPr>
+              <a:t>  031-525-3800       </a:t>
+            </a:r>
+            <a:r>
+              <a:rPr lang="en-US" altLang="ko-KR" sz="1300" dirty="0">
+                <a:solidFill>
+                  <a:schemeClr val="bg1"/>
+                </a:solidFill>
+                <a:latin typeface="Noto Sans CJK KR Black" panose="020B0A00000000000000" pitchFamily="34" charset="-127"/>
+                <a:ea typeface="Noto Sans CJK KR Black" panose="020B0A00000000000000" pitchFamily="34" charset="-127"/>
+                <a:cs typeface="Pretendard Black" panose="02000A03000000020004" pitchFamily="50" charset="-127"/>
+              </a:rPr>
+              <a:t>FAX</a:t>
+            </a:r>
+            <a:r>
+              <a:rPr lang="en-US" altLang="ko-KR" sz="1300" dirty="0">
+                <a:solidFill>
+                  <a:schemeClr val="bg1"/>
+                </a:solidFill>
+                <a:latin typeface="Noto Sans KR Medium" panose="020B0200000000000000" pitchFamily="34" charset="-127"/>
+                <a:ea typeface="Noto Sans KR Medium" panose="020B0200000000000000" pitchFamily="34" charset="-127"/>
+                <a:cs typeface="Pretendard Medium" panose="02000603000000020004" pitchFamily="50" charset="-127"/>
+              </a:rPr>
+              <a:t>  031-525-3801</a:t>
+            </a:r>
+            <a:endParaRPr lang="ko-KR" altLang="en-US" sz="1300" dirty="0">
+              <a:solidFill>
+                <a:schemeClr val="bg1"/>
+              </a:solidFill>
+              <a:latin typeface="Noto Sans KR Medium" panose="020B0200000000000000" pitchFamily="34" charset="-127"/>
+              <a:ea typeface="Noto Sans KR Medium" panose="020B0200000000000000" pitchFamily="34" charset="-127"/>
+              <a:cs typeface="Pretendard Medium" panose="02000603000000020004" pitchFamily="50" charset="-127"/>
+            </a:endParaRPr>
+          </a:p>
+        </p:txBody>
+      </p:sp>
+    </p:spTree>
+    <p:extLst>
+      <p:ext uri="{BB962C8B-B14F-4D97-AF65-F5344CB8AC3E}">
+        <p14:creationId xmlns:p14="http://schemas.microsoft.com/office/powerpoint/2010/main" val="2950452290"/>
       </p:ext>
     </p:extLst>
   </p:cSld>

--- a/기술 7부 김민수 성과 발표.pptx
+++ b/기술 7부 김민수 성과 발표.pptx
@@ -5,14 +5,14 @@
     <p:sldMasterId id="2147483648" r:id="rId1"/>
   </p:sldMasterIdLst>
   <p:notesMasterIdLst>
-    <p:notesMasterId r:id="rId31"/>
+    <p:notesMasterId r:id="rId22"/>
   </p:notesMasterIdLst>
   <p:sldIdLst>
     <p:sldId id="268" r:id="rId2"/>
     <p:sldId id="257" r:id="rId3"/>
     <p:sldId id="258" r:id="rId4"/>
-    <p:sldId id="276" r:id="rId5"/>
-    <p:sldId id="273" r:id="rId6"/>
+    <p:sldId id="273" r:id="rId5"/>
+    <p:sldId id="276" r:id="rId6"/>
     <p:sldId id="275" r:id="rId7"/>
     <p:sldId id="277" r:id="rId8"/>
     <p:sldId id="278" r:id="rId9"/>
@@ -21,22 +21,13 @@
     <p:sldId id="281" r:id="rId12"/>
     <p:sldId id="282" r:id="rId13"/>
     <p:sldId id="283" r:id="rId14"/>
-    <p:sldId id="284" r:id="rId15"/>
-    <p:sldId id="285" r:id="rId16"/>
-    <p:sldId id="286" r:id="rId17"/>
-    <p:sldId id="287" r:id="rId18"/>
-    <p:sldId id="288" r:id="rId19"/>
-    <p:sldId id="289" r:id="rId20"/>
-    <p:sldId id="290" r:id="rId21"/>
-    <p:sldId id="291" r:id="rId22"/>
-    <p:sldId id="292" r:id="rId23"/>
-    <p:sldId id="293" r:id="rId24"/>
-    <p:sldId id="294" r:id="rId25"/>
-    <p:sldId id="295" r:id="rId26"/>
-    <p:sldId id="296" r:id="rId27"/>
-    <p:sldId id="297" r:id="rId28"/>
-    <p:sldId id="298" r:id="rId29"/>
-    <p:sldId id="267" r:id="rId30"/>
+    <p:sldId id="285" r:id="rId15"/>
+    <p:sldId id="287" r:id="rId16"/>
+    <p:sldId id="299" r:id="rId17"/>
+    <p:sldId id="298" r:id="rId18"/>
+    <p:sldId id="300" r:id="rId19"/>
+    <p:sldId id="302" r:id="rId20"/>
+    <p:sldId id="267" r:id="rId21"/>
   </p:sldIdLst>
   <p:sldSz cx="12192000" cy="6858000"/>
   <p:notesSz cx="6858000" cy="9144000"/>
@@ -236,7 +227,7 @@
           <a:p>
             <a:fld id="{A9B43A4F-567D-4F7C-942E-028A75CA9E8A}" type="datetimeFigureOut">
               <a:rPr lang="ko-KR" altLang="en-US" smtClean="0"/>
-              <a:t>2024-04-24</a:t>
+              <a:t>2024-04-25</a:t>
             </a:fld>
             <a:endParaRPr lang="ko-KR" altLang="en-US"/>
           </a:p>
@@ -3898,36 +3889,102 @@
           </a:p>
         </p:txBody>
       </p:sp>
-      <p:pic>
-        <p:nvPicPr>
-          <p:cNvPr id="12" name="그림 11">
-            <a:extLst>
-              <a:ext uri="{FF2B5EF4-FFF2-40B4-BE49-F238E27FC236}">
-                <a16:creationId xmlns:a16="http://schemas.microsoft.com/office/drawing/2014/main" id="{CE1D1526-2A34-1C7C-0E3E-BF440C7E9CF2}"/>
-              </a:ext>
-            </a:extLst>
-          </p:cNvPr>
-          <p:cNvPicPr>
-            <a:picLocks noChangeAspect="1"/>
-          </p:cNvPicPr>
+      <p:grpSp>
+        <p:nvGrpSpPr>
+          <p:cNvPr id="8" name="그룹 7">
+            <a:extLst>
+              <a:ext uri="{FF2B5EF4-FFF2-40B4-BE49-F238E27FC236}">
+                <a16:creationId xmlns:a16="http://schemas.microsoft.com/office/drawing/2014/main" id="{6252E08B-2B3C-CE20-10FE-B9EB23ADA306}"/>
+              </a:ext>
+            </a:extLst>
+          </p:cNvPr>
+          <p:cNvGrpSpPr/>
           <p:nvPr/>
-        </p:nvPicPr>
-        <p:blipFill>
-          <a:blip r:embed="rId2"/>
-          <a:stretch>
-            <a:fillRect/>
-          </a:stretch>
-        </p:blipFill>
-        <p:spPr>
+        </p:nvGrpSpPr>
+        <p:grpSpPr>
           <a:xfrm>
             <a:off x="7510131" y="2638697"/>
-            <a:ext cx="3900138" cy="3363277"/>
+            <a:ext cx="3900138" cy="3926731"/>
+            <a:chOff x="7510131" y="2638697"/>
+            <a:chExt cx="3900138" cy="3926731"/>
           </a:xfrm>
-          <a:prstGeom prst="rect">
-            <a:avLst/>
-          </a:prstGeom>
-        </p:spPr>
-      </p:pic>
+        </p:grpSpPr>
+        <p:pic>
+          <p:nvPicPr>
+            <p:cNvPr id="12" name="그림 11">
+              <a:extLst>
+                <a:ext uri="{FF2B5EF4-FFF2-40B4-BE49-F238E27FC236}">
+                  <a16:creationId xmlns:a16="http://schemas.microsoft.com/office/drawing/2014/main" id="{CE1D1526-2A34-1C7C-0E3E-BF440C7E9CF2}"/>
+                </a:ext>
+              </a:extLst>
+            </p:cNvPr>
+            <p:cNvPicPr>
+              <a:picLocks noChangeAspect="1"/>
+            </p:cNvPicPr>
+            <p:nvPr/>
+          </p:nvPicPr>
+          <p:blipFill>
+            <a:blip r:embed="rId2"/>
+            <a:stretch>
+              <a:fillRect/>
+            </a:stretch>
+          </p:blipFill>
+          <p:spPr>
+            <a:xfrm>
+              <a:off x="7510131" y="2638697"/>
+              <a:ext cx="3900138" cy="3363277"/>
+            </a:xfrm>
+            <a:prstGeom prst="rect">
+              <a:avLst/>
+            </a:prstGeom>
+            <a:ln>
+              <a:solidFill>
+                <a:schemeClr val="tx1"/>
+              </a:solidFill>
+            </a:ln>
+          </p:spPr>
+        </p:pic>
+        <p:sp>
+          <p:nvSpPr>
+            <p:cNvPr id="7" name="TextBox 6">
+              <a:extLst>
+                <a:ext uri="{FF2B5EF4-FFF2-40B4-BE49-F238E27FC236}">
+                  <a16:creationId xmlns:a16="http://schemas.microsoft.com/office/drawing/2014/main" id="{661E3425-1E69-5460-C2F0-4825A262F3CF}"/>
+                </a:ext>
+              </a:extLst>
+            </p:cNvPr>
+            <p:cNvSpPr txBox="1"/>
+            <p:nvPr/>
+          </p:nvSpPr>
+          <p:spPr>
+            <a:xfrm>
+              <a:off x="8606395" y="6042208"/>
+              <a:ext cx="1707609" cy="523220"/>
+            </a:xfrm>
+            <a:prstGeom prst="rect">
+              <a:avLst/>
+            </a:prstGeom>
+            <a:noFill/>
+          </p:spPr>
+          <p:txBody>
+            <a:bodyPr wrap="square" rtlCol="0">
+              <a:spAutoFit/>
+            </a:bodyPr>
+            <a:lstStyle/>
+            <a:p>
+              <a:pPr algn="ctr"/>
+              <a:r>
+                <a:rPr lang="ko-KR" altLang="en-US" sz="1400" dirty="0" err="1"/>
+                <a:t>모놀리식</a:t>
+              </a:r>
+              <a:r>
+                <a:rPr lang="ko-KR" altLang="en-US" sz="1400" dirty="0"/>
+                <a:t> 아키텍처 설계</a:t>
+              </a:r>
+            </a:p>
+          </p:txBody>
+        </p:sp>
+      </p:grpSp>
     </p:spTree>
     <p:extLst>
       <p:ext uri="{BB962C8B-B14F-4D97-AF65-F5344CB8AC3E}">
@@ -3974,7 +4031,12 @@
             <p:ph type="title"/>
           </p:nvPr>
         </p:nvSpPr>
-        <p:spPr/>
+        <p:spPr>
+          <a:xfrm>
+            <a:off x="469900" y="665077"/>
+            <a:ext cx="11252200" cy="581025"/>
+          </a:xfrm>
+        </p:spPr>
         <p:txBody>
           <a:bodyPr/>
           <a:lstStyle/>
@@ -4010,9 +4072,14 @@
         </p:blipFill>
         <p:spPr>
           <a:xfrm>
-            <a:off x="3382406" y="1246102"/>
+            <a:off x="1283640" y="1278022"/>
             <a:ext cx="5427186" cy="5294816"/>
           </a:xfrm>
+          <a:ln>
+            <a:solidFill>
+              <a:schemeClr val="tx1"/>
+            </a:solidFill>
+          </a:ln>
         </p:spPr>
       </p:pic>
       <p:sp>
@@ -4137,6 +4204,113 @@
               <a:ea typeface="Pretendard ExtraBold" panose="02000903000000020004" pitchFamily="50" charset="-127"/>
               <a:cs typeface="Pretendard ExtraBold" panose="02000903000000020004" pitchFamily="50" charset="-127"/>
             </a:endParaRPr>
+          </a:p>
+        </p:txBody>
+      </p:sp>
+      <p:sp>
+        <p:nvSpPr>
+          <p:cNvPr id="3" name="직사각형 2">
+            <a:extLst>
+              <a:ext uri="{FF2B5EF4-FFF2-40B4-BE49-F238E27FC236}">
+                <a16:creationId xmlns:a16="http://schemas.microsoft.com/office/drawing/2014/main" id="{18C5D6B1-94BA-B071-CAB0-634CCC3A02D3}"/>
+              </a:ext>
+            </a:extLst>
+          </p:cNvPr>
+          <p:cNvSpPr/>
+          <p:nvPr/>
+        </p:nvSpPr>
+        <p:spPr>
+          <a:xfrm>
+            <a:off x="5060589" y="1278021"/>
+            <a:ext cx="1883121" cy="5294815"/>
+          </a:xfrm>
+          <a:prstGeom prst="rect">
+            <a:avLst/>
+          </a:prstGeom>
+          <a:noFill/>
+          <a:ln>
+            <a:solidFill>
+              <a:srgbClr val="FF0000"/>
+            </a:solidFill>
+          </a:ln>
+        </p:spPr>
+        <p:style>
+          <a:lnRef idx="2">
+            <a:schemeClr val="accent1">
+              <a:shade val="15000"/>
+            </a:schemeClr>
+          </a:lnRef>
+          <a:fillRef idx="1">
+            <a:schemeClr val="accent1"/>
+          </a:fillRef>
+          <a:effectRef idx="0">
+            <a:schemeClr val="accent1"/>
+          </a:effectRef>
+          <a:fontRef idx="minor">
+            <a:schemeClr val="lt1"/>
+          </a:fontRef>
+        </p:style>
+        <p:txBody>
+          <a:bodyPr rtlCol="0" anchor="ctr"/>
+          <a:lstStyle/>
+          <a:p>
+            <a:pPr algn="ctr"/>
+            <a:endParaRPr lang="ko-KR" altLang="en-US"/>
+          </a:p>
+        </p:txBody>
+      </p:sp>
+      <p:sp>
+        <p:nvSpPr>
+          <p:cNvPr id="7" name="TextBox 6">
+            <a:extLst>
+              <a:ext uri="{FF2B5EF4-FFF2-40B4-BE49-F238E27FC236}">
+                <a16:creationId xmlns:a16="http://schemas.microsoft.com/office/drawing/2014/main" id="{7FF63959-8F7F-B1CF-DAA6-EBA867BAA201}"/>
+              </a:ext>
+            </a:extLst>
+          </p:cNvPr>
+          <p:cNvSpPr txBox="1"/>
+          <p:nvPr/>
+        </p:nvSpPr>
+        <p:spPr>
+          <a:xfrm>
+            <a:off x="7218532" y="2425551"/>
+            <a:ext cx="4376519" cy="646331"/>
+          </a:xfrm>
+          <a:prstGeom prst="rect">
+            <a:avLst/>
+          </a:prstGeom>
+          <a:noFill/>
+        </p:spPr>
+        <p:txBody>
+          <a:bodyPr wrap="none" rtlCol="0">
+            <a:spAutoFit/>
+          </a:bodyPr>
+          <a:lstStyle/>
+          <a:p>
+            <a:r>
+              <a:rPr lang="en-US" altLang="ko-KR" dirty="0"/>
+              <a:t>NoSQL </a:t>
+            </a:r>
+            <a:r>
+              <a:rPr lang="ko-KR" altLang="en-US" dirty="0"/>
+              <a:t>인 </a:t>
+            </a:r>
+            <a:r>
+              <a:rPr lang="en-US" altLang="ko-KR" dirty="0"/>
+              <a:t>MongoDB</a:t>
+            </a:r>
+            <a:r>
+              <a:rPr lang="ko-KR" altLang="en-US" dirty="0"/>
+              <a:t>를 이용하여 모델링</a:t>
+            </a:r>
+            <a:endParaRPr lang="en-US" altLang="ko-KR" dirty="0"/>
+          </a:p>
+          <a:p>
+            <a:r>
+              <a:rPr lang="en-US" altLang="ko-KR" dirty="0"/>
+              <a:t> </a:t>
+            </a:r>
+            <a:endParaRPr lang="ko-KR" altLang="en-US" dirty="0"/>
           </a:p>
         </p:txBody>
       </p:sp>
@@ -4341,22 +4515,78 @@
           </p:cNvPicPr>
           <p:nvPr/>
         </p:nvPicPr>
-        <p:blipFill>
+        <p:blipFill rotWithShape="1">
           <a:blip r:embed="rId2"/>
-          <a:stretch>
-            <a:fillRect/>
-          </a:stretch>
+          <a:srcRect r="47484"/>
+          <a:stretch/>
         </p:blipFill>
         <p:spPr>
           <a:xfrm>
-            <a:off x="1297577" y="1512308"/>
-            <a:ext cx="9596846" cy="4824501"/>
+            <a:off x="365070" y="1512308"/>
+            <a:ext cx="5039849" cy="4824501"/>
           </a:xfrm>
           <a:prstGeom prst="rect">
             <a:avLst/>
           </a:prstGeom>
+          <a:ln>
+            <a:solidFill>
+              <a:schemeClr val="tx1"/>
+            </a:solidFill>
+          </a:ln>
         </p:spPr>
       </p:pic>
+      <p:sp>
+        <p:nvSpPr>
+          <p:cNvPr id="3" name="직사각형 2">
+            <a:extLst>
+              <a:ext uri="{FF2B5EF4-FFF2-40B4-BE49-F238E27FC236}">
+                <a16:creationId xmlns:a16="http://schemas.microsoft.com/office/drawing/2014/main" id="{B99924C5-D477-A4E1-6563-FD48D7014BBE}"/>
+              </a:ext>
+            </a:extLst>
+          </p:cNvPr>
+          <p:cNvSpPr/>
+          <p:nvPr/>
+        </p:nvSpPr>
+        <p:spPr>
+          <a:xfrm>
+            <a:off x="452673" y="1790913"/>
+            <a:ext cx="688064" cy="2337467"/>
+          </a:xfrm>
+          <a:prstGeom prst="rect">
+            <a:avLst/>
+          </a:prstGeom>
+          <a:noFill/>
+          <a:ln>
+            <a:solidFill>
+              <a:srgbClr val="FF0000"/>
+            </a:solidFill>
+          </a:ln>
+        </p:spPr>
+        <p:style>
+          <a:lnRef idx="2">
+            <a:schemeClr val="accent1">
+              <a:shade val="15000"/>
+            </a:schemeClr>
+          </a:lnRef>
+          <a:fillRef idx="1">
+            <a:schemeClr val="accent1"/>
+          </a:fillRef>
+          <a:effectRef idx="0">
+            <a:schemeClr val="accent1"/>
+          </a:effectRef>
+          <a:fontRef idx="minor">
+            <a:schemeClr val="lt1"/>
+          </a:fontRef>
+        </p:style>
+        <p:txBody>
+          <a:bodyPr rtlCol="0" anchor="ctr"/>
+          <a:lstStyle/>
+          <a:p>
+            <a:pPr algn="ctr"/>
+            <a:endParaRPr lang="ko-KR" altLang="en-US"/>
+          </a:p>
+        </p:txBody>
+      </p:sp>
     </p:spTree>
     <p:extLst>
       <p:ext uri="{BB962C8B-B14F-4D97-AF65-F5344CB8AC3E}">
@@ -4409,6 +4639,10 @@
           <a:lstStyle/>
           <a:p>
             <a:r>
+              <a:rPr lang="en-US" altLang="ko-KR" dirty="0"/>
+              <a:t>04. </a:t>
+            </a:r>
+            <a:r>
               <a:rPr lang="ko-KR" altLang="en-US" dirty="0"/>
               <a:t>개발 과정</a:t>
             </a:r>
@@ -4434,43 +4668,28 @@
         <p:spPr/>
         <p:txBody>
           <a:bodyPr>
-            <a:normAutofit fontScale="85000" lnSpcReduction="20000"/>
+            <a:normAutofit/>
           </a:bodyPr>
           <a:lstStyle/>
           <a:p>
-            <a:pPr marL="342900" indent="-342900">
-              <a:buFontTx/>
-              <a:buChar char="-"/>
-            </a:pPr>
-            <a:r>
-              <a:rPr lang="ko-KR" altLang="en-US" dirty="0"/>
-              <a:t>시퀀스 다이어그램</a:t>
+            <a:r>
+              <a:rPr lang="ko-KR" altLang="en-US" dirty="0"/>
+              <a:t>시퀀스 </a:t>
+            </a:r>
+            <a:r>
+              <a:rPr lang="en-US" altLang="ko-KR" dirty="0"/>
+              <a:t>· </a:t>
+            </a:r>
+            <a:r>
+              <a:rPr lang="ko-KR" altLang="en-US" dirty="0"/>
+              <a:t>상태 다이어그램</a:t>
             </a:r>
             <a:endParaRPr lang="en-US" altLang="ko-KR" dirty="0"/>
           </a:p>
           <a:p>
-            <a:pPr marL="342900" indent="-342900">
-              <a:buFontTx/>
-              <a:buChar char="-"/>
-            </a:pPr>
-            <a:r>
-              <a:rPr lang="ko-KR" altLang="en-US" dirty="0"/>
-              <a:t>상태 다이어그램</a:t>
-            </a:r>
-            <a:endParaRPr lang="en-US" altLang="ko-KR" dirty="0"/>
-          </a:p>
-          <a:p>
-            <a:pPr marL="342900" indent="-342900">
-              <a:buFontTx/>
-              <a:buChar char="-"/>
-            </a:pPr>
-            <a:r>
-              <a:rPr lang="ko-KR" altLang="en-US" dirty="0" err="1"/>
-              <a:t>유즈</a:t>
-            </a:r>
-            <a:r>
-              <a:rPr lang="ko-KR" altLang="en-US" dirty="0"/>
-              <a:t> 케이스</a:t>
+            <a:r>
+              <a:rPr lang="ko-KR" altLang="en-US" dirty="0"/>
+              <a:t>테스트 및 커버리지</a:t>
             </a:r>
           </a:p>
         </p:txBody>
@@ -4528,7 +4747,7 @@
           <a:p>
             <a:r>
               <a:rPr lang="ko-KR" altLang="en-US" dirty="0"/>
-              <a:t>지원자 직접 지원</a:t>
+              <a:t>채용 프로세스</a:t>
             </a:r>
           </a:p>
         </p:txBody>
@@ -4592,78 +4811,25 @@
             </a:r>
             <a:r>
               <a:rPr lang="ko-KR" altLang="en-US" dirty="0"/>
-              <a:t>시퀀스 다이어그램</a:t>
-            </a:r>
-          </a:p>
-        </p:txBody>
-      </p:sp>
-      <p:sp>
-        <p:nvSpPr>
-          <p:cNvPr id="6" name="TextBox 5">
-            <a:extLst>
-              <a:ext uri="{FF2B5EF4-FFF2-40B4-BE49-F238E27FC236}">
-                <a16:creationId xmlns:a16="http://schemas.microsoft.com/office/drawing/2014/main" id="{6A9640C9-65F7-ECEA-9BF4-ADBD02D71466}"/>
-              </a:ext>
-            </a:extLst>
-          </p:cNvPr>
-          <p:cNvSpPr txBox="1"/>
-          <p:nvPr/>
-        </p:nvSpPr>
-        <p:spPr>
-          <a:xfrm>
-            <a:off x="6534622" y="786883"/>
-            <a:ext cx="3132589" cy="369332"/>
-          </a:xfrm>
-          <a:prstGeom prst="rect">
-            <a:avLst/>
-          </a:prstGeom>
-          <a:noFill/>
-        </p:spPr>
-        <p:txBody>
-          <a:bodyPr wrap="none" rtlCol="0">
-            <a:spAutoFit/>
-          </a:bodyPr>
-          <a:lstStyle/>
-          <a:p>
-            <a:r>
-              <a:rPr lang="ko-KR" altLang="en-US" dirty="0">
-                <a:solidFill>
-                  <a:srgbClr val="00B0F0"/>
-                </a:solidFill>
-                <a:latin typeface="Pretendard ExtraBold" panose="02000903000000020004" pitchFamily="50" charset="-127"/>
-                <a:ea typeface="Pretendard ExtraBold" panose="02000903000000020004" pitchFamily="50" charset="-127"/>
-                <a:cs typeface="Pretendard ExtraBold" panose="02000903000000020004" pitchFamily="50" charset="-127"/>
-              </a:rPr>
-              <a:t>내지 슬라이드 제목 폰트 크기 </a:t>
-            </a:r>
-            <a:r>
-              <a:rPr lang="en-US" altLang="ko-KR" dirty="0">
-                <a:solidFill>
-                  <a:srgbClr val="00B0F0"/>
-                </a:solidFill>
-                <a:latin typeface="Pretendard ExtraBold" panose="02000903000000020004" pitchFamily="50" charset="-127"/>
-                <a:ea typeface="Pretendard ExtraBold" panose="02000903000000020004" pitchFamily="50" charset="-127"/>
-                <a:cs typeface="Pretendard ExtraBold" panose="02000903000000020004" pitchFamily="50" charset="-127"/>
-              </a:rPr>
-              <a:t>30</a:t>
-            </a:r>
-            <a:endParaRPr lang="ko-KR" altLang="en-US" dirty="0">
-              <a:solidFill>
-                <a:srgbClr val="00B0F0"/>
-              </a:solidFill>
-              <a:latin typeface="Pretendard ExtraBold" panose="02000903000000020004" pitchFamily="50" charset="-127"/>
-              <a:ea typeface="Pretendard ExtraBold" panose="02000903000000020004" pitchFamily="50" charset="-127"/>
-              <a:cs typeface="Pretendard ExtraBold" panose="02000903000000020004" pitchFamily="50" charset="-127"/>
-            </a:endParaRPr>
+              <a:t>시퀀스 </a:t>
+            </a:r>
+            <a:r>
+              <a:rPr lang="en-US" altLang="ko-KR" dirty="0"/>
+              <a:t>·</a:t>
+            </a:r>
+            <a:r>
+              <a:rPr lang="ko-KR" altLang="en-US" dirty="0"/>
+              <a:t> 상태 다이어그램</a:t>
+            </a:r>
           </a:p>
         </p:txBody>
       </p:sp>
       <p:pic>
         <p:nvPicPr>
-          <p:cNvPr id="11" name="그림 10">
-            <a:extLst>
-              <a:ext uri="{FF2B5EF4-FFF2-40B4-BE49-F238E27FC236}">
-                <a16:creationId xmlns:a16="http://schemas.microsoft.com/office/drawing/2014/main" id="{4BED0EB6-E559-055A-91BB-DA56E96E99E5}"/>
+          <p:cNvPr id="18" name="그림 17">
+            <a:extLst>
+              <a:ext uri="{FF2B5EF4-FFF2-40B4-BE49-F238E27FC236}">
+                <a16:creationId xmlns:a16="http://schemas.microsoft.com/office/drawing/2014/main" id="{746F4F5B-4791-2C31-C894-4C39D4715665}"/>
               </a:ext>
             </a:extLst>
           </p:cNvPr>
@@ -4680,18 +4846,128 @@
         </p:blipFill>
         <p:spPr>
           <a:xfrm>
-            <a:off x="2391489" y="1488197"/>
-            <a:ext cx="7409022" cy="3881605"/>
+            <a:off x="824752" y="1262062"/>
+            <a:ext cx="3191080" cy="5087923"/>
           </a:xfrm>
           <a:prstGeom prst="rect">
             <a:avLst/>
           </a:prstGeom>
+          <a:ln>
+            <a:solidFill>
+              <a:schemeClr val="tx1"/>
+            </a:solidFill>
+          </a:ln>
         </p:spPr>
       </p:pic>
+      <p:pic>
+        <p:nvPicPr>
+          <p:cNvPr id="3" name="그림 2">
+            <a:extLst>
+              <a:ext uri="{FF2B5EF4-FFF2-40B4-BE49-F238E27FC236}">
+                <a16:creationId xmlns:a16="http://schemas.microsoft.com/office/drawing/2014/main" id="{852BC9D8-D71D-7BD0-D3DF-00AC466B1E61}"/>
+              </a:ext>
+            </a:extLst>
+          </p:cNvPr>
+          <p:cNvPicPr>
+            <a:picLocks noChangeAspect="1"/>
+          </p:cNvPicPr>
+          <p:nvPr/>
+        </p:nvPicPr>
+        <p:blipFill>
+          <a:blip r:embed="rId3"/>
+          <a:stretch>
+            <a:fillRect/>
+          </a:stretch>
+        </p:blipFill>
+        <p:spPr>
+          <a:xfrm>
+            <a:off x="5902859" y="1262062"/>
+            <a:ext cx="4686291" cy="5098188"/>
+          </a:xfrm>
+          <a:prstGeom prst="rect">
+            <a:avLst/>
+          </a:prstGeom>
+          <a:ln>
+            <a:solidFill>
+              <a:schemeClr val="tx1"/>
+            </a:solidFill>
+          </a:ln>
+        </p:spPr>
+      </p:pic>
+      <p:sp>
+        <p:nvSpPr>
+          <p:cNvPr id="7" name="TextBox 6">
+            <a:extLst>
+              <a:ext uri="{FF2B5EF4-FFF2-40B4-BE49-F238E27FC236}">
+                <a16:creationId xmlns:a16="http://schemas.microsoft.com/office/drawing/2014/main" id="{D701C924-EDD8-6FFE-E467-6A7DBD5AA18B}"/>
+              </a:ext>
+            </a:extLst>
+          </p:cNvPr>
+          <p:cNvSpPr txBox="1"/>
+          <p:nvPr/>
+        </p:nvSpPr>
+        <p:spPr>
+          <a:xfrm>
+            <a:off x="4015832" y="6042208"/>
+            <a:ext cx="1678797" cy="307777"/>
+          </a:xfrm>
+          <a:prstGeom prst="rect">
+            <a:avLst/>
+          </a:prstGeom>
+          <a:noFill/>
+        </p:spPr>
+        <p:txBody>
+          <a:bodyPr wrap="square" rtlCol="0">
+            <a:spAutoFit/>
+          </a:bodyPr>
+          <a:lstStyle/>
+          <a:p>
+            <a:r>
+              <a:rPr lang="ko-KR" altLang="en-US" sz="1400" dirty="0"/>
+              <a:t>시퀀스 다이어그램</a:t>
+            </a:r>
+          </a:p>
+        </p:txBody>
+      </p:sp>
+      <p:sp>
+        <p:nvSpPr>
+          <p:cNvPr id="9" name="TextBox 8">
+            <a:extLst>
+              <a:ext uri="{FF2B5EF4-FFF2-40B4-BE49-F238E27FC236}">
+                <a16:creationId xmlns:a16="http://schemas.microsoft.com/office/drawing/2014/main" id="{3FF315B8-4437-FD67-AA2D-06246EEC8A77}"/>
+              </a:ext>
+            </a:extLst>
+          </p:cNvPr>
+          <p:cNvSpPr txBox="1"/>
+          <p:nvPr/>
+        </p:nvSpPr>
+        <p:spPr>
+          <a:xfrm>
+            <a:off x="10589150" y="6042208"/>
+            <a:ext cx="1515333" cy="307777"/>
+          </a:xfrm>
+          <a:prstGeom prst="rect">
+            <a:avLst/>
+          </a:prstGeom>
+          <a:noFill/>
+        </p:spPr>
+        <p:txBody>
+          <a:bodyPr wrap="square" rtlCol="0">
+            <a:spAutoFit/>
+          </a:bodyPr>
+          <a:lstStyle/>
+          <a:p>
+            <a:r>
+              <a:rPr lang="ko-KR" altLang="en-US" sz="1400" dirty="0"/>
+              <a:t>상태 다이어그램</a:t>
+            </a:r>
+          </a:p>
+        </p:txBody>
+      </p:sp>
     </p:spTree>
     <p:extLst>
       <p:ext uri="{BB962C8B-B14F-4D97-AF65-F5344CB8AC3E}">
-        <p14:creationId xmlns:p14="http://schemas.microsoft.com/office/powerpoint/2010/main" val="2839416897"/>
+        <p14:creationId xmlns:p14="http://schemas.microsoft.com/office/powerpoint/2010/main" val="3772745012"/>
       </p:ext>
     </p:extLst>
   </p:cSld>
@@ -4741,15 +5017,7 @@
           <a:p>
             <a:r>
               <a:rPr lang="ko-KR" altLang="en-US" dirty="0"/>
-              <a:t>채용 프로세스 </a:t>
-            </a:r>
-            <a:r>
-              <a:rPr lang="en-US" altLang="ko-KR" dirty="0"/>
-              <a:t>: </a:t>
-            </a:r>
-            <a:r>
-              <a:rPr lang="ko-KR" altLang="en-US" dirty="0"/>
-              <a:t>관리자</a:t>
+              <a:t>테스트 및 커버리지</a:t>
             </a:r>
           </a:p>
         </p:txBody>
@@ -4809,11 +5077,11 @@
           <a:p>
             <a:r>
               <a:rPr lang="en-US" altLang="ko-KR" dirty="0"/>
-              <a:t>4-1 </a:t>
-            </a:r>
-            <a:r>
-              <a:rPr lang="ko-KR" altLang="en-US" dirty="0"/>
-              <a:t>시퀀스 다이어그램</a:t>
+              <a:t>4-2 </a:t>
+            </a:r>
+            <a:r>
+              <a:rPr lang="ko-KR" altLang="en-US" dirty="0"/>
+              <a:t>테스트 및 커버리지</a:t>
             </a:r>
           </a:p>
         </p:txBody>
@@ -4879,40 +5147,168 @@
           </a:p>
         </p:txBody>
       </p:sp>
-      <p:pic>
-        <p:nvPicPr>
-          <p:cNvPr id="18" name="그림 17">
-            <a:extLst>
-              <a:ext uri="{FF2B5EF4-FFF2-40B4-BE49-F238E27FC236}">
-                <a16:creationId xmlns:a16="http://schemas.microsoft.com/office/drawing/2014/main" id="{746F4F5B-4791-2C31-C894-4C39D4715665}"/>
-              </a:ext>
-            </a:extLst>
-          </p:cNvPr>
-          <p:cNvPicPr>
-            <a:picLocks noChangeAspect="1"/>
-          </p:cNvPicPr>
+      <p:sp>
+        <p:nvSpPr>
+          <p:cNvPr id="12" name="TextBox 11">
+            <a:extLst>
+              <a:ext uri="{FF2B5EF4-FFF2-40B4-BE49-F238E27FC236}">
+                <a16:creationId xmlns:a16="http://schemas.microsoft.com/office/drawing/2014/main" id="{61D86BAA-BA84-FA3E-2DED-0C2B63B0A6A7}"/>
+              </a:ext>
+            </a:extLst>
+          </p:cNvPr>
+          <p:cNvSpPr txBox="1"/>
           <p:nvPr/>
-        </p:nvPicPr>
-        <p:blipFill>
-          <a:blip r:embed="rId2"/>
-          <a:stretch>
-            <a:fillRect/>
-          </a:stretch>
-        </p:blipFill>
+        </p:nvSpPr>
         <p:spPr>
           <a:xfrm>
-            <a:off x="4500459" y="1362076"/>
-            <a:ext cx="3191080" cy="5087923"/>
+            <a:off x="201752" y="1720157"/>
+            <a:ext cx="1420582" cy="369332"/>
           </a:xfrm>
           <a:prstGeom prst="rect">
             <a:avLst/>
           </a:prstGeom>
+          <a:noFill/>
         </p:spPr>
-      </p:pic>
+        <p:txBody>
+          <a:bodyPr wrap="none" rtlCol="0">
+            <a:spAutoFit/>
+          </a:bodyPr>
+          <a:lstStyle/>
+          <a:p>
+            <a:r>
+              <a:rPr lang="ko-KR" altLang="en-US" dirty="0"/>
+              <a:t>단위 테스트</a:t>
+            </a:r>
+          </a:p>
+        </p:txBody>
+      </p:sp>
+      <p:sp>
+        <p:nvSpPr>
+          <p:cNvPr id="13" name="TextBox 12">
+            <a:extLst>
+              <a:ext uri="{FF2B5EF4-FFF2-40B4-BE49-F238E27FC236}">
+                <a16:creationId xmlns:a16="http://schemas.microsoft.com/office/drawing/2014/main" id="{57F8A1A2-6EF5-785B-136C-C5A6D202EA2A}"/>
+              </a:ext>
+            </a:extLst>
+          </p:cNvPr>
+          <p:cNvSpPr txBox="1"/>
+          <p:nvPr/>
+        </p:nvSpPr>
+        <p:spPr>
+          <a:xfrm>
+            <a:off x="201752" y="3865828"/>
+            <a:ext cx="1420582" cy="369332"/>
+          </a:xfrm>
+          <a:prstGeom prst="rect">
+            <a:avLst/>
+          </a:prstGeom>
+          <a:noFill/>
+        </p:spPr>
+        <p:txBody>
+          <a:bodyPr wrap="none" rtlCol="0">
+            <a:spAutoFit/>
+          </a:bodyPr>
+          <a:lstStyle/>
+          <a:p>
+            <a:r>
+              <a:rPr lang="ko-KR" altLang="en-US" dirty="0"/>
+              <a:t>통합 테스트</a:t>
+            </a:r>
+          </a:p>
+        </p:txBody>
+      </p:sp>
+      <p:sp>
+        <p:nvSpPr>
+          <p:cNvPr id="14" name="TextBox 13">
+            <a:extLst>
+              <a:ext uri="{FF2B5EF4-FFF2-40B4-BE49-F238E27FC236}">
+                <a16:creationId xmlns:a16="http://schemas.microsoft.com/office/drawing/2014/main" id="{4624B65A-A35A-C240-07B9-F5D5D24C40F0}"/>
+              </a:ext>
+            </a:extLst>
+          </p:cNvPr>
+          <p:cNvSpPr txBox="1"/>
+          <p:nvPr/>
+        </p:nvSpPr>
+        <p:spPr>
+          <a:xfrm>
+            <a:off x="8553272" y="1720157"/>
+            <a:ext cx="1107996" cy="369332"/>
+          </a:xfrm>
+          <a:prstGeom prst="rect">
+            <a:avLst/>
+          </a:prstGeom>
+          <a:noFill/>
+        </p:spPr>
+        <p:txBody>
+          <a:bodyPr wrap="none" rtlCol="0">
+            <a:spAutoFit/>
+          </a:bodyPr>
+          <a:lstStyle/>
+          <a:p>
+            <a:r>
+              <a:rPr lang="ko-KR" altLang="en-US" dirty="0" err="1">
+                <a:solidFill>
+                  <a:srgbClr val="FF0000"/>
+                </a:solidFill>
+              </a:rPr>
+              <a:t>코드캡쳐</a:t>
+            </a:r>
+            <a:endParaRPr lang="ko-KR" altLang="en-US" dirty="0">
+              <a:solidFill>
+                <a:srgbClr val="FF0000"/>
+              </a:solidFill>
+            </a:endParaRPr>
+          </a:p>
+        </p:txBody>
+      </p:sp>
+      <p:sp>
+        <p:nvSpPr>
+          <p:cNvPr id="15" name="TextBox 14">
+            <a:extLst>
+              <a:ext uri="{FF2B5EF4-FFF2-40B4-BE49-F238E27FC236}">
+                <a16:creationId xmlns:a16="http://schemas.microsoft.com/office/drawing/2014/main" id="{ECEFACE7-EE2A-607A-CF5C-512BE6C076C5}"/>
+              </a:ext>
+            </a:extLst>
+          </p:cNvPr>
+          <p:cNvSpPr txBox="1"/>
+          <p:nvPr/>
+        </p:nvSpPr>
+        <p:spPr>
+          <a:xfrm>
+            <a:off x="8553272" y="3865828"/>
+            <a:ext cx="1107996" cy="369332"/>
+          </a:xfrm>
+          <a:prstGeom prst="rect">
+            <a:avLst/>
+          </a:prstGeom>
+          <a:noFill/>
+        </p:spPr>
+        <p:txBody>
+          <a:bodyPr wrap="none" rtlCol="0">
+            <a:spAutoFit/>
+          </a:bodyPr>
+          <a:lstStyle/>
+          <a:p>
+            <a:r>
+              <a:rPr lang="ko-KR" altLang="en-US" dirty="0" err="1">
+                <a:solidFill>
+                  <a:srgbClr val="FF0000"/>
+                </a:solidFill>
+              </a:rPr>
+              <a:t>코드캡쳐</a:t>
+            </a:r>
+            <a:endParaRPr lang="ko-KR" altLang="en-US" dirty="0">
+              <a:solidFill>
+                <a:srgbClr val="FF0000"/>
+              </a:solidFill>
+            </a:endParaRPr>
+          </a:p>
+        </p:txBody>
+      </p:sp>
     </p:spTree>
     <p:extLst>
       <p:ext uri="{BB962C8B-B14F-4D97-AF65-F5344CB8AC3E}">
-        <p14:creationId xmlns:p14="http://schemas.microsoft.com/office/powerpoint/2010/main" val="3772745012"/>
+        <p14:creationId xmlns:p14="http://schemas.microsoft.com/office/powerpoint/2010/main" val="835740370"/>
       </p:ext>
     </p:extLst>
   </p:cSld>
@@ -4962,7 +5358,7 @@
           <a:p>
             <a:r>
               <a:rPr lang="ko-KR" altLang="en-US" dirty="0"/>
-              <a:t>전체 채용 프로세스</a:t>
+              <a:t>테스트 및 커버리지</a:t>
             </a:r>
           </a:p>
         </p:txBody>
@@ -5022,11 +5418,15 @@
           <a:p>
             <a:r>
               <a:rPr lang="en-US" altLang="ko-KR" dirty="0"/>
-              <a:t>4-2 </a:t>
-            </a:r>
-            <a:r>
-              <a:rPr lang="ko-KR" altLang="en-US" dirty="0"/>
-              <a:t>상태 다이어그램</a:t>
+              <a:t>4-3 </a:t>
+            </a:r>
+            <a:r>
+              <a:rPr lang="ko-KR" altLang="en-US" dirty="0" err="1"/>
+              <a:t>유즈</a:t>
+            </a:r>
+            <a:r>
+              <a:rPr lang="ko-KR" altLang="en-US" dirty="0"/>
+              <a:t> 케이스</a:t>
             </a:r>
           </a:p>
         </p:txBody>
@@ -5092,40 +5492,270 @@
           </a:p>
         </p:txBody>
       </p:sp>
-      <p:pic>
-        <p:nvPicPr>
-          <p:cNvPr id="7" name="그림 6">
-            <a:extLst>
-              <a:ext uri="{FF2B5EF4-FFF2-40B4-BE49-F238E27FC236}">
-                <a16:creationId xmlns:a16="http://schemas.microsoft.com/office/drawing/2014/main" id="{2C653691-8EDD-8DD2-DC14-C331F535D184}"/>
-              </a:ext>
-            </a:extLst>
-          </p:cNvPr>
-          <p:cNvPicPr>
-            <a:picLocks noChangeAspect="1"/>
-          </p:cNvPicPr>
+      <p:sp>
+        <p:nvSpPr>
+          <p:cNvPr id="11" name="TextBox 10">
+            <a:extLst>
+              <a:ext uri="{FF2B5EF4-FFF2-40B4-BE49-F238E27FC236}">
+                <a16:creationId xmlns:a16="http://schemas.microsoft.com/office/drawing/2014/main" id="{61BBC91D-88A8-637A-BB76-B264E9FDA47C}"/>
+              </a:ext>
+            </a:extLst>
+          </p:cNvPr>
+          <p:cNvSpPr txBox="1"/>
           <p:nvPr/>
-        </p:nvPicPr>
-        <p:blipFill>
-          <a:blip r:embed="rId2"/>
-          <a:stretch>
-            <a:fillRect/>
-          </a:stretch>
-        </p:blipFill>
+        </p:nvSpPr>
         <p:spPr>
           <a:xfrm>
-            <a:off x="3832381" y="1464763"/>
-            <a:ext cx="4527236" cy="4925153"/>
+            <a:off x="7993595" y="2094626"/>
+            <a:ext cx="4063933" cy="369332"/>
           </a:xfrm>
           <a:prstGeom prst="rect">
             <a:avLst/>
           </a:prstGeom>
+          <a:noFill/>
         </p:spPr>
-      </p:pic>
+        <p:txBody>
+          <a:bodyPr wrap="none" rtlCol="0">
+            <a:spAutoFit/>
+          </a:bodyPr>
+          <a:lstStyle/>
+          <a:p>
+            <a:r>
+              <a:rPr lang="ko-KR" altLang="en-US" dirty="0"/>
+              <a:t>테스트 커버리지 평균 </a:t>
+            </a:r>
+            <a:r>
+              <a:rPr lang="en-US" altLang="ko-KR" dirty="0"/>
+              <a:t>85% </a:t>
+            </a:r>
+            <a:r>
+              <a:rPr lang="ko-KR" altLang="en-US" dirty="0"/>
+              <a:t>이상 </a:t>
+            </a:r>
+            <a:r>
+              <a:rPr lang="en-US" altLang="ko-KR" dirty="0"/>
+              <a:t>~~~</a:t>
+            </a:r>
+            <a:endParaRPr lang="ko-KR" altLang="en-US" dirty="0"/>
+          </a:p>
+        </p:txBody>
+      </p:sp>
+      <p:grpSp>
+        <p:nvGrpSpPr>
+          <p:cNvPr id="17" name="그룹 16">
+            <a:extLst>
+              <a:ext uri="{FF2B5EF4-FFF2-40B4-BE49-F238E27FC236}">
+                <a16:creationId xmlns:a16="http://schemas.microsoft.com/office/drawing/2014/main" id="{3D458D56-970E-13BC-2663-81E1C51B1542}"/>
+              </a:ext>
+            </a:extLst>
+          </p:cNvPr>
+          <p:cNvGrpSpPr/>
+          <p:nvPr/>
+        </p:nvGrpSpPr>
+        <p:grpSpPr>
+          <a:xfrm>
+            <a:off x="247547" y="1904823"/>
+            <a:ext cx="7471954" cy="3829435"/>
+            <a:chOff x="2700692" y="2216900"/>
+            <a:chExt cx="7471954" cy="3829435"/>
+          </a:xfrm>
+        </p:grpSpPr>
+        <p:pic>
+          <p:nvPicPr>
+            <p:cNvPr id="12" name="그림 11">
+              <a:extLst>
+                <a:ext uri="{FF2B5EF4-FFF2-40B4-BE49-F238E27FC236}">
+                  <a16:creationId xmlns:a16="http://schemas.microsoft.com/office/drawing/2014/main" id="{E487685C-57A2-DF81-7673-C7F08B1B4E2C}"/>
+                </a:ext>
+              </a:extLst>
+            </p:cNvPr>
+            <p:cNvPicPr>
+              <a:picLocks noChangeAspect="1"/>
+            </p:cNvPicPr>
+            <p:nvPr/>
+          </p:nvPicPr>
+          <p:blipFill rotWithShape="1">
+            <a:blip r:embed="rId2"/>
+            <a:srcRect l="10" t="39338" r="190" b="43012"/>
+            <a:stretch/>
+          </p:blipFill>
+          <p:spPr>
+            <a:xfrm>
+              <a:off x="2700692" y="3558020"/>
+              <a:ext cx="7454536" cy="1210492"/>
+            </a:xfrm>
+            <a:prstGeom prst="rect">
+              <a:avLst/>
+            </a:prstGeom>
+          </p:spPr>
+        </p:pic>
+        <p:pic>
+          <p:nvPicPr>
+            <p:cNvPr id="14" name="그림 13">
+              <a:extLst>
+                <a:ext uri="{FF2B5EF4-FFF2-40B4-BE49-F238E27FC236}">
+                  <a16:creationId xmlns:a16="http://schemas.microsoft.com/office/drawing/2014/main" id="{72CFDA64-EAA1-26EA-6136-61ADE3278D88}"/>
+                </a:ext>
+              </a:extLst>
+            </p:cNvPr>
+            <p:cNvPicPr>
+              <a:picLocks noChangeAspect="1"/>
+            </p:cNvPicPr>
+            <p:nvPr/>
+          </p:nvPicPr>
+          <p:blipFill rotWithShape="1">
+            <a:blip r:embed="rId2"/>
+            <a:srcRect b="80444"/>
+            <a:stretch/>
+          </p:blipFill>
+          <p:spPr>
+            <a:xfrm>
+              <a:off x="2703105" y="2216900"/>
+              <a:ext cx="7469541" cy="1341120"/>
+            </a:xfrm>
+            <a:prstGeom prst="rect">
+              <a:avLst/>
+            </a:prstGeom>
+          </p:spPr>
+        </p:pic>
+        <p:pic>
+          <p:nvPicPr>
+            <p:cNvPr id="16" name="그림 15">
+              <a:extLst>
+                <a:ext uri="{FF2B5EF4-FFF2-40B4-BE49-F238E27FC236}">
+                  <a16:creationId xmlns:a16="http://schemas.microsoft.com/office/drawing/2014/main" id="{38FB4E80-0894-8B83-7754-024F777BD49E}"/>
+                </a:ext>
+              </a:extLst>
+            </p:cNvPr>
+            <p:cNvPicPr>
+              <a:picLocks noChangeAspect="1"/>
+            </p:cNvPicPr>
+            <p:nvPr/>
+          </p:nvPicPr>
+          <p:blipFill rotWithShape="1">
+            <a:blip r:embed="rId2"/>
+            <a:srcRect t="71437" b="9931"/>
+            <a:stretch/>
+          </p:blipFill>
+          <p:spPr>
+            <a:xfrm>
+              <a:off x="2703105" y="4768512"/>
+              <a:ext cx="7469541" cy="1277823"/>
+            </a:xfrm>
+            <a:prstGeom prst="rect">
+              <a:avLst/>
+            </a:prstGeom>
+          </p:spPr>
+        </p:pic>
+      </p:grpSp>
+      <p:sp>
+        <p:nvSpPr>
+          <p:cNvPr id="9" name="직사각형 8">
+            <a:extLst>
+              <a:ext uri="{FF2B5EF4-FFF2-40B4-BE49-F238E27FC236}">
+                <a16:creationId xmlns:a16="http://schemas.microsoft.com/office/drawing/2014/main" id="{A86BC69C-0593-4F19-18C1-6A061367E868}"/>
+              </a:ext>
+            </a:extLst>
+          </p:cNvPr>
+          <p:cNvSpPr/>
+          <p:nvPr/>
+        </p:nvSpPr>
+        <p:spPr>
+          <a:xfrm>
+            <a:off x="3548094" y="1893628"/>
+            <a:ext cx="2547905" cy="3914987"/>
+          </a:xfrm>
+          <a:prstGeom prst="rect">
+            <a:avLst/>
+          </a:prstGeom>
+          <a:noFill/>
+          <a:ln>
+            <a:solidFill>
+              <a:srgbClr val="FF0000"/>
+            </a:solidFill>
+          </a:ln>
+        </p:spPr>
+        <p:style>
+          <a:lnRef idx="2">
+            <a:schemeClr val="accent1">
+              <a:shade val="15000"/>
+            </a:schemeClr>
+          </a:lnRef>
+          <a:fillRef idx="1">
+            <a:schemeClr val="accent1"/>
+          </a:fillRef>
+          <a:effectRef idx="0">
+            <a:schemeClr val="accent1"/>
+          </a:effectRef>
+          <a:fontRef idx="minor">
+            <a:schemeClr val="lt1"/>
+          </a:fontRef>
+        </p:style>
+        <p:txBody>
+          <a:bodyPr rtlCol="0" anchor="ctr"/>
+          <a:lstStyle/>
+          <a:p>
+            <a:pPr algn="ctr"/>
+            <a:endParaRPr lang="ko-KR" altLang="en-US" dirty="0"/>
+          </a:p>
+        </p:txBody>
+      </p:sp>
+      <p:sp>
+        <p:nvSpPr>
+          <p:cNvPr id="10" name="직사각형 9">
+            <a:extLst>
+              <a:ext uri="{FF2B5EF4-FFF2-40B4-BE49-F238E27FC236}">
+                <a16:creationId xmlns:a16="http://schemas.microsoft.com/office/drawing/2014/main" id="{61573D5F-0F29-9128-5F61-BEEED2B50B59}"/>
+              </a:ext>
+            </a:extLst>
+          </p:cNvPr>
+          <p:cNvSpPr/>
+          <p:nvPr/>
+        </p:nvSpPr>
+        <p:spPr>
+          <a:xfrm>
+            <a:off x="247547" y="1893629"/>
+            <a:ext cx="2022296" cy="3914988"/>
+          </a:xfrm>
+          <a:prstGeom prst="rect">
+            <a:avLst/>
+          </a:prstGeom>
+          <a:noFill/>
+          <a:ln>
+            <a:solidFill>
+              <a:srgbClr val="FF0000"/>
+            </a:solidFill>
+          </a:ln>
+        </p:spPr>
+        <p:style>
+          <a:lnRef idx="2">
+            <a:schemeClr val="accent1">
+              <a:shade val="15000"/>
+            </a:schemeClr>
+          </a:lnRef>
+          <a:fillRef idx="1">
+            <a:schemeClr val="accent1"/>
+          </a:fillRef>
+          <a:effectRef idx="0">
+            <a:schemeClr val="accent1"/>
+          </a:effectRef>
+          <a:fontRef idx="minor">
+            <a:schemeClr val="lt1"/>
+          </a:fontRef>
+        </p:style>
+        <p:txBody>
+          <a:bodyPr rtlCol="0" anchor="ctr"/>
+          <a:lstStyle/>
+          <a:p>
+            <a:pPr algn="ctr"/>
+            <a:endParaRPr lang="ko-KR" altLang="en-US"/>
+          </a:p>
+        </p:txBody>
+      </p:sp>
     </p:spTree>
     <p:extLst>
       <p:ext uri="{BB962C8B-B14F-4D97-AF65-F5344CB8AC3E}">
-        <p14:creationId xmlns:p14="http://schemas.microsoft.com/office/powerpoint/2010/main" val="2695692036"/>
+        <p14:creationId xmlns:p14="http://schemas.microsoft.com/office/powerpoint/2010/main" val="303156659"/>
       </p:ext>
     </p:extLst>
   </p:cSld>
@@ -5157,7 +5787,7 @@
           <p:cNvPr id="2" name="제목 1">
             <a:extLst>
               <a:ext uri="{FF2B5EF4-FFF2-40B4-BE49-F238E27FC236}">
-                <a16:creationId xmlns:a16="http://schemas.microsoft.com/office/drawing/2014/main" id="{40E988EF-B08A-1B7E-6C67-F009F4F735A5}"/>
+                <a16:creationId xmlns:a16="http://schemas.microsoft.com/office/drawing/2014/main" id="{18672ECC-5481-83A4-D483-2C6E826E641A}"/>
               </a:ext>
             </a:extLst>
           </p:cNvPr>
@@ -5174,18 +5804,22 @@
           <a:lstStyle/>
           <a:p>
             <a:r>
-              <a:rPr lang="ko-KR" altLang="en-US" dirty="0"/>
-              <a:t>전체 채용 프로세스</a:t>
-            </a:r>
-          </a:p>
-        </p:txBody>
-      </p:sp>
-      <p:sp>
-        <p:nvSpPr>
-          <p:cNvPr id="4" name="텍스트 개체 틀 3">
-            <a:extLst>
-              <a:ext uri="{FF2B5EF4-FFF2-40B4-BE49-F238E27FC236}">
-                <a16:creationId xmlns:a16="http://schemas.microsoft.com/office/drawing/2014/main" id="{A092DFB1-10A2-E7D9-11D1-92CFB29D9CBA}"/>
+              <a:rPr lang="en-US" altLang="ko-KR" dirty="0"/>
+              <a:t>05. SARDIP</a:t>
+            </a:r>
+            <a:r>
+              <a:rPr lang="ko-KR" altLang="en-US" dirty="0"/>
+              <a:t> 담당 업무</a:t>
+            </a:r>
+          </a:p>
+        </p:txBody>
+      </p:sp>
+      <p:sp>
+        <p:nvSpPr>
+          <p:cNvPr id="3" name="텍스트 개체 틀 2">
+            <a:extLst>
+              <a:ext uri="{FF2B5EF4-FFF2-40B4-BE49-F238E27FC236}">
+                <a16:creationId xmlns:a16="http://schemas.microsoft.com/office/drawing/2014/main" id="{91CC686E-813A-2E86-DE7F-6E0DCBA4375D}"/>
               </a:ext>
             </a:extLst>
           </p:cNvPr>
@@ -5193,126 +5827,53 @@
             <a:spLocks noGrp="1"/>
           </p:cNvSpPr>
           <p:nvPr>
-            <p:ph type="body" sz="quarter" idx="13"/>
+            <p:ph type="body" idx="1"/>
           </p:nvPr>
         </p:nvSpPr>
         <p:spPr/>
         <p:txBody>
-          <a:bodyPr/>
-          <a:lstStyle/>
-          <a:p>
-            <a:r>
-              <a:rPr lang="en-US" altLang="ko-KR" dirty="0"/>
-              <a:t>04. </a:t>
-            </a:r>
-            <a:r>
-              <a:rPr lang="ko-KR" altLang="en-US" dirty="0"/>
-              <a:t>개발 과정</a:t>
-            </a:r>
-          </a:p>
-        </p:txBody>
-      </p:sp>
-      <p:sp>
-        <p:nvSpPr>
-          <p:cNvPr id="5" name="텍스트 개체 틀 4">
-            <a:extLst>
-              <a:ext uri="{FF2B5EF4-FFF2-40B4-BE49-F238E27FC236}">
-                <a16:creationId xmlns:a16="http://schemas.microsoft.com/office/drawing/2014/main" id="{A220348D-1DB7-F156-A60C-AFD6F2B5A248}"/>
-              </a:ext>
-            </a:extLst>
-          </p:cNvPr>
-          <p:cNvSpPr>
-            <a:spLocks noGrp="1"/>
-          </p:cNvSpPr>
-          <p:nvPr>
-            <p:ph type="body" sz="quarter" idx="14"/>
-          </p:nvPr>
-        </p:nvSpPr>
-        <p:spPr/>
-        <p:txBody>
-          <a:bodyPr/>
-          <a:lstStyle/>
-          <a:p>
-            <a:r>
-              <a:rPr lang="en-US" altLang="ko-KR" dirty="0"/>
-              <a:t>4-3 </a:t>
-            </a:r>
-            <a:r>
-              <a:rPr lang="ko-KR" altLang="en-US" dirty="0" err="1"/>
-              <a:t>유즈</a:t>
-            </a:r>
-            <a:r>
-              <a:rPr lang="ko-KR" altLang="en-US" dirty="0"/>
-              <a:t> 케이스</a:t>
-            </a:r>
-          </a:p>
-        </p:txBody>
-      </p:sp>
-      <p:sp>
-        <p:nvSpPr>
-          <p:cNvPr id="6" name="TextBox 5">
-            <a:extLst>
-              <a:ext uri="{FF2B5EF4-FFF2-40B4-BE49-F238E27FC236}">
-                <a16:creationId xmlns:a16="http://schemas.microsoft.com/office/drawing/2014/main" id="{6A9640C9-65F7-ECEA-9BF4-ADBD02D71466}"/>
-              </a:ext>
-            </a:extLst>
-          </p:cNvPr>
-          <p:cNvSpPr txBox="1"/>
-          <p:nvPr/>
-        </p:nvSpPr>
-        <p:spPr>
-          <a:xfrm>
-            <a:off x="6534622" y="786883"/>
-            <a:ext cx="3132589" cy="369332"/>
-          </a:xfrm>
-          <a:prstGeom prst="rect">
-            <a:avLst/>
-          </a:prstGeom>
-          <a:noFill/>
-        </p:spPr>
-        <p:txBody>
-          <a:bodyPr wrap="none" rtlCol="0">
-            <a:spAutoFit/>
+          <a:bodyPr>
+            <a:normAutofit/>
           </a:bodyPr>
           <a:lstStyle/>
           <a:p>
             <a:r>
-              <a:rPr lang="ko-KR" altLang="en-US" dirty="0">
-                <a:solidFill>
-                  <a:srgbClr val="00B0F0"/>
-                </a:solidFill>
-                <a:latin typeface="Pretendard ExtraBold" panose="02000903000000020004" pitchFamily="50" charset="-127"/>
-                <a:ea typeface="Pretendard ExtraBold" panose="02000903000000020004" pitchFamily="50" charset="-127"/>
-                <a:cs typeface="Pretendard ExtraBold" panose="02000903000000020004" pitchFamily="50" charset="-127"/>
-              </a:rPr>
-              <a:t>내지 슬라이드 제목 폰트 크기 </a:t>
-            </a:r>
-            <a:r>
-              <a:rPr lang="en-US" altLang="ko-KR" dirty="0">
-                <a:solidFill>
-                  <a:srgbClr val="00B0F0"/>
-                </a:solidFill>
-                <a:latin typeface="Pretendard ExtraBold" panose="02000903000000020004" pitchFamily="50" charset="-127"/>
-                <a:ea typeface="Pretendard ExtraBold" panose="02000903000000020004" pitchFamily="50" charset="-127"/>
-                <a:cs typeface="Pretendard ExtraBold" panose="02000903000000020004" pitchFamily="50" charset="-127"/>
-              </a:rPr>
-              <a:t>30</a:t>
-            </a:r>
-            <a:endParaRPr lang="ko-KR" altLang="en-US" dirty="0">
-              <a:solidFill>
-                <a:srgbClr val="00B0F0"/>
-              </a:solidFill>
-              <a:latin typeface="Pretendard ExtraBold" panose="02000903000000020004" pitchFamily="50" charset="-127"/>
-              <a:ea typeface="Pretendard ExtraBold" panose="02000903000000020004" pitchFamily="50" charset="-127"/>
-              <a:cs typeface="Pretendard ExtraBold" panose="02000903000000020004" pitchFamily="50" charset="-127"/>
-            </a:endParaRPr>
+              <a:rPr lang="en-US" altLang="ko-KR" dirty="0"/>
+              <a:t>SARDIP </a:t>
+            </a:r>
+            <a:r>
+              <a:rPr lang="ko-KR" altLang="en-US" dirty="0"/>
+              <a:t>개요</a:t>
+            </a:r>
+            <a:endParaRPr lang="en-US" altLang="ko-KR" dirty="0"/>
+          </a:p>
+          <a:p>
+            <a:r>
+              <a:rPr lang="en-US" altLang="ko-KR" dirty="0"/>
+              <a:t>SARDIP</a:t>
+            </a:r>
+            <a:r>
+              <a:rPr lang="ko-KR" altLang="en-US" dirty="0"/>
+              <a:t> </a:t>
+            </a:r>
+            <a:r>
+              <a:rPr lang="en-US" altLang="ko-KR" dirty="0"/>
+              <a:t>WEB GIS</a:t>
+            </a:r>
+          </a:p>
+          <a:p>
+            <a:pPr marL="342900" indent="-342900">
+              <a:buFontTx/>
+              <a:buChar char="-"/>
+            </a:pPr>
+            <a:endParaRPr lang="en-US" altLang="ko-KR" dirty="0"/>
           </a:p>
         </p:txBody>
       </p:sp>
     </p:spTree>
     <p:extLst>
       <p:ext uri="{BB962C8B-B14F-4D97-AF65-F5344CB8AC3E}">
-        <p14:creationId xmlns:p14="http://schemas.microsoft.com/office/powerpoint/2010/main" val="835740370"/>
+        <p14:creationId xmlns:p14="http://schemas.microsoft.com/office/powerpoint/2010/main" val="2894911022"/>
       </p:ext>
     </p:extLst>
   </p:cSld>
@@ -5344,7 +5905,7 @@
           <p:cNvPr id="2" name="제목 1">
             <a:extLst>
               <a:ext uri="{FF2B5EF4-FFF2-40B4-BE49-F238E27FC236}">
-                <a16:creationId xmlns:a16="http://schemas.microsoft.com/office/drawing/2014/main" id="{18672ECC-5481-83A4-D483-2C6E826E641A}"/>
+                <a16:creationId xmlns:a16="http://schemas.microsoft.com/office/drawing/2014/main" id="{40E988EF-B08A-1B7E-6C67-F009F4F735A5}"/>
               </a:ext>
             </a:extLst>
           </p:cNvPr>
@@ -5361,18 +5922,22 @@
           <a:lstStyle/>
           <a:p>
             <a:r>
-              <a:rPr lang="ko-KR" altLang="en-US" dirty="0"/>
-              <a:t>테스트 전략</a:t>
-            </a:r>
-          </a:p>
-        </p:txBody>
-      </p:sp>
-      <p:sp>
-        <p:nvSpPr>
-          <p:cNvPr id="3" name="텍스트 개체 틀 2">
-            <a:extLst>
-              <a:ext uri="{FF2B5EF4-FFF2-40B4-BE49-F238E27FC236}">
-                <a16:creationId xmlns:a16="http://schemas.microsoft.com/office/drawing/2014/main" id="{91CC686E-813A-2E86-DE7F-6E0DCBA4375D}"/>
+              <a:rPr lang="en-US" altLang="ko-KR" dirty="0"/>
+              <a:t>SARDIP </a:t>
+            </a:r>
+            <a:r>
+              <a:rPr lang="ko-KR" altLang="en-US" dirty="0"/>
+              <a:t>개요</a:t>
+            </a:r>
+          </a:p>
+        </p:txBody>
+      </p:sp>
+      <p:sp>
+        <p:nvSpPr>
+          <p:cNvPr id="4" name="텍스트 개체 틀 3">
+            <a:extLst>
+              <a:ext uri="{FF2B5EF4-FFF2-40B4-BE49-F238E27FC236}">
+                <a16:creationId xmlns:a16="http://schemas.microsoft.com/office/drawing/2014/main" id="{A092DFB1-10A2-E7D9-11D1-92CFB29D9CBA}"/>
               </a:ext>
             </a:extLst>
           </p:cNvPr>
@@ -5380,42 +5945,489 @@
             <a:spLocks noGrp="1"/>
           </p:cNvSpPr>
           <p:nvPr>
-            <p:ph type="body" idx="1"/>
+            <p:ph type="body" sz="quarter" idx="13"/>
           </p:nvPr>
         </p:nvSpPr>
         <p:spPr/>
         <p:txBody>
-          <a:bodyPr>
-            <a:normAutofit/>
+          <a:bodyPr/>
+          <a:lstStyle/>
+          <a:p>
+            <a:r>
+              <a:rPr lang="en-US" altLang="ko-KR" dirty="0"/>
+              <a:t>05. SARDIP </a:t>
+            </a:r>
+            <a:r>
+              <a:rPr lang="ko-KR" altLang="en-US" dirty="0"/>
+              <a:t>계획</a:t>
+            </a:r>
+          </a:p>
+        </p:txBody>
+      </p:sp>
+      <p:sp>
+        <p:nvSpPr>
+          <p:cNvPr id="5" name="텍스트 개체 틀 4">
+            <a:extLst>
+              <a:ext uri="{FF2B5EF4-FFF2-40B4-BE49-F238E27FC236}">
+                <a16:creationId xmlns:a16="http://schemas.microsoft.com/office/drawing/2014/main" id="{A220348D-1DB7-F156-A60C-AFD6F2B5A248}"/>
+              </a:ext>
+            </a:extLst>
+          </p:cNvPr>
+          <p:cNvSpPr>
+            <a:spLocks noGrp="1"/>
+          </p:cNvSpPr>
+          <p:nvPr>
+            <p:ph type="body" sz="quarter" idx="14"/>
+          </p:nvPr>
+        </p:nvSpPr>
+        <p:spPr/>
+        <p:txBody>
+          <a:bodyPr/>
+          <a:lstStyle/>
+          <a:p>
+            <a:r>
+              <a:rPr lang="en-US" altLang="ko-KR" dirty="0"/>
+              <a:t>4-3 </a:t>
+            </a:r>
+            <a:r>
+              <a:rPr lang="ko-KR" altLang="en-US" dirty="0" err="1"/>
+              <a:t>유즈</a:t>
+            </a:r>
+            <a:r>
+              <a:rPr lang="ko-KR" altLang="en-US" dirty="0"/>
+              <a:t> 케이스</a:t>
+            </a:r>
+          </a:p>
+        </p:txBody>
+      </p:sp>
+      <p:sp>
+        <p:nvSpPr>
+          <p:cNvPr id="3" name="TextBox 2">
+            <a:extLst>
+              <a:ext uri="{FF2B5EF4-FFF2-40B4-BE49-F238E27FC236}">
+                <a16:creationId xmlns:a16="http://schemas.microsoft.com/office/drawing/2014/main" id="{DEAF69B0-9FE0-B320-E936-25BD8B32EA7D}"/>
+              </a:ext>
+            </a:extLst>
+          </p:cNvPr>
+          <p:cNvSpPr txBox="1"/>
+          <p:nvPr/>
+        </p:nvSpPr>
+        <p:spPr>
+          <a:xfrm>
+            <a:off x="634386" y="1362076"/>
+            <a:ext cx="10681253" cy="2311980"/>
+          </a:xfrm>
+          <a:prstGeom prst="rect">
+            <a:avLst/>
+          </a:prstGeom>
+          <a:noFill/>
+        </p:spPr>
+        <p:txBody>
+          <a:bodyPr wrap="square" rtlCol="0">
+            <a:spAutoFit/>
           </a:bodyPr>
           <a:lstStyle/>
           <a:p>
-            <a:pPr marL="342900" indent="-342900">
-              <a:buFontTx/>
-              <a:buChar char="-"/>
+            <a:pPr marL="285750" indent="-285750">
+              <a:lnSpc>
+                <a:spcPct val="150000"/>
+              </a:lnSpc>
+              <a:buFont typeface="Wingdings" panose="05000000000000000000" pitchFamily="2" charset="2"/>
+              <a:buChar char="§"/>
             </a:pPr>
             <a:r>
-              <a:rPr lang="ko-KR" altLang="en-US" dirty="0"/>
-              <a:t>유닛 테스트</a:t>
-            </a:r>
-            <a:endParaRPr lang="en-US" altLang="ko-KR" dirty="0"/>
-          </a:p>
-          <a:p>
-            <a:pPr marL="342900" indent="-342900">
-              <a:buFontTx/>
-              <a:buChar char="-"/>
+              <a:rPr lang="en-US" altLang="ko-KR" sz="1800" dirty="0">
+                <a:latin typeface="Pretendard Medium" panose="02000603000000020004" pitchFamily="2" charset="-127"/>
+                <a:ea typeface="Pretendard Medium" panose="02000603000000020004" pitchFamily="2" charset="-127"/>
+                <a:cs typeface="Pretendard Medium" panose="02000603000000020004" pitchFamily="2" charset="-127"/>
+              </a:rPr>
+              <a:t>SAR Data and Image Processor(SARDIP)</a:t>
+            </a:r>
+            <a:endParaRPr lang="en-US" altLang="ko-KR" dirty="0">
+              <a:latin typeface="Pretendard Medium" panose="02000603000000020004" pitchFamily="2" charset="-127"/>
+              <a:ea typeface="Pretendard Medium" panose="02000603000000020004" pitchFamily="2" charset="-127"/>
+              <a:cs typeface="Pretendard Medium" panose="02000603000000020004" pitchFamily="2" charset="-127"/>
+            </a:endParaRPr>
+          </a:p>
+          <a:p>
+            <a:pPr marL="742950" lvl="1" indent="-285750">
+              <a:lnSpc>
+                <a:spcPct val="150000"/>
+              </a:lnSpc>
+              <a:buFont typeface="Wingdings" panose="05000000000000000000" pitchFamily="2" charset="2"/>
+              <a:buChar char="§"/>
             </a:pPr>
             <a:r>
-              <a:rPr lang="ko-KR" altLang="en-US" dirty="0"/>
-              <a:t>통합 테스트</a:t>
-            </a:r>
-          </a:p>
-        </p:txBody>
-      </p:sp>
+              <a:rPr lang="ko-KR" altLang="en-US" sz="1600" dirty="0" err="1">
+                <a:latin typeface="Pretendard Medium" panose="02000603000000020004" pitchFamily="2" charset="-127"/>
+                <a:ea typeface="Pretendard Medium" panose="02000603000000020004" pitchFamily="2" charset="-127"/>
+                <a:cs typeface="Pretendard Medium" panose="02000603000000020004" pitchFamily="2" charset="-127"/>
+              </a:rPr>
+              <a:t>루미르에서</a:t>
+            </a:r>
+            <a:r>
+              <a:rPr lang="ko-KR" altLang="en-US" sz="1600" dirty="0">
+                <a:latin typeface="Pretendard Medium" panose="02000603000000020004" pitchFamily="2" charset="-127"/>
+                <a:ea typeface="Pretendard Medium" panose="02000603000000020004" pitchFamily="2" charset="-127"/>
+                <a:cs typeface="Pretendard Medium" panose="02000603000000020004" pitchFamily="2" charset="-127"/>
+              </a:rPr>
+              <a:t> 개발하는 </a:t>
+            </a:r>
+            <a:r>
+              <a:rPr lang="en-US" altLang="ko-KR" sz="1600" dirty="0">
+                <a:solidFill>
+                  <a:srgbClr val="0070C0"/>
+                </a:solidFill>
+                <a:latin typeface="Pretendard SemiBold" panose="02000703000000020004" pitchFamily="2" charset="-127"/>
+                <a:ea typeface="Pretendard SemiBold" panose="02000703000000020004" pitchFamily="2" charset="-127"/>
+                <a:cs typeface="Pretendard SemiBold" panose="02000703000000020004" pitchFamily="2" charset="-127"/>
+              </a:rPr>
+              <a:t>SAR </a:t>
+            </a:r>
+            <a:r>
+              <a:rPr lang="ko-KR" altLang="en-US" sz="1600" dirty="0">
+                <a:solidFill>
+                  <a:srgbClr val="0070C0"/>
+                </a:solidFill>
+                <a:latin typeface="Pretendard SemiBold" panose="02000703000000020004" pitchFamily="2" charset="-127"/>
+                <a:ea typeface="Pretendard SemiBold" panose="02000703000000020004" pitchFamily="2" charset="-127"/>
+                <a:cs typeface="Pretendard SemiBold" panose="02000703000000020004" pitchFamily="2" charset="-127"/>
+              </a:rPr>
+              <a:t>신호 및 영상처리 소프트웨어</a:t>
+            </a:r>
+            <a:r>
+              <a:rPr lang="ko-KR" altLang="en-US" sz="1600" dirty="0">
+                <a:latin typeface="Pretendard Medium" panose="02000603000000020004" pitchFamily="2" charset="-127"/>
+                <a:ea typeface="Pretendard Medium" panose="02000603000000020004" pitchFamily="2" charset="-127"/>
+                <a:cs typeface="Pretendard Medium" panose="02000603000000020004" pitchFamily="2" charset="-127"/>
+              </a:rPr>
+              <a:t>로서</a:t>
+            </a:r>
+            <a:r>
+              <a:rPr lang="en-US" altLang="ko-KR" sz="1600" dirty="0">
+                <a:latin typeface="Pretendard Medium" panose="02000603000000020004" pitchFamily="2" charset="-127"/>
+                <a:ea typeface="Pretendard Medium" panose="02000603000000020004" pitchFamily="2" charset="-127"/>
+                <a:cs typeface="Pretendard Medium" panose="02000603000000020004" pitchFamily="2" charset="-127"/>
+              </a:rPr>
+              <a:t>, </a:t>
+            </a:r>
+            <a:r>
+              <a:rPr lang="ko-KR" altLang="en-US" sz="1600" dirty="0">
+                <a:latin typeface="Pretendard Medium" panose="02000603000000020004" pitchFamily="2" charset="-127"/>
+                <a:ea typeface="Pretendard Medium" panose="02000603000000020004" pitchFamily="2" charset="-127"/>
+                <a:cs typeface="Pretendard Medium" panose="02000603000000020004" pitchFamily="2" charset="-127"/>
+              </a:rPr>
+              <a:t>자체 설계</a:t>
+            </a:r>
+            <a:r>
+              <a:rPr lang="en-US" altLang="ko-KR" sz="1600" dirty="0">
+                <a:latin typeface="Pretendard Medium" panose="02000603000000020004" pitchFamily="2" charset="-127"/>
+                <a:ea typeface="Pretendard Medium" panose="02000603000000020004" pitchFamily="2" charset="-127"/>
+                <a:cs typeface="Pretendard Medium" panose="02000603000000020004" pitchFamily="2" charset="-127"/>
+              </a:rPr>
+              <a:t>/</a:t>
+            </a:r>
+            <a:r>
+              <a:rPr lang="ko-KR" altLang="en-US" sz="1600" dirty="0">
+                <a:latin typeface="Pretendard Medium" panose="02000603000000020004" pitchFamily="2" charset="-127"/>
+                <a:ea typeface="Pretendard Medium" panose="02000603000000020004" pitchFamily="2" charset="-127"/>
+                <a:cs typeface="Pretendard Medium" panose="02000603000000020004" pitchFamily="2" charset="-127"/>
+              </a:rPr>
+              <a:t>제작한 </a:t>
+            </a:r>
+            <a:r>
+              <a:rPr lang="en-US" altLang="ko-KR" sz="1600" dirty="0">
+                <a:latin typeface="Pretendard Medium" panose="02000603000000020004" pitchFamily="2" charset="-127"/>
+                <a:ea typeface="Pretendard Medium" panose="02000603000000020004" pitchFamily="2" charset="-127"/>
+                <a:cs typeface="Pretendard Medium" panose="02000603000000020004" pitchFamily="2" charset="-127"/>
+              </a:rPr>
+              <a:t>SAR </a:t>
+            </a:r>
+            <a:r>
+              <a:rPr lang="ko-KR" altLang="en-US" sz="1600" dirty="0">
+                <a:latin typeface="Pretendard Medium" panose="02000603000000020004" pitchFamily="2" charset="-127"/>
+                <a:ea typeface="Pretendard Medium" panose="02000603000000020004" pitchFamily="2" charset="-127"/>
+                <a:cs typeface="Pretendard Medium" panose="02000603000000020004" pitchFamily="2" charset="-127"/>
+              </a:rPr>
+              <a:t>위성</a:t>
+            </a:r>
+            <a:r>
+              <a:rPr lang="en-US" altLang="ko-KR" sz="1600" dirty="0">
+                <a:latin typeface="Pretendard Medium" panose="02000603000000020004" pitchFamily="2" charset="-127"/>
+                <a:ea typeface="Pretendard Medium" panose="02000603000000020004" pitchFamily="2" charset="-127"/>
+                <a:cs typeface="Pretendard Medium" panose="02000603000000020004" pitchFamily="2" charset="-127"/>
+              </a:rPr>
+              <a:t>(Lumir-X)</a:t>
+            </a:r>
+            <a:r>
+              <a:rPr lang="ko-KR" altLang="en-US" sz="1600" dirty="0">
+                <a:latin typeface="Pretendard Medium" panose="02000603000000020004" pitchFamily="2" charset="-127"/>
+                <a:ea typeface="Pretendard Medium" panose="02000603000000020004" pitchFamily="2" charset="-127"/>
+                <a:cs typeface="Pretendard Medium" panose="02000603000000020004" pitchFamily="2" charset="-127"/>
+              </a:rPr>
+              <a:t>과 타 위성의 데이터를 처리할 수 있는 기능을 가진 </a:t>
+            </a:r>
+            <a:r>
+              <a:rPr lang="ko-KR" altLang="en-US" sz="1600" dirty="0">
+                <a:latin typeface="Pretendard Medium" panose="02000603000000020004" pitchFamily="50" charset="-127"/>
+                <a:ea typeface="Pretendard Medium" panose="02000603000000020004" pitchFamily="50" charset="-127"/>
+                <a:cs typeface="Pretendard Medium" panose="02000603000000020004" pitchFamily="50" charset="-127"/>
+              </a:rPr>
+              <a:t>클라우드 기반 컴퓨팅 </a:t>
+            </a:r>
+            <a:r>
+              <a:rPr lang="en-US" altLang="ko-KR" sz="1600" dirty="0">
+                <a:latin typeface="Pretendard Medium" panose="02000603000000020004" pitchFamily="50" charset="-127"/>
+                <a:ea typeface="Pretendard Medium" panose="02000603000000020004" pitchFamily="50" charset="-127"/>
+                <a:cs typeface="Pretendard Medium" panose="02000603000000020004" pitchFamily="50" charset="-127"/>
+              </a:rPr>
+              <a:t>SW + </a:t>
+            </a:r>
+            <a:r>
+              <a:rPr lang="ko-KR" altLang="en-US" sz="1600" dirty="0">
+                <a:solidFill>
+                  <a:srgbClr val="0070C0"/>
+                </a:solidFill>
+                <a:latin typeface="Pretendard Medium" panose="02000603000000020004" pitchFamily="50" charset="-127"/>
+                <a:ea typeface="Pretendard Medium" panose="02000603000000020004" pitchFamily="50" charset="-127"/>
+                <a:cs typeface="Pretendard Medium" panose="02000603000000020004" pitchFamily="50" charset="-127"/>
+              </a:rPr>
+              <a:t>웹 서비스 </a:t>
+            </a:r>
+            <a:r>
+              <a:rPr lang="ko-KR" altLang="en-US" sz="1600" dirty="0">
+                <a:solidFill>
+                  <a:srgbClr val="0070C0"/>
+                </a:solidFill>
+                <a:latin typeface="Pretendard Medium" panose="02000603000000020004" pitchFamily="2" charset="-127"/>
+                <a:ea typeface="Pretendard Medium" panose="02000603000000020004" pitchFamily="2" charset="-127"/>
+                <a:cs typeface="Pretendard Medium" panose="02000603000000020004" pitchFamily="2" charset="-127"/>
+              </a:rPr>
+              <a:t>플랫폼</a:t>
+            </a:r>
+            <a:r>
+              <a:rPr lang="en-US" altLang="ko-KR" sz="1600" dirty="0">
+                <a:latin typeface="Pretendard Medium" panose="02000603000000020004" pitchFamily="2" charset="-127"/>
+                <a:ea typeface="Pretendard Medium" panose="02000603000000020004" pitchFamily="2" charset="-127"/>
+                <a:cs typeface="Pretendard Medium" panose="02000603000000020004" pitchFamily="2" charset="-127"/>
+              </a:rPr>
+              <a:t>.</a:t>
+            </a:r>
+          </a:p>
+          <a:p>
+            <a:pPr marL="742950" lvl="1" indent="-285750">
+              <a:lnSpc>
+                <a:spcPct val="150000"/>
+              </a:lnSpc>
+              <a:buFont typeface="Wingdings" panose="05000000000000000000" pitchFamily="2" charset="2"/>
+              <a:buChar char="§"/>
+            </a:pPr>
+            <a:r>
+              <a:rPr lang="ko-KR" altLang="en-US" sz="1600" dirty="0">
+                <a:latin typeface="Pretendard Medium" panose="02000603000000020004" pitchFamily="2" charset="-127"/>
+                <a:ea typeface="Pretendard Medium" panose="02000603000000020004" pitchFamily="2" charset="-127"/>
+                <a:cs typeface="Pretendard Medium" panose="02000603000000020004" pitchFamily="2" charset="-127"/>
+              </a:rPr>
+              <a:t>클라우드 컴퓨팅을 통해 최적의 시간에 </a:t>
+            </a:r>
+            <a:r>
+              <a:rPr lang="ko-KR" altLang="en-US" sz="1600" dirty="0">
+                <a:solidFill>
+                  <a:srgbClr val="0070C0"/>
+                </a:solidFill>
+                <a:latin typeface="Pretendard SemiBold" panose="02000703000000020004" pitchFamily="2" charset="-127"/>
+                <a:ea typeface="Pretendard SemiBold" panose="02000703000000020004" pitchFamily="2" charset="-127"/>
+                <a:cs typeface="Pretendard SemiBold" panose="02000703000000020004" pitchFamily="2" charset="-127"/>
+              </a:rPr>
+              <a:t>대용량의 데이터를 처리</a:t>
+            </a:r>
+            <a:r>
+              <a:rPr lang="ko-KR" altLang="en-US" sz="1600" dirty="0">
+                <a:latin typeface="Pretendard Medium" panose="02000603000000020004" pitchFamily="2" charset="-127"/>
+                <a:ea typeface="Pretendard Medium" panose="02000603000000020004" pitchFamily="2" charset="-127"/>
+                <a:cs typeface="Pretendard Medium" panose="02000603000000020004" pitchFamily="2" charset="-127"/>
+              </a:rPr>
+              <a:t>하고 영상을 생성하여 사용자에게 제공</a:t>
+            </a:r>
+            <a:r>
+              <a:rPr lang="en-US" altLang="ko-KR" sz="1600" dirty="0">
+                <a:latin typeface="Pretendard Medium" panose="02000603000000020004" pitchFamily="2" charset="-127"/>
+                <a:ea typeface="Pretendard Medium" panose="02000603000000020004" pitchFamily="2" charset="-127"/>
+                <a:cs typeface="Pretendard Medium" panose="02000603000000020004" pitchFamily="2" charset="-127"/>
+              </a:rPr>
+              <a:t>.</a:t>
+            </a:r>
+          </a:p>
+          <a:p>
+            <a:pPr marL="742950" lvl="1" indent="-285750">
+              <a:lnSpc>
+                <a:spcPct val="150000"/>
+              </a:lnSpc>
+              <a:buFont typeface="Wingdings" panose="05000000000000000000" pitchFamily="2" charset="2"/>
+              <a:buChar char="§"/>
+            </a:pPr>
+            <a:r>
+              <a:rPr lang="ko-KR" altLang="en-US" sz="1600" dirty="0">
+                <a:latin typeface="Pretendard Medium" panose="02000603000000020004" pitchFamily="50" charset="-127"/>
+                <a:ea typeface="Pretendard Medium" panose="02000603000000020004" pitchFamily="50" charset="-127"/>
+                <a:cs typeface="Pretendard Medium" panose="02000603000000020004" pitchFamily="50" charset="-127"/>
+              </a:rPr>
+              <a:t>사용자는 </a:t>
+            </a:r>
+            <a:r>
+              <a:rPr lang="ko-KR" altLang="en-US" sz="1600" dirty="0">
+                <a:solidFill>
+                  <a:srgbClr val="0070C0"/>
+                </a:solidFill>
+                <a:latin typeface="Pretendard Medium" panose="02000603000000020004" pitchFamily="50" charset="-127"/>
+                <a:ea typeface="Pretendard Medium" panose="02000603000000020004" pitchFamily="50" charset="-127"/>
+                <a:cs typeface="Pretendard Medium" panose="02000603000000020004" pitchFamily="50" charset="-127"/>
+              </a:rPr>
+              <a:t>웹을 통해 </a:t>
+            </a:r>
+            <a:r>
+              <a:rPr lang="ko-KR" altLang="en-US" sz="1600" dirty="0">
+                <a:latin typeface="Pretendard Medium" panose="02000603000000020004" pitchFamily="50" charset="-127"/>
+                <a:ea typeface="Pretendard Medium" panose="02000603000000020004" pitchFamily="50" charset="-127"/>
+                <a:cs typeface="Pretendard Medium" panose="02000603000000020004" pitchFamily="50" charset="-127"/>
+              </a:rPr>
+              <a:t>데이터를 검색하고 </a:t>
+            </a:r>
+            <a:r>
+              <a:rPr lang="ko-KR" altLang="en-US" sz="1600" dirty="0">
+                <a:latin typeface="Pretendard Medium" panose="02000603000000020004" pitchFamily="2" charset="-127"/>
+                <a:ea typeface="Pretendard Medium" panose="02000603000000020004" pitchFamily="2" charset="-127"/>
+                <a:cs typeface="Pretendard Medium" panose="02000603000000020004" pitchFamily="2" charset="-127"/>
+              </a:rPr>
+              <a:t>영상 및 정보를 받을 수 있음</a:t>
+            </a:r>
+            <a:r>
+              <a:rPr lang="en-US" altLang="ko-KR" sz="1600" dirty="0">
+                <a:latin typeface="Pretendard Medium" panose="02000603000000020004" pitchFamily="2" charset="-127"/>
+                <a:ea typeface="Pretendard Medium" panose="02000603000000020004" pitchFamily="2" charset="-127"/>
+                <a:cs typeface="Pretendard Medium" panose="02000603000000020004" pitchFamily="2" charset="-127"/>
+              </a:rPr>
+              <a:t>.</a:t>
+            </a:r>
+          </a:p>
+          <a:p>
+            <a:pPr marL="285750" indent="-285750">
+              <a:lnSpc>
+                <a:spcPct val="150000"/>
+              </a:lnSpc>
+              <a:buFont typeface="Wingdings" panose="05000000000000000000" pitchFamily="2" charset="2"/>
+              <a:buChar char="§"/>
+            </a:pPr>
+            <a:endParaRPr lang="en-US" altLang="ko-KR" sz="1600" dirty="0">
+              <a:latin typeface="Pretendard Medium" panose="02000603000000020004" pitchFamily="2" charset="-127"/>
+              <a:ea typeface="Pretendard Medium" panose="02000603000000020004" pitchFamily="2" charset="-127"/>
+              <a:cs typeface="Pretendard Medium" panose="02000603000000020004" pitchFamily="2" charset="-127"/>
+            </a:endParaRPr>
+          </a:p>
+        </p:txBody>
+      </p:sp>
+      <p:grpSp>
+        <p:nvGrpSpPr>
+          <p:cNvPr id="7" name="그룹 6">
+            <a:extLst>
+              <a:ext uri="{FF2B5EF4-FFF2-40B4-BE49-F238E27FC236}">
+                <a16:creationId xmlns:a16="http://schemas.microsoft.com/office/drawing/2014/main" id="{DBB6E1F2-6C76-9C8F-EDEF-8AE8C268F45E}"/>
+              </a:ext>
+            </a:extLst>
+          </p:cNvPr>
+          <p:cNvGrpSpPr/>
+          <p:nvPr/>
+        </p:nvGrpSpPr>
+        <p:grpSpPr>
+          <a:xfrm>
+            <a:off x="634386" y="3774070"/>
+            <a:ext cx="10845740" cy="2632559"/>
+            <a:chOff x="673711" y="3429000"/>
+            <a:chExt cx="10845740" cy="2632559"/>
+          </a:xfrm>
+        </p:grpSpPr>
+        <p:pic>
+          <p:nvPicPr>
+            <p:cNvPr id="8" name="그림 7">
+              <a:extLst>
+                <a:ext uri="{FF2B5EF4-FFF2-40B4-BE49-F238E27FC236}">
+                  <a16:creationId xmlns:a16="http://schemas.microsoft.com/office/drawing/2014/main" id="{7395B2B7-A61F-9E4C-6A99-81526487BB11}"/>
+                </a:ext>
+              </a:extLst>
+            </p:cNvPr>
+            <p:cNvPicPr>
+              <a:picLocks noChangeAspect="1"/>
+            </p:cNvPicPr>
+            <p:nvPr/>
+          </p:nvPicPr>
+          <p:blipFill>
+            <a:blip r:embed="rId2"/>
+            <a:stretch>
+              <a:fillRect/>
+            </a:stretch>
+          </p:blipFill>
+          <p:spPr>
+            <a:xfrm>
+              <a:off x="673711" y="3429000"/>
+              <a:ext cx="10845740" cy="2021782"/>
+            </a:xfrm>
+            <a:prstGeom prst="rect">
+              <a:avLst/>
+            </a:prstGeom>
+          </p:spPr>
+        </p:pic>
+        <p:sp>
+          <p:nvSpPr>
+            <p:cNvPr id="9" name="TextBox 8">
+              <a:extLst>
+                <a:ext uri="{FF2B5EF4-FFF2-40B4-BE49-F238E27FC236}">
+                  <a16:creationId xmlns:a16="http://schemas.microsoft.com/office/drawing/2014/main" id="{6947EE57-F93C-9B97-C3D3-391B9E7573FD}"/>
+                </a:ext>
+              </a:extLst>
+            </p:cNvPr>
+            <p:cNvSpPr txBox="1"/>
+            <p:nvPr/>
+          </p:nvSpPr>
+          <p:spPr>
+            <a:xfrm>
+              <a:off x="5355252" y="5753782"/>
+              <a:ext cx="1481496" cy="307777"/>
+            </a:xfrm>
+            <a:prstGeom prst="rect">
+              <a:avLst/>
+            </a:prstGeom>
+            <a:noFill/>
+          </p:spPr>
+          <p:txBody>
+            <a:bodyPr wrap="none" rtlCol="0">
+              <a:spAutoFit/>
+            </a:bodyPr>
+            <a:lstStyle/>
+            <a:p>
+              <a:r>
+                <a:rPr lang="en-US" altLang="ko-KR" sz="1400" b="1" dirty="0">
+                  <a:latin typeface="Pretendard" panose="02000503000000020004" pitchFamily="50" charset="-127"/>
+                  <a:ea typeface="Pretendard" panose="02000503000000020004" pitchFamily="50" charset="-127"/>
+                  <a:cs typeface="Pretendard" panose="02000503000000020004" pitchFamily="50" charset="-127"/>
+                </a:rPr>
+                <a:t>SARDIP </a:t>
+              </a:r>
+              <a:r>
+                <a:rPr lang="ko-KR" altLang="en-US" sz="1400" b="1" dirty="0">
+                  <a:latin typeface="Pretendard" panose="02000503000000020004" pitchFamily="50" charset="-127"/>
+                  <a:ea typeface="Pretendard" panose="02000503000000020004" pitchFamily="50" charset="-127"/>
+                  <a:cs typeface="Pretendard" panose="02000503000000020004" pitchFamily="50" charset="-127"/>
+                </a:rPr>
+                <a:t>처리과정</a:t>
+              </a:r>
+            </a:p>
+          </p:txBody>
+        </p:sp>
+      </p:grpSp>
     </p:spTree>
     <p:extLst>
       <p:ext uri="{BB962C8B-B14F-4D97-AF65-F5344CB8AC3E}">
-        <p14:creationId xmlns:p14="http://schemas.microsoft.com/office/powerpoint/2010/main" val="1104510042"/>
+        <p14:creationId xmlns:p14="http://schemas.microsoft.com/office/powerpoint/2010/main" val="3198710503"/>
       </p:ext>
     </p:extLst>
   </p:cSld>
@@ -5464,9 +6476,10 @@
           <a:lstStyle/>
           <a:p>
             <a:r>
-              <a:rPr lang="ko-KR" altLang="en-US" dirty="0"/>
-              <a:t>전체 채용 프로세스</a:t>
-            </a:r>
+              <a:rPr lang="en-US" altLang="ko-KR" dirty="0"/>
+              <a:t>SARDIP WEB-GIS</a:t>
+            </a:r>
+            <a:endParaRPr lang="ko-KR" altLang="en-US" dirty="0"/>
           </a:p>
         </p:txBody>
       </p:sp>
@@ -5493,11 +6506,11 @@
           <a:p>
             <a:r>
               <a:rPr lang="en-US" altLang="ko-KR" dirty="0"/>
-              <a:t>05. </a:t>
-            </a:r>
-            <a:r>
-              <a:rPr lang="ko-KR" altLang="en-US" dirty="0"/>
-              <a:t>테스트 전략</a:t>
+              <a:t>05. SARDIP </a:t>
+            </a:r>
+            <a:r>
+              <a:rPr lang="ko-KR" altLang="en-US" dirty="0"/>
+              <a:t>계획</a:t>
             </a:r>
           </a:p>
         </p:txBody>
@@ -5525,21 +6538,180 @@
           <a:p>
             <a:r>
               <a:rPr lang="en-US" altLang="ko-KR" dirty="0"/>
-              <a:t>5-1 </a:t>
-            </a:r>
-            <a:r>
-              <a:rPr lang="ko-KR" altLang="en-US" dirty="0"/>
-              <a:t>유닛 테스트</a:t>
-            </a:r>
-          </a:p>
-        </p:txBody>
-      </p:sp>
-      <p:sp>
-        <p:nvSpPr>
-          <p:cNvPr id="6" name="TextBox 5">
-            <a:extLst>
-              <a:ext uri="{FF2B5EF4-FFF2-40B4-BE49-F238E27FC236}">
-                <a16:creationId xmlns:a16="http://schemas.microsoft.com/office/drawing/2014/main" id="{6A9640C9-65F7-ECEA-9BF4-ADBD02D71466}"/>
+              <a:t>4-3 </a:t>
+            </a:r>
+            <a:r>
+              <a:rPr lang="ko-KR" altLang="en-US" dirty="0" err="1"/>
+              <a:t>유즈</a:t>
+            </a:r>
+            <a:r>
+              <a:rPr lang="ko-KR" altLang="en-US" dirty="0"/>
+              <a:t> 케이스</a:t>
+            </a:r>
+          </a:p>
+        </p:txBody>
+      </p:sp>
+      <p:grpSp>
+        <p:nvGrpSpPr>
+          <p:cNvPr id="13" name="그룹 12">
+            <a:extLst>
+              <a:ext uri="{FF2B5EF4-FFF2-40B4-BE49-F238E27FC236}">
+                <a16:creationId xmlns:a16="http://schemas.microsoft.com/office/drawing/2014/main" id="{9C5329B2-B134-D25B-08B5-297CBF31D2BF}"/>
+              </a:ext>
+            </a:extLst>
+          </p:cNvPr>
+          <p:cNvGrpSpPr/>
+          <p:nvPr/>
+        </p:nvGrpSpPr>
+        <p:grpSpPr>
+          <a:xfrm>
+            <a:off x="72427" y="1857186"/>
+            <a:ext cx="12192000" cy="3956835"/>
+            <a:chOff x="72427" y="1362076"/>
+            <a:chExt cx="12192000" cy="3956835"/>
+          </a:xfrm>
+        </p:grpSpPr>
+        <p:pic>
+          <p:nvPicPr>
+            <p:cNvPr id="10" name="그림 9">
+              <a:extLst>
+                <a:ext uri="{FF2B5EF4-FFF2-40B4-BE49-F238E27FC236}">
+                  <a16:creationId xmlns:a16="http://schemas.microsoft.com/office/drawing/2014/main" id="{9069987F-4866-CF0F-746E-0B4D3D618922}"/>
+                </a:ext>
+              </a:extLst>
+            </p:cNvPr>
+            <p:cNvPicPr>
+              <a:picLocks noChangeAspect="1"/>
+            </p:cNvPicPr>
+            <p:nvPr/>
+          </p:nvPicPr>
+          <p:blipFill>
+            <a:blip r:embed="rId2"/>
+            <a:stretch>
+              <a:fillRect/>
+            </a:stretch>
+          </p:blipFill>
+          <p:spPr>
+            <a:xfrm>
+              <a:off x="72427" y="1362076"/>
+              <a:ext cx="12192000" cy="3916738"/>
+            </a:xfrm>
+            <a:prstGeom prst="rect">
+              <a:avLst/>
+            </a:prstGeom>
+          </p:spPr>
+        </p:pic>
+        <p:sp>
+          <p:nvSpPr>
+            <p:cNvPr id="11" name="직사각형 10">
+              <a:extLst>
+                <a:ext uri="{FF2B5EF4-FFF2-40B4-BE49-F238E27FC236}">
+                  <a16:creationId xmlns:a16="http://schemas.microsoft.com/office/drawing/2014/main" id="{3E38B6F8-07ED-0DEC-AA96-7B1FC96ACA8B}"/>
+                </a:ext>
+              </a:extLst>
+            </p:cNvPr>
+            <p:cNvSpPr/>
+            <p:nvPr/>
+          </p:nvSpPr>
+          <p:spPr>
+            <a:xfrm>
+              <a:off x="72428" y="1539088"/>
+              <a:ext cx="2227153" cy="3779821"/>
+            </a:xfrm>
+            <a:prstGeom prst="rect">
+              <a:avLst/>
+            </a:prstGeom>
+            <a:noFill/>
+            <a:ln>
+              <a:solidFill>
+                <a:srgbClr val="FF0000"/>
+              </a:solidFill>
+            </a:ln>
+          </p:spPr>
+          <p:style>
+            <a:lnRef idx="2">
+              <a:schemeClr val="accent1">
+                <a:shade val="15000"/>
+              </a:schemeClr>
+            </a:lnRef>
+            <a:fillRef idx="1">
+              <a:schemeClr val="accent1"/>
+            </a:fillRef>
+            <a:effectRef idx="0">
+              <a:schemeClr val="accent1"/>
+            </a:effectRef>
+            <a:fontRef idx="minor">
+              <a:schemeClr val="lt1"/>
+            </a:fontRef>
+          </p:style>
+          <p:txBody>
+            <a:bodyPr rtlCol="0" anchor="ctr"/>
+            <a:lstStyle/>
+            <a:p>
+              <a:pPr algn="ctr"/>
+              <a:endParaRPr lang="ko-KR" altLang="en-US"/>
+            </a:p>
+          </p:txBody>
+        </p:sp>
+        <p:sp>
+          <p:nvSpPr>
+            <p:cNvPr id="12" name="직사각형 11">
+              <a:extLst>
+                <a:ext uri="{FF2B5EF4-FFF2-40B4-BE49-F238E27FC236}">
+                  <a16:creationId xmlns:a16="http://schemas.microsoft.com/office/drawing/2014/main" id="{EC3BA3E3-0CC1-A1F1-D7F1-AE07D36D9B16}"/>
+                </a:ext>
+              </a:extLst>
+            </p:cNvPr>
+            <p:cNvSpPr/>
+            <p:nvPr/>
+          </p:nvSpPr>
+          <p:spPr>
+            <a:xfrm>
+              <a:off x="2417275" y="1539089"/>
+              <a:ext cx="9702298" cy="3779822"/>
+            </a:xfrm>
+            <a:prstGeom prst="rect">
+              <a:avLst/>
+            </a:prstGeom>
+            <a:noFill/>
+            <a:ln>
+              <a:solidFill>
+                <a:srgbClr val="FF0000"/>
+              </a:solidFill>
+            </a:ln>
+          </p:spPr>
+          <p:style>
+            <a:lnRef idx="2">
+              <a:schemeClr val="accent1">
+                <a:shade val="15000"/>
+              </a:schemeClr>
+            </a:lnRef>
+            <a:fillRef idx="1">
+              <a:schemeClr val="accent1"/>
+            </a:fillRef>
+            <a:effectRef idx="0">
+              <a:schemeClr val="accent1"/>
+            </a:effectRef>
+            <a:fontRef idx="minor">
+              <a:schemeClr val="lt1"/>
+            </a:fontRef>
+          </p:style>
+          <p:txBody>
+            <a:bodyPr rtlCol="0" anchor="ctr"/>
+            <a:lstStyle/>
+            <a:p>
+              <a:pPr algn="ctr"/>
+              <a:endParaRPr lang="ko-KR" altLang="en-US"/>
+            </a:p>
+          </p:txBody>
+        </p:sp>
+      </p:grpSp>
+      <p:sp>
+        <p:nvSpPr>
+          <p:cNvPr id="14" name="TextBox 13">
+            <a:extLst>
+              <a:ext uri="{FF2B5EF4-FFF2-40B4-BE49-F238E27FC236}">
+                <a16:creationId xmlns:a16="http://schemas.microsoft.com/office/drawing/2014/main" id="{CD5B7F64-16BC-A0B5-98B2-8CD1309403DD}"/>
               </a:ext>
             </a:extLst>
           </p:cNvPr>
@@ -5548,8 +6720,8 @@
         </p:nvSpPr>
         <p:spPr>
           <a:xfrm>
-            <a:off x="6534622" y="786883"/>
-            <a:ext cx="3132589" cy="369332"/>
+            <a:off x="624183" y="5807631"/>
+            <a:ext cx="1123641" cy="369332"/>
           </a:xfrm>
           <a:prstGeom prst="rect">
             <a:avLst/>
@@ -5563,42 +6735,53 @@
           <a:lstStyle/>
           <a:p>
             <a:r>
-              <a:rPr lang="ko-KR" altLang="en-US" dirty="0">
-                <a:solidFill>
-                  <a:srgbClr val="00B0F0"/>
-                </a:solidFill>
-                <a:latin typeface="Pretendard ExtraBold" panose="02000903000000020004" pitchFamily="50" charset="-127"/>
-                <a:ea typeface="Pretendard ExtraBold" panose="02000903000000020004" pitchFamily="50" charset="-127"/>
-                <a:cs typeface="Pretendard ExtraBold" panose="02000903000000020004" pitchFamily="50" charset="-127"/>
-              </a:rPr>
-              <a:t>내지 슬라이드 제목 폰트 크기 </a:t>
-            </a:r>
-            <a:r>
-              <a:rPr lang="en-US" altLang="ko-KR" dirty="0">
-                <a:solidFill>
-                  <a:srgbClr val="00B0F0"/>
-                </a:solidFill>
-                <a:latin typeface="Pretendard ExtraBold" panose="02000903000000020004" pitchFamily="50" charset="-127"/>
-                <a:ea typeface="Pretendard ExtraBold" panose="02000903000000020004" pitchFamily="50" charset="-127"/>
-                <a:cs typeface="Pretendard ExtraBold" panose="02000903000000020004" pitchFamily="50" charset="-127"/>
-              </a:rPr>
-              <a:t>30</a:t>
-            </a:r>
-            <a:endParaRPr lang="ko-KR" altLang="en-US" dirty="0">
-              <a:solidFill>
-                <a:srgbClr val="00B0F0"/>
-              </a:solidFill>
-              <a:latin typeface="Pretendard ExtraBold" panose="02000903000000020004" pitchFamily="50" charset="-127"/>
-              <a:ea typeface="Pretendard ExtraBold" panose="02000903000000020004" pitchFamily="50" charset="-127"/>
-              <a:cs typeface="Pretendard ExtraBold" panose="02000903000000020004" pitchFamily="50" charset="-127"/>
-            </a:endParaRPr>
+              <a:rPr lang="en-US" altLang="ko-KR" dirty="0"/>
+              <a:t>Frontend</a:t>
+            </a:r>
+            <a:endParaRPr lang="ko-KR" altLang="en-US" dirty="0"/>
+          </a:p>
+        </p:txBody>
+      </p:sp>
+      <p:sp>
+        <p:nvSpPr>
+          <p:cNvPr id="16" name="TextBox 15">
+            <a:extLst>
+              <a:ext uri="{FF2B5EF4-FFF2-40B4-BE49-F238E27FC236}">
+                <a16:creationId xmlns:a16="http://schemas.microsoft.com/office/drawing/2014/main" id="{9D0C6F80-8650-7EF5-E663-68744784EC28}"/>
+              </a:ext>
+            </a:extLst>
+          </p:cNvPr>
+          <p:cNvSpPr txBox="1"/>
+          <p:nvPr/>
+        </p:nvSpPr>
+        <p:spPr>
+          <a:xfrm>
+            <a:off x="6740138" y="5807631"/>
+            <a:ext cx="1056571" cy="369332"/>
+          </a:xfrm>
+          <a:prstGeom prst="rect">
+            <a:avLst/>
+          </a:prstGeom>
+          <a:noFill/>
+        </p:spPr>
+        <p:txBody>
+          <a:bodyPr wrap="none" rtlCol="0">
+            <a:spAutoFit/>
+          </a:bodyPr>
+          <a:lstStyle/>
+          <a:p>
+            <a:r>
+              <a:rPr lang="en-US" altLang="ko-KR" dirty="0"/>
+              <a:t>Backend</a:t>
+            </a:r>
+            <a:endParaRPr lang="ko-KR" altLang="en-US" dirty="0"/>
           </a:p>
         </p:txBody>
       </p:sp>
     </p:spTree>
     <p:extLst>
       <p:ext uri="{BB962C8B-B14F-4D97-AF65-F5344CB8AC3E}">
-        <p14:creationId xmlns:p14="http://schemas.microsoft.com/office/powerpoint/2010/main" val="3987420248"/>
+        <p14:creationId xmlns:p14="http://schemas.microsoft.com/office/powerpoint/2010/main" val="235648884"/>
       </p:ext>
     </p:extLst>
   </p:cSld>
@@ -5726,29 +6909,7 @@
           <a:p>
             <a:r>
               <a:rPr lang="en-US" altLang="ko-KR" dirty="0"/>
-              <a:t>05. </a:t>
-            </a:r>
-            <a:r>
-              <a:rPr lang="ko-KR" altLang="en-US" dirty="0"/>
-              <a:t>리스크 관리</a:t>
-            </a:r>
-            <a:endParaRPr lang="en-US" altLang="ko-KR" dirty="0"/>
-          </a:p>
-          <a:p>
-            <a:r>
-              <a:rPr lang="en-US" altLang="ko-KR" dirty="0"/>
-              <a:t>06. </a:t>
-            </a:r>
-            <a:r>
-              <a:rPr lang="ko-KR" altLang="en-US" dirty="0"/>
-              <a:t>프로젝트 회고</a:t>
-            </a:r>
-            <a:endParaRPr lang="en-US" altLang="ko-KR" dirty="0"/>
-          </a:p>
-          <a:p>
-            <a:r>
-              <a:rPr lang="en-US" altLang="ko-KR" dirty="0"/>
-              <a:t>07. SARDIP</a:t>
+              <a:t>05. SARDIP</a:t>
             </a:r>
             <a:r>
               <a:rPr lang="ko-KR" altLang="en-US" dirty="0"/>
@@ -5793,1418 +6954,6 @@
       </p:grpSpPr>
       <p:sp>
         <p:nvSpPr>
-          <p:cNvPr id="2" name="제목 1">
-            <a:extLst>
-              <a:ext uri="{FF2B5EF4-FFF2-40B4-BE49-F238E27FC236}">
-                <a16:creationId xmlns:a16="http://schemas.microsoft.com/office/drawing/2014/main" id="{40E988EF-B08A-1B7E-6C67-F009F4F735A5}"/>
-              </a:ext>
-            </a:extLst>
-          </p:cNvPr>
-          <p:cNvSpPr>
-            <a:spLocks noGrp="1"/>
-          </p:cNvSpPr>
-          <p:nvPr>
-            <p:ph type="title"/>
-          </p:nvPr>
-        </p:nvSpPr>
-        <p:spPr/>
-        <p:txBody>
-          <a:bodyPr/>
-          <a:lstStyle/>
-          <a:p>
-            <a:r>
-              <a:rPr lang="ko-KR" altLang="en-US" dirty="0"/>
-              <a:t>전체 채용 프로세스</a:t>
-            </a:r>
-          </a:p>
-        </p:txBody>
-      </p:sp>
-      <p:sp>
-        <p:nvSpPr>
-          <p:cNvPr id="4" name="텍스트 개체 틀 3">
-            <a:extLst>
-              <a:ext uri="{FF2B5EF4-FFF2-40B4-BE49-F238E27FC236}">
-                <a16:creationId xmlns:a16="http://schemas.microsoft.com/office/drawing/2014/main" id="{A092DFB1-10A2-E7D9-11D1-92CFB29D9CBA}"/>
-              </a:ext>
-            </a:extLst>
-          </p:cNvPr>
-          <p:cNvSpPr>
-            <a:spLocks noGrp="1"/>
-          </p:cNvSpPr>
-          <p:nvPr>
-            <p:ph type="body" sz="quarter" idx="13"/>
-          </p:nvPr>
-        </p:nvSpPr>
-        <p:spPr/>
-        <p:txBody>
-          <a:bodyPr/>
-          <a:lstStyle/>
-          <a:p>
-            <a:r>
-              <a:rPr lang="en-US" altLang="ko-KR" dirty="0"/>
-              <a:t>05. </a:t>
-            </a:r>
-            <a:r>
-              <a:rPr lang="ko-KR" altLang="en-US" dirty="0"/>
-              <a:t>테스트 전략</a:t>
-            </a:r>
-          </a:p>
-        </p:txBody>
-      </p:sp>
-      <p:sp>
-        <p:nvSpPr>
-          <p:cNvPr id="5" name="텍스트 개체 틀 4">
-            <a:extLst>
-              <a:ext uri="{FF2B5EF4-FFF2-40B4-BE49-F238E27FC236}">
-                <a16:creationId xmlns:a16="http://schemas.microsoft.com/office/drawing/2014/main" id="{A220348D-1DB7-F156-A60C-AFD6F2B5A248}"/>
-              </a:ext>
-            </a:extLst>
-          </p:cNvPr>
-          <p:cNvSpPr>
-            <a:spLocks noGrp="1"/>
-          </p:cNvSpPr>
-          <p:nvPr>
-            <p:ph type="body" sz="quarter" idx="14"/>
-          </p:nvPr>
-        </p:nvSpPr>
-        <p:spPr/>
-        <p:txBody>
-          <a:bodyPr/>
-          <a:lstStyle/>
-          <a:p>
-            <a:r>
-              <a:rPr lang="en-US" altLang="ko-KR" dirty="0"/>
-              <a:t>5-2 </a:t>
-            </a:r>
-            <a:r>
-              <a:rPr lang="ko-KR" altLang="en-US" dirty="0"/>
-              <a:t>통합 테스트</a:t>
-            </a:r>
-          </a:p>
-        </p:txBody>
-      </p:sp>
-      <p:sp>
-        <p:nvSpPr>
-          <p:cNvPr id="6" name="TextBox 5">
-            <a:extLst>
-              <a:ext uri="{FF2B5EF4-FFF2-40B4-BE49-F238E27FC236}">
-                <a16:creationId xmlns:a16="http://schemas.microsoft.com/office/drawing/2014/main" id="{6A9640C9-65F7-ECEA-9BF4-ADBD02D71466}"/>
-              </a:ext>
-            </a:extLst>
-          </p:cNvPr>
-          <p:cNvSpPr txBox="1"/>
-          <p:nvPr/>
-        </p:nvSpPr>
-        <p:spPr>
-          <a:xfrm>
-            <a:off x="6534622" y="786883"/>
-            <a:ext cx="3132589" cy="369332"/>
-          </a:xfrm>
-          <a:prstGeom prst="rect">
-            <a:avLst/>
-          </a:prstGeom>
-          <a:noFill/>
-        </p:spPr>
-        <p:txBody>
-          <a:bodyPr wrap="none" rtlCol="0">
-            <a:spAutoFit/>
-          </a:bodyPr>
-          <a:lstStyle/>
-          <a:p>
-            <a:r>
-              <a:rPr lang="ko-KR" altLang="en-US" dirty="0">
-                <a:solidFill>
-                  <a:srgbClr val="00B0F0"/>
-                </a:solidFill>
-                <a:latin typeface="Pretendard ExtraBold" panose="02000903000000020004" pitchFamily="50" charset="-127"/>
-                <a:ea typeface="Pretendard ExtraBold" panose="02000903000000020004" pitchFamily="50" charset="-127"/>
-                <a:cs typeface="Pretendard ExtraBold" panose="02000903000000020004" pitchFamily="50" charset="-127"/>
-              </a:rPr>
-              <a:t>내지 슬라이드 제목 폰트 크기 </a:t>
-            </a:r>
-            <a:r>
-              <a:rPr lang="en-US" altLang="ko-KR" dirty="0">
-                <a:solidFill>
-                  <a:srgbClr val="00B0F0"/>
-                </a:solidFill>
-                <a:latin typeface="Pretendard ExtraBold" panose="02000903000000020004" pitchFamily="50" charset="-127"/>
-                <a:ea typeface="Pretendard ExtraBold" panose="02000903000000020004" pitchFamily="50" charset="-127"/>
-                <a:cs typeface="Pretendard ExtraBold" panose="02000903000000020004" pitchFamily="50" charset="-127"/>
-              </a:rPr>
-              <a:t>30</a:t>
-            </a:r>
-            <a:endParaRPr lang="ko-KR" altLang="en-US" dirty="0">
-              <a:solidFill>
-                <a:srgbClr val="00B0F0"/>
-              </a:solidFill>
-              <a:latin typeface="Pretendard ExtraBold" panose="02000903000000020004" pitchFamily="50" charset="-127"/>
-              <a:ea typeface="Pretendard ExtraBold" panose="02000903000000020004" pitchFamily="50" charset="-127"/>
-              <a:cs typeface="Pretendard ExtraBold" panose="02000903000000020004" pitchFamily="50" charset="-127"/>
-            </a:endParaRPr>
-          </a:p>
-        </p:txBody>
-      </p:sp>
-    </p:spTree>
-    <p:extLst>
-      <p:ext uri="{BB962C8B-B14F-4D97-AF65-F5344CB8AC3E}">
-        <p14:creationId xmlns:p14="http://schemas.microsoft.com/office/powerpoint/2010/main" val="996726361"/>
-      </p:ext>
-    </p:extLst>
-  </p:cSld>
-  <p:clrMapOvr>
-    <a:masterClrMapping/>
-  </p:clrMapOvr>
-</p:sld>
-</file>
-
-<file path=ppt/slides/slide21.xml><?xml version="1.0" encoding="utf-8"?>
-<p:sld xmlns:a="http://schemas.openxmlformats.org/drawingml/2006/main" xmlns:r="http://schemas.openxmlformats.org/officeDocument/2006/relationships" xmlns:p="http://schemas.openxmlformats.org/presentationml/2006/main">
-  <p:cSld>
-    <p:spTree>
-      <p:nvGrpSpPr>
-        <p:cNvPr id="1" name=""/>
-        <p:cNvGrpSpPr/>
-        <p:nvPr/>
-      </p:nvGrpSpPr>
-      <p:grpSpPr>
-        <a:xfrm>
-          <a:off x="0" y="0"/>
-          <a:ext cx="0" cy="0"/>
-          <a:chOff x="0" y="0"/>
-          <a:chExt cx="0" cy="0"/>
-        </a:xfrm>
-      </p:grpSpPr>
-      <p:sp>
-        <p:nvSpPr>
-          <p:cNvPr id="2" name="제목 1">
-            <a:extLst>
-              <a:ext uri="{FF2B5EF4-FFF2-40B4-BE49-F238E27FC236}">
-                <a16:creationId xmlns:a16="http://schemas.microsoft.com/office/drawing/2014/main" id="{18672ECC-5481-83A4-D483-2C6E826E641A}"/>
-              </a:ext>
-            </a:extLst>
-          </p:cNvPr>
-          <p:cNvSpPr>
-            <a:spLocks noGrp="1"/>
-          </p:cNvSpPr>
-          <p:nvPr>
-            <p:ph type="title"/>
-          </p:nvPr>
-        </p:nvSpPr>
-        <p:spPr/>
-        <p:txBody>
-          <a:bodyPr/>
-          <a:lstStyle/>
-          <a:p>
-            <a:r>
-              <a:rPr lang="ko-KR" altLang="en-US" dirty="0"/>
-              <a:t>리스크 관리</a:t>
-            </a:r>
-          </a:p>
-        </p:txBody>
-      </p:sp>
-      <p:sp>
-        <p:nvSpPr>
-          <p:cNvPr id="3" name="텍스트 개체 틀 2">
-            <a:extLst>
-              <a:ext uri="{FF2B5EF4-FFF2-40B4-BE49-F238E27FC236}">
-                <a16:creationId xmlns:a16="http://schemas.microsoft.com/office/drawing/2014/main" id="{91CC686E-813A-2E86-DE7F-6E0DCBA4375D}"/>
-              </a:ext>
-            </a:extLst>
-          </p:cNvPr>
-          <p:cNvSpPr>
-            <a:spLocks noGrp="1"/>
-          </p:cNvSpPr>
-          <p:nvPr>
-            <p:ph type="body" idx="1"/>
-          </p:nvPr>
-        </p:nvSpPr>
-        <p:spPr/>
-        <p:txBody>
-          <a:bodyPr>
-            <a:normAutofit/>
-          </a:bodyPr>
-          <a:lstStyle/>
-          <a:p>
-            <a:pPr marL="342900" indent="-342900">
-              <a:buFontTx/>
-              <a:buChar char="-"/>
-            </a:pPr>
-            <a:r>
-              <a:rPr lang="ko-KR" altLang="en-US" dirty="0"/>
-              <a:t>식별된 리스트</a:t>
-            </a:r>
-            <a:endParaRPr lang="en-US" altLang="ko-KR" dirty="0"/>
-          </a:p>
-          <a:p>
-            <a:pPr marL="342900" indent="-342900">
-              <a:buFontTx/>
-              <a:buChar char="-"/>
-            </a:pPr>
-            <a:r>
-              <a:rPr lang="ko-KR" altLang="en-US" dirty="0"/>
-              <a:t>대응 전략 및 예방</a:t>
-            </a:r>
-          </a:p>
-        </p:txBody>
-      </p:sp>
-    </p:spTree>
-    <p:extLst>
-      <p:ext uri="{BB962C8B-B14F-4D97-AF65-F5344CB8AC3E}">
-        <p14:creationId xmlns:p14="http://schemas.microsoft.com/office/powerpoint/2010/main" val="785043507"/>
-      </p:ext>
-    </p:extLst>
-  </p:cSld>
-  <p:clrMapOvr>
-    <a:masterClrMapping/>
-  </p:clrMapOvr>
-</p:sld>
-</file>
-
-<file path=ppt/slides/slide22.xml><?xml version="1.0" encoding="utf-8"?>
-<p:sld xmlns:a="http://schemas.openxmlformats.org/drawingml/2006/main" xmlns:r="http://schemas.openxmlformats.org/officeDocument/2006/relationships" xmlns:p="http://schemas.openxmlformats.org/presentationml/2006/main">
-  <p:cSld>
-    <p:spTree>
-      <p:nvGrpSpPr>
-        <p:cNvPr id="1" name=""/>
-        <p:cNvGrpSpPr/>
-        <p:nvPr/>
-      </p:nvGrpSpPr>
-      <p:grpSpPr>
-        <a:xfrm>
-          <a:off x="0" y="0"/>
-          <a:ext cx="0" cy="0"/>
-          <a:chOff x="0" y="0"/>
-          <a:chExt cx="0" cy="0"/>
-        </a:xfrm>
-      </p:grpSpPr>
-      <p:sp>
-        <p:nvSpPr>
-          <p:cNvPr id="2" name="제목 1">
-            <a:extLst>
-              <a:ext uri="{FF2B5EF4-FFF2-40B4-BE49-F238E27FC236}">
-                <a16:creationId xmlns:a16="http://schemas.microsoft.com/office/drawing/2014/main" id="{40E988EF-B08A-1B7E-6C67-F009F4F735A5}"/>
-              </a:ext>
-            </a:extLst>
-          </p:cNvPr>
-          <p:cNvSpPr>
-            <a:spLocks noGrp="1"/>
-          </p:cNvSpPr>
-          <p:nvPr>
-            <p:ph type="title"/>
-          </p:nvPr>
-        </p:nvSpPr>
-        <p:spPr/>
-        <p:txBody>
-          <a:bodyPr/>
-          <a:lstStyle/>
-          <a:p>
-            <a:r>
-              <a:rPr lang="ko-KR" altLang="en-US" dirty="0"/>
-              <a:t>전체 채용 프로세스</a:t>
-            </a:r>
-          </a:p>
-        </p:txBody>
-      </p:sp>
-      <p:sp>
-        <p:nvSpPr>
-          <p:cNvPr id="4" name="텍스트 개체 틀 3">
-            <a:extLst>
-              <a:ext uri="{FF2B5EF4-FFF2-40B4-BE49-F238E27FC236}">
-                <a16:creationId xmlns:a16="http://schemas.microsoft.com/office/drawing/2014/main" id="{A092DFB1-10A2-E7D9-11D1-92CFB29D9CBA}"/>
-              </a:ext>
-            </a:extLst>
-          </p:cNvPr>
-          <p:cNvSpPr>
-            <a:spLocks noGrp="1"/>
-          </p:cNvSpPr>
-          <p:nvPr>
-            <p:ph type="body" sz="quarter" idx="13"/>
-          </p:nvPr>
-        </p:nvSpPr>
-        <p:spPr/>
-        <p:txBody>
-          <a:bodyPr/>
-          <a:lstStyle/>
-          <a:p>
-            <a:r>
-              <a:rPr lang="en-US" altLang="ko-KR" dirty="0"/>
-              <a:t>06. </a:t>
-            </a:r>
-            <a:r>
-              <a:rPr lang="ko-KR" altLang="en-US" dirty="0"/>
-              <a:t>리스크 관리</a:t>
-            </a:r>
-          </a:p>
-        </p:txBody>
-      </p:sp>
-      <p:sp>
-        <p:nvSpPr>
-          <p:cNvPr id="5" name="텍스트 개체 틀 4">
-            <a:extLst>
-              <a:ext uri="{FF2B5EF4-FFF2-40B4-BE49-F238E27FC236}">
-                <a16:creationId xmlns:a16="http://schemas.microsoft.com/office/drawing/2014/main" id="{A220348D-1DB7-F156-A60C-AFD6F2B5A248}"/>
-              </a:ext>
-            </a:extLst>
-          </p:cNvPr>
-          <p:cNvSpPr>
-            <a:spLocks noGrp="1"/>
-          </p:cNvSpPr>
-          <p:nvPr>
-            <p:ph type="body" sz="quarter" idx="14"/>
-          </p:nvPr>
-        </p:nvSpPr>
-        <p:spPr/>
-        <p:txBody>
-          <a:bodyPr/>
-          <a:lstStyle/>
-          <a:p>
-            <a:r>
-              <a:rPr lang="en-US" altLang="ko-KR" dirty="0"/>
-              <a:t>6-1 </a:t>
-            </a:r>
-            <a:r>
-              <a:rPr lang="ko-KR" altLang="en-US" dirty="0"/>
-              <a:t>식별된 리스크</a:t>
-            </a:r>
-          </a:p>
-        </p:txBody>
-      </p:sp>
-      <p:sp>
-        <p:nvSpPr>
-          <p:cNvPr id="6" name="TextBox 5">
-            <a:extLst>
-              <a:ext uri="{FF2B5EF4-FFF2-40B4-BE49-F238E27FC236}">
-                <a16:creationId xmlns:a16="http://schemas.microsoft.com/office/drawing/2014/main" id="{6A9640C9-65F7-ECEA-9BF4-ADBD02D71466}"/>
-              </a:ext>
-            </a:extLst>
-          </p:cNvPr>
-          <p:cNvSpPr txBox="1"/>
-          <p:nvPr/>
-        </p:nvSpPr>
-        <p:spPr>
-          <a:xfrm>
-            <a:off x="6534622" y="786883"/>
-            <a:ext cx="3132589" cy="369332"/>
-          </a:xfrm>
-          <a:prstGeom prst="rect">
-            <a:avLst/>
-          </a:prstGeom>
-          <a:noFill/>
-        </p:spPr>
-        <p:txBody>
-          <a:bodyPr wrap="none" rtlCol="0">
-            <a:spAutoFit/>
-          </a:bodyPr>
-          <a:lstStyle/>
-          <a:p>
-            <a:r>
-              <a:rPr lang="ko-KR" altLang="en-US" dirty="0">
-                <a:solidFill>
-                  <a:srgbClr val="00B0F0"/>
-                </a:solidFill>
-                <a:latin typeface="Pretendard ExtraBold" panose="02000903000000020004" pitchFamily="50" charset="-127"/>
-                <a:ea typeface="Pretendard ExtraBold" panose="02000903000000020004" pitchFamily="50" charset="-127"/>
-                <a:cs typeface="Pretendard ExtraBold" panose="02000903000000020004" pitchFamily="50" charset="-127"/>
-              </a:rPr>
-              <a:t>내지 슬라이드 제목 폰트 크기 </a:t>
-            </a:r>
-            <a:r>
-              <a:rPr lang="en-US" altLang="ko-KR" dirty="0">
-                <a:solidFill>
-                  <a:srgbClr val="00B0F0"/>
-                </a:solidFill>
-                <a:latin typeface="Pretendard ExtraBold" panose="02000903000000020004" pitchFamily="50" charset="-127"/>
-                <a:ea typeface="Pretendard ExtraBold" panose="02000903000000020004" pitchFamily="50" charset="-127"/>
-                <a:cs typeface="Pretendard ExtraBold" panose="02000903000000020004" pitchFamily="50" charset="-127"/>
-              </a:rPr>
-              <a:t>30</a:t>
-            </a:r>
-            <a:endParaRPr lang="ko-KR" altLang="en-US" dirty="0">
-              <a:solidFill>
-                <a:srgbClr val="00B0F0"/>
-              </a:solidFill>
-              <a:latin typeface="Pretendard ExtraBold" panose="02000903000000020004" pitchFamily="50" charset="-127"/>
-              <a:ea typeface="Pretendard ExtraBold" panose="02000903000000020004" pitchFamily="50" charset="-127"/>
-              <a:cs typeface="Pretendard ExtraBold" panose="02000903000000020004" pitchFamily="50" charset="-127"/>
-            </a:endParaRPr>
-          </a:p>
-        </p:txBody>
-      </p:sp>
-    </p:spTree>
-    <p:extLst>
-      <p:ext uri="{BB962C8B-B14F-4D97-AF65-F5344CB8AC3E}">
-        <p14:creationId xmlns:p14="http://schemas.microsoft.com/office/powerpoint/2010/main" val="3010512287"/>
-      </p:ext>
-    </p:extLst>
-  </p:cSld>
-  <p:clrMapOvr>
-    <a:masterClrMapping/>
-  </p:clrMapOvr>
-</p:sld>
-</file>
-
-<file path=ppt/slides/slide23.xml><?xml version="1.0" encoding="utf-8"?>
-<p:sld xmlns:a="http://schemas.openxmlformats.org/drawingml/2006/main" xmlns:r="http://schemas.openxmlformats.org/officeDocument/2006/relationships" xmlns:p="http://schemas.openxmlformats.org/presentationml/2006/main">
-  <p:cSld>
-    <p:spTree>
-      <p:nvGrpSpPr>
-        <p:cNvPr id="1" name=""/>
-        <p:cNvGrpSpPr/>
-        <p:nvPr/>
-      </p:nvGrpSpPr>
-      <p:grpSpPr>
-        <a:xfrm>
-          <a:off x="0" y="0"/>
-          <a:ext cx="0" cy="0"/>
-          <a:chOff x="0" y="0"/>
-          <a:chExt cx="0" cy="0"/>
-        </a:xfrm>
-      </p:grpSpPr>
-      <p:sp>
-        <p:nvSpPr>
-          <p:cNvPr id="2" name="제목 1">
-            <a:extLst>
-              <a:ext uri="{FF2B5EF4-FFF2-40B4-BE49-F238E27FC236}">
-                <a16:creationId xmlns:a16="http://schemas.microsoft.com/office/drawing/2014/main" id="{40E988EF-B08A-1B7E-6C67-F009F4F735A5}"/>
-              </a:ext>
-            </a:extLst>
-          </p:cNvPr>
-          <p:cNvSpPr>
-            <a:spLocks noGrp="1"/>
-          </p:cNvSpPr>
-          <p:nvPr>
-            <p:ph type="title"/>
-          </p:nvPr>
-        </p:nvSpPr>
-        <p:spPr/>
-        <p:txBody>
-          <a:bodyPr/>
-          <a:lstStyle/>
-          <a:p>
-            <a:r>
-              <a:rPr lang="ko-KR" altLang="en-US" dirty="0"/>
-              <a:t>전체 채용 프로세스</a:t>
-            </a:r>
-          </a:p>
-        </p:txBody>
-      </p:sp>
-      <p:sp>
-        <p:nvSpPr>
-          <p:cNvPr id="4" name="텍스트 개체 틀 3">
-            <a:extLst>
-              <a:ext uri="{FF2B5EF4-FFF2-40B4-BE49-F238E27FC236}">
-                <a16:creationId xmlns:a16="http://schemas.microsoft.com/office/drawing/2014/main" id="{A092DFB1-10A2-E7D9-11D1-92CFB29D9CBA}"/>
-              </a:ext>
-            </a:extLst>
-          </p:cNvPr>
-          <p:cNvSpPr>
-            <a:spLocks noGrp="1"/>
-          </p:cNvSpPr>
-          <p:nvPr>
-            <p:ph type="body" sz="quarter" idx="13"/>
-          </p:nvPr>
-        </p:nvSpPr>
-        <p:spPr/>
-        <p:txBody>
-          <a:bodyPr/>
-          <a:lstStyle/>
-          <a:p>
-            <a:r>
-              <a:rPr lang="en-US" altLang="ko-KR" dirty="0"/>
-              <a:t>06. </a:t>
-            </a:r>
-            <a:r>
-              <a:rPr lang="ko-KR" altLang="en-US" dirty="0"/>
-              <a:t>리스크 관리</a:t>
-            </a:r>
-          </a:p>
-        </p:txBody>
-      </p:sp>
-      <p:sp>
-        <p:nvSpPr>
-          <p:cNvPr id="5" name="텍스트 개체 틀 4">
-            <a:extLst>
-              <a:ext uri="{FF2B5EF4-FFF2-40B4-BE49-F238E27FC236}">
-                <a16:creationId xmlns:a16="http://schemas.microsoft.com/office/drawing/2014/main" id="{A220348D-1DB7-F156-A60C-AFD6F2B5A248}"/>
-              </a:ext>
-            </a:extLst>
-          </p:cNvPr>
-          <p:cNvSpPr>
-            <a:spLocks noGrp="1"/>
-          </p:cNvSpPr>
-          <p:nvPr>
-            <p:ph type="body" sz="quarter" idx="14"/>
-          </p:nvPr>
-        </p:nvSpPr>
-        <p:spPr/>
-        <p:txBody>
-          <a:bodyPr/>
-          <a:lstStyle/>
-          <a:p>
-            <a:r>
-              <a:rPr lang="en-US" altLang="ko-KR" dirty="0"/>
-              <a:t>6-2 </a:t>
-            </a:r>
-            <a:r>
-              <a:rPr lang="ko-KR" altLang="en-US" dirty="0"/>
-              <a:t>대응 전략 및 예방</a:t>
-            </a:r>
-          </a:p>
-        </p:txBody>
-      </p:sp>
-      <p:sp>
-        <p:nvSpPr>
-          <p:cNvPr id="6" name="TextBox 5">
-            <a:extLst>
-              <a:ext uri="{FF2B5EF4-FFF2-40B4-BE49-F238E27FC236}">
-                <a16:creationId xmlns:a16="http://schemas.microsoft.com/office/drawing/2014/main" id="{6A9640C9-65F7-ECEA-9BF4-ADBD02D71466}"/>
-              </a:ext>
-            </a:extLst>
-          </p:cNvPr>
-          <p:cNvSpPr txBox="1"/>
-          <p:nvPr/>
-        </p:nvSpPr>
-        <p:spPr>
-          <a:xfrm>
-            <a:off x="6534622" y="786883"/>
-            <a:ext cx="3132589" cy="369332"/>
-          </a:xfrm>
-          <a:prstGeom prst="rect">
-            <a:avLst/>
-          </a:prstGeom>
-          <a:noFill/>
-        </p:spPr>
-        <p:txBody>
-          <a:bodyPr wrap="none" rtlCol="0">
-            <a:spAutoFit/>
-          </a:bodyPr>
-          <a:lstStyle/>
-          <a:p>
-            <a:r>
-              <a:rPr lang="ko-KR" altLang="en-US" dirty="0">
-                <a:solidFill>
-                  <a:srgbClr val="00B0F0"/>
-                </a:solidFill>
-                <a:latin typeface="Pretendard ExtraBold" panose="02000903000000020004" pitchFamily="50" charset="-127"/>
-                <a:ea typeface="Pretendard ExtraBold" panose="02000903000000020004" pitchFamily="50" charset="-127"/>
-                <a:cs typeface="Pretendard ExtraBold" panose="02000903000000020004" pitchFamily="50" charset="-127"/>
-              </a:rPr>
-              <a:t>내지 슬라이드 제목 폰트 크기 </a:t>
-            </a:r>
-            <a:r>
-              <a:rPr lang="en-US" altLang="ko-KR" dirty="0">
-                <a:solidFill>
-                  <a:srgbClr val="00B0F0"/>
-                </a:solidFill>
-                <a:latin typeface="Pretendard ExtraBold" panose="02000903000000020004" pitchFamily="50" charset="-127"/>
-                <a:ea typeface="Pretendard ExtraBold" panose="02000903000000020004" pitchFamily="50" charset="-127"/>
-                <a:cs typeface="Pretendard ExtraBold" panose="02000903000000020004" pitchFamily="50" charset="-127"/>
-              </a:rPr>
-              <a:t>30</a:t>
-            </a:r>
-            <a:endParaRPr lang="ko-KR" altLang="en-US" dirty="0">
-              <a:solidFill>
-                <a:srgbClr val="00B0F0"/>
-              </a:solidFill>
-              <a:latin typeface="Pretendard ExtraBold" panose="02000903000000020004" pitchFamily="50" charset="-127"/>
-              <a:ea typeface="Pretendard ExtraBold" panose="02000903000000020004" pitchFamily="50" charset="-127"/>
-              <a:cs typeface="Pretendard ExtraBold" panose="02000903000000020004" pitchFamily="50" charset="-127"/>
-            </a:endParaRPr>
-          </a:p>
-        </p:txBody>
-      </p:sp>
-    </p:spTree>
-    <p:extLst>
-      <p:ext uri="{BB962C8B-B14F-4D97-AF65-F5344CB8AC3E}">
-        <p14:creationId xmlns:p14="http://schemas.microsoft.com/office/powerpoint/2010/main" val="4204987598"/>
-      </p:ext>
-    </p:extLst>
-  </p:cSld>
-  <p:clrMapOvr>
-    <a:masterClrMapping/>
-  </p:clrMapOvr>
-</p:sld>
-</file>
-
-<file path=ppt/slides/slide24.xml><?xml version="1.0" encoding="utf-8"?>
-<p:sld xmlns:a="http://schemas.openxmlformats.org/drawingml/2006/main" xmlns:r="http://schemas.openxmlformats.org/officeDocument/2006/relationships" xmlns:p="http://schemas.openxmlformats.org/presentationml/2006/main">
-  <p:cSld>
-    <p:spTree>
-      <p:nvGrpSpPr>
-        <p:cNvPr id="1" name=""/>
-        <p:cNvGrpSpPr/>
-        <p:nvPr/>
-      </p:nvGrpSpPr>
-      <p:grpSpPr>
-        <a:xfrm>
-          <a:off x="0" y="0"/>
-          <a:ext cx="0" cy="0"/>
-          <a:chOff x="0" y="0"/>
-          <a:chExt cx="0" cy="0"/>
-        </a:xfrm>
-      </p:grpSpPr>
-      <p:sp>
-        <p:nvSpPr>
-          <p:cNvPr id="2" name="제목 1">
-            <a:extLst>
-              <a:ext uri="{FF2B5EF4-FFF2-40B4-BE49-F238E27FC236}">
-                <a16:creationId xmlns:a16="http://schemas.microsoft.com/office/drawing/2014/main" id="{18672ECC-5481-83A4-D483-2C6E826E641A}"/>
-              </a:ext>
-            </a:extLst>
-          </p:cNvPr>
-          <p:cNvSpPr>
-            <a:spLocks noGrp="1"/>
-          </p:cNvSpPr>
-          <p:nvPr>
-            <p:ph type="title"/>
-          </p:nvPr>
-        </p:nvSpPr>
-        <p:spPr/>
-        <p:txBody>
-          <a:bodyPr/>
-          <a:lstStyle/>
-          <a:p>
-            <a:r>
-              <a:rPr lang="ko-KR" altLang="en-US" dirty="0"/>
-              <a:t>프로젝트 회고</a:t>
-            </a:r>
-          </a:p>
-        </p:txBody>
-      </p:sp>
-      <p:sp>
-        <p:nvSpPr>
-          <p:cNvPr id="3" name="텍스트 개체 틀 2">
-            <a:extLst>
-              <a:ext uri="{FF2B5EF4-FFF2-40B4-BE49-F238E27FC236}">
-                <a16:creationId xmlns:a16="http://schemas.microsoft.com/office/drawing/2014/main" id="{91CC686E-813A-2E86-DE7F-6E0DCBA4375D}"/>
-              </a:ext>
-            </a:extLst>
-          </p:cNvPr>
-          <p:cNvSpPr>
-            <a:spLocks noGrp="1"/>
-          </p:cNvSpPr>
-          <p:nvPr>
-            <p:ph type="body" idx="1"/>
-          </p:nvPr>
-        </p:nvSpPr>
-        <p:spPr/>
-        <p:txBody>
-          <a:bodyPr>
-            <a:normAutofit fontScale="85000" lnSpcReduction="20000"/>
-          </a:bodyPr>
-          <a:lstStyle/>
-          <a:p>
-            <a:pPr marL="342900" indent="-342900">
-              <a:buFontTx/>
-              <a:buChar char="-"/>
-            </a:pPr>
-            <a:r>
-              <a:rPr lang="ko-KR" altLang="en-US" dirty="0"/>
-              <a:t>성공적인 부분</a:t>
-            </a:r>
-            <a:endParaRPr lang="en-US" altLang="ko-KR" dirty="0"/>
-          </a:p>
-          <a:p>
-            <a:pPr marL="342900" indent="-342900">
-              <a:buFontTx/>
-              <a:buChar char="-"/>
-            </a:pPr>
-            <a:r>
-              <a:rPr lang="ko-KR" altLang="en-US" dirty="0"/>
-              <a:t>개선 필요 부분</a:t>
-            </a:r>
-            <a:endParaRPr lang="en-US" altLang="ko-KR" dirty="0"/>
-          </a:p>
-          <a:p>
-            <a:pPr marL="342900" indent="-342900">
-              <a:buFontTx/>
-              <a:buChar char="-"/>
-            </a:pPr>
-            <a:r>
-              <a:rPr lang="ko-KR" altLang="en-US" dirty="0"/>
-              <a:t>학습 포인트</a:t>
-            </a:r>
-          </a:p>
-        </p:txBody>
-      </p:sp>
-    </p:spTree>
-    <p:extLst>
-      <p:ext uri="{BB962C8B-B14F-4D97-AF65-F5344CB8AC3E}">
-        <p14:creationId xmlns:p14="http://schemas.microsoft.com/office/powerpoint/2010/main" val="1550699674"/>
-      </p:ext>
-    </p:extLst>
-  </p:cSld>
-  <p:clrMapOvr>
-    <a:masterClrMapping/>
-  </p:clrMapOvr>
-</p:sld>
-</file>
-
-<file path=ppt/slides/slide25.xml><?xml version="1.0" encoding="utf-8"?>
-<p:sld xmlns:a="http://schemas.openxmlformats.org/drawingml/2006/main" xmlns:r="http://schemas.openxmlformats.org/officeDocument/2006/relationships" xmlns:p="http://schemas.openxmlformats.org/presentationml/2006/main">
-  <p:cSld>
-    <p:spTree>
-      <p:nvGrpSpPr>
-        <p:cNvPr id="1" name=""/>
-        <p:cNvGrpSpPr/>
-        <p:nvPr/>
-      </p:nvGrpSpPr>
-      <p:grpSpPr>
-        <a:xfrm>
-          <a:off x="0" y="0"/>
-          <a:ext cx="0" cy="0"/>
-          <a:chOff x="0" y="0"/>
-          <a:chExt cx="0" cy="0"/>
-        </a:xfrm>
-      </p:grpSpPr>
-      <p:sp>
-        <p:nvSpPr>
-          <p:cNvPr id="2" name="제목 1">
-            <a:extLst>
-              <a:ext uri="{FF2B5EF4-FFF2-40B4-BE49-F238E27FC236}">
-                <a16:creationId xmlns:a16="http://schemas.microsoft.com/office/drawing/2014/main" id="{40E988EF-B08A-1B7E-6C67-F009F4F735A5}"/>
-              </a:ext>
-            </a:extLst>
-          </p:cNvPr>
-          <p:cNvSpPr>
-            <a:spLocks noGrp="1"/>
-          </p:cNvSpPr>
-          <p:nvPr>
-            <p:ph type="title"/>
-          </p:nvPr>
-        </p:nvSpPr>
-        <p:spPr/>
-        <p:txBody>
-          <a:bodyPr/>
-          <a:lstStyle/>
-          <a:p>
-            <a:r>
-              <a:rPr lang="ko-KR" altLang="en-US" dirty="0"/>
-              <a:t>전체 채용 프로세스</a:t>
-            </a:r>
-          </a:p>
-        </p:txBody>
-      </p:sp>
-      <p:sp>
-        <p:nvSpPr>
-          <p:cNvPr id="4" name="텍스트 개체 틀 3">
-            <a:extLst>
-              <a:ext uri="{FF2B5EF4-FFF2-40B4-BE49-F238E27FC236}">
-                <a16:creationId xmlns:a16="http://schemas.microsoft.com/office/drawing/2014/main" id="{A092DFB1-10A2-E7D9-11D1-92CFB29D9CBA}"/>
-              </a:ext>
-            </a:extLst>
-          </p:cNvPr>
-          <p:cNvSpPr>
-            <a:spLocks noGrp="1"/>
-          </p:cNvSpPr>
-          <p:nvPr>
-            <p:ph type="body" sz="quarter" idx="13"/>
-          </p:nvPr>
-        </p:nvSpPr>
-        <p:spPr/>
-        <p:txBody>
-          <a:bodyPr/>
-          <a:lstStyle/>
-          <a:p>
-            <a:r>
-              <a:rPr lang="en-US" altLang="ko-KR" dirty="0"/>
-              <a:t>07. </a:t>
-            </a:r>
-            <a:r>
-              <a:rPr lang="ko-KR" altLang="en-US" dirty="0"/>
-              <a:t>프로젝트 회고</a:t>
-            </a:r>
-          </a:p>
-        </p:txBody>
-      </p:sp>
-      <p:sp>
-        <p:nvSpPr>
-          <p:cNvPr id="5" name="텍스트 개체 틀 4">
-            <a:extLst>
-              <a:ext uri="{FF2B5EF4-FFF2-40B4-BE49-F238E27FC236}">
-                <a16:creationId xmlns:a16="http://schemas.microsoft.com/office/drawing/2014/main" id="{A220348D-1DB7-F156-A60C-AFD6F2B5A248}"/>
-              </a:ext>
-            </a:extLst>
-          </p:cNvPr>
-          <p:cNvSpPr>
-            <a:spLocks noGrp="1"/>
-          </p:cNvSpPr>
-          <p:nvPr>
-            <p:ph type="body" sz="quarter" idx="14"/>
-          </p:nvPr>
-        </p:nvSpPr>
-        <p:spPr/>
-        <p:txBody>
-          <a:bodyPr/>
-          <a:lstStyle/>
-          <a:p>
-            <a:r>
-              <a:rPr lang="en-US" altLang="ko-KR" dirty="0"/>
-              <a:t>7-1 </a:t>
-            </a:r>
-            <a:r>
-              <a:rPr lang="ko-KR" altLang="en-US" dirty="0"/>
-              <a:t>성공적인 부분</a:t>
-            </a:r>
-          </a:p>
-        </p:txBody>
-      </p:sp>
-      <p:sp>
-        <p:nvSpPr>
-          <p:cNvPr id="6" name="TextBox 5">
-            <a:extLst>
-              <a:ext uri="{FF2B5EF4-FFF2-40B4-BE49-F238E27FC236}">
-                <a16:creationId xmlns:a16="http://schemas.microsoft.com/office/drawing/2014/main" id="{6A9640C9-65F7-ECEA-9BF4-ADBD02D71466}"/>
-              </a:ext>
-            </a:extLst>
-          </p:cNvPr>
-          <p:cNvSpPr txBox="1"/>
-          <p:nvPr/>
-        </p:nvSpPr>
-        <p:spPr>
-          <a:xfrm>
-            <a:off x="6534622" y="786883"/>
-            <a:ext cx="3132589" cy="369332"/>
-          </a:xfrm>
-          <a:prstGeom prst="rect">
-            <a:avLst/>
-          </a:prstGeom>
-          <a:noFill/>
-        </p:spPr>
-        <p:txBody>
-          <a:bodyPr wrap="none" rtlCol="0">
-            <a:spAutoFit/>
-          </a:bodyPr>
-          <a:lstStyle/>
-          <a:p>
-            <a:r>
-              <a:rPr lang="ko-KR" altLang="en-US" dirty="0">
-                <a:solidFill>
-                  <a:srgbClr val="00B0F0"/>
-                </a:solidFill>
-                <a:latin typeface="Pretendard ExtraBold" panose="02000903000000020004" pitchFamily="50" charset="-127"/>
-                <a:ea typeface="Pretendard ExtraBold" panose="02000903000000020004" pitchFamily="50" charset="-127"/>
-                <a:cs typeface="Pretendard ExtraBold" panose="02000903000000020004" pitchFamily="50" charset="-127"/>
-              </a:rPr>
-              <a:t>내지 슬라이드 제목 폰트 크기 </a:t>
-            </a:r>
-            <a:r>
-              <a:rPr lang="en-US" altLang="ko-KR" dirty="0">
-                <a:solidFill>
-                  <a:srgbClr val="00B0F0"/>
-                </a:solidFill>
-                <a:latin typeface="Pretendard ExtraBold" panose="02000903000000020004" pitchFamily="50" charset="-127"/>
-                <a:ea typeface="Pretendard ExtraBold" panose="02000903000000020004" pitchFamily="50" charset="-127"/>
-                <a:cs typeface="Pretendard ExtraBold" panose="02000903000000020004" pitchFamily="50" charset="-127"/>
-              </a:rPr>
-              <a:t>30</a:t>
-            </a:r>
-            <a:endParaRPr lang="ko-KR" altLang="en-US" dirty="0">
-              <a:solidFill>
-                <a:srgbClr val="00B0F0"/>
-              </a:solidFill>
-              <a:latin typeface="Pretendard ExtraBold" panose="02000903000000020004" pitchFamily="50" charset="-127"/>
-              <a:ea typeface="Pretendard ExtraBold" panose="02000903000000020004" pitchFamily="50" charset="-127"/>
-              <a:cs typeface="Pretendard ExtraBold" panose="02000903000000020004" pitchFamily="50" charset="-127"/>
-            </a:endParaRPr>
-          </a:p>
-        </p:txBody>
-      </p:sp>
-    </p:spTree>
-    <p:extLst>
-      <p:ext uri="{BB962C8B-B14F-4D97-AF65-F5344CB8AC3E}">
-        <p14:creationId xmlns:p14="http://schemas.microsoft.com/office/powerpoint/2010/main" val="1778019184"/>
-      </p:ext>
-    </p:extLst>
-  </p:cSld>
-  <p:clrMapOvr>
-    <a:masterClrMapping/>
-  </p:clrMapOvr>
-</p:sld>
-</file>
-
-<file path=ppt/slides/slide26.xml><?xml version="1.0" encoding="utf-8"?>
-<p:sld xmlns:a="http://schemas.openxmlformats.org/drawingml/2006/main" xmlns:r="http://schemas.openxmlformats.org/officeDocument/2006/relationships" xmlns:p="http://schemas.openxmlformats.org/presentationml/2006/main">
-  <p:cSld>
-    <p:spTree>
-      <p:nvGrpSpPr>
-        <p:cNvPr id="1" name=""/>
-        <p:cNvGrpSpPr/>
-        <p:nvPr/>
-      </p:nvGrpSpPr>
-      <p:grpSpPr>
-        <a:xfrm>
-          <a:off x="0" y="0"/>
-          <a:ext cx="0" cy="0"/>
-          <a:chOff x="0" y="0"/>
-          <a:chExt cx="0" cy="0"/>
-        </a:xfrm>
-      </p:grpSpPr>
-      <p:sp>
-        <p:nvSpPr>
-          <p:cNvPr id="2" name="제목 1">
-            <a:extLst>
-              <a:ext uri="{FF2B5EF4-FFF2-40B4-BE49-F238E27FC236}">
-                <a16:creationId xmlns:a16="http://schemas.microsoft.com/office/drawing/2014/main" id="{40E988EF-B08A-1B7E-6C67-F009F4F735A5}"/>
-              </a:ext>
-            </a:extLst>
-          </p:cNvPr>
-          <p:cNvSpPr>
-            <a:spLocks noGrp="1"/>
-          </p:cNvSpPr>
-          <p:nvPr>
-            <p:ph type="title"/>
-          </p:nvPr>
-        </p:nvSpPr>
-        <p:spPr/>
-        <p:txBody>
-          <a:bodyPr/>
-          <a:lstStyle/>
-          <a:p>
-            <a:r>
-              <a:rPr lang="ko-KR" altLang="en-US" dirty="0"/>
-              <a:t>전체 채용 프로세스</a:t>
-            </a:r>
-          </a:p>
-        </p:txBody>
-      </p:sp>
-      <p:sp>
-        <p:nvSpPr>
-          <p:cNvPr id="4" name="텍스트 개체 틀 3">
-            <a:extLst>
-              <a:ext uri="{FF2B5EF4-FFF2-40B4-BE49-F238E27FC236}">
-                <a16:creationId xmlns:a16="http://schemas.microsoft.com/office/drawing/2014/main" id="{A092DFB1-10A2-E7D9-11D1-92CFB29D9CBA}"/>
-              </a:ext>
-            </a:extLst>
-          </p:cNvPr>
-          <p:cNvSpPr>
-            <a:spLocks noGrp="1"/>
-          </p:cNvSpPr>
-          <p:nvPr>
-            <p:ph type="body" sz="quarter" idx="13"/>
-          </p:nvPr>
-        </p:nvSpPr>
-        <p:spPr/>
-        <p:txBody>
-          <a:bodyPr/>
-          <a:lstStyle/>
-          <a:p>
-            <a:r>
-              <a:rPr lang="en-US" altLang="ko-KR" dirty="0"/>
-              <a:t>07. </a:t>
-            </a:r>
-            <a:r>
-              <a:rPr lang="ko-KR" altLang="en-US" dirty="0"/>
-              <a:t>프로젝트 회고</a:t>
-            </a:r>
-          </a:p>
-        </p:txBody>
-      </p:sp>
-      <p:sp>
-        <p:nvSpPr>
-          <p:cNvPr id="5" name="텍스트 개체 틀 4">
-            <a:extLst>
-              <a:ext uri="{FF2B5EF4-FFF2-40B4-BE49-F238E27FC236}">
-                <a16:creationId xmlns:a16="http://schemas.microsoft.com/office/drawing/2014/main" id="{A220348D-1DB7-F156-A60C-AFD6F2B5A248}"/>
-              </a:ext>
-            </a:extLst>
-          </p:cNvPr>
-          <p:cNvSpPr>
-            <a:spLocks noGrp="1"/>
-          </p:cNvSpPr>
-          <p:nvPr>
-            <p:ph type="body" sz="quarter" idx="14"/>
-          </p:nvPr>
-        </p:nvSpPr>
-        <p:spPr/>
-        <p:txBody>
-          <a:bodyPr/>
-          <a:lstStyle/>
-          <a:p>
-            <a:r>
-              <a:rPr lang="en-US" altLang="ko-KR" dirty="0"/>
-              <a:t>7-2 </a:t>
-            </a:r>
-            <a:r>
-              <a:rPr lang="ko-KR" altLang="en-US" dirty="0"/>
-              <a:t>개선 필요 부분</a:t>
-            </a:r>
-          </a:p>
-        </p:txBody>
-      </p:sp>
-      <p:sp>
-        <p:nvSpPr>
-          <p:cNvPr id="6" name="TextBox 5">
-            <a:extLst>
-              <a:ext uri="{FF2B5EF4-FFF2-40B4-BE49-F238E27FC236}">
-                <a16:creationId xmlns:a16="http://schemas.microsoft.com/office/drawing/2014/main" id="{6A9640C9-65F7-ECEA-9BF4-ADBD02D71466}"/>
-              </a:ext>
-            </a:extLst>
-          </p:cNvPr>
-          <p:cNvSpPr txBox="1"/>
-          <p:nvPr/>
-        </p:nvSpPr>
-        <p:spPr>
-          <a:xfrm>
-            <a:off x="6534622" y="786883"/>
-            <a:ext cx="3132589" cy="369332"/>
-          </a:xfrm>
-          <a:prstGeom prst="rect">
-            <a:avLst/>
-          </a:prstGeom>
-          <a:noFill/>
-        </p:spPr>
-        <p:txBody>
-          <a:bodyPr wrap="none" rtlCol="0">
-            <a:spAutoFit/>
-          </a:bodyPr>
-          <a:lstStyle/>
-          <a:p>
-            <a:r>
-              <a:rPr lang="ko-KR" altLang="en-US" dirty="0">
-                <a:solidFill>
-                  <a:srgbClr val="00B0F0"/>
-                </a:solidFill>
-                <a:latin typeface="Pretendard ExtraBold" panose="02000903000000020004" pitchFamily="50" charset="-127"/>
-                <a:ea typeface="Pretendard ExtraBold" panose="02000903000000020004" pitchFamily="50" charset="-127"/>
-                <a:cs typeface="Pretendard ExtraBold" panose="02000903000000020004" pitchFamily="50" charset="-127"/>
-              </a:rPr>
-              <a:t>내지 슬라이드 제목 폰트 크기 </a:t>
-            </a:r>
-            <a:r>
-              <a:rPr lang="en-US" altLang="ko-KR" dirty="0">
-                <a:solidFill>
-                  <a:srgbClr val="00B0F0"/>
-                </a:solidFill>
-                <a:latin typeface="Pretendard ExtraBold" panose="02000903000000020004" pitchFamily="50" charset="-127"/>
-                <a:ea typeface="Pretendard ExtraBold" panose="02000903000000020004" pitchFamily="50" charset="-127"/>
-                <a:cs typeface="Pretendard ExtraBold" panose="02000903000000020004" pitchFamily="50" charset="-127"/>
-              </a:rPr>
-              <a:t>30</a:t>
-            </a:r>
-            <a:endParaRPr lang="ko-KR" altLang="en-US" dirty="0">
-              <a:solidFill>
-                <a:srgbClr val="00B0F0"/>
-              </a:solidFill>
-              <a:latin typeface="Pretendard ExtraBold" panose="02000903000000020004" pitchFamily="50" charset="-127"/>
-              <a:ea typeface="Pretendard ExtraBold" panose="02000903000000020004" pitchFamily="50" charset="-127"/>
-              <a:cs typeface="Pretendard ExtraBold" panose="02000903000000020004" pitchFamily="50" charset="-127"/>
-            </a:endParaRPr>
-          </a:p>
-        </p:txBody>
-      </p:sp>
-    </p:spTree>
-    <p:extLst>
-      <p:ext uri="{BB962C8B-B14F-4D97-AF65-F5344CB8AC3E}">
-        <p14:creationId xmlns:p14="http://schemas.microsoft.com/office/powerpoint/2010/main" val="1516070147"/>
-      </p:ext>
-    </p:extLst>
-  </p:cSld>
-  <p:clrMapOvr>
-    <a:masterClrMapping/>
-  </p:clrMapOvr>
-</p:sld>
-</file>
-
-<file path=ppt/slides/slide27.xml><?xml version="1.0" encoding="utf-8"?>
-<p:sld xmlns:a="http://schemas.openxmlformats.org/drawingml/2006/main" xmlns:r="http://schemas.openxmlformats.org/officeDocument/2006/relationships" xmlns:p="http://schemas.openxmlformats.org/presentationml/2006/main">
-  <p:cSld>
-    <p:spTree>
-      <p:nvGrpSpPr>
-        <p:cNvPr id="1" name=""/>
-        <p:cNvGrpSpPr/>
-        <p:nvPr/>
-      </p:nvGrpSpPr>
-      <p:grpSpPr>
-        <a:xfrm>
-          <a:off x="0" y="0"/>
-          <a:ext cx="0" cy="0"/>
-          <a:chOff x="0" y="0"/>
-          <a:chExt cx="0" cy="0"/>
-        </a:xfrm>
-      </p:grpSpPr>
-      <p:sp>
-        <p:nvSpPr>
-          <p:cNvPr id="2" name="제목 1">
-            <a:extLst>
-              <a:ext uri="{FF2B5EF4-FFF2-40B4-BE49-F238E27FC236}">
-                <a16:creationId xmlns:a16="http://schemas.microsoft.com/office/drawing/2014/main" id="{40E988EF-B08A-1B7E-6C67-F009F4F735A5}"/>
-              </a:ext>
-            </a:extLst>
-          </p:cNvPr>
-          <p:cNvSpPr>
-            <a:spLocks noGrp="1"/>
-          </p:cNvSpPr>
-          <p:nvPr>
-            <p:ph type="title"/>
-          </p:nvPr>
-        </p:nvSpPr>
-        <p:spPr/>
-        <p:txBody>
-          <a:bodyPr/>
-          <a:lstStyle/>
-          <a:p>
-            <a:r>
-              <a:rPr lang="ko-KR" altLang="en-US" dirty="0"/>
-              <a:t>전체 채용 프로세스</a:t>
-            </a:r>
-          </a:p>
-        </p:txBody>
-      </p:sp>
-      <p:sp>
-        <p:nvSpPr>
-          <p:cNvPr id="4" name="텍스트 개체 틀 3">
-            <a:extLst>
-              <a:ext uri="{FF2B5EF4-FFF2-40B4-BE49-F238E27FC236}">
-                <a16:creationId xmlns:a16="http://schemas.microsoft.com/office/drawing/2014/main" id="{A092DFB1-10A2-E7D9-11D1-92CFB29D9CBA}"/>
-              </a:ext>
-            </a:extLst>
-          </p:cNvPr>
-          <p:cNvSpPr>
-            <a:spLocks noGrp="1"/>
-          </p:cNvSpPr>
-          <p:nvPr>
-            <p:ph type="body" sz="quarter" idx="13"/>
-          </p:nvPr>
-        </p:nvSpPr>
-        <p:spPr/>
-        <p:txBody>
-          <a:bodyPr/>
-          <a:lstStyle/>
-          <a:p>
-            <a:r>
-              <a:rPr lang="en-US" altLang="ko-KR" dirty="0"/>
-              <a:t>07. </a:t>
-            </a:r>
-            <a:r>
-              <a:rPr lang="ko-KR" altLang="en-US" dirty="0"/>
-              <a:t>프로젝트 회고</a:t>
-            </a:r>
-          </a:p>
-        </p:txBody>
-      </p:sp>
-      <p:sp>
-        <p:nvSpPr>
-          <p:cNvPr id="5" name="텍스트 개체 틀 4">
-            <a:extLst>
-              <a:ext uri="{FF2B5EF4-FFF2-40B4-BE49-F238E27FC236}">
-                <a16:creationId xmlns:a16="http://schemas.microsoft.com/office/drawing/2014/main" id="{A220348D-1DB7-F156-A60C-AFD6F2B5A248}"/>
-              </a:ext>
-            </a:extLst>
-          </p:cNvPr>
-          <p:cNvSpPr>
-            <a:spLocks noGrp="1"/>
-          </p:cNvSpPr>
-          <p:nvPr>
-            <p:ph type="body" sz="quarter" idx="14"/>
-          </p:nvPr>
-        </p:nvSpPr>
-        <p:spPr/>
-        <p:txBody>
-          <a:bodyPr/>
-          <a:lstStyle/>
-          <a:p>
-            <a:r>
-              <a:rPr lang="en-US" altLang="ko-KR" dirty="0"/>
-              <a:t>7-3 </a:t>
-            </a:r>
-            <a:r>
-              <a:rPr lang="ko-KR" altLang="en-US" dirty="0"/>
-              <a:t>학습 포인트</a:t>
-            </a:r>
-          </a:p>
-        </p:txBody>
-      </p:sp>
-      <p:sp>
-        <p:nvSpPr>
-          <p:cNvPr id="6" name="TextBox 5">
-            <a:extLst>
-              <a:ext uri="{FF2B5EF4-FFF2-40B4-BE49-F238E27FC236}">
-                <a16:creationId xmlns:a16="http://schemas.microsoft.com/office/drawing/2014/main" id="{6A9640C9-65F7-ECEA-9BF4-ADBD02D71466}"/>
-              </a:ext>
-            </a:extLst>
-          </p:cNvPr>
-          <p:cNvSpPr txBox="1"/>
-          <p:nvPr/>
-        </p:nvSpPr>
-        <p:spPr>
-          <a:xfrm>
-            <a:off x="6534622" y="786883"/>
-            <a:ext cx="3132589" cy="369332"/>
-          </a:xfrm>
-          <a:prstGeom prst="rect">
-            <a:avLst/>
-          </a:prstGeom>
-          <a:noFill/>
-        </p:spPr>
-        <p:txBody>
-          <a:bodyPr wrap="none" rtlCol="0">
-            <a:spAutoFit/>
-          </a:bodyPr>
-          <a:lstStyle/>
-          <a:p>
-            <a:r>
-              <a:rPr lang="ko-KR" altLang="en-US" dirty="0">
-                <a:solidFill>
-                  <a:srgbClr val="00B0F0"/>
-                </a:solidFill>
-                <a:latin typeface="Pretendard ExtraBold" panose="02000903000000020004" pitchFamily="50" charset="-127"/>
-                <a:ea typeface="Pretendard ExtraBold" panose="02000903000000020004" pitchFamily="50" charset="-127"/>
-                <a:cs typeface="Pretendard ExtraBold" panose="02000903000000020004" pitchFamily="50" charset="-127"/>
-              </a:rPr>
-              <a:t>내지 슬라이드 제목 폰트 크기 </a:t>
-            </a:r>
-            <a:r>
-              <a:rPr lang="en-US" altLang="ko-KR" dirty="0">
-                <a:solidFill>
-                  <a:srgbClr val="00B0F0"/>
-                </a:solidFill>
-                <a:latin typeface="Pretendard ExtraBold" panose="02000903000000020004" pitchFamily="50" charset="-127"/>
-                <a:ea typeface="Pretendard ExtraBold" panose="02000903000000020004" pitchFamily="50" charset="-127"/>
-                <a:cs typeface="Pretendard ExtraBold" panose="02000903000000020004" pitchFamily="50" charset="-127"/>
-              </a:rPr>
-              <a:t>30</a:t>
-            </a:r>
-            <a:endParaRPr lang="ko-KR" altLang="en-US" dirty="0">
-              <a:solidFill>
-                <a:srgbClr val="00B0F0"/>
-              </a:solidFill>
-              <a:latin typeface="Pretendard ExtraBold" panose="02000903000000020004" pitchFamily="50" charset="-127"/>
-              <a:ea typeface="Pretendard ExtraBold" panose="02000903000000020004" pitchFamily="50" charset="-127"/>
-              <a:cs typeface="Pretendard ExtraBold" panose="02000903000000020004" pitchFamily="50" charset="-127"/>
-            </a:endParaRPr>
-          </a:p>
-        </p:txBody>
-      </p:sp>
-    </p:spTree>
-    <p:extLst>
-      <p:ext uri="{BB962C8B-B14F-4D97-AF65-F5344CB8AC3E}">
-        <p14:creationId xmlns:p14="http://schemas.microsoft.com/office/powerpoint/2010/main" val="1932754059"/>
-      </p:ext>
-    </p:extLst>
-  </p:cSld>
-  <p:clrMapOvr>
-    <a:masterClrMapping/>
-  </p:clrMapOvr>
-</p:sld>
-</file>
-
-<file path=ppt/slides/slide28.xml><?xml version="1.0" encoding="utf-8"?>
-<p:sld xmlns:a="http://schemas.openxmlformats.org/drawingml/2006/main" xmlns:r="http://schemas.openxmlformats.org/officeDocument/2006/relationships" xmlns:p="http://schemas.openxmlformats.org/presentationml/2006/main">
-  <p:cSld>
-    <p:spTree>
-      <p:nvGrpSpPr>
-        <p:cNvPr id="1" name=""/>
-        <p:cNvGrpSpPr/>
-        <p:nvPr/>
-      </p:nvGrpSpPr>
-      <p:grpSpPr>
-        <a:xfrm>
-          <a:off x="0" y="0"/>
-          <a:ext cx="0" cy="0"/>
-          <a:chOff x="0" y="0"/>
-          <a:chExt cx="0" cy="0"/>
-        </a:xfrm>
-      </p:grpSpPr>
-      <p:sp>
-        <p:nvSpPr>
-          <p:cNvPr id="2" name="제목 1">
-            <a:extLst>
-              <a:ext uri="{FF2B5EF4-FFF2-40B4-BE49-F238E27FC236}">
-                <a16:creationId xmlns:a16="http://schemas.microsoft.com/office/drawing/2014/main" id="{18672ECC-5481-83A4-D483-2C6E826E641A}"/>
-              </a:ext>
-            </a:extLst>
-          </p:cNvPr>
-          <p:cNvSpPr>
-            <a:spLocks noGrp="1"/>
-          </p:cNvSpPr>
-          <p:nvPr>
-            <p:ph type="title"/>
-          </p:nvPr>
-        </p:nvSpPr>
-        <p:spPr/>
-        <p:txBody>
-          <a:bodyPr/>
-          <a:lstStyle/>
-          <a:p>
-            <a:r>
-              <a:rPr lang="en-US" altLang="ko-KR" dirty="0"/>
-              <a:t>SARDIP</a:t>
-            </a:r>
-            <a:r>
-              <a:rPr lang="ko-KR" altLang="en-US" dirty="0"/>
-              <a:t> 계획</a:t>
-            </a:r>
-          </a:p>
-        </p:txBody>
-      </p:sp>
-      <p:sp>
-        <p:nvSpPr>
-          <p:cNvPr id="3" name="텍스트 개체 틀 2">
-            <a:extLst>
-              <a:ext uri="{FF2B5EF4-FFF2-40B4-BE49-F238E27FC236}">
-                <a16:creationId xmlns:a16="http://schemas.microsoft.com/office/drawing/2014/main" id="{91CC686E-813A-2E86-DE7F-6E0DCBA4375D}"/>
-              </a:ext>
-            </a:extLst>
-          </p:cNvPr>
-          <p:cNvSpPr>
-            <a:spLocks noGrp="1"/>
-          </p:cNvSpPr>
-          <p:nvPr>
-            <p:ph type="body" idx="1"/>
-          </p:nvPr>
-        </p:nvSpPr>
-        <p:spPr/>
-        <p:txBody>
-          <a:bodyPr>
-            <a:normAutofit/>
-          </a:bodyPr>
-          <a:lstStyle/>
-          <a:p>
-            <a:pPr marL="342900" indent="-342900">
-              <a:buFontTx/>
-              <a:buChar char="-"/>
-            </a:pPr>
-            <a:r>
-              <a:rPr lang="ko-KR" altLang="en-US" dirty="0"/>
-              <a:t>향후 개발 단계</a:t>
-            </a:r>
-            <a:endParaRPr lang="en-US" altLang="ko-KR" dirty="0"/>
-          </a:p>
-        </p:txBody>
-      </p:sp>
-    </p:spTree>
-    <p:extLst>
-      <p:ext uri="{BB962C8B-B14F-4D97-AF65-F5344CB8AC3E}">
-        <p14:creationId xmlns:p14="http://schemas.microsoft.com/office/powerpoint/2010/main" val="2894911022"/>
-      </p:ext>
-    </p:extLst>
-  </p:cSld>
-  <p:clrMapOvr>
-    <a:masterClrMapping/>
-  </p:clrMapOvr>
-</p:sld>
-</file>
-
-<file path=ppt/slides/slide29.xml><?xml version="1.0" encoding="utf-8"?>
-<p:sld xmlns:a="http://schemas.openxmlformats.org/drawingml/2006/main" xmlns:r="http://schemas.openxmlformats.org/officeDocument/2006/relationships" xmlns:p="http://schemas.openxmlformats.org/presentationml/2006/main">
-  <p:cSld>
-    <p:spTree>
-      <p:nvGrpSpPr>
-        <p:cNvPr id="1" name=""/>
-        <p:cNvGrpSpPr/>
-        <p:nvPr/>
-      </p:nvGrpSpPr>
-      <p:grpSpPr>
-        <a:xfrm>
-          <a:off x="0" y="0"/>
-          <a:ext cx="0" cy="0"/>
-          <a:chOff x="0" y="0"/>
-          <a:chExt cx="0" cy="0"/>
-        </a:xfrm>
-      </p:grpSpPr>
-      <p:sp>
-        <p:nvSpPr>
           <p:cNvPr id="10" name="TextBox 9">
             <a:extLst>
               <a:ext uri="{FF2B5EF4-FFF2-40B4-BE49-F238E27FC236}">
@@ -7487,28 +7236,22 @@
         </p:nvSpPr>
         <p:spPr/>
         <p:txBody>
-          <a:bodyPr/>
-          <a:lstStyle/>
-          <a:p>
-            <a:pPr marL="342900" indent="-342900">
-              <a:buFontTx/>
-              <a:buChar char="-"/>
-            </a:pPr>
+          <a:bodyPr>
+            <a:normAutofit/>
+          </a:bodyPr>
+          <a:lstStyle/>
+          <a:p>
+            <a:r>
+              <a:rPr lang="ko-KR" altLang="en-US" dirty="0"/>
+              <a:t>프로젝트 진행 배경</a:t>
+            </a:r>
+          </a:p>
+          <a:p>
             <a:r>
               <a:rPr lang="ko-KR" altLang="en-US" dirty="0"/>
               <a:t>프로젝트 개요</a:t>
             </a:r>
             <a:endParaRPr lang="en-US" altLang="ko-KR" dirty="0"/>
-          </a:p>
-          <a:p>
-            <a:pPr marL="342900" indent="-342900">
-              <a:buFontTx/>
-              <a:buChar char="-"/>
-            </a:pPr>
-            <a:r>
-              <a:rPr lang="ko-KR" altLang="en-US" dirty="0"/>
-              <a:t>개발 동기 및 배경</a:t>
-            </a:r>
           </a:p>
         </p:txBody>
       </p:sp>
@@ -7565,7 +7308,7 @@
           <a:p>
             <a:r>
               <a:rPr lang="ko-KR" altLang="en-US" dirty="0"/>
-              <a:t>프로젝트 개요 </a:t>
+              <a:t>프로젝트 진행 배경</a:t>
             </a:r>
           </a:p>
         </p:txBody>
@@ -7593,26 +7336,37 @@
           <a:p>
             <a:r>
               <a:rPr lang="ko-KR" altLang="en-US" dirty="0"/>
-              <a:t> 전산화</a:t>
+              <a:t>채용 과제</a:t>
             </a:r>
             <a:r>
               <a:rPr lang="en-US" altLang="ko-KR" dirty="0"/>
               <a:t>: </a:t>
             </a:r>
             <a:r>
-              <a:rPr lang="ko-KR" altLang="en-US" dirty="0"/>
-              <a:t>인사 채용 프로세스의 효율적인 디지털 변환</a:t>
-            </a:r>
-            <a:endParaRPr lang="en-US" altLang="ko-KR" dirty="0"/>
-          </a:p>
-          <a:p>
-            <a:r>
-              <a:rPr lang="en-US" altLang="ko-KR" dirty="0"/>
-              <a:t> </a:t>
-            </a:r>
-            <a:r>
-              <a:rPr lang="ko-KR" altLang="en-US" dirty="0"/>
-              <a:t>자동화</a:t>
+              <a:rPr lang="ko-KR" altLang="en-US" dirty="0" err="1"/>
+              <a:t>루미르가</a:t>
+            </a:r>
+            <a:r>
+              <a:rPr lang="ko-KR" altLang="en-US" dirty="0"/>
+              <a:t> 성장하며 </a:t>
+            </a:r>
+            <a:r>
+              <a:rPr lang="ko-KR" altLang="en-US" dirty="0">
+                <a:solidFill>
+                  <a:srgbClr val="FF0000"/>
+                </a:solidFill>
+              </a:rPr>
+              <a:t>증가하는 채용 요구</a:t>
+            </a:r>
+            <a:r>
+              <a:rPr lang="ko-KR" altLang="en-US" dirty="0"/>
+              <a:t>와 기존 프로세스 한계 인식</a:t>
+            </a:r>
+          </a:p>
+          <a:p>
+            <a:r>
+              <a:rPr lang="ko-KR" altLang="en-US" dirty="0"/>
+              <a:t>문제점</a:t>
             </a:r>
             <a:r>
               <a:rPr lang="en-US" altLang="ko-KR" dirty="0"/>
@@ -7620,14 +7374,29 @@
             </a:r>
             <a:r>
               <a:rPr lang="ko-KR" altLang="en-US" dirty="0"/>
-              <a:t>채용 단계별 신속한 관리와 정확도 개선</a:t>
-            </a:r>
-            <a:endParaRPr lang="en-US" altLang="ko-KR" dirty="0"/>
-          </a:p>
-          <a:p>
-            <a:r>
-              <a:rPr lang="ko-KR" altLang="en-US" dirty="0"/>
-              <a:t> 시간 절약</a:t>
+              <a:t>데이터 관리 복잡성</a:t>
+            </a:r>
+            <a:r>
+              <a:rPr lang="en-US" altLang="ko-KR" dirty="0"/>
+              <a:t>, </a:t>
+            </a:r>
+            <a:r>
+              <a:rPr lang="ko-KR" altLang="en-US" dirty="0"/>
+              <a:t>정보 전달 지연</a:t>
+            </a:r>
+            <a:r>
+              <a:rPr lang="en-US" altLang="ko-KR" dirty="0"/>
+              <a:t>, </a:t>
+            </a:r>
+            <a:r>
+              <a:rPr lang="ko-KR" altLang="en-US" dirty="0"/>
+              <a:t>일정 조정 비효율</a:t>
+            </a:r>
+          </a:p>
+          <a:p>
+            <a:r>
+              <a:rPr lang="ko-KR" altLang="en-US" dirty="0"/>
+              <a:t>해결책</a:t>
             </a:r>
             <a:r>
               <a:rPr lang="en-US" altLang="ko-KR" dirty="0"/>
@@ -7635,18 +7404,13 @@
             </a:r>
             <a:r>
               <a:rPr lang="ko-KR" altLang="en-US" dirty="0"/>
-              <a:t>업무 프로세스 자동화로 인사 관리팀의 업무 감소</a:t>
-            </a:r>
-            <a:endParaRPr lang="en-US" altLang="ko-KR" dirty="0"/>
-          </a:p>
-          <a:p>
-            <a:r>
-              <a:rPr lang="en-US" altLang="ko-KR" dirty="0"/>
-              <a:t> </a:t>
-            </a:r>
-            <a:r>
-              <a:rPr lang="ko-KR" altLang="en-US" dirty="0"/>
-              <a:t>사용자 경험</a:t>
+              <a:t>전산화된 시스템으로 프로세스 신속성 및 투명성 제고</a:t>
+            </a:r>
+          </a:p>
+          <a:p>
+            <a:r>
+              <a:rPr lang="ko-KR" altLang="en-US" dirty="0"/>
+              <a:t>기대 효과</a:t>
             </a:r>
             <a:r>
               <a:rPr lang="en-US" altLang="ko-KR" dirty="0"/>
@@ -7654,39 +7418,16 @@
             </a:r>
             <a:r>
               <a:rPr lang="ko-KR" altLang="en-US" dirty="0"/>
-              <a:t>직관적 </a:t>
-            </a:r>
-            <a:r>
-              <a:rPr lang="en-US" altLang="ko-KR" dirty="0"/>
-              <a:t>UI</a:t>
-            </a:r>
-            <a:r>
-              <a:rPr lang="ko-KR" altLang="en-US" dirty="0"/>
-              <a:t>로 모든 사용자 접근성 및 만족도 향상</a:t>
-            </a:r>
-            <a:endParaRPr lang="en-US" altLang="ko-KR" dirty="0"/>
-          </a:p>
-          <a:p>
-            <a:r>
-              <a:rPr lang="en-US" altLang="ko-KR" dirty="0"/>
-              <a:t> </a:t>
-            </a:r>
-            <a:r>
-              <a:rPr lang="ko-KR" altLang="en-US" dirty="0"/>
-              <a:t>비용 절감</a:t>
-            </a:r>
-            <a:r>
-              <a:rPr lang="en-US" altLang="ko-KR" dirty="0"/>
-              <a:t>: </a:t>
-            </a:r>
-            <a:r>
-              <a:rPr lang="ko-KR" altLang="en-US" dirty="0"/>
-              <a:t>시스템 교육 비용 및 운영 비용 최소화</a:t>
-            </a:r>
-            <a:endParaRPr lang="en-US" altLang="ko-KR" dirty="0"/>
-          </a:p>
-          <a:p>
-            <a:endParaRPr lang="ko-KR" altLang="en-US" dirty="0"/>
+              <a:t>인사 관리 부담 감소</a:t>
+            </a:r>
+            <a:r>
+              <a:rPr lang="en-US" altLang="ko-KR" dirty="0"/>
+              <a:t>, </a:t>
+            </a:r>
+            <a:r>
+              <a:rPr lang="ko-KR" altLang="en-US" dirty="0"/>
+              <a:t>전체적인 채용 경쟁력 향상</a:t>
+            </a:r>
           </a:p>
         </p:txBody>
       </p:sp>
@@ -7719,11 +7460,6 @@
               <a:rPr lang="ko-KR" altLang="en-US" dirty="0"/>
               <a:t>개요</a:t>
             </a:r>
-            <a:r>
-              <a:rPr lang="en-US" altLang="ko-KR" dirty="0"/>
-              <a:t> </a:t>
-            </a:r>
-            <a:endParaRPr lang="ko-KR" altLang="en-US" dirty="0"/>
           </a:p>
         </p:txBody>
       </p:sp>
@@ -7754,7 +7490,7 @@
             </a:r>
             <a:r>
               <a:rPr lang="ko-KR" altLang="en-US" dirty="0"/>
-              <a:t>프로젝트 개요</a:t>
+              <a:t>프로젝트 진행 배경</a:t>
             </a:r>
           </a:p>
         </p:txBody>
@@ -7823,7 +7559,7 @@
     </p:spTree>
     <p:extLst>
       <p:ext uri="{BB962C8B-B14F-4D97-AF65-F5344CB8AC3E}">
-        <p14:creationId xmlns:p14="http://schemas.microsoft.com/office/powerpoint/2010/main" val="1028189848"/>
+        <p14:creationId xmlns:p14="http://schemas.microsoft.com/office/powerpoint/2010/main" val="1182852467"/>
       </p:ext>
     </p:extLst>
   </p:cSld>
@@ -7873,7 +7609,7 @@
           <a:p>
             <a:r>
               <a:rPr lang="ko-KR" altLang="en-US" dirty="0"/>
-              <a:t>개발 동기 및 배경</a:t>
+              <a:t>프로젝트 개요 </a:t>
             </a:r>
           </a:p>
         </p:txBody>
@@ -7901,25 +7637,26 @@
           <a:p>
             <a:r>
               <a:rPr lang="ko-KR" altLang="en-US" dirty="0"/>
-              <a:t>채용 과제</a:t>
+              <a:t> 전산화</a:t>
             </a:r>
             <a:r>
               <a:rPr lang="en-US" altLang="ko-KR" dirty="0"/>
               <a:t>: </a:t>
             </a:r>
             <a:r>
-              <a:rPr lang="ko-KR" altLang="en-US" dirty="0" err="1"/>
-              <a:t>루미르가</a:t>
-            </a:r>
-            <a:r>
-              <a:rPr lang="ko-KR" altLang="en-US" dirty="0"/>
-              <a:t> 성장하며 증가하는 채용 요구와 기존 프로세스 한계 인식</a:t>
-            </a:r>
-          </a:p>
-          <a:p>
-            <a:r>
-              <a:rPr lang="ko-KR" altLang="en-US" dirty="0"/>
-              <a:t>문제점</a:t>
+              <a:rPr lang="ko-KR" altLang="en-US" dirty="0"/>
+              <a:t>인사 채용 프로세스의 효율적인 디지털 변환</a:t>
+            </a:r>
+            <a:endParaRPr lang="en-US" altLang="ko-KR" dirty="0"/>
+          </a:p>
+          <a:p>
+            <a:r>
+              <a:rPr lang="en-US" altLang="ko-KR" dirty="0"/>
+              <a:t> </a:t>
+            </a:r>
+            <a:r>
+              <a:rPr lang="ko-KR" altLang="en-US" dirty="0"/>
+              <a:t>자동화</a:t>
             </a:r>
             <a:r>
               <a:rPr lang="en-US" altLang="ko-KR" dirty="0"/>
@@ -7927,29 +7664,14 @@
             </a:r>
             <a:r>
               <a:rPr lang="ko-KR" altLang="en-US" dirty="0"/>
-              <a:t>데이터 관리 복잡성</a:t>
-            </a:r>
-            <a:r>
-              <a:rPr lang="en-US" altLang="ko-KR" dirty="0"/>
-              <a:t>, </a:t>
-            </a:r>
-            <a:r>
-              <a:rPr lang="ko-KR" altLang="en-US" dirty="0"/>
-              <a:t>정보 전달 지연</a:t>
-            </a:r>
-            <a:r>
-              <a:rPr lang="en-US" altLang="ko-KR" dirty="0"/>
-              <a:t>, </a:t>
-            </a:r>
-            <a:r>
-              <a:rPr lang="ko-KR" altLang="en-US" dirty="0"/>
-              <a:t>일정 조정 비효율</a:t>
-            </a:r>
-          </a:p>
-          <a:p>
-            <a:r>
-              <a:rPr lang="ko-KR" altLang="en-US" dirty="0"/>
-              <a:t>해결책</a:t>
+              <a:t>채용 단계별 신속한 관리와 정확도 개선</a:t>
+            </a:r>
+            <a:endParaRPr lang="en-US" altLang="ko-KR" dirty="0"/>
+          </a:p>
+          <a:p>
+            <a:r>
+              <a:rPr lang="ko-KR" altLang="en-US" dirty="0"/>
+              <a:t> 시간 절약</a:t>
             </a:r>
             <a:r>
               <a:rPr lang="en-US" altLang="ko-KR" dirty="0"/>
@@ -7957,13 +7679,18 @@
             </a:r>
             <a:r>
               <a:rPr lang="ko-KR" altLang="en-US" dirty="0"/>
-              <a:t>전산화된 시스템으로 프로세스 신속성 및 투명성 제고</a:t>
-            </a:r>
-          </a:p>
-          <a:p>
-            <a:r>
-              <a:rPr lang="ko-KR" altLang="en-US" dirty="0"/>
-              <a:t>기대 효과</a:t>
+              <a:t>업무 프로세스 자동화로 경영지원팀의 업무 감소</a:t>
+            </a:r>
+            <a:endParaRPr lang="en-US" altLang="ko-KR" dirty="0"/>
+          </a:p>
+          <a:p>
+            <a:r>
+              <a:rPr lang="en-US" altLang="ko-KR" dirty="0"/>
+              <a:t> </a:t>
+            </a:r>
+            <a:r>
+              <a:rPr lang="ko-KR" altLang="en-US" dirty="0"/>
+              <a:t>사용자 경험</a:t>
             </a:r>
             <a:r>
               <a:rPr lang="en-US" altLang="ko-KR" dirty="0"/>
@@ -7971,16 +7698,39 @@
             </a:r>
             <a:r>
               <a:rPr lang="ko-KR" altLang="en-US" dirty="0"/>
-              <a:t>인사 관리 부담 감소</a:t>
-            </a:r>
-            <a:r>
-              <a:rPr lang="en-US" altLang="ko-KR" dirty="0"/>
-              <a:t>, </a:t>
-            </a:r>
-            <a:r>
-              <a:rPr lang="ko-KR" altLang="en-US" dirty="0"/>
-              <a:t>전체적인 채용 경쟁력 향상</a:t>
-            </a:r>
+              <a:t>직관적 </a:t>
+            </a:r>
+            <a:r>
+              <a:rPr lang="en-US" altLang="ko-KR" dirty="0"/>
+              <a:t>UI</a:t>
+            </a:r>
+            <a:r>
+              <a:rPr lang="ko-KR" altLang="en-US" dirty="0"/>
+              <a:t>로 모든 사용자 접근성 및 만족도 향상</a:t>
+            </a:r>
+            <a:endParaRPr lang="en-US" altLang="ko-KR" dirty="0"/>
+          </a:p>
+          <a:p>
+            <a:r>
+              <a:rPr lang="en-US" altLang="ko-KR" dirty="0"/>
+              <a:t> </a:t>
+            </a:r>
+            <a:r>
+              <a:rPr lang="ko-KR" altLang="en-US" dirty="0"/>
+              <a:t>비용 절감</a:t>
+            </a:r>
+            <a:r>
+              <a:rPr lang="en-US" altLang="ko-KR" dirty="0"/>
+              <a:t>: </a:t>
+            </a:r>
+            <a:r>
+              <a:rPr lang="ko-KR" altLang="en-US" dirty="0"/>
+              <a:t>시스템 교육 비용 및 운영 비용 최소화</a:t>
+            </a:r>
+            <a:endParaRPr lang="en-US" altLang="ko-KR" dirty="0"/>
+          </a:p>
+          <a:p>
+            <a:endParaRPr lang="ko-KR" altLang="en-US" dirty="0"/>
           </a:p>
         </p:txBody>
       </p:sp>
@@ -8013,6 +7763,11 @@
               <a:rPr lang="ko-KR" altLang="en-US" dirty="0"/>
               <a:t>개요</a:t>
             </a:r>
+            <a:r>
+              <a:rPr lang="en-US" altLang="ko-KR" dirty="0"/>
+              <a:t> </a:t>
+            </a:r>
+            <a:endParaRPr lang="ko-KR" altLang="en-US" dirty="0"/>
           </a:p>
         </p:txBody>
       </p:sp>
@@ -8039,11 +7794,11 @@
           <a:p>
             <a:r>
               <a:rPr lang="en-US" altLang="ko-KR" dirty="0"/>
-              <a:t>1-1 </a:t>
-            </a:r>
-            <a:r>
-              <a:rPr lang="ko-KR" altLang="en-US" dirty="0"/>
-              <a:t>개발 동기 및 배경</a:t>
+              <a:t>1-2 </a:t>
+            </a:r>
+            <a:r>
+              <a:rPr lang="ko-KR" altLang="en-US" dirty="0"/>
+              <a:t>프로젝트 개요</a:t>
             </a:r>
           </a:p>
         </p:txBody>
@@ -8109,10 +7864,81 @@
           </a:p>
         </p:txBody>
       </p:sp>
+      <p:pic>
+        <p:nvPicPr>
+          <p:cNvPr id="8" name="그림 7">
+            <a:extLst>
+              <a:ext uri="{FF2B5EF4-FFF2-40B4-BE49-F238E27FC236}">
+                <a16:creationId xmlns:a16="http://schemas.microsoft.com/office/drawing/2014/main" id="{0752E9BA-C2D6-7BFD-9A9E-C9A957EA354D}"/>
+              </a:ext>
+            </a:extLst>
+          </p:cNvPr>
+          <p:cNvPicPr>
+            <a:picLocks noChangeAspect="1"/>
+          </p:cNvPicPr>
+          <p:nvPr/>
+        </p:nvPicPr>
+        <p:blipFill>
+          <a:blip r:embed="rId2"/>
+          <a:stretch>
+            <a:fillRect/>
+          </a:stretch>
+        </p:blipFill>
+        <p:spPr>
+          <a:xfrm>
+            <a:off x="2771904" y="3415384"/>
+            <a:ext cx="5422861" cy="3064791"/>
+          </a:xfrm>
+          <a:prstGeom prst="rect">
+            <a:avLst/>
+          </a:prstGeom>
+          <a:ln>
+            <a:solidFill>
+              <a:schemeClr val="tx1"/>
+            </a:solidFill>
+          </a:ln>
+        </p:spPr>
+      </p:pic>
+      <p:sp>
+        <p:nvSpPr>
+          <p:cNvPr id="9" name="TextBox 8">
+            <a:extLst>
+              <a:ext uri="{FF2B5EF4-FFF2-40B4-BE49-F238E27FC236}">
+                <a16:creationId xmlns:a16="http://schemas.microsoft.com/office/drawing/2014/main" id="{5A18850F-92A0-B7A6-57D7-AD01B9C9AC4B}"/>
+              </a:ext>
+            </a:extLst>
+          </p:cNvPr>
+          <p:cNvSpPr txBox="1"/>
+          <p:nvPr/>
+        </p:nvSpPr>
+        <p:spPr>
+          <a:xfrm>
+            <a:off x="8194765" y="6172398"/>
+            <a:ext cx="3762104" cy="307777"/>
+          </a:xfrm>
+          <a:prstGeom prst="rect">
+            <a:avLst/>
+          </a:prstGeom>
+          <a:noFill/>
+        </p:spPr>
+        <p:txBody>
+          <a:bodyPr wrap="square" rtlCol="0">
+            <a:spAutoFit/>
+          </a:bodyPr>
+          <a:lstStyle/>
+          <a:p>
+            <a:r>
+              <a:rPr lang="en-US" altLang="ko-KR" sz="1400" dirty="0"/>
+              <a:t>Lumir Recruiting Interview Manager (LRIM)</a:t>
+            </a:r>
+            <a:endParaRPr lang="ko-KR" altLang="en-US" sz="1400" dirty="0"/>
+          </a:p>
+        </p:txBody>
+      </p:sp>
     </p:spTree>
     <p:extLst>
       <p:ext uri="{BB962C8B-B14F-4D97-AF65-F5344CB8AC3E}">
-        <p14:creationId xmlns:p14="http://schemas.microsoft.com/office/powerpoint/2010/main" val="1182852467"/>
+        <p14:creationId xmlns:p14="http://schemas.microsoft.com/office/powerpoint/2010/main" val="1028189848"/>
       </p:ext>
     </p:extLst>
   </p:cSld>
@@ -8161,6 +7987,10 @@
           <a:lstStyle/>
           <a:p>
             <a:r>
+              <a:rPr lang="en-US" altLang="ko-KR" dirty="0"/>
+              <a:t>02. </a:t>
+            </a:r>
+            <a:r>
               <a:rPr lang="ko-KR" altLang="en-US" dirty="0"/>
               <a:t>요구사항 분석</a:t>
             </a:r>
@@ -8188,10 +8018,6 @@
           <a:bodyPr/>
           <a:lstStyle/>
           <a:p>
-            <a:pPr marL="342900" indent="-342900">
-              <a:buFontTx/>
-              <a:buChar char="-"/>
-            </a:pPr>
             <a:r>
               <a:rPr lang="ko-KR" altLang="en-US" dirty="0"/>
               <a:t>사용자 요구사항</a:t>
@@ -8199,10 +8025,6 @@
             <a:endParaRPr lang="en-US" altLang="ko-KR" dirty="0"/>
           </a:p>
           <a:p>
-            <a:pPr marL="342900" indent="-342900">
-              <a:buFontTx/>
-              <a:buChar char="-"/>
-            </a:pPr>
             <a:r>
               <a:rPr lang="ko-KR" altLang="en-US" dirty="0"/>
               <a:t>시스템 요구사항</a:t>
@@ -8903,6 +8725,10 @@
           <a:lstStyle/>
           <a:p>
             <a:r>
+              <a:rPr lang="en-US" altLang="ko-KR" dirty="0"/>
+              <a:t>03. </a:t>
+            </a:r>
+            <a:r>
               <a:rPr lang="ko-KR" altLang="en-US" dirty="0"/>
               <a:t>설계</a:t>
             </a:r>
@@ -8930,10 +8756,6 @@
           <a:bodyPr/>
           <a:lstStyle/>
           <a:p>
-            <a:pPr marL="342900" indent="-342900">
-              <a:buFontTx/>
-              <a:buChar char="-"/>
-            </a:pPr>
             <a:r>
               <a:rPr lang="ko-KR" altLang="en-US" dirty="0"/>
               <a:t>아키텍처 설계</a:t>
@@ -8941,10 +8763,6 @@
             <a:endParaRPr lang="en-US" altLang="ko-KR" dirty="0"/>
           </a:p>
           <a:p>
-            <a:pPr marL="342900" indent="-342900">
-              <a:buFontTx/>
-              <a:buChar char="-"/>
-            </a:pPr>
             <a:r>
               <a:rPr lang="ko-KR" altLang="en-US" dirty="0"/>
               <a:t>세부 구성 요소</a:t>

--- a/기술 7부 김민수 성과 발표.pptx
+++ b/기술 7부 김민수 성과 발표.pptx
@@ -5,7 +5,7 @@
     <p:sldMasterId id="2147483648" r:id="rId1"/>
   </p:sldMasterIdLst>
   <p:notesMasterIdLst>
-    <p:notesMasterId r:id="rId20"/>
+    <p:notesMasterId r:id="rId22"/>
   </p:notesMasterIdLst>
   <p:sldIdLst>
     <p:sldId id="268" r:id="rId2"/>
@@ -23,9 +23,11 @@
     <p:sldId id="285" r:id="rId14"/>
     <p:sldId id="287" r:id="rId15"/>
     <p:sldId id="299" r:id="rId16"/>
-    <p:sldId id="298" r:id="rId17"/>
-    <p:sldId id="303" r:id="rId18"/>
-    <p:sldId id="267" r:id="rId19"/>
+    <p:sldId id="304" r:id="rId17"/>
+    <p:sldId id="305" r:id="rId18"/>
+    <p:sldId id="298" r:id="rId19"/>
+    <p:sldId id="303" r:id="rId20"/>
+    <p:sldId id="267" r:id="rId21"/>
   </p:sldIdLst>
   <p:sldSz cx="12192000" cy="6858000"/>
   <p:notesSz cx="6858000" cy="9144000"/>
@@ -3513,23 +3515,21 @@
             <p:ph type="subTitle" idx="1"/>
           </p:nvPr>
         </p:nvSpPr>
-        <p:spPr/>
+        <p:spPr>
+          <a:xfrm>
+            <a:off x="714376" y="3304454"/>
+            <a:ext cx="10763249" cy="1006475"/>
+          </a:xfrm>
+        </p:spPr>
         <p:txBody>
           <a:bodyPr/>
           <a:lstStyle/>
           <a:p>
             <a:r>
-              <a:rPr lang="ko-KR" altLang="en-US" dirty="0"/>
-              <a:t>기술 </a:t>
-            </a:r>
-            <a:r>
               <a:rPr lang="en-US" altLang="ko-KR" dirty="0"/>
-              <a:t>7</a:t>
-            </a:r>
-            <a:r>
-              <a:rPr lang="ko-KR" altLang="en-US" dirty="0"/>
-              <a:t>부 김민수 연구원</a:t>
-            </a:r>
+              <a:t>Lumir Recruiting Interview Manager</a:t>
+            </a:r>
+            <a:endParaRPr lang="ko-KR" altLang="en-US" dirty="0"/>
           </a:p>
         </p:txBody>
       </p:sp>
@@ -3555,6 +3555,85 @@
           <a:lstStyle/>
           <a:p>
             <a:endParaRPr lang="ko-KR" altLang="en-US"/>
+          </a:p>
+        </p:txBody>
+      </p:sp>
+      <p:sp>
+        <p:nvSpPr>
+          <p:cNvPr id="4" name="TextBox 3">
+            <a:extLst>
+              <a:ext uri="{FF2B5EF4-FFF2-40B4-BE49-F238E27FC236}">
+                <a16:creationId xmlns:a16="http://schemas.microsoft.com/office/drawing/2014/main" id="{23414BCE-471E-54A6-F618-8ECDF28AA50C}"/>
+              </a:ext>
+            </a:extLst>
+          </p:cNvPr>
+          <p:cNvSpPr txBox="1">
+            <a:spLocks/>
+          </p:cNvSpPr>
+          <p:nvPr/>
+        </p:nvSpPr>
+        <p:spPr>
+          <a:xfrm>
+            <a:off x="714375" y="4648201"/>
+            <a:ext cx="2156360" cy="342017"/>
+          </a:xfrm>
+          <a:prstGeom prst="rect">
+            <a:avLst/>
+          </a:prstGeom>
+          <a:noFill/>
+        </p:spPr>
+        <p:txBody>
+          <a:bodyPr wrap="none" rtlCol="0">
+            <a:spAutoFit/>
+          </a:bodyPr>
+          <a:lstStyle/>
+          <a:p>
+            <a:pPr>
+              <a:lnSpc>
+                <a:spcPct val="120000"/>
+              </a:lnSpc>
+            </a:pPr>
+            <a:r>
+              <a:rPr lang="ko-KR" altLang="en-US" sz="1500" dirty="0">
+                <a:solidFill>
+                  <a:schemeClr val="bg1"/>
+                </a:solidFill>
+                <a:latin typeface="Noto Sans KR Medium" panose="020B0200000000000000" pitchFamily="34" charset="-127"/>
+                <a:ea typeface="Noto Sans KR Medium" panose="020B0200000000000000" pitchFamily="34" charset="-127"/>
+                <a:cs typeface="Pretendard Medium" panose="02000603000000020004" pitchFamily="50" charset="-127"/>
+              </a:rPr>
+              <a:t>기술</a:t>
+            </a:r>
+            <a:r>
+              <a:rPr lang="en-US" altLang="ko-KR" sz="1500" dirty="0">
+                <a:solidFill>
+                  <a:schemeClr val="bg1"/>
+                </a:solidFill>
+                <a:latin typeface="Noto Sans KR Medium" panose="020B0200000000000000" pitchFamily="34" charset="-127"/>
+                <a:ea typeface="Noto Sans KR Medium" panose="020B0200000000000000" pitchFamily="34" charset="-127"/>
+                <a:cs typeface="Pretendard Medium" panose="02000603000000020004" pitchFamily="50" charset="-127"/>
+              </a:rPr>
+              <a:t>7</a:t>
+            </a:r>
+            <a:r>
+              <a:rPr lang="ko-KR" altLang="en-US" sz="1500" dirty="0">
+                <a:solidFill>
+                  <a:schemeClr val="bg1"/>
+                </a:solidFill>
+                <a:latin typeface="Noto Sans KR Medium" panose="020B0200000000000000" pitchFamily="34" charset="-127"/>
+                <a:ea typeface="Noto Sans KR Medium" panose="020B0200000000000000" pitchFamily="34" charset="-127"/>
+                <a:cs typeface="Pretendard Medium" panose="02000603000000020004" pitchFamily="50" charset="-127"/>
+              </a:rPr>
+              <a:t>부 김민수 연구원</a:t>
+            </a:r>
+            <a:endParaRPr lang="en-US" altLang="ko-KR" sz="1500" dirty="0">
+              <a:solidFill>
+                <a:schemeClr val="bg1"/>
+              </a:solidFill>
+              <a:latin typeface="Noto Sans KR Medium" panose="020B0200000000000000" pitchFamily="34" charset="-127"/>
+              <a:ea typeface="Noto Sans KR Medium" panose="020B0200000000000000" pitchFamily="34" charset="-127"/>
+              <a:cs typeface="Pretendard Medium" panose="02000603000000020004" pitchFamily="50" charset="-127"/>
+            </a:endParaRPr>
           </a:p>
         </p:txBody>
       </p:sp>
@@ -3721,10 +3800,10 @@
       </p:sp>
       <p:sp>
         <p:nvSpPr>
-          <p:cNvPr id="6" name="내용 개체 틀 2">
-            <a:extLst>
-              <a:ext uri="{FF2B5EF4-FFF2-40B4-BE49-F238E27FC236}">
-                <a16:creationId xmlns:a16="http://schemas.microsoft.com/office/drawing/2014/main" id="{007B993B-E3F4-C3BB-F344-8879E92F8B10}"/>
+          <p:cNvPr id="3" name="내용 개체 틀 2">
+            <a:extLst>
+              <a:ext uri="{FF2B5EF4-FFF2-40B4-BE49-F238E27FC236}">
+                <a16:creationId xmlns:a16="http://schemas.microsoft.com/office/drawing/2014/main" id="{D8769CE3-8578-0F22-1CF7-0816BD817346}"/>
               </a:ext>
             </a:extLst>
           </p:cNvPr>
@@ -3735,8 +3814,8 @@
         </p:nvSpPr>
         <p:spPr>
           <a:xfrm>
-            <a:off x="469900" y="1246102"/>
-            <a:ext cx="4963937" cy="3339810"/>
+            <a:off x="469900" y="1270502"/>
+            <a:ext cx="5626100" cy="3339810"/>
           </a:xfrm>
           <a:prstGeom prst="rect">
             <a:avLst/>
@@ -3936,11 +4015,30 @@
             </a:pPr>
             <a:r>
               <a:rPr lang="en-US" altLang="ko-KR" dirty="0"/>
-              <a:t>MongoDB </a:t>
-            </a:r>
-            <a:r>
-              <a:rPr lang="ko-KR" altLang="en-US" dirty="0"/>
-              <a:t>활용</a:t>
+              <a:t>MongoDB</a:t>
+            </a:r>
+          </a:p>
+          <a:p>
+            <a:pPr lvl="1">
+              <a:lnSpc>
+                <a:spcPts val="2600"/>
+              </a:lnSpc>
+            </a:pPr>
+            <a:r>
+              <a:rPr lang="en-US" altLang="ko-KR" dirty="0"/>
+              <a:t>No-SQL </a:t>
+            </a:r>
+            <a:r>
+              <a:rPr lang="ko-KR" altLang="en-US" dirty="0"/>
+              <a:t>문법을 사용하여 </a:t>
+            </a:r>
+            <a:r>
+              <a:rPr lang="ko-KR" altLang="en-US" b="1" dirty="0"/>
+              <a:t>유연한 스키마 정의가 가능</a:t>
+            </a:r>
+            <a:r>
+              <a:rPr lang="ko-KR" altLang="en-US" dirty="0"/>
+              <a:t>한 데이터베이스</a:t>
             </a:r>
             <a:endParaRPr lang="en-US" altLang="ko-KR" dirty="0"/>
           </a:p>
@@ -3952,28 +4050,20 @@
             </a:pPr>
             <a:r>
               <a:rPr lang="ko-KR" altLang="en-US" dirty="0"/>
-              <a:t>유연한 스키마와 빠른 개발을 위한 문서지향적 데이터베이스인 모델링</a:t>
+              <a:t>객체 지향 프로그래밍과의 높은 상호 운용성으로 개발 속도 증가</a:t>
             </a:r>
             <a:endParaRPr lang="en-US" altLang="ko-KR" dirty="0"/>
           </a:p>
           <a:p>
-            <a:pPr marL="0" indent="0">
+            <a:pPr lvl="1">
               <a:lnSpc>
                 <a:spcPts val="2600"/>
               </a:lnSpc>
-              <a:buNone/>
-            </a:pPr>
-            <a:r>
-              <a:rPr lang="en-US" altLang="ko-KR" dirty="0"/>
-              <a:t> </a:t>
-            </a:r>
-            <a:endParaRPr lang="ko-KR" altLang="en-US" dirty="0"/>
-          </a:p>
-          <a:p>
-            <a:pPr marL="0" indent="0">
-              <a:buFont typeface="Pretendard Medium" panose="02000603000000020004" pitchFamily="50" charset="-127"/>
-              <a:buNone/>
-            </a:pPr>
+            </a:pPr>
+            <a:r>
+              <a:rPr lang="ko-KR" altLang="en-US" dirty="0"/>
+              <a:t>읽기 및 쓰기가 빈번한 시스템에서의 우수한 성능</a:t>
+            </a:r>
             <a:endParaRPr lang="en-US" altLang="ko-KR" dirty="0"/>
           </a:p>
         </p:txBody>
@@ -4422,12 +4512,12 @@
               </a:lnSpc>
             </a:pPr>
             <a:r>
-              <a:rPr lang="ko-KR" altLang="en-US" dirty="0" err="1"/>
-              <a:t>유즈케이스에</a:t>
-            </a:r>
-            <a:r>
-              <a:rPr lang="ko-KR" altLang="en-US" dirty="0"/>
-              <a:t> 맞는 </a:t>
+              <a:rPr lang="en-US" altLang="ko-KR" dirty="0"/>
+              <a:t>Use-case</a:t>
+            </a:r>
+            <a:r>
+              <a:rPr lang="ko-KR" altLang="en-US" dirty="0"/>
+              <a:t> 에 맞는 </a:t>
             </a:r>
             <a:r>
               <a:rPr lang="en-US" altLang="ko-KR" dirty="0"/>
@@ -4802,7 +4892,7 @@
         </p:blipFill>
         <p:spPr>
           <a:xfrm>
-            <a:off x="7001163" y="1894650"/>
+            <a:off x="7001162" y="2156104"/>
             <a:ext cx="3523332" cy="3833012"/>
           </a:xfrm>
           <a:prstGeom prst="rect">
@@ -5007,66 +5097,6 @@
           </a:p>
         </p:txBody>
       </p:sp>
-      <p:pic>
-        <p:nvPicPr>
-          <p:cNvPr id="6" name="그림 5">
-            <a:extLst>
-              <a:ext uri="{FF2B5EF4-FFF2-40B4-BE49-F238E27FC236}">
-                <a16:creationId xmlns:a16="http://schemas.microsoft.com/office/drawing/2014/main" id="{4BB126CD-A5B1-BAD3-8762-ACB00FD67683}"/>
-              </a:ext>
-            </a:extLst>
-          </p:cNvPr>
-          <p:cNvPicPr>
-            <a:picLocks noChangeAspect="1"/>
-          </p:cNvPicPr>
-          <p:nvPr/>
-        </p:nvPicPr>
-        <p:blipFill>
-          <a:blip r:embed="rId2"/>
-          <a:stretch>
-            <a:fillRect/>
-          </a:stretch>
-        </p:blipFill>
-        <p:spPr>
-          <a:xfrm>
-            <a:off x="5881464" y="3967428"/>
-            <a:ext cx="5676125" cy="2138218"/>
-          </a:xfrm>
-          <a:prstGeom prst="rect">
-            <a:avLst/>
-          </a:prstGeom>
-        </p:spPr>
-      </p:pic>
-      <p:pic>
-        <p:nvPicPr>
-          <p:cNvPr id="8" name="그림 7">
-            <a:extLst>
-              <a:ext uri="{FF2B5EF4-FFF2-40B4-BE49-F238E27FC236}">
-                <a16:creationId xmlns:a16="http://schemas.microsoft.com/office/drawing/2014/main" id="{D11ED5FE-6CED-5793-47C2-3F4CE1873456}"/>
-              </a:ext>
-            </a:extLst>
-          </p:cNvPr>
-          <p:cNvPicPr>
-            <a:picLocks noChangeAspect="1"/>
-          </p:cNvPicPr>
-          <p:nvPr/>
-        </p:nvPicPr>
-        <p:blipFill>
-          <a:blip r:embed="rId3"/>
-          <a:stretch>
-            <a:fillRect/>
-          </a:stretch>
-        </p:blipFill>
-        <p:spPr>
-          <a:xfrm>
-            <a:off x="5881463" y="1599198"/>
-            <a:ext cx="5676125" cy="2323015"/>
-          </a:xfrm>
-          <a:prstGeom prst="rect">
-            <a:avLst/>
-          </a:prstGeom>
-        </p:spPr>
-      </p:pic>
       <p:sp>
         <p:nvSpPr>
           <p:cNvPr id="9" name="내용 개체 틀 2">
@@ -5084,7 +5114,7 @@
         <p:spPr>
           <a:xfrm>
             <a:off x="595791" y="1262062"/>
-            <a:ext cx="5181175" cy="5046374"/>
+            <a:ext cx="5284874" cy="5046374"/>
           </a:xfrm>
           <a:prstGeom prst="rect">
             <a:avLst/>
@@ -5393,110 +5423,212 @@
           </a:p>
         </p:txBody>
       </p:sp>
-      <p:sp>
-        <p:nvSpPr>
-          <p:cNvPr id="10" name="직사각형 9">
-            <a:extLst>
-              <a:ext uri="{FF2B5EF4-FFF2-40B4-BE49-F238E27FC236}">
-                <a16:creationId xmlns:a16="http://schemas.microsoft.com/office/drawing/2014/main" id="{67E643B2-3502-AEA2-B9C7-544848B44E05}"/>
-              </a:ext>
-            </a:extLst>
-          </p:cNvPr>
-          <p:cNvSpPr/>
+      <p:grpSp>
+        <p:nvGrpSpPr>
+          <p:cNvPr id="3" name="그룹 2">
+            <a:extLst>
+              <a:ext uri="{FF2B5EF4-FFF2-40B4-BE49-F238E27FC236}">
+                <a16:creationId xmlns:a16="http://schemas.microsoft.com/office/drawing/2014/main" id="{8AB8962B-5C0B-588F-6E4B-DC1B1928F0E1}"/>
+              </a:ext>
+            </a:extLst>
+          </p:cNvPr>
+          <p:cNvGrpSpPr/>
           <p:nvPr/>
-        </p:nvSpPr>
-        <p:spPr>
+        </p:nvGrpSpPr>
+        <p:grpSpPr>
           <a:xfrm>
-            <a:off x="6243782" y="2650836"/>
-            <a:ext cx="5209310" cy="371612"/>
+            <a:off x="5881463" y="1599198"/>
+            <a:ext cx="5676125" cy="2323015"/>
+            <a:chOff x="5881463" y="1599198"/>
+            <a:chExt cx="5676125" cy="2323015"/>
           </a:xfrm>
-          <a:prstGeom prst="rect">
-            <a:avLst/>
-          </a:prstGeom>
-          <a:noFill/>
-          <a:ln>
-            <a:solidFill>
-              <a:srgbClr val="FF0000"/>
-            </a:solidFill>
-          </a:ln>
-        </p:spPr>
-        <p:style>
-          <a:lnRef idx="2">
-            <a:schemeClr val="accent1">
-              <a:shade val="15000"/>
-            </a:schemeClr>
-          </a:lnRef>
-          <a:fillRef idx="1">
-            <a:schemeClr val="accent1"/>
-          </a:fillRef>
-          <a:effectRef idx="0">
-            <a:schemeClr val="accent1"/>
-          </a:effectRef>
-          <a:fontRef idx="minor">
-            <a:schemeClr val="lt1"/>
-          </a:fontRef>
-        </p:style>
-        <p:txBody>
-          <a:bodyPr rtlCol="0" anchor="ctr"/>
-          <a:lstStyle/>
-          <a:p>
-            <a:pPr algn="ctr"/>
-            <a:endParaRPr lang="ko-KR" altLang="en-US"/>
-          </a:p>
-        </p:txBody>
-      </p:sp>
-      <p:sp>
-        <p:nvSpPr>
-          <p:cNvPr id="11" name="직사각형 10">
-            <a:extLst>
-              <a:ext uri="{FF2B5EF4-FFF2-40B4-BE49-F238E27FC236}">
-                <a16:creationId xmlns:a16="http://schemas.microsoft.com/office/drawing/2014/main" id="{6B01C5DF-F639-86EB-19F3-932D53B4D13A}"/>
-              </a:ext>
-            </a:extLst>
-          </p:cNvPr>
-          <p:cNvSpPr/>
+        </p:grpSpPr>
+        <p:pic>
+          <p:nvPicPr>
+            <p:cNvPr id="8" name="그림 7">
+              <a:extLst>
+                <a:ext uri="{FF2B5EF4-FFF2-40B4-BE49-F238E27FC236}">
+                  <a16:creationId xmlns:a16="http://schemas.microsoft.com/office/drawing/2014/main" id="{D11ED5FE-6CED-5793-47C2-3F4CE1873456}"/>
+                </a:ext>
+              </a:extLst>
+            </p:cNvPr>
+            <p:cNvPicPr>
+              <a:picLocks noChangeAspect="1"/>
+            </p:cNvPicPr>
+            <p:nvPr/>
+          </p:nvPicPr>
+          <p:blipFill>
+            <a:blip r:embed="rId2"/>
+            <a:stretch>
+              <a:fillRect/>
+            </a:stretch>
+          </p:blipFill>
+          <p:spPr>
+            <a:xfrm>
+              <a:off x="5881463" y="1599198"/>
+              <a:ext cx="5676125" cy="2323015"/>
+            </a:xfrm>
+            <a:prstGeom prst="rect">
+              <a:avLst/>
+            </a:prstGeom>
+          </p:spPr>
+        </p:pic>
+        <p:sp>
+          <p:nvSpPr>
+            <p:cNvPr id="10" name="직사각형 9">
+              <a:extLst>
+                <a:ext uri="{FF2B5EF4-FFF2-40B4-BE49-F238E27FC236}">
+                  <a16:creationId xmlns:a16="http://schemas.microsoft.com/office/drawing/2014/main" id="{67E643B2-3502-AEA2-B9C7-544848B44E05}"/>
+                </a:ext>
+              </a:extLst>
+            </p:cNvPr>
+            <p:cNvSpPr/>
+            <p:nvPr/>
+          </p:nvSpPr>
+          <p:spPr>
+            <a:xfrm>
+              <a:off x="6243782" y="2650836"/>
+              <a:ext cx="5209310" cy="371612"/>
+            </a:xfrm>
+            <a:prstGeom prst="rect">
+              <a:avLst/>
+            </a:prstGeom>
+            <a:noFill/>
+            <a:ln>
+              <a:solidFill>
+                <a:srgbClr val="FF0000"/>
+              </a:solidFill>
+            </a:ln>
+          </p:spPr>
+          <p:style>
+            <a:lnRef idx="2">
+              <a:schemeClr val="accent1">
+                <a:shade val="15000"/>
+              </a:schemeClr>
+            </a:lnRef>
+            <a:fillRef idx="1">
+              <a:schemeClr val="accent1"/>
+            </a:fillRef>
+            <a:effectRef idx="0">
+              <a:schemeClr val="accent1"/>
+            </a:effectRef>
+            <a:fontRef idx="minor">
+              <a:schemeClr val="lt1"/>
+            </a:fontRef>
+          </p:style>
+          <p:txBody>
+            <a:bodyPr rtlCol="0" anchor="ctr"/>
+            <a:lstStyle/>
+            <a:p>
+              <a:pPr algn="ctr"/>
+              <a:endParaRPr lang="ko-KR" altLang="en-US"/>
+            </a:p>
+          </p:txBody>
+        </p:sp>
+      </p:grpSp>
+      <p:grpSp>
+        <p:nvGrpSpPr>
+          <p:cNvPr id="7" name="그룹 6">
+            <a:extLst>
+              <a:ext uri="{FF2B5EF4-FFF2-40B4-BE49-F238E27FC236}">
+                <a16:creationId xmlns:a16="http://schemas.microsoft.com/office/drawing/2014/main" id="{9A736D08-C33A-E35E-A7DD-F84A71459639}"/>
+              </a:ext>
+            </a:extLst>
+          </p:cNvPr>
+          <p:cNvGrpSpPr/>
           <p:nvPr/>
-        </p:nvSpPr>
-        <p:spPr>
+        </p:nvGrpSpPr>
+        <p:grpSpPr>
           <a:xfrm>
-            <a:off x="6095999" y="5256341"/>
-            <a:ext cx="5246256" cy="654932"/>
+            <a:off x="5881464" y="3967428"/>
+            <a:ext cx="5676125" cy="2138218"/>
+            <a:chOff x="5881464" y="3967428"/>
+            <a:chExt cx="5676125" cy="2138218"/>
           </a:xfrm>
-          <a:prstGeom prst="rect">
-            <a:avLst/>
-          </a:prstGeom>
-          <a:noFill/>
-          <a:ln>
-            <a:solidFill>
-              <a:srgbClr val="FF0000"/>
-            </a:solidFill>
-          </a:ln>
-        </p:spPr>
-        <p:style>
-          <a:lnRef idx="2">
-            <a:schemeClr val="accent1">
-              <a:shade val="15000"/>
-            </a:schemeClr>
-          </a:lnRef>
-          <a:fillRef idx="1">
-            <a:schemeClr val="accent1"/>
-          </a:fillRef>
-          <a:effectRef idx="0">
-            <a:schemeClr val="accent1"/>
-          </a:effectRef>
-          <a:fontRef idx="minor">
-            <a:schemeClr val="lt1"/>
-          </a:fontRef>
-        </p:style>
-        <p:txBody>
-          <a:bodyPr rtlCol="0" anchor="ctr"/>
-          <a:lstStyle/>
-          <a:p>
-            <a:pPr algn="ctr"/>
-            <a:endParaRPr lang="ko-KR" altLang="en-US"/>
-          </a:p>
-        </p:txBody>
-      </p:sp>
+        </p:grpSpPr>
+        <p:pic>
+          <p:nvPicPr>
+            <p:cNvPr id="6" name="그림 5">
+              <a:extLst>
+                <a:ext uri="{FF2B5EF4-FFF2-40B4-BE49-F238E27FC236}">
+                  <a16:creationId xmlns:a16="http://schemas.microsoft.com/office/drawing/2014/main" id="{4BB126CD-A5B1-BAD3-8762-ACB00FD67683}"/>
+                </a:ext>
+              </a:extLst>
+            </p:cNvPr>
+            <p:cNvPicPr>
+              <a:picLocks noChangeAspect="1"/>
+            </p:cNvPicPr>
+            <p:nvPr/>
+          </p:nvPicPr>
+          <p:blipFill>
+            <a:blip r:embed="rId3"/>
+            <a:stretch>
+              <a:fillRect/>
+            </a:stretch>
+          </p:blipFill>
+          <p:spPr>
+            <a:xfrm>
+              <a:off x="5881464" y="3967428"/>
+              <a:ext cx="5676125" cy="2138218"/>
+            </a:xfrm>
+            <a:prstGeom prst="rect">
+              <a:avLst/>
+            </a:prstGeom>
+          </p:spPr>
+        </p:pic>
+        <p:sp>
+          <p:nvSpPr>
+            <p:cNvPr id="11" name="직사각형 10">
+              <a:extLst>
+                <a:ext uri="{FF2B5EF4-FFF2-40B4-BE49-F238E27FC236}">
+                  <a16:creationId xmlns:a16="http://schemas.microsoft.com/office/drawing/2014/main" id="{6B01C5DF-F639-86EB-19F3-932D53B4D13A}"/>
+                </a:ext>
+              </a:extLst>
+            </p:cNvPr>
+            <p:cNvSpPr/>
+            <p:nvPr/>
+          </p:nvSpPr>
+          <p:spPr>
+            <a:xfrm>
+              <a:off x="6095999" y="5256341"/>
+              <a:ext cx="5246256" cy="654932"/>
+            </a:xfrm>
+            <a:prstGeom prst="rect">
+              <a:avLst/>
+            </a:prstGeom>
+            <a:noFill/>
+            <a:ln>
+              <a:solidFill>
+                <a:srgbClr val="FF0000"/>
+              </a:solidFill>
+            </a:ln>
+          </p:spPr>
+          <p:style>
+            <a:lnRef idx="2">
+              <a:schemeClr val="accent1">
+                <a:shade val="15000"/>
+              </a:schemeClr>
+            </a:lnRef>
+            <a:fillRef idx="1">
+              <a:schemeClr val="accent1"/>
+            </a:fillRef>
+            <a:effectRef idx="0">
+              <a:schemeClr val="accent1"/>
+            </a:effectRef>
+            <a:fontRef idx="minor">
+              <a:schemeClr val="lt1"/>
+            </a:fontRef>
+          </p:style>
+          <p:txBody>
+            <a:bodyPr rtlCol="0" anchor="ctr"/>
+            <a:lstStyle/>
+            <a:p>
+              <a:pPr algn="ctr"/>
+              <a:endParaRPr lang="ko-KR" altLang="en-US"/>
+            </a:p>
+          </p:txBody>
+        </p:sp>
+      </p:grpSp>
     </p:spTree>
     <p:extLst>
       <p:ext uri="{BB962C8B-B14F-4D97-AF65-F5344CB8AC3E}">
@@ -5633,7 +5765,7 @@
         </p:nvGrpSpPr>
         <p:grpSpPr>
           <a:xfrm>
-            <a:off x="4579402" y="1626017"/>
+            <a:off x="4588638" y="1471505"/>
             <a:ext cx="7471954" cy="3914989"/>
             <a:chOff x="247547" y="1893628"/>
             <a:chExt cx="7471954" cy="3914989"/>
@@ -5868,8 +6000,8 @@
         </p:nvSpPr>
         <p:spPr>
           <a:xfrm>
-            <a:off x="595791" y="1262062"/>
-            <a:ext cx="4087045" cy="3263756"/>
+            <a:off x="646545" y="1262062"/>
+            <a:ext cx="4036291" cy="3263756"/>
           </a:xfrm>
           <a:prstGeom prst="rect">
             <a:avLst/>
@@ -6081,7 +6213,15 @@
             </a:pPr>
             <a:r>
               <a:rPr lang="ko-KR" altLang="en-US" dirty="0"/>
-              <a:t>개발 코드 실용성 검증을 하기 위한 테스트 단계</a:t>
+              <a:t>개발 코드 </a:t>
+            </a:r>
+            <a:r>
+              <a:rPr lang="ko-KR" altLang="en-US" b="1" dirty="0"/>
+              <a:t>실용성 검증</a:t>
+            </a:r>
+            <a:r>
+              <a:rPr lang="ko-KR" altLang="en-US" dirty="0"/>
+              <a:t>을 하기 위한 테스트 단계</a:t>
             </a:r>
             <a:endParaRPr lang="en-US" altLang="ko-KR" dirty="0"/>
           </a:p>
@@ -6096,12 +6236,23 @@
               <a:t>코드 커버리지 </a:t>
             </a:r>
             <a:r>
+              <a:rPr lang="en-US" altLang="ko-KR" b="1" dirty="0"/>
+              <a:t>90% </a:t>
+            </a:r>
+            <a:r>
+              <a:rPr lang="ko-KR" altLang="en-US" b="1" dirty="0"/>
+              <a:t>이상</a:t>
+            </a:r>
+            <a:r>
+              <a:rPr lang="ko-KR" altLang="en-US" dirty="0"/>
+              <a:t>을 </a:t>
+            </a:r>
+            <a:br>
               <a:rPr lang="en-US" altLang="ko-KR" dirty="0"/>
-              <a:t>90% </a:t>
-            </a:r>
-            <a:r>
-              <a:rPr lang="ko-KR" altLang="en-US" dirty="0"/>
-              <a:t>이상을 목표로 잡고 개발 수행</a:t>
+            </a:br>
+            <a:r>
+              <a:rPr lang="ko-KR" altLang="en-US" dirty="0"/>
+              <a:t>목표로 개발 진행</a:t>
             </a:r>
             <a:endParaRPr lang="en-US" altLang="ko-KR" dirty="0"/>
           </a:p>
@@ -6197,11 +6348,11 @@
           <a:p>
             <a:r>
               <a:rPr lang="en-US" altLang="ko-KR" dirty="0"/>
-              <a:t>05. SARDIP </a:t>
-            </a:r>
-            <a:r>
-              <a:rPr lang="ko-KR" altLang="en-US" dirty="0"/>
-              <a:t>개발 계획</a:t>
+              <a:t>05. </a:t>
+            </a:r>
+            <a:r>
+              <a:rPr lang="ko-KR" altLang="en-US" dirty="0"/>
+              <a:t>업무성과 및 회고</a:t>
             </a:r>
           </a:p>
         </p:txBody>
@@ -6209,7 +6360,7 @@
     </p:spTree>
     <p:extLst>
       <p:ext uri="{BB962C8B-B14F-4D97-AF65-F5344CB8AC3E}">
-        <p14:creationId xmlns:p14="http://schemas.microsoft.com/office/powerpoint/2010/main" val="2894911022"/>
+        <p14:creationId xmlns:p14="http://schemas.microsoft.com/office/powerpoint/2010/main" val="644535018"/>
       </p:ext>
     </p:extLst>
   </p:cSld>
@@ -6259,12 +6410,9 @@
           <a:p>
             <a:r>
               <a:rPr lang="en-US" altLang="ko-KR" dirty="0"/>
-              <a:t>SARDIP </a:t>
-            </a:r>
-            <a:r>
-              <a:rPr lang="ko-KR" altLang="en-US" dirty="0"/>
-              <a:t>관리자 페이지 개발</a:t>
-            </a:r>
+              <a:t>Lumir Recruiting Interview Manager</a:t>
+            </a:r>
+            <a:endParaRPr lang="ko-KR" altLang="en-US" dirty="0"/>
           </a:p>
         </p:txBody>
       </p:sp>
@@ -6291,11 +6439,11 @@
           <a:p>
             <a:r>
               <a:rPr lang="en-US" altLang="ko-KR" dirty="0"/>
-              <a:t>05. SARDIP </a:t>
-            </a:r>
-            <a:r>
-              <a:rPr lang="ko-KR" altLang="en-US" dirty="0"/>
-              <a:t>개발 계획</a:t>
+              <a:t>05. </a:t>
+            </a:r>
+            <a:r>
+              <a:rPr lang="ko-KR" altLang="en-US" dirty="0"/>
+              <a:t>업무성과 및 회고</a:t>
             </a:r>
           </a:p>
         </p:txBody>
@@ -6323,21 +6471,21 @@
           <a:p>
             <a:r>
               <a:rPr lang="en-US" altLang="ko-KR" dirty="0"/>
-              <a:t>5-1 SARDIP </a:t>
-            </a:r>
-            <a:r>
-              <a:rPr lang="ko-KR" altLang="en-US" dirty="0"/>
-              <a:t>관리자 페이지 개발</a:t>
+              <a:t>5-1 </a:t>
+            </a:r>
+            <a:r>
+              <a:rPr lang="ko-KR" altLang="en-US" dirty="0"/>
+              <a:t>업무성과</a:t>
             </a:r>
           </a:p>
         </p:txBody>
       </p:sp>
       <p:sp>
         <p:nvSpPr>
-          <p:cNvPr id="3" name="내용 개체 틀 2">
-            <a:extLst>
-              <a:ext uri="{FF2B5EF4-FFF2-40B4-BE49-F238E27FC236}">
-                <a16:creationId xmlns:a16="http://schemas.microsoft.com/office/drawing/2014/main" id="{866363DB-2412-C6A2-2A96-2A395CB11303}"/>
+          <p:cNvPr id="9" name="내용 개체 틀 2">
+            <a:extLst>
+              <a:ext uri="{FF2B5EF4-FFF2-40B4-BE49-F238E27FC236}">
+                <a16:creationId xmlns:a16="http://schemas.microsoft.com/office/drawing/2014/main" id="{D623AF50-B88D-F293-A88D-466F0B8EEC30}"/>
               </a:ext>
             </a:extLst>
           </p:cNvPr>
@@ -6349,7 +6497,7 @@
         <p:spPr>
           <a:xfrm>
             <a:off x="595791" y="1262062"/>
-            <a:ext cx="11126308" cy="3263756"/>
+            <a:ext cx="5284874" cy="5046374"/>
           </a:xfrm>
           <a:prstGeom prst="rect">
             <a:avLst/>
@@ -6548,12 +6696,72 @@
               </a:lnSpc>
             </a:pPr>
             <a:r>
+              <a:rPr lang="ko-KR" altLang="en-US" dirty="0"/>
+              <a:t>단위 테스트</a:t>
+            </a:r>
+            <a:endParaRPr lang="en-US" altLang="ko-KR" dirty="0"/>
+          </a:p>
+          <a:p>
+            <a:pPr lvl="1">
+              <a:lnSpc>
+                <a:spcPts val="2600"/>
+              </a:lnSpc>
+            </a:pPr>
+            <a:r>
+              <a:rPr lang="ko-KR" altLang="en-US" dirty="0"/>
+              <a:t>개별 코드 단위의 정확성을 검증</a:t>
+            </a:r>
+            <a:endParaRPr lang="en-US" altLang="ko-KR" dirty="0"/>
+          </a:p>
+          <a:p>
+            <a:pPr lvl="1">
+              <a:lnSpc>
+                <a:spcPts val="2600"/>
+              </a:lnSpc>
+            </a:pPr>
+            <a:r>
+              <a:rPr lang="ko-KR" altLang="en-US" dirty="0"/>
+              <a:t>모의 객체를 생성하여 테스트 케이스에 사용</a:t>
+            </a:r>
+            <a:endParaRPr lang="en-US" altLang="ko-KR" dirty="0"/>
+          </a:p>
+          <a:p>
+            <a:pPr marL="266700" lvl="1" indent="0">
+              <a:lnSpc>
+                <a:spcPts val="2600"/>
+              </a:lnSpc>
+              <a:buNone/>
+            </a:pPr>
+            <a:endParaRPr lang="en-US" altLang="ko-KR" dirty="0"/>
+          </a:p>
+          <a:p>
+            <a:pPr>
+              <a:lnSpc>
+                <a:spcPts val="2600"/>
+              </a:lnSpc>
+            </a:pPr>
+            <a:r>
+              <a:rPr lang="ko-KR" altLang="en-US" dirty="0"/>
+              <a:t>통합 테스트</a:t>
+            </a:r>
+            <a:endParaRPr lang="en-US" altLang="ko-KR" dirty="0"/>
+          </a:p>
+          <a:p>
+            <a:pPr lvl="1">
+              <a:lnSpc>
+                <a:spcPts val="2600"/>
+              </a:lnSpc>
+            </a:pPr>
+            <a:r>
+              <a:rPr lang="ko-KR" altLang="en-US" dirty="0"/>
+              <a:t>서로 다른 모듈이나 서비스가 통합될 때 </a:t>
+            </a:r>
+            <a:br>
               <a:rPr lang="en-US" altLang="ko-KR" dirty="0"/>
-              <a:t> </a:t>
-            </a:r>
-            <a:r>
-              <a:rPr lang="ko-KR" altLang="en-US" dirty="0"/>
-              <a:t>개발 전략</a:t>
+            </a:br>
+            <a:r>
+              <a:rPr lang="ko-KR" altLang="en-US" dirty="0"/>
+              <a:t>전체 흐름 및 데이터 교환의 정확성 검증</a:t>
             </a:r>
             <a:endParaRPr lang="en-US" altLang="ko-KR" dirty="0"/>
           </a:p>
@@ -6564,113 +6772,16 @@
               </a:lnSpc>
             </a:pPr>
             <a:r>
-              <a:rPr lang="ko-KR" altLang="en-US" dirty="0" err="1"/>
-              <a:t>모놀리식</a:t>
-            </a:r>
-            <a:r>
-              <a:rPr lang="ko-KR" altLang="en-US" dirty="0"/>
-              <a:t> 아키텍처를 기반으로 관리자 페이지를 설계</a:t>
-            </a:r>
-            <a:endParaRPr lang="en-US" altLang="ko-KR" dirty="0"/>
-          </a:p>
-          <a:p>
-            <a:pPr lvl="1">
-              <a:lnSpc>
-                <a:spcPts val="2600"/>
-              </a:lnSpc>
-            </a:pPr>
-            <a:r>
+              <a:rPr lang="ko-KR" altLang="en-US" dirty="0"/>
+              <a:t>모듈들이 연동되는 포인트에서 테스트를</a:t>
+            </a:r>
+            <a:br>
               <a:rPr lang="en-US" altLang="ko-KR" dirty="0"/>
-              <a:t>LRIM </a:t>
-            </a:r>
-            <a:r>
-              <a:rPr lang="ko-KR" altLang="en-US" dirty="0"/>
-              <a:t>경험에서 얻은 식별된 리스크를 예방하고 관리</a:t>
-            </a:r>
-            <a:endParaRPr lang="en-US" altLang="ko-KR" dirty="0"/>
-          </a:p>
-          <a:p>
-            <a:pPr lvl="1">
-              <a:lnSpc>
-                <a:spcPts val="2600"/>
-              </a:lnSpc>
-            </a:pPr>
-            <a:endParaRPr lang="en-US" altLang="ko-KR" dirty="0"/>
-          </a:p>
-          <a:p>
-            <a:pPr>
-              <a:lnSpc>
-                <a:spcPts val="2600"/>
-              </a:lnSpc>
-            </a:pPr>
-            <a:r>
-              <a:rPr lang="en-US" altLang="ko-KR" dirty="0"/>
-              <a:t> </a:t>
-            </a:r>
-            <a:r>
-              <a:rPr lang="ko-KR" altLang="en-US" dirty="0"/>
-              <a:t>개발 프로세스 </a:t>
-            </a:r>
-            <a:endParaRPr lang="en-US" altLang="ko-KR" dirty="0"/>
-          </a:p>
-          <a:p>
-            <a:pPr lvl="1">
-              <a:lnSpc>
-                <a:spcPts val="2600"/>
-              </a:lnSpc>
-            </a:pPr>
-            <a:r>
-              <a:rPr lang="ko-KR" altLang="en-US" dirty="0"/>
-              <a:t>지속적인 리뷰와 피드백을 통해 품질을 개선하고 기능을 업데이트</a:t>
-            </a:r>
-            <a:endParaRPr lang="en-US" altLang="ko-KR" dirty="0"/>
-          </a:p>
-          <a:p>
-            <a:pPr lvl="1">
-              <a:lnSpc>
-                <a:spcPts val="2600"/>
-              </a:lnSpc>
-            </a:pPr>
-            <a:r>
-              <a:rPr lang="ko-KR" altLang="en-US" dirty="0"/>
-              <a:t>향후 유지보수와 확장성을 고려해 기능별로 코드를 모듈화</a:t>
-            </a:r>
-            <a:endParaRPr lang="en-US" altLang="ko-KR" dirty="0"/>
-          </a:p>
-          <a:p>
-            <a:pPr lvl="1">
-              <a:lnSpc>
-                <a:spcPts val="2600"/>
-              </a:lnSpc>
-            </a:pPr>
-            <a:r>
-              <a:rPr lang="ko-KR" altLang="en-US" dirty="0"/>
-              <a:t>테스트 </a:t>
-            </a:r>
-            <a:r>
-              <a:rPr lang="ko-KR" altLang="en-US" dirty="0" err="1"/>
-              <a:t>커버리지를</a:t>
-            </a:r>
-            <a:r>
-              <a:rPr lang="ko-KR" altLang="en-US" dirty="0"/>
-              <a:t> </a:t>
-            </a:r>
-            <a:r>
-              <a:rPr lang="en-US" altLang="ko-KR" dirty="0"/>
-              <a:t>90% </a:t>
-            </a:r>
-            <a:r>
-              <a:rPr lang="ko-KR" altLang="en-US" dirty="0"/>
-              <a:t>이상 유지하여 핵심 기능의 신뢰성을 높이고 개발 효율성 극대화</a:t>
-            </a:r>
-            <a:endParaRPr lang="en-US" altLang="ko-KR" dirty="0"/>
-          </a:p>
-          <a:p>
-            <a:pPr lvl="1">
-              <a:lnSpc>
-                <a:spcPts val="2600"/>
-              </a:lnSpc>
-            </a:pPr>
+            </a:br>
+            <a:r>
+              <a:rPr lang="ko-KR" altLang="en-US" dirty="0"/>
+              <a:t>수행하여 인터페이스 간의 상호작용 테스트</a:t>
+            </a:r>
             <a:endParaRPr lang="en-US" altLang="ko-KR" dirty="0"/>
           </a:p>
           <a:p>
@@ -6695,10 +6806,40 @@
           </a:p>
         </p:txBody>
       </p:sp>
+      <p:pic>
+        <p:nvPicPr>
+          <p:cNvPr id="13" name="그림 12">
+            <a:extLst>
+              <a:ext uri="{FF2B5EF4-FFF2-40B4-BE49-F238E27FC236}">
+                <a16:creationId xmlns:a16="http://schemas.microsoft.com/office/drawing/2014/main" id="{AA91C7C8-FF3F-961C-1861-DD9B673A4668}"/>
+              </a:ext>
+            </a:extLst>
+          </p:cNvPr>
+          <p:cNvPicPr>
+            <a:picLocks noChangeAspect="1"/>
+          </p:cNvPicPr>
+          <p:nvPr/>
+        </p:nvPicPr>
+        <p:blipFill>
+          <a:blip r:embed="rId2"/>
+          <a:stretch>
+            <a:fillRect/>
+          </a:stretch>
+        </p:blipFill>
+        <p:spPr>
+          <a:xfrm>
+            <a:off x="6668513" y="1362076"/>
+            <a:ext cx="4643959" cy="1981488"/>
+          </a:xfrm>
+          <a:prstGeom prst="rect">
+            <a:avLst/>
+          </a:prstGeom>
+        </p:spPr>
+      </p:pic>
     </p:spTree>
     <p:extLst>
       <p:ext uri="{BB962C8B-B14F-4D97-AF65-F5344CB8AC3E}">
-        <p14:creationId xmlns:p14="http://schemas.microsoft.com/office/powerpoint/2010/main" val="3458898264"/>
+        <p14:creationId xmlns:p14="http://schemas.microsoft.com/office/powerpoint/2010/main" val="3257761835"/>
       </p:ext>
     </p:extLst>
   </p:cSld>
@@ -6727,212 +6868,537 @@
       </p:grpSpPr>
       <p:sp>
         <p:nvSpPr>
-          <p:cNvPr id="10" name="TextBox 9">
-            <a:extLst>
-              <a:ext uri="{FF2B5EF4-FFF2-40B4-BE49-F238E27FC236}">
-                <a16:creationId xmlns:a16="http://schemas.microsoft.com/office/drawing/2014/main" id="{05032E34-9937-AD9A-D4CF-075AFB7D19F7}"/>
+          <p:cNvPr id="2" name="제목 1">
+            <a:extLst>
+              <a:ext uri="{FF2B5EF4-FFF2-40B4-BE49-F238E27FC236}">
+                <a16:creationId xmlns:a16="http://schemas.microsoft.com/office/drawing/2014/main" id="{18672ECC-5481-83A4-D483-2C6E826E641A}"/>
+              </a:ext>
+            </a:extLst>
+          </p:cNvPr>
+          <p:cNvSpPr>
+            <a:spLocks noGrp="1"/>
+          </p:cNvSpPr>
+          <p:nvPr>
+            <p:ph type="title"/>
+          </p:nvPr>
+        </p:nvSpPr>
+        <p:spPr/>
+        <p:txBody>
+          <a:bodyPr/>
+          <a:lstStyle/>
+          <a:p>
+            <a:r>
+              <a:rPr lang="en-US" altLang="ko-KR" dirty="0"/>
+              <a:t>06. SARDIP </a:t>
+            </a:r>
+            <a:r>
+              <a:rPr lang="ko-KR" altLang="en-US" dirty="0"/>
+              <a:t>개발 계획</a:t>
+            </a:r>
+          </a:p>
+        </p:txBody>
+      </p:sp>
+    </p:spTree>
+    <p:extLst>
+      <p:ext uri="{BB962C8B-B14F-4D97-AF65-F5344CB8AC3E}">
+        <p14:creationId xmlns:p14="http://schemas.microsoft.com/office/powerpoint/2010/main" val="2894911022"/>
+      </p:ext>
+    </p:extLst>
+  </p:cSld>
+  <p:clrMapOvr>
+    <a:masterClrMapping/>
+  </p:clrMapOvr>
+</p:sld>
+</file>
+
+<file path=ppt/slides/slide19.xml><?xml version="1.0" encoding="utf-8"?>
+<p:sld xmlns:a="http://schemas.openxmlformats.org/drawingml/2006/main" xmlns:r="http://schemas.openxmlformats.org/officeDocument/2006/relationships" xmlns:p="http://schemas.openxmlformats.org/presentationml/2006/main">
+  <p:cSld>
+    <p:spTree>
+      <p:nvGrpSpPr>
+        <p:cNvPr id="1" name=""/>
+        <p:cNvGrpSpPr/>
+        <p:nvPr/>
+      </p:nvGrpSpPr>
+      <p:grpSpPr>
+        <a:xfrm>
+          <a:off x="0" y="0"/>
+          <a:ext cx="0" cy="0"/>
+          <a:chOff x="0" y="0"/>
+          <a:chExt cx="0" cy="0"/>
+        </a:xfrm>
+      </p:grpSpPr>
+      <p:sp>
+        <p:nvSpPr>
+          <p:cNvPr id="2" name="제목 1">
+            <a:extLst>
+              <a:ext uri="{FF2B5EF4-FFF2-40B4-BE49-F238E27FC236}">
+                <a16:creationId xmlns:a16="http://schemas.microsoft.com/office/drawing/2014/main" id="{40E988EF-B08A-1B7E-6C67-F009F4F735A5}"/>
+              </a:ext>
+            </a:extLst>
+          </p:cNvPr>
+          <p:cNvSpPr>
+            <a:spLocks noGrp="1"/>
+          </p:cNvSpPr>
+          <p:nvPr>
+            <p:ph type="title"/>
+          </p:nvPr>
+        </p:nvSpPr>
+        <p:spPr/>
+        <p:txBody>
+          <a:bodyPr/>
+          <a:lstStyle/>
+          <a:p>
+            <a:r>
+              <a:rPr lang="en-US" altLang="ko-KR" dirty="0"/>
+              <a:t>SARDIP </a:t>
+            </a:r>
+            <a:r>
+              <a:rPr lang="ko-KR" altLang="en-US" dirty="0"/>
+              <a:t>관리자 전용 서버 개발</a:t>
+            </a:r>
+          </a:p>
+        </p:txBody>
+      </p:sp>
+      <p:sp>
+        <p:nvSpPr>
+          <p:cNvPr id="4" name="텍스트 개체 틀 3">
+            <a:extLst>
+              <a:ext uri="{FF2B5EF4-FFF2-40B4-BE49-F238E27FC236}">
+                <a16:creationId xmlns:a16="http://schemas.microsoft.com/office/drawing/2014/main" id="{A092DFB1-10A2-E7D9-11D1-92CFB29D9CBA}"/>
+              </a:ext>
+            </a:extLst>
+          </p:cNvPr>
+          <p:cNvSpPr>
+            <a:spLocks noGrp="1"/>
+          </p:cNvSpPr>
+          <p:nvPr>
+            <p:ph type="body" sz="quarter" idx="13"/>
+          </p:nvPr>
+        </p:nvSpPr>
+        <p:spPr/>
+        <p:txBody>
+          <a:bodyPr/>
+          <a:lstStyle/>
+          <a:p>
+            <a:r>
+              <a:rPr lang="en-US" altLang="ko-KR" dirty="0"/>
+              <a:t>06. SARDIP </a:t>
+            </a:r>
+            <a:r>
+              <a:rPr lang="ko-KR" altLang="en-US" dirty="0"/>
+              <a:t>개발 계획</a:t>
+            </a:r>
+          </a:p>
+        </p:txBody>
+      </p:sp>
+      <p:sp>
+        <p:nvSpPr>
+          <p:cNvPr id="5" name="텍스트 개체 틀 4">
+            <a:extLst>
+              <a:ext uri="{FF2B5EF4-FFF2-40B4-BE49-F238E27FC236}">
+                <a16:creationId xmlns:a16="http://schemas.microsoft.com/office/drawing/2014/main" id="{A220348D-1DB7-F156-A60C-AFD6F2B5A248}"/>
+              </a:ext>
+            </a:extLst>
+          </p:cNvPr>
+          <p:cNvSpPr>
+            <a:spLocks noGrp="1"/>
+          </p:cNvSpPr>
+          <p:nvPr>
+            <p:ph type="body" sz="quarter" idx="14"/>
+          </p:nvPr>
+        </p:nvSpPr>
+        <p:spPr/>
+        <p:txBody>
+          <a:bodyPr/>
+          <a:lstStyle/>
+          <a:p>
+            <a:r>
+              <a:rPr lang="en-US" altLang="ko-KR" dirty="0"/>
+              <a:t>6-1 SARDIP </a:t>
+            </a:r>
+            <a:r>
+              <a:rPr lang="ko-KR" altLang="en-US" dirty="0"/>
+              <a:t>관리자 전용 서버 개발</a:t>
+            </a:r>
+          </a:p>
+        </p:txBody>
+      </p:sp>
+      <p:sp>
+        <p:nvSpPr>
+          <p:cNvPr id="3" name="내용 개체 틀 2">
+            <a:extLst>
+              <a:ext uri="{FF2B5EF4-FFF2-40B4-BE49-F238E27FC236}">
+                <a16:creationId xmlns:a16="http://schemas.microsoft.com/office/drawing/2014/main" id="{866363DB-2412-C6A2-2A96-2A395CB11303}"/>
               </a:ext>
             </a:extLst>
           </p:cNvPr>
           <p:cNvSpPr txBox="1">
-            <a:spLocks noGrp="1" noRot="1" noMove="1" noResize="1" noEditPoints="1" noAdjustHandles="1" noChangeArrowheads="1" noChangeShapeType="1"/>
+            <a:spLocks/>
           </p:cNvSpPr>
           <p:nvPr/>
         </p:nvSpPr>
         <p:spPr>
           <a:xfrm>
-            <a:off x="670559" y="5665573"/>
-            <a:ext cx="4831772" cy="552267"/>
+            <a:off x="595791" y="1262061"/>
+            <a:ext cx="11126308" cy="3753283"/>
           </a:xfrm>
           <a:prstGeom prst="rect">
             <a:avLst/>
           </a:prstGeom>
-          <a:noFill/>
         </p:spPr>
         <p:txBody>
-          <a:bodyPr wrap="none" rtlCol="0">
-            <a:spAutoFit/>
+          <a:bodyPr vert="horz" lIns="91440" tIns="45720" rIns="91440" bIns="45720" rtlCol="0">
+            <a:noAutofit/>
           </a:bodyPr>
-          <a:lstStyle/>
-          <a:p>
-            <a:pPr>
-              <a:lnSpc>
-                <a:spcPct val="120000"/>
-              </a:lnSpc>
-            </a:pPr>
-            <a:r>
-              <a:rPr lang="ko-KR" altLang="en-US" sz="1300" dirty="0">
-                <a:solidFill>
-                  <a:schemeClr val="bg1"/>
+          <a:lstStyle>
+            <a:lvl1pPr marL="266700" indent="-266700" algn="l" defTabSz="914400" rtl="0" eaLnBrk="1" latinLnBrk="1" hangingPunct="1">
+              <a:lnSpc>
+                <a:spcPct val="90000"/>
+              </a:lnSpc>
+              <a:spcBef>
+                <a:spcPts val="1000"/>
+              </a:spcBef>
+              <a:buClr>
+                <a:srgbClr val="002060"/>
+              </a:buClr>
+              <a:buFont typeface="Pretendard Medium" panose="02000603000000020004" pitchFamily="50" charset="-127"/>
+              <a:buChar char="■"/>
+              <a:defRPr sz="2000" kern="1200">
+                <a:solidFill>
+                  <a:schemeClr val="tx1"/>
                 </a:solidFill>
                 <a:latin typeface="Noto Sans KR Medium" panose="020B0200000000000000" pitchFamily="34" charset="-127"/>
                 <a:ea typeface="Noto Sans KR Medium" panose="020B0200000000000000" pitchFamily="34" charset="-127"/>
                 <a:cs typeface="Pretendard Medium" panose="02000603000000020004" pitchFamily="50" charset="-127"/>
-              </a:rPr>
-              <a:t>경기도 용인시 </a:t>
-            </a:r>
-            <a:r>
-              <a:rPr lang="ko-KR" altLang="en-US" sz="1300" dirty="0" err="1">
-                <a:solidFill>
-                  <a:schemeClr val="bg1"/>
+              </a:defRPr>
+            </a:lvl1pPr>
+            <a:lvl2pPr marL="533400" indent="-266700" algn="l" defTabSz="914400" rtl="0" eaLnBrk="1" latinLnBrk="1" hangingPunct="1">
+              <a:lnSpc>
+                <a:spcPct val="90000"/>
+              </a:lnSpc>
+              <a:spcBef>
+                <a:spcPts val="500"/>
+              </a:spcBef>
+              <a:buClr>
+                <a:srgbClr val="002060"/>
+              </a:buClr>
+              <a:buFont typeface="Wingdings" panose="05000000000000000000" pitchFamily="2" charset="2"/>
+              <a:buChar char="l"/>
+              <a:defRPr sz="1800" kern="1200">
+                <a:solidFill>
+                  <a:schemeClr val="tx1"/>
                 </a:solidFill>
                 <a:latin typeface="Noto Sans KR Medium" panose="020B0200000000000000" pitchFamily="34" charset="-127"/>
                 <a:ea typeface="Noto Sans KR Medium" panose="020B0200000000000000" pitchFamily="34" charset="-127"/>
                 <a:cs typeface="Pretendard Medium" panose="02000603000000020004" pitchFamily="50" charset="-127"/>
-              </a:rPr>
-              <a:t>수지구</a:t>
-            </a:r>
-            <a:r>
-              <a:rPr lang="ko-KR" altLang="en-US" sz="1300" dirty="0">
-                <a:solidFill>
-                  <a:schemeClr val="bg1"/>
+              </a:defRPr>
+            </a:lvl2pPr>
+            <a:lvl3pPr marL="812800" indent="-279400" algn="l" defTabSz="914400" rtl="0" eaLnBrk="1" latinLnBrk="1" hangingPunct="1">
+              <a:lnSpc>
+                <a:spcPct val="90000"/>
+              </a:lnSpc>
+              <a:spcBef>
+                <a:spcPts val="500"/>
+              </a:spcBef>
+              <a:buClr>
+                <a:srgbClr val="002060"/>
+              </a:buClr>
+              <a:buFont typeface="Wingdings" panose="05000000000000000000" pitchFamily="2" charset="2"/>
+              <a:buChar char="§"/>
+              <a:defRPr sz="1600" kern="1200">
+                <a:solidFill>
+                  <a:schemeClr val="tx1"/>
                 </a:solidFill>
                 <a:latin typeface="Noto Sans KR Medium" panose="020B0200000000000000" pitchFamily="34" charset="-127"/>
                 <a:ea typeface="Noto Sans KR Medium" panose="020B0200000000000000" pitchFamily="34" charset="-127"/>
                 <a:cs typeface="Pretendard Medium" panose="02000603000000020004" pitchFamily="50" charset="-127"/>
-              </a:rPr>
-              <a:t> 신수로 </a:t>
-            </a:r>
-            <a:r>
-              <a:rPr lang="en-US" altLang="ko-KR" sz="1300" dirty="0">
-                <a:solidFill>
-                  <a:schemeClr val="bg1"/>
+              </a:defRPr>
+            </a:lvl3pPr>
+            <a:lvl4pPr marL="1074738" indent="-266700" algn="l" defTabSz="914400" rtl="0" eaLnBrk="1" latinLnBrk="1" hangingPunct="1">
+              <a:lnSpc>
+                <a:spcPct val="90000"/>
+              </a:lnSpc>
+              <a:spcBef>
+                <a:spcPts val="500"/>
+              </a:spcBef>
+              <a:buClr>
+                <a:srgbClr val="002060"/>
+              </a:buClr>
+              <a:buFont typeface="Arial" panose="020B0604020202020204" pitchFamily="34" charset="0"/>
+              <a:buChar char="•"/>
+              <a:defRPr sz="1400" kern="1200">
+                <a:solidFill>
+                  <a:schemeClr val="tx1"/>
                 </a:solidFill>
                 <a:latin typeface="Noto Sans KR Medium" panose="020B0200000000000000" pitchFamily="34" charset="-127"/>
                 <a:ea typeface="Noto Sans KR Medium" panose="020B0200000000000000" pitchFamily="34" charset="-127"/>
                 <a:cs typeface="Pretendard Medium" panose="02000603000000020004" pitchFamily="50" charset="-127"/>
-              </a:rPr>
-              <a:t>767, </a:t>
-            </a:r>
-            <a:r>
-              <a:rPr lang="ko-KR" altLang="en-US" sz="1300" dirty="0">
-                <a:solidFill>
-                  <a:schemeClr val="bg1"/>
+              </a:defRPr>
+            </a:lvl4pPr>
+            <a:lvl5pPr marL="1257300" indent="-182563" algn="l" defTabSz="914400" rtl="0" eaLnBrk="1" latinLnBrk="1" hangingPunct="1">
+              <a:lnSpc>
+                <a:spcPct val="90000"/>
+              </a:lnSpc>
+              <a:spcBef>
+                <a:spcPts val="500"/>
+              </a:spcBef>
+              <a:buClr>
+                <a:srgbClr val="002060"/>
+              </a:buClr>
+              <a:buFont typeface="Noto Sans KR Medium" panose="020B0200000000000000" pitchFamily="50" charset="-127"/>
+              <a:buChar char="-"/>
+              <a:defRPr sz="1400" kern="1200">
+                <a:solidFill>
+                  <a:schemeClr val="tx1"/>
                 </a:solidFill>
                 <a:latin typeface="Noto Sans KR Medium" panose="020B0200000000000000" pitchFamily="34" charset="-127"/>
                 <a:ea typeface="Noto Sans KR Medium" panose="020B0200000000000000" pitchFamily="34" charset="-127"/>
                 <a:cs typeface="Pretendard Medium" panose="02000603000000020004" pitchFamily="50" charset="-127"/>
-              </a:rPr>
-              <a:t>분당수지</a:t>
-            </a:r>
-            <a:r>
-              <a:rPr lang="en-US" altLang="ko-KR" sz="1300" dirty="0">
-                <a:solidFill>
-                  <a:schemeClr val="bg1"/>
-                </a:solidFill>
-                <a:latin typeface="Noto Sans KR Medium" panose="020B0200000000000000" pitchFamily="34" charset="-127"/>
-                <a:ea typeface="Noto Sans KR Medium" panose="020B0200000000000000" pitchFamily="34" charset="-127"/>
-                <a:cs typeface="Pretendard Medium" panose="02000603000000020004" pitchFamily="50" charset="-127"/>
-              </a:rPr>
-              <a:t> U-TOWER A</a:t>
-            </a:r>
-            <a:r>
-              <a:rPr lang="ko-KR" altLang="en-US" sz="1300" dirty="0">
-                <a:solidFill>
-                  <a:schemeClr val="bg1"/>
-                </a:solidFill>
-                <a:latin typeface="Noto Sans KR Medium" panose="020B0200000000000000" pitchFamily="34" charset="-127"/>
-                <a:ea typeface="Noto Sans KR Medium" panose="020B0200000000000000" pitchFamily="34" charset="-127"/>
-                <a:cs typeface="Pretendard Medium" panose="02000603000000020004" pitchFamily="50" charset="-127"/>
-              </a:rPr>
-              <a:t>동 </a:t>
-            </a:r>
-            <a:r>
-              <a:rPr lang="en-US" altLang="ko-KR" sz="1300" dirty="0">
-                <a:solidFill>
-                  <a:schemeClr val="bg1"/>
-                </a:solidFill>
-                <a:latin typeface="Noto Sans KR Medium" panose="020B0200000000000000" pitchFamily="34" charset="-127"/>
-                <a:ea typeface="Noto Sans KR Medium" panose="020B0200000000000000" pitchFamily="34" charset="-127"/>
-                <a:cs typeface="Pretendard Medium" panose="02000603000000020004" pitchFamily="50" charset="-127"/>
-              </a:rPr>
-              <a:t>1103</a:t>
-            </a:r>
-            <a:r>
-              <a:rPr lang="ko-KR" altLang="en-US" sz="1300" dirty="0">
-                <a:solidFill>
-                  <a:schemeClr val="bg1"/>
-                </a:solidFill>
-                <a:latin typeface="Noto Sans KR Medium" panose="020B0200000000000000" pitchFamily="34" charset="-127"/>
-                <a:ea typeface="Noto Sans KR Medium" panose="020B0200000000000000" pitchFamily="34" charset="-127"/>
-                <a:cs typeface="Pretendard Medium" panose="02000603000000020004" pitchFamily="50" charset="-127"/>
-              </a:rPr>
-              <a:t>호</a:t>
-            </a:r>
-            <a:endParaRPr lang="en-US" altLang="ko-KR" sz="1300" dirty="0">
-              <a:solidFill>
-                <a:schemeClr val="bg1"/>
-              </a:solidFill>
-              <a:latin typeface="Noto Sans KR Medium" panose="020B0200000000000000" pitchFamily="34" charset="-127"/>
-              <a:ea typeface="Noto Sans KR Medium" panose="020B0200000000000000" pitchFamily="34" charset="-127"/>
-              <a:cs typeface="Pretendard Medium" panose="02000603000000020004" pitchFamily="50" charset="-127"/>
-            </a:endParaRPr>
+              </a:defRPr>
+            </a:lvl5pPr>
+            <a:lvl6pPr marL="2514600" indent="-228600" algn="l" defTabSz="914400" rtl="0" eaLnBrk="1" latinLnBrk="1" hangingPunct="1">
+              <a:lnSpc>
+                <a:spcPct val="90000"/>
+              </a:lnSpc>
+              <a:spcBef>
+                <a:spcPts val="500"/>
+              </a:spcBef>
+              <a:buFont typeface="Arial" panose="020B0604020202020204" pitchFamily="34" charset="0"/>
+              <a:buChar char="•"/>
+              <a:defRPr sz="1800" kern="1200">
+                <a:solidFill>
+                  <a:schemeClr val="tx1"/>
+                </a:solidFill>
+                <a:latin typeface="+mn-lt"/>
+                <a:ea typeface="+mn-ea"/>
+                <a:cs typeface="+mn-cs"/>
+              </a:defRPr>
+            </a:lvl6pPr>
+            <a:lvl7pPr marL="2971800" indent="-228600" algn="l" defTabSz="914400" rtl="0" eaLnBrk="1" latinLnBrk="1" hangingPunct="1">
+              <a:lnSpc>
+                <a:spcPct val="90000"/>
+              </a:lnSpc>
+              <a:spcBef>
+                <a:spcPts val="500"/>
+              </a:spcBef>
+              <a:buFont typeface="Arial" panose="020B0604020202020204" pitchFamily="34" charset="0"/>
+              <a:buChar char="•"/>
+              <a:defRPr sz="1800" kern="1200">
+                <a:solidFill>
+                  <a:schemeClr val="tx1"/>
+                </a:solidFill>
+                <a:latin typeface="+mn-lt"/>
+                <a:ea typeface="+mn-ea"/>
+                <a:cs typeface="+mn-cs"/>
+              </a:defRPr>
+            </a:lvl7pPr>
+            <a:lvl8pPr marL="3429000" indent="-228600" algn="l" defTabSz="914400" rtl="0" eaLnBrk="1" latinLnBrk="1" hangingPunct="1">
+              <a:lnSpc>
+                <a:spcPct val="90000"/>
+              </a:lnSpc>
+              <a:spcBef>
+                <a:spcPts val="500"/>
+              </a:spcBef>
+              <a:buFont typeface="Arial" panose="020B0604020202020204" pitchFamily="34" charset="0"/>
+              <a:buChar char="•"/>
+              <a:defRPr sz="1800" kern="1200">
+                <a:solidFill>
+                  <a:schemeClr val="tx1"/>
+                </a:solidFill>
+                <a:latin typeface="+mn-lt"/>
+                <a:ea typeface="+mn-ea"/>
+                <a:cs typeface="+mn-cs"/>
+              </a:defRPr>
+            </a:lvl8pPr>
+            <a:lvl9pPr marL="3886200" indent="-228600" algn="l" defTabSz="914400" rtl="0" eaLnBrk="1" latinLnBrk="1" hangingPunct="1">
+              <a:lnSpc>
+                <a:spcPct val="90000"/>
+              </a:lnSpc>
+              <a:spcBef>
+                <a:spcPts val="500"/>
+              </a:spcBef>
+              <a:buFont typeface="Arial" panose="020B0604020202020204" pitchFamily="34" charset="0"/>
+              <a:buChar char="•"/>
+              <a:defRPr sz="1800" kern="1200">
+                <a:solidFill>
+                  <a:schemeClr val="tx1"/>
+                </a:solidFill>
+                <a:latin typeface="+mn-lt"/>
+                <a:ea typeface="+mn-ea"/>
+                <a:cs typeface="+mn-cs"/>
+              </a:defRPr>
+            </a:lvl9pPr>
+          </a:lstStyle>
+          <a:p>
+            <a:endParaRPr lang="en-US" altLang="ko-KR" dirty="0"/>
           </a:p>
           <a:p>
             <a:pPr>
               <a:lnSpc>
-                <a:spcPct val="120000"/>
-              </a:lnSpc>
-            </a:pPr>
-            <a:r>
-              <a:rPr lang="en-US" altLang="ko-KR" sz="1300" dirty="0">
-                <a:solidFill>
-                  <a:schemeClr val="bg1"/>
-                </a:solidFill>
-                <a:latin typeface="Noto Sans CJK KR Black" panose="020B0A00000000000000" pitchFamily="34" charset="-127"/>
-                <a:ea typeface="Noto Sans CJK KR Black" panose="020B0A00000000000000" pitchFamily="34" charset="-127"/>
-                <a:cs typeface="Pretendard Black" panose="02000A03000000020004" pitchFamily="50" charset="-127"/>
-              </a:rPr>
-              <a:t>PHONE</a:t>
-            </a:r>
-            <a:r>
-              <a:rPr lang="en-US" altLang="ko-KR" sz="1300" dirty="0">
-                <a:solidFill>
-                  <a:schemeClr val="bg1"/>
-                </a:solidFill>
-                <a:latin typeface="Noto Sans KR Medium" panose="020B0200000000000000" pitchFamily="34" charset="-127"/>
-                <a:ea typeface="Noto Sans KR Medium" panose="020B0200000000000000" pitchFamily="34" charset="-127"/>
-                <a:cs typeface="Pretendard Medium" panose="02000603000000020004" pitchFamily="50" charset="-127"/>
-              </a:rPr>
-              <a:t>  031-525-3800       </a:t>
-            </a:r>
-            <a:r>
-              <a:rPr lang="en-US" altLang="ko-KR" sz="1300" dirty="0">
-                <a:solidFill>
-                  <a:schemeClr val="bg1"/>
-                </a:solidFill>
-                <a:latin typeface="Noto Sans CJK KR Black" panose="020B0A00000000000000" pitchFamily="34" charset="-127"/>
-                <a:ea typeface="Noto Sans CJK KR Black" panose="020B0A00000000000000" pitchFamily="34" charset="-127"/>
-                <a:cs typeface="Pretendard Black" panose="02000A03000000020004" pitchFamily="50" charset="-127"/>
-              </a:rPr>
-              <a:t>FAX</a:t>
-            </a:r>
-            <a:r>
-              <a:rPr lang="en-US" altLang="ko-KR" sz="1300" dirty="0">
-                <a:solidFill>
-                  <a:schemeClr val="bg1"/>
-                </a:solidFill>
-                <a:latin typeface="Noto Sans KR Medium" panose="020B0200000000000000" pitchFamily="34" charset="-127"/>
-                <a:ea typeface="Noto Sans KR Medium" panose="020B0200000000000000" pitchFamily="34" charset="-127"/>
-                <a:cs typeface="Pretendard Medium" panose="02000603000000020004" pitchFamily="50" charset="-127"/>
-              </a:rPr>
-              <a:t>  031-525-3801</a:t>
-            </a:r>
-            <a:endParaRPr lang="ko-KR" altLang="en-US" sz="1300" dirty="0">
-              <a:solidFill>
-                <a:schemeClr val="bg1"/>
-              </a:solidFill>
-              <a:latin typeface="Noto Sans KR Medium" panose="020B0200000000000000" pitchFamily="34" charset="-127"/>
-              <a:ea typeface="Noto Sans KR Medium" panose="020B0200000000000000" pitchFamily="34" charset="-127"/>
-              <a:cs typeface="Pretendard Medium" panose="02000603000000020004" pitchFamily="50" charset="-127"/>
-            </a:endParaRPr>
+                <a:spcPts val="2600"/>
+              </a:lnSpc>
+            </a:pPr>
+            <a:r>
+              <a:rPr lang="en-US" altLang="ko-KR" dirty="0"/>
+              <a:t> </a:t>
+            </a:r>
+            <a:r>
+              <a:rPr lang="ko-KR" altLang="en-US" dirty="0"/>
+              <a:t>개발 전략</a:t>
+            </a:r>
+            <a:endParaRPr lang="en-US" altLang="ko-KR" dirty="0"/>
+          </a:p>
+          <a:p>
+            <a:pPr lvl="1">
+              <a:lnSpc>
+                <a:spcPts val="2600"/>
+              </a:lnSpc>
+            </a:pPr>
+            <a:r>
+              <a:rPr lang="ko-KR" altLang="en-US" b="1" dirty="0" err="1"/>
+              <a:t>모놀리식</a:t>
+            </a:r>
+            <a:r>
+              <a:rPr lang="ko-KR" altLang="en-US" b="1" dirty="0"/>
+              <a:t> 아키텍처</a:t>
+            </a:r>
+            <a:r>
+              <a:rPr lang="ko-KR" altLang="en-US" dirty="0"/>
+              <a:t>를 기반으로 관리자 전용 서버 개발</a:t>
+            </a:r>
+            <a:endParaRPr lang="en-US" altLang="ko-KR" dirty="0"/>
+          </a:p>
+          <a:p>
+            <a:pPr lvl="1">
+              <a:lnSpc>
+                <a:spcPts val="2600"/>
+              </a:lnSpc>
+            </a:pPr>
+            <a:r>
+              <a:rPr lang="en-US" altLang="ko-KR" dirty="0"/>
+              <a:t>LRIM </a:t>
+            </a:r>
+            <a:r>
+              <a:rPr lang="ko-KR" altLang="en-US" dirty="0"/>
+              <a:t>경험에서 얻은 식별된 </a:t>
+            </a:r>
+            <a:r>
+              <a:rPr lang="ko-KR" altLang="en-US" b="1" dirty="0"/>
+              <a:t>리스크를 예방하고 관리</a:t>
+            </a:r>
+            <a:endParaRPr lang="en-US" altLang="ko-KR" b="1" dirty="0"/>
+          </a:p>
+          <a:p>
+            <a:pPr lvl="1">
+              <a:lnSpc>
+                <a:spcPts val="2600"/>
+              </a:lnSpc>
+            </a:pPr>
+            <a:endParaRPr lang="en-US" altLang="ko-KR" dirty="0"/>
+          </a:p>
+          <a:p>
+            <a:pPr>
+              <a:lnSpc>
+                <a:spcPts val="2600"/>
+              </a:lnSpc>
+            </a:pPr>
+            <a:r>
+              <a:rPr lang="en-US" altLang="ko-KR" dirty="0"/>
+              <a:t> </a:t>
+            </a:r>
+            <a:r>
+              <a:rPr lang="ko-KR" altLang="en-US" dirty="0"/>
+              <a:t>개발 프로세스 </a:t>
+            </a:r>
+            <a:endParaRPr lang="en-US" altLang="ko-KR" dirty="0"/>
+          </a:p>
+          <a:p>
+            <a:pPr lvl="1">
+              <a:lnSpc>
+                <a:spcPts val="2600"/>
+              </a:lnSpc>
+            </a:pPr>
+            <a:r>
+              <a:rPr lang="ko-KR" altLang="en-US" dirty="0"/>
+              <a:t>지속적인 코드 리뷰와 피드백을 통해 품질을 개선하여 기능 업데이트를 도모함</a:t>
+            </a:r>
+            <a:endParaRPr lang="en-US" altLang="ko-KR" dirty="0"/>
+          </a:p>
+          <a:p>
+            <a:pPr lvl="1">
+              <a:lnSpc>
+                <a:spcPts val="2600"/>
+              </a:lnSpc>
+            </a:pPr>
+            <a:r>
+              <a:rPr lang="ko-KR" altLang="en-US" dirty="0"/>
+              <a:t>향후 유지보수와 확장성을 고려해 기능별로 코드를 모듈화</a:t>
+            </a:r>
+            <a:endParaRPr lang="en-US" altLang="ko-KR" dirty="0"/>
+          </a:p>
+          <a:p>
+            <a:pPr lvl="1">
+              <a:lnSpc>
+                <a:spcPts val="2600"/>
+              </a:lnSpc>
+            </a:pPr>
+            <a:r>
+              <a:rPr lang="ko-KR" altLang="en-US" dirty="0"/>
+              <a:t>테스트 </a:t>
+            </a:r>
+            <a:r>
+              <a:rPr lang="ko-KR" altLang="en-US" dirty="0" err="1"/>
+              <a:t>커버리지를</a:t>
+            </a:r>
+            <a:r>
+              <a:rPr lang="ko-KR" altLang="en-US" dirty="0"/>
+              <a:t> </a:t>
+            </a:r>
+            <a:r>
+              <a:rPr lang="en-US" altLang="ko-KR" dirty="0"/>
+              <a:t>90% </a:t>
+            </a:r>
+            <a:r>
+              <a:rPr lang="ko-KR" altLang="en-US" dirty="0"/>
+              <a:t>이상 유지하여 핵심 기능의 신뢰성을 높이고 개발 효율성을 극대화</a:t>
+            </a:r>
+            <a:endParaRPr lang="en-US" altLang="ko-KR" dirty="0"/>
+          </a:p>
+          <a:p>
+            <a:pPr lvl="1">
+              <a:lnSpc>
+                <a:spcPts val="2600"/>
+              </a:lnSpc>
+            </a:pPr>
+            <a:endParaRPr lang="en-US" altLang="ko-KR" dirty="0"/>
+          </a:p>
+          <a:p>
+            <a:pPr marL="0" indent="0">
+              <a:lnSpc>
+                <a:spcPts val="2600"/>
+              </a:lnSpc>
+              <a:buNone/>
+            </a:pPr>
+            <a:r>
+              <a:rPr lang="en-US" altLang="ko-KR" dirty="0"/>
+              <a:t> </a:t>
+            </a:r>
+            <a:endParaRPr lang="ko-KR" altLang="en-US" dirty="0"/>
+          </a:p>
+          <a:p>
+            <a:pPr marL="0" indent="0">
+              <a:buFont typeface="Pretendard Medium" panose="02000603000000020004" pitchFamily="50" charset="-127"/>
+              <a:buNone/>
+            </a:pPr>
+            <a:endParaRPr lang="en-US" altLang="ko-KR" dirty="0"/>
           </a:p>
         </p:txBody>
       </p:sp>
     </p:spTree>
     <p:extLst>
       <p:ext uri="{BB962C8B-B14F-4D97-AF65-F5344CB8AC3E}">
-        <p14:creationId xmlns:p14="http://schemas.microsoft.com/office/powerpoint/2010/main" val="2950452290"/>
+        <p14:creationId xmlns:p14="http://schemas.microsoft.com/office/powerpoint/2010/main" val="3458898264"/>
       </p:ext>
     </p:extLst>
   </p:cSld>
@@ -7011,7 +7477,7 @@
           <a:p>
             <a:pPr>
               <a:lnSpc>
-                <a:spcPct val="200000"/>
+                <a:spcPts val="5000"/>
               </a:lnSpc>
             </a:pPr>
             <a:r>
@@ -7027,7 +7493,7 @@
           <a:p>
             <a:pPr>
               <a:lnSpc>
-                <a:spcPct val="200000"/>
+                <a:spcPts val="5000"/>
               </a:lnSpc>
             </a:pPr>
             <a:r>
@@ -7043,7 +7509,7 @@
           <a:p>
             <a:pPr>
               <a:lnSpc>
-                <a:spcPct val="200000"/>
+                <a:spcPts val="5000"/>
               </a:lnSpc>
             </a:pPr>
             <a:r>
@@ -7059,7 +7525,7 @@
           <a:p>
             <a:pPr>
               <a:lnSpc>
-                <a:spcPct val="200000"/>
+                <a:spcPts val="5000"/>
               </a:lnSpc>
             </a:pPr>
             <a:r>
@@ -7075,12 +7541,28 @@
           <a:p>
             <a:pPr>
               <a:lnSpc>
-                <a:spcPct val="200000"/>
+                <a:spcPts val="5000"/>
               </a:lnSpc>
             </a:pPr>
             <a:r>
               <a:rPr lang="en-US" altLang="ko-KR" dirty="0"/>
-              <a:t>05. SARDIP </a:t>
+              <a:t>05. </a:t>
+            </a:r>
+            <a:r>
+              <a:rPr lang="ko-KR" altLang="en-US" dirty="0"/>
+              <a:t>업무성과 및 회고</a:t>
+            </a:r>
+            <a:endParaRPr lang="en-US" altLang="ko-KR" dirty="0"/>
+          </a:p>
+          <a:p>
+            <a:pPr>
+              <a:lnSpc>
+                <a:spcPts val="5000"/>
+              </a:lnSpc>
+            </a:pPr>
+            <a:r>
+              <a:rPr lang="en-US" altLang="ko-KR" dirty="0"/>
+              <a:t>06. SARDIP </a:t>
             </a:r>
             <a:r>
               <a:rPr lang="ko-KR" altLang="en-US" dirty="0"/>
@@ -7104,7 +7586,7 @@
         </p:nvSpPr>
         <p:spPr>
           <a:xfrm>
-            <a:off x="3930020" y="1798909"/>
+            <a:off x="4401075" y="1706584"/>
             <a:ext cx="1749197" cy="326243"/>
           </a:xfrm>
           <a:prstGeom prst="rect">
@@ -7161,7 +7643,7 @@
         </p:nvSpPr>
         <p:spPr>
           <a:xfrm>
-            <a:off x="3930020" y="2616474"/>
+            <a:off x="4401075" y="2435179"/>
             <a:ext cx="2005677" cy="603242"/>
           </a:xfrm>
           <a:prstGeom prst="rect">
@@ -7246,7 +7728,7 @@
         </p:nvSpPr>
         <p:spPr>
           <a:xfrm>
-            <a:off x="3930020" y="3456441"/>
+            <a:off x="4401075" y="3216327"/>
             <a:ext cx="2097049" cy="603242"/>
           </a:xfrm>
           <a:prstGeom prst="rect">
@@ -7353,7 +7835,7 @@
         </p:nvSpPr>
         <p:spPr>
           <a:xfrm>
-            <a:off x="3930020" y="4314280"/>
+            <a:off x="4401075" y="3974629"/>
             <a:ext cx="2165978" cy="603242"/>
           </a:xfrm>
           <a:prstGeom prst="rect">
@@ -7460,8 +7942,8 @@
         </p:nvSpPr>
         <p:spPr>
           <a:xfrm>
-            <a:off x="3930020" y="5205865"/>
-            <a:ext cx="2401619" cy="326243"/>
+            <a:off x="4401075" y="4742375"/>
+            <a:ext cx="1393330" cy="610616"/>
           </a:xfrm>
           <a:prstGeom prst="rect">
             <a:avLst/>
@@ -7482,7 +7964,7 @@
               <a:buAutoNum type="arabicPeriod"/>
             </a:pPr>
             <a:r>
-              <a:rPr lang="en-US" altLang="ko-KR" sz="1200" dirty="0">
+              <a:rPr lang="ko-KR" altLang="en-US" sz="1200" dirty="0">
                 <a:solidFill>
                   <a:schemeClr val="bg1"/>
                 </a:solidFill>
@@ -7490,18 +7972,7 @@
                 <a:ea typeface="Pretendard Medium" panose="02000603000000020004" pitchFamily="50" charset="-127"/>
                 <a:cs typeface="Pretendard Medium" panose="02000603000000020004" pitchFamily="50" charset="-127"/>
               </a:rPr>
-              <a:t>SARDIP </a:t>
-            </a:r>
-            <a:r>
-              <a:rPr lang="ko-KR" altLang="en-US" sz="1200" dirty="0">
-                <a:solidFill>
-                  <a:schemeClr val="bg1"/>
-                </a:solidFill>
-                <a:latin typeface="Pretendard Medium" panose="02000603000000020004" pitchFamily="50" charset="-127"/>
-                <a:ea typeface="Pretendard Medium" panose="02000603000000020004" pitchFamily="50" charset="-127"/>
-                <a:cs typeface="Pretendard Medium" panose="02000603000000020004" pitchFamily="50" charset="-127"/>
-              </a:rPr>
-              <a:t>관리자 페이지 개발</a:t>
+              <a:t>업무 성과</a:t>
             </a:r>
             <a:endParaRPr lang="en-US" altLang="ko-KR" sz="1200" dirty="0">
               <a:solidFill>
@@ -7512,12 +7983,342 @@
               <a:cs typeface="Pretendard Medium" panose="02000603000000020004" pitchFamily="50" charset="-127"/>
             </a:endParaRPr>
           </a:p>
+          <a:p>
+            <a:pPr marL="228600" indent="-228600">
+              <a:lnSpc>
+                <a:spcPct val="150000"/>
+              </a:lnSpc>
+              <a:buFontTx/>
+              <a:buAutoNum type="arabicPeriod"/>
+            </a:pPr>
+            <a:r>
+              <a:rPr lang="ko-KR" altLang="en-US" sz="1200" dirty="0">
+                <a:solidFill>
+                  <a:schemeClr val="bg1"/>
+                </a:solidFill>
+                <a:latin typeface="Pretendard Medium" panose="02000603000000020004" pitchFamily="50" charset="-127"/>
+                <a:ea typeface="Pretendard Medium" panose="02000603000000020004" pitchFamily="50" charset="-127"/>
+                <a:cs typeface="Pretendard Medium" panose="02000603000000020004" pitchFamily="50" charset="-127"/>
+              </a:rPr>
+              <a:t>프로젝트 회고</a:t>
+            </a:r>
+            <a:endParaRPr lang="en-US" altLang="ko-KR" sz="1200" dirty="0">
+              <a:solidFill>
+                <a:schemeClr val="bg1"/>
+              </a:solidFill>
+              <a:latin typeface="Pretendard Medium" panose="02000603000000020004" pitchFamily="50" charset="-127"/>
+              <a:ea typeface="Pretendard Medium" panose="02000603000000020004" pitchFamily="50" charset="-127"/>
+              <a:cs typeface="Pretendard Medium" panose="02000603000000020004" pitchFamily="50" charset="-127"/>
+            </a:endParaRPr>
+          </a:p>
+        </p:txBody>
+      </p:sp>
+      <p:sp>
+        <p:nvSpPr>
+          <p:cNvPr id="5" name="TextBox 4">
+            <a:extLst>
+              <a:ext uri="{FF2B5EF4-FFF2-40B4-BE49-F238E27FC236}">
+                <a16:creationId xmlns:a16="http://schemas.microsoft.com/office/drawing/2014/main" id="{E7CE856C-5192-3925-5021-3E73C7FA6DE0}"/>
+              </a:ext>
+            </a:extLst>
+          </p:cNvPr>
+          <p:cNvSpPr txBox="1"/>
+          <p:nvPr/>
+        </p:nvSpPr>
+        <p:spPr>
+          <a:xfrm>
+            <a:off x="4401075" y="5500677"/>
+            <a:ext cx="2537874" cy="333617"/>
+          </a:xfrm>
+          <a:prstGeom prst="rect">
+            <a:avLst/>
+          </a:prstGeom>
+          <a:noFill/>
+        </p:spPr>
+        <p:txBody>
+          <a:bodyPr wrap="none" rtlCol="0">
+            <a:spAutoFit/>
+          </a:bodyPr>
+          <a:lstStyle/>
+          <a:p>
+            <a:pPr marL="228600" indent="-228600">
+              <a:lnSpc>
+                <a:spcPct val="150000"/>
+              </a:lnSpc>
+              <a:buFontTx/>
+              <a:buAutoNum type="arabicPeriod"/>
+            </a:pPr>
+            <a:r>
+              <a:rPr lang="en-US" altLang="ko-KR" sz="1200" dirty="0">
+                <a:solidFill>
+                  <a:schemeClr val="bg1"/>
+                </a:solidFill>
+                <a:latin typeface="Pretendard Medium" panose="02000603000000020004" pitchFamily="50" charset="-127"/>
+                <a:ea typeface="Pretendard Medium" panose="02000603000000020004" pitchFamily="50" charset="-127"/>
+                <a:cs typeface="Pretendard Medium" panose="02000603000000020004" pitchFamily="50" charset="-127"/>
+              </a:rPr>
+              <a:t>SARDIP </a:t>
+            </a:r>
+            <a:r>
+              <a:rPr lang="ko-KR" altLang="en-US" sz="1200" dirty="0">
+                <a:solidFill>
+                  <a:schemeClr val="bg1"/>
+                </a:solidFill>
+                <a:latin typeface="Pretendard Medium" panose="02000603000000020004" pitchFamily="50" charset="-127"/>
+                <a:ea typeface="Pretendard Medium" panose="02000603000000020004" pitchFamily="50" charset="-127"/>
+                <a:cs typeface="Pretendard Medium" panose="02000603000000020004" pitchFamily="50" charset="-127"/>
+              </a:rPr>
+              <a:t>관리자 전용 서버 개발</a:t>
+            </a:r>
+            <a:endParaRPr lang="en-US" altLang="ko-KR" sz="1200" dirty="0">
+              <a:solidFill>
+                <a:schemeClr val="bg1"/>
+              </a:solidFill>
+              <a:latin typeface="Pretendard Medium" panose="02000603000000020004" pitchFamily="50" charset="-127"/>
+              <a:ea typeface="Pretendard Medium" panose="02000603000000020004" pitchFamily="50" charset="-127"/>
+              <a:cs typeface="Pretendard Medium" panose="02000603000000020004" pitchFamily="50" charset="-127"/>
+            </a:endParaRPr>
+          </a:p>
         </p:txBody>
       </p:sp>
     </p:spTree>
     <p:extLst>
       <p:ext uri="{BB962C8B-B14F-4D97-AF65-F5344CB8AC3E}">
         <p14:creationId xmlns:p14="http://schemas.microsoft.com/office/powerpoint/2010/main" val="2070403085"/>
+      </p:ext>
+    </p:extLst>
+  </p:cSld>
+  <p:clrMapOvr>
+    <a:masterClrMapping/>
+  </p:clrMapOvr>
+</p:sld>
+</file>
+
+<file path=ppt/slides/slide20.xml><?xml version="1.0" encoding="utf-8"?>
+<p:sld xmlns:a="http://schemas.openxmlformats.org/drawingml/2006/main" xmlns:r="http://schemas.openxmlformats.org/officeDocument/2006/relationships" xmlns:p="http://schemas.openxmlformats.org/presentationml/2006/main">
+  <p:cSld>
+    <p:spTree>
+      <p:nvGrpSpPr>
+        <p:cNvPr id="1" name=""/>
+        <p:cNvGrpSpPr/>
+        <p:nvPr/>
+      </p:nvGrpSpPr>
+      <p:grpSpPr>
+        <a:xfrm>
+          <a:off x="0" y="0"/>
+          <a:ext cx="0" cy="0"/>
+          <a:chOff x="0" y="0"/>
+          <a:chExt cx="0" cy="0"/>
+        </a:xfrm>
+      </p:grpSpPr>
+      <p:sp>
+        <p:nvSpPr>
+          <p:cNvPr id="10" name="TextBox 9">
+            <a:extLst>
+              <a:ext uri="{FF2B5EF4-FFF2-40B4-BE49-F238E27FC236}">
+                <a16:creationId xmlns:a16="http://schemas.microsoft.com/office/drawing/2014/main" id="{05032E34-9937-AD9A-D4CF-075AFB7D19F7}"/>
+              </a:ext>
+            </a:extLst>
+          </p:cNvPr>
+          <p:cNvSpPr txBox="1">
+            <a:spLocks noGrp="1" noRot="1" noMove="1" noResize="1" noEditPoints="1" noAdjustHandles="1" noChangeArrowheads="1" noChangeShapeType="1"/>
+          </p:cNvSpPr>
+          <p:nvPr/>
+        </p:nvSpPr>
+        <p:spPr>
+          <a:xfrm>
+            <a:off x="670559" y="5665573"/>
+            <a:ext cx="4831772" cy="552267"/>
+          </a:xfrm>
+          <a:prstGeom prst="rect">
+            <a:avLst/>
+          </a:prstGeom>
+          <a:noFill/>
+        </p:spPr>
+        <p:txBody>
+          <a:bodyPr wrap="none" rtlCol="0">
+            <a:spAutoFit/>
+          </a:bodyPr>
+          <a:lstStyle/>
+          <a:p>
+            <a:pPr>
+              <a:lnSpc>
+                <a:spcPct val="120000"/>
+              </a:lnSpc>
+            </a:pPr>
+            <a:r>
+              <a:rPr lang="ko-KR" altLang="en-US" sz="1300" dirty="0">
+                <a:solidFill>
+                  <a:schemeClr val="bg1"/>
+                </a:solidFill>
+                <a:latin typeface="Noto Sans KR Medium" panose="020B0200000000000000" pitchFamily="34" charset="-127"/>
+                <a:ea typeface="Noto Sans KR Medium" panose="020B0200000000000000" pitchFamily="34" charset="-127"/>
+                <a:cs typeface="Pretendard Medium" panose="02000603000000020004" pitchFamily="50" charset="-127"/>
+              </a:rPr>
+              <a:t>경기도 용인시 </a:t>
+            </a:r>
+            <a:r>
+              <a:rPr lang="ko-KR" altLang="en-US" sz="1300" dirty="0" err="1">
+                <a:solidFill>
+                  <a:schemeClr val="bg1"/>
+                </a:solidFill>
+                <a:latin typeface="Noto Sans KR Medium" panose="020B0200000000000000" pitchFamily="34" charset="-127"/>
+                <a:ea typeface="Noto Sans KR Medium" panose="020B0200000000000000" pitchFamily="34" charset="-127"/>
+                <a:cs typeface="Pretendard Medium" panose="02000603000000020004" pitchFamily="50" charset="-127"/>
+              </a:rPr>
+              <a:t>수지구</a:t>
+            </a:r>
+            <a:r>
+              <a:rPr lang="ko-KR" altLang="en-US" sz="1300" dirty="0">
+                <a:solidFill>
+                  <a:schemeClr val="bg1"/>
+                </a:solidFill>
+                <a:latin typeface="Noto Sans KR Medium" panose="020B0200000000000000" pitchFamily="34" charset="-127"/>
+                <a:ea typeface="Noto Sans KR Medium" panose="020B0200000000000000" pitchFamily="34" charset="-127"/>
+                <a:cs typeface="Pretendard Medium" panose="02000603000000020004" pitchFamily="50" charset="-127"/>
+              </a:rPr>
+              <a:t> 신수로 </a:t>
+            </a:r>
+            <a:r>
+              <a:rPr lang="en-US" altLang="ko-KR" sz="1300" dirty="0">
+                <a:solidFill>
+                  <a:schemeClr val="bg1"/>
+                </a:solidFill>
+                <a:latin typeface="Noto Sans KR Medium" panose="020B0200000000000000" pitchFamily="34" charset="-127"/>
+                <a:ea typeface="Noto Sans KR Medium" panose="020B0200000000000000" pitchFamily="34" charset="-127"/>
+                <a:cs typeface="Pretendard Medium" panose="02000603000000020004" pitchFamily="50" charset="-127"/>
+              </a:rPr>
+              <a:t>767, </a:t>
+            </a:r>
+            <a:r>
+              <a:rPr lang="ko-KR" altLang="en-US" sz="1300" dirty="0">
+                <a:solidFill>
+                  <a:schemeClr val="bg1"/>
+                </a:solidFill>
+                <a:latin typeface="Noto Sans KR Medium" panose="020B0200000000000000" pitchFamily="34" charset="-127"/>
+                <a:ea typeface="Noto Sans KR Medium" panose="020B0200000000000000" pitchFamily="34" charset="-127"/>
+                <a:cs typeface="Pretendard Medium" panose="02000603000000020004" pitchFamily="50" charset="-127"/>
+              </a:rPr>
+              <a:t>분당수지</a:t>
+            </a:r>
+            <a:r>
+              <a:rPr lang="en-US" altLang="ko-KR" sz="1300" dirty="0">
+                <a:solidFill>
+                  <a:schemeClr val="bg1"/>
+                </a:solidFill>
+                <a:latin typeface="Noto Sans KR Medium" panose="020B0200000000000000" pitchFamily="34" charset="-127"/>
+                <a:ea typeface="Noto Sans KR Medium" panose="020B0200000000000000" pitchFamily="34" charset="-127"/>
+                <a:cs typeface="Pretendard Medium" panose="02000603000000020004" pitchFamily="50" charset="-127"/>
+              </a:rPr>
+              <a:t> U-TOWER A</a:t>
+            </a:r>
+            <a:r>
+              <a:rPr lang="ko-KR" altLang="en-US" sz="1300" dirty="0">
+                <a:solidFill>
+                  <a:schemeClr val="bg1"/>
+                </a:solidFill>
+                <a:latin typeface="Noto Sans KR Medium" panose="020B0200000000000000" pitchFamily="34" charset="-127"/>
+                <a:ea typeface="Noto Sans KR Medium" panose="020B0200000000000000" pitchFamily="34" charset="-127"/>
+                <a:cs typeface="Pretendard Medium" panose="02000603000000020004" pitchFamily="50" charset="-127"/>
+              </a:rPr>
+              <a:t>동 </a:t>
+            </a:r>
+            <a:r>
+              <a:rPr lang="en-US" altLang="ko-KR" sz="1300" dirty="0">
+                <a:solidFill>
+                  <a:schemeClr val="bg1"/>
+                </a:solidFill>
+                <a:latin typeface="Noto Sans KR Medium" panose="020B0200000000000000" pitchFamily="34" charset="-127"/>
+                <a:ea typeface="Noto Sans KR Medium" panose="020B0200000000000000" pitchFamily="34" charset="-127"/>
+                <a:cs typeface="Pretendard Medium" panose="02000603000000020004" pitchFamily="50" charset="-127"/>
+              </a:rPr>
+              <a:t>1103</a:t>
+            </a:r>
+            <a:r>
+              <a:rPr lang="ko-KR" altLang="en-US" sz="1300" dirty="0">
+                <a:solidFill>
+                  <a:schemeClr val="bg1"/>
+                </a:solidFill>
+                <a:latin typeface="Noto Sans KR Medium" panose="020B0200000000000000" pitchFamily="34" charset="-127"/>
+                <a:ea typeface="Noto Sans KR Medium" panose="020B0200000000000000" pitchFamily="34" charset="-127"/>
+                <a:cs typeface="Pretendard Medium" panose="02000603000000020004" pitchFamily="50" charset="-127"/>
+              </a:rPr>
+              <a:t>호</a:t>
+            </a:r>
+            <a:endParaRPr lang="en-US" altLang="ko-KR" sz="1300" dirty="0">
+              <a:solidFill>
+                <a:schemeClr val="bg1"/>
+              </a:solidFill>
+              <a:latin typeface="Noto Sans KR Medium" panose="020B0200000000000000" pitchFamily="34" charset="-127"/>
+              <a:ea typeface="Noto Sans KR Medium" panose="020B0200000000000000" pitchFamily="34" charset="-127"/>
+              <a:cs typeface="Pretendard Medium" panose="02000603000000020004" pitchFamily="50" charset="-127"/>
+            </a:endParaRPr>
+          </a:p>
+          <a:p>
+            <a:pPr>
+              <a:lnSpc>
+                <a:spcPct val="120000"/>
+              </a:lnSpc>
+            </a:pPr>
+            <a:r>
+              <a:rPr lang="en-US" altLang="ko-KR" sz="1300" dirty="0">
+                <a:solidFill>
+                  <a:schemeClr val="bg1"/>
+                </a:solidFill>
+                <a:latin typeface="Noto Sans CJK KR Black" panose="020B0A00000000000000" pitchFamily="34" charset="-127"/>
+                <a:ea typeface="Noto Sans CJK KR Black" panose="020B0A00000000000000" pitchFamily="34" charset="-127"/>
+                <a:cs typeface="Pretendard Black" panose="02000A03000000020004" pitchFamily="50" charset="-127"/>
+              </a:rPr>
+              <a:t>PHONE</a:t>
+            </a:r>
+            <a:r>
+              <a:rPr lang="en-US" altLang="ko-KR" sz="1300" dirty="0">
+                <a:solidFill>
+                  <a:schemeClr val="bg1"/>
+                </a:solidFill>
+                <a:latin typeface="Noto Sans KR Medium" panose="020B0200000000000000" pitchFamily="34" charset="-127"/>
+                <a:ea typeface="Noto Sans KR Medium" panose="020B0200000000000000" pitchFamily="34" charset="-127"/>
+                <a:cs typeface="Pretendard Medium" panose="02000603000000020004" pitchFamily="50" charset="-127"/>
+              </a:rPr>
+              <a:t>  031-525-3800       </a:t>
+            </a:r>
+            <a:r>
+              <a:rPr lang="en-US" altLang="ko-KR" sz="1300" dirty="0">
+                <a:solidFill>
+                  <a:schemeClr val="bg1"/>
+                </a:solidFill>
+                <a:latin typeface="Noto Sans CJK KR Black" panose="020B0A00000000000000" pitchFamily="34" charset="-127"/>
+                <a:ea typeface="Noto Sans CJK KR Black" panose="020B0A00000000000000" pitchFamily="34" charset="-127"/>
+                <a:cs typeface="Pretendard Black" panose="02000A03000000020004" pitchFamily="50" charset="-127"/>
+              </a:rPr>
+              <a:t>FAX</a:t>
+            </a:r>
+            <a:r>
+              <a:rPr lang="en-US" altLang="ko-KR" sz="1300" dirty="0">
+                <a:solidFill>
+                  <a:schemeClr val="bg1"/>
+                </a:solidFill>
+                <a:latin typeface="Noto Sans KR Medium" panose="020B0200000000000000" pitchFamily="34" charset="-127"/>
+                <a:ea typeface="Noto Sans KR Medium" panose="020B0200000000000000" pitchFamily="34" charset="-127"/>
+                <a:cs typeface="Pretendard Medium" panose="02000603000000020004" pitchFamily="50" charset="-127"/>
+              </a:rPr>
+              <a:t>  031-525-3801</a:t>
+            </a:r>
+            <a:endParaRPr lang="ko-KR" altLang="en-US" sz="1300" dirty="0">
+              <a:solidFill>
+                <a:schemeClr val="bg1"/>
+              </a:solidFill>
+              <a:latin typeface="Noto Sans KR Medium" panose="020B0200000000000000" pitchFamily="34" charset="-127"/>
+              <a:ea typeface="Noto Sans KR Medium" panose="020B0200000000000000" pitchFamily="34" charset="-127"/>
+              <a:cs typeface="Pretendard Medium" panose="02000603000000020004" pitchFamily="50" charset="-127"/>
+            </a:endParaRPr>
+          </a:p>
+        </p:txBody>
+      </p:sp>
+    </p:spTree>
+    <p:extLst>
+      <p:ext uri="{BB962C8B-B14F-4D97-AF65-F5344CB8AC3E}">
+        <p14:creationId xmlns:p14="http://schemas.microsoft.com/office/powerpoint/2010/main" val="2950452290"/>
       </p:ext>
     </p:extLst>
   </p:cSld>
@@ -7629,7 +8430,7 @@
           <a:p>
             <a:r>
               <a:rPr lang="ko-KR" altLang="en-US" dirty="0"/>
-              <a:t>프로젝트 개요</a:t>
+              <a:t>프로젝트 진행 배경</a:t>
             </a:r>
           </a:p>
         </p:txBody>
@@ -7717,7 +8518,7 @@
             </a:pPr>
             <a:r>
               <a:rPr lang="ko-KR" altLang="en-US" dirty="0"/>
-              <a:t>데이터 </a:t>
+              <a:t>채용 데이터 </a:t>
             </a:r>
             <a:r>
               <a:rPr lang="ko-KR" altLang="en-US" b="1" dirty="0"/>
@@ -7749,9 +8550,13 @@
             </a:r>
             <a:r>
               <a:rPr lang="ko-KR" altLang="en-US" b="1" dirty="0"/>
-              <a:t>비효율</a:t>
-            </a:r>
-            <a:endParaRPr lang="en-US" altLang="ko-KR" b="1" dirty="0"/>
+              <a:t>비효율 </a:t>
+            </a:r>
+            <a:r>
+              <a:rPr lang="ko-KR" altLang="en-US" dirty="0"/>
+              <a:t>발생</a:t>
+            </a:r>
+            <a:endParaRPr lang="en-US" altLang="ko-KR" dirty="0"/>
           </a:p>
           <a:p>
             <a:pPr>
@@ -7824,8 +8629,9 @@
             </a:r>
             <a:r>
               <a:rPr lang="ko-KR" altLang="en-US" b="1" dirty="0"/>
-              <a:t>역량 증가</a:t>
-            </a:r>
+              <a:t>역량 증진</a:t>
+            </a:r>
+            <a:endParaRPr lang="ko-KR" altLang="en-US" dirty="0"/>
           </a:p>
         </p:txBody>
       </p:sp>
@@ -7888,7 +8694,7 @@
             </a:r>
             <a:r>
               <a:rPr lang="ko-KR" altLang="en-US" dirty="0"/>
-              <a:t>프로젝트 개요</a:t>
+              <a:t>프로젝트 진행 배경</a:t>
             </a:r>
           </a:p>
         </p:txBody>
@@ -8480,7 +9286,7 @@
             </a:pPr>
             <a:r>
               <a:rPr lang="ko-KR" altLang="en-US" dirty="0"/>
-              <a:t>획일화된 채용 프로세스 관리 방안 제시</a:t>
+              <a:t>일관된 채용 프로세스 관리 방안 제시</a:t>
             </a:r>
             <a:endParaRPr lang="en-US" altLang="ko-KR" dirty="0"/>
           </a:p>
@@ -8799,7 +9605,7 @@
             </a:r>
             <a:r>
               <a:rPr lang="en-US" altLang="ko-KR" dirty="0"/>
-              <a:t>(Express)</a:t>
+              <a:t>(Express.js)</a:t>
             </a:r>
             <a:r>
               <a:rPr lang="ko-KR" altLang="en-US" dirty="0"/>
@@ -8898,7 +9704,7 @@
             </a:pPr>
             <a:r>
               <a:rPr lang="en-US" altLang="ko-KR" dirty="0"/>
-              <a:t>Express </a:t>
+              <a:t>Express.js </a:t>
             </a:r>
             <a:r>
               <a:rPr lang="ko-KR" altLang="en-US" dirty="0"/>

--- a/기술 7부 김민수 성과 발표.pptx
+++ b/기술 7부 김민수 성과 발표.pptx
@@ -6719,10 +6719,6 @@
                 <a:spcPts val="2600"/>
               </a:lnSpc>
             </a:pPr>
-            <a:r>
-              <a:rPr lang="ko-KR" altLang="en-US" dirty="0"/>
-              <a:t>모의 객체를 생성하여 테스트 케이스에 사용</a:t>
-            </a:r>
             <a:endParaRPr lang="en-US" altLang="ko-KR" dirty="0"/>
           </a:p>
           <a:p>

--- a/기술 7부 김민수 성과 발표.pptx
+++ b/기술 7부 김민수 성과 발표.pptx
@@ -5,7 +5,7 @@
     <p:sldMasterId id="2147483648" r:id="rId1"/>
   </p:sldMasterIdLst>
   <p:notesMasterIdLst>
-    <p:notesMasterId r:id="rId22"/>
+    <p:notesMasterId r:id="rId23"/>
   </p:notesMasterIdLst>
   <p:sldIdLst>
     <p:sldId id="268" r:id="rId2"/>
@@ -25,9 +25,10 @@
     <p:sldId id="299" r:id="rId16"/>
     <p:sldId id="304" r:id="rId17"/>
     <p:sldId id="305" r:id="rId18"/>
-    <p:sldId id="298" r:id="rId19"/>
-    <p:sldId id="303" r:id="rId20"/>
-    <p:sldId id="267" r:id="rId21"/>
+    <p:sldId id="306" r:id="rId19"/>
+    <p:sldId id="298" r:id="rId20"/>
+    <p:sldId id="303" r:id="rId21"/>
+    <p:sldId id="267" r:id="rId22"/>
   </p:sldIdLst>
   <p:sldSz cx="12192000" cy="6858000"/>
   <p:notesSz cx="6858000" cy="9144000"/>
@@ -233,7 +234,7 @@
           <a:p>
             <a:fld id="{A9B43A4F-567D-4F7C-942E-028A75CA9E8A}" type="datetimeFigureOut">
               <a:rPr lang="ko-KR" altLang="en-US" smtClean="0"/>
-              <a:t>2024-04-26</a:t>
+              <a:t>2024-04-27</a:t>
             </a:fld>
             <a:endParaRPr lang="ko-KR" altLang="en-US"/>
           </a:p>
@@ -6409,10 +6410,9 @@
           <a:lstStyle/>
           <a:p>
             <a:r>
-              <a:rPr lang="en-US" altLang="ko-KR" dirty="0"/>
-              <a:t>Lumir Recruiting Interview Manager</a:t>
-            </a:r>
-            <a:endParaRPr lang="ko-KR" altLang="en-US" dirty="0"/>
+              <a:rPr lang="ko-KR" altLang="en-US" dirty="0"/>
+              <a:t>업무성과</a:t>
+            </a:r>
           </a:p>
         </p:txBody>
       </p:sp>
@@ -6687,17 +6687,78 @@
             </a:lvl9pPr>
           </a:lstStyle>
           <a:p>
+            <a:pPr>
+              <a:lnSpc>
+                <a:spcPts val="2600"/>
+              </a:lnSpc>
+            </a:pPr>
+            <a:r>
+              <a:rPr lang="en-US" altLang="ko-KR" dirty="0"/>
+              <a:t>LRIM </a:t>
+            </a:r>
+          </a:p>
+          <a:p>
+            <a:pPr lvl="1">
+              <a:lnSpc>
+                <a:spcPts val="2600"/>
+              </a:lnSpc>
+            </a:pPr>
+            <a:r>
+              <a:rPr lang="ko-KR" altLang="en-US" dirty="0"/>
+              <a:t>경영지원팀 업무 효율성 향상</a:t>
+            </a:r>
+            <a:r>
+              <a:rPr lang="en-US" altLang="ko-KR" dirty="0"/>
+              <a:t> : </a:t>
+            </a:r>
+            <a:r>
+              <a:rPr lang="ko-KR" altLang="en-US" dirty="0"/>
+              <a:t>지원자 직접 지원 시 서버에 자동 저장되어 수동 분류 및 입력 작업 최소화</a:t>
+            </a:r>
             <a:endParaRPr lang="en-US" altLang="ko-KR" dirty="0"/>
           </a:p>
           <a:p>
+            <a:pPr lvl="1">
+              <a:lnSpc>
+                <a:spcPts val="2600"/>
+              </a:lnSpc>
+            </a:pPr>
+            <a:r>
+              <a:rPr lang="ko-KR" altLang="en-US" dirty="0"/>
+              <a:t>실시간 알람 기능 </a:t>
+            </a:r>
+            <a:r>
+              <a:rPr lang="en-US" altLang="ko-KR" dirty="0"/>
+              <a:t>: </a:t>
+            </a:r>
+            <a:r>
+              <a:rPr lang="ko-KR" altLang="en-US" dirty="0"/>
+              <a:t>이벤트 알람 시스템을 통해 빠른 대응 및 업무 스케줄 관리 용이 </a:t>
+            </a:r>
+            <a:endParaRPr lang="en-US" altLang="ko-KR" dirty="0"/>
+          </a:p>
+          <a:p>
+            <a:pPr marL="266700" lvl="1" indent="0">
+              <a:lnSpc>
+                <a:spcPts val="2600"/>
+              </a:lnSpc>
+              <a:buNone/>
+            </a:pPr>
+            <a:endParaRPr lang="en-US" altLang="ko-KR" dirty="0"/>
+          </a:p>
+          <a:p>
             <a:pPr>
               <a:lnSpc>
                 <a:spcPts val="2600"/>
               </a:lnSpc>
             </a:pPr>
             <a:r>
-              <a:rPr lang="ko-KR" altLang="en-US" dirty="0"/>
-              <a:t>단위 테스트</a:t>
+              <a:rPr lang="en-US" altLang="ko-KR" dirty="0"/>
+              <a:t>GitLab CI/CD </a:t>
+            </a:r>
+            <a:r>
+              <a:rPr lang="ko-KR" altLang="en-US" dirty="0"/>
+              <a:t>워크플로우</a:t>
             </a:r>
             <a:endParaRPr lang="en-US" altLang="ko-KR" dirty="0"/>
           </a:p>
@@ -6709,7 +6770,39 @@
             </a:pPr>
             <a:r>
               <a:rPr lang="ko-KR" altLang="en-US" dirty="0"/>
-              <a:t>개별 코드 단위의 정확성을 검증</a:t>
+              <a:t>코드의 </a:t>
+            </a:r>
+            <a:r>
+              <a:rPr lang="ko-KR" altLang="en-US" dirty="0" err="1"/>
+              <a:t>커밋부터</a:t>
+            </a:r>
+            <a:r>
+              <a:rPr lang="ko-KR" altLang="en-US" dirty="0"/>
+              <a:t> 자동 빌드</a:t>
+            </a:r>
+            <a:r>
+              <a:rPr lang="en-US" altLang="ko-KR" dirty="0"/>
+              <a:t>, </a:t>
+            </a:r>
+            <a:r>
+              <a:rPr lang="ko-KR" altLang="en-US" dirty="0"/>
+              <a:t>테스트</a:t>
+            </a:r>
+            <a:r>
+              <a:rPr lang="en-US" altLang="ko-KR" dirty="0"/>
+              <a:t>, </a:t>
+            </a:r>
+            <a:r>
+              <a:rPr lang="ko-KR" altLang="en-US" dirty="0"/>
+              <a:t>병합</a:t>
+            </a:r>
+            <a:r>
+              <a:rPr lang="en-US" altLang="ko-KR" dirty="0"/>
+              <a:t>, </a:t>
+            </a:r>
+            <a:r>
+              <a:rPr lang="ko-KR" altLang="en-US" dirty="0"/>
+              <a:t>배포까지의 전 과정을 자동화</a:t>
             </a:r>
             <a:endParaRPr lang="en-US" altLang="ko-KR" dirty="0"/>
           </a:p>
@@ -6719,64 +6812,9 @@
                 <a:spcPts val="2600"/>
               </a:lnSpc>
             </a:pPr>
-            <a:endParaRPr lang="en-US" altLang="ko-KR" dirty="0"/>
-          </a:p>
-          <a:p>
-            <a:pPr marL="266700" lvl="1" indent="0">
-              <a:lnSpc>
-                <a:spcPts val="2600"/>
-              </a:lnSpc>
-              <a:buNone/>
-            </a:pPr>
-            <a:endParaRPr lang="en-US" altLang="ko-KR" dirty="0"/>
-          </a:p>
-          <a:p>
-            <a:pPr>
-              <a:lnSpc>
-                <a:spcPts val="2600"/>
-              </a:lnSpc>
-            </a:pPr>
-            <a:r>
-              <a:rPr lang="ko-KR" altLang="en-US" dirty="0"/>
-              <a:t>통합 테스트</a:t>
-            </a:r>
-            <a:endParaRPr lang="en-US" altLang="ko-KR" dirty="0"/>
-          </a:p>
-          <a:p>
-            <a:pPr lvl="1">
-              <a:lnSpc>
-                <a:spcPts val="2600"/>
-              </a:lnSpc>
-            </a:pPr>
-            <a:r>
-              <a:rPr lang="ko-KR" altLang="en-US" dirty="0"/>
-              <a:t>서로 다른 모듈이나 서비스가 통합될 때 </a:t>
-            </a:r>
-            <a:br>
-              <a:rPr lang="en-US" altLang="ko-KR" dirty="0"/>
-            </a:br>
-            <a:r>
-              <a:rPr lang="ko-KR" altLang="en-US" dirty="0"/>
-              <a:t>전체 흐름 및 데이터 교환의 정확성 검증</a:t>
-            </a:r>
-            <a:endParaRPr lang="en-US" altLang="ko-KR" dirty="0"/>
-          </a:p>
-          <a:p>
-            <a:pPr lvl="1">
-              <a:lnSpc>
-                <a:spcPts val="2600"/>
-              </a:lnSpc>
-            </a:pPr>
-            <a:r>
-              <a:rPr lang="ko-KR" altLang="en-US" dirty="0"/>
-              <a:t>모듈들이 연동되는 포인트에서 테스트를</a:t>
-            </a:r>
-            <a:br>
-              <a:rPr lang="en-US" altLang="ko-KR" dirty="0"/>
-            </a:br>
-            <a:r>
-              <a:rPr lang="ko-KR" altLang="en-US" dirty="0"/>
-              <a:t>수행하여 인터페이스 간의 상호작용 테스트</a:t>
+            <a:r>
+              <a:rPr lang="ko-KR" altLang="en-US" dirty="0"/>
+              <a:t>테스트 과정에서 발견하지 못한 오류에 대해 빠른 해결 가능</a:t>
             </a:r>
             <a:endParaRPr lang="en-US" altLang="ko-KR" dirty="0"/>
           </a:p>
@@ -6824,8 +6862,38 @@
         </p:blipFill>
         <p:spPr>
           <a:xfrm>
-            <a:off x="6668513" y="1362076"/>
-            <a:ext cx="4643959" cy="1981488"/>
+            <a:off x="6668514" y="1362076"/>
+            <a:ext cx="4232666" cy="1805997"/>
+          </a:xfrm>
+          <a:prstGeom prst="rect">
+            <a:avLst/>
+          </a:prstGeom>
+        </p:spPr>
+      </p:pic>
+      <p:pic>
+        <p:nvPicPr>
+          <p:cNvPr id="8" name="그림 7">
+            <a:extLst>
+              <a:ext uri="{FF2B5EF4-FFF2-40B4-BE49-F238E27FC236}">
+                <a16:creationId xmlns:a16="http://schemas.microsoft.com/office/drawing/2014/main" id="{726ACB27-B4E8-6694-E1B9-2402379473E7}"/>
+              </a:ext>
+            </a:extLst>
+          </p:cNvPr>
+          <p:cNvPicPr>
+            <a:picLocks noChangeAspect="1"/>
+          </p:cNvPicPr>
+          <p:nvPr/>
+        </p:nvPicPr>
+        <p:blipFill>
+          <a:blip r:embed="rId3"/>
+          <a:stretch>
+            <a:fillRect/>
+          </a:stretch>
+        </p:blipFill>
+        <p:spPr>
+          <a:xfrm>
+            <a:off x="7084150" y="3258199"/>
+            <a:ext cx="3905539" cy="3050237"/>
           </a:xfrm>
           <a:prstGeom prst="rect">
             <a:avLst/>
@@ -6867,7 +6935,7 @@
           <p:cNvPr id="2" name="제목 1">
             <a:extLst>
               <a:ext uri="{FF2B5EF4-FFF2-40B4-BE49-F238E27FC236}">
-                <a16:creationId xmlns:a16="http://schemas.microsoft.com/office/drawing/2014/main" id="{18672ECC-5481-83A4-D483-2C6E826E641A}"/>
+                <a16:creationId xmlns:a16="http://schemas.microsoft.com/office/drawing/2014/main" id="{40E988EF-B08A-1B7E-6C67-F009F4F735A5}"/>
               </a:ext>
             </a:extLst>
           </p:cNvPr>
@@ -6884,20 +6952,430 @@
           <a:lstStyle/>
           <a:p>
             <a:r>
+              <a:rPr lang="ko-KR" altLang="en-US" dirty="0"/>
+              <a:t>프로젝트 회고</a:t>
+            </a:r>
+          </a:p>
+        </p:txBody>
+      </p:sp>
+      <p:sp>
+        <p:nvSpPr>
+          <p:cNvPr id="4" name="텍스트 개체 틀 3">
+            <a:extLst>
+              <a:ext uri="{FF2B5EF4-FFF2-40B4-BE49-F238E27FC236}">
+                <a16:creationId xmlns:a16="http://schemas.microsoft.com/office/drawing/2014/main" id="{A092DFB1-10A2-E7D9-11D1-92CFB29D9CBA}"/>
+              </a:ext>
+            </a:extLst>
+          </p:cNvPr>
+          <p:cNvSpPr>
+            <a:spLocks noGrp="1"/>
+          </p:cNvSpPr>
+          <p:nvPr>
+            <p:ph type="body" sz="quarter" idx="13"/>
+          </p:nvPr>
+        </p:nvSpPr>
+        <p:spPr/>
+        <p:txBody>
+          <a:bodyPr/>
+          <a:lstStyle/>
+          <a:p>
+            <a:r>
               <a:rPr lang="en-US" altLang="ko-KR" dirty="0"/>
-              <a:t>06. SARDIP </a:t>
-            </a:r>
-            <a:r>
-              <a:rPr lang="ko-KR" altLang="en-US" dirty="0"/>
-              <a:t>개발 계획</a:t>
-            </a:r>
+              <a:t>05. </a:t>
+            </a:r>
+            <a:r>
+              <a:rPr lang="ko-KR" altLang="en-US" dirty="0"/>
+              <a:t>업무성과 및 회고</a:t>
+            </a:r>
+          </a:p>
+        </p:txBody>
+      </p:sp>
+      <p:sp>
+        <p:nvSpPr>
+          <p:cNvPr id="5" name="텍스트 개체 틀 4">
+            <a:extLst>
+              <a:ext uri="{FF2B5EF4-FFF2-40B4-BE49-F238E27FC236}">
+                <a16:creationId xmlns:a16="http://schemas.microsoft.com/office/drawing/2014/main" id="{A220348D-1DB7-F156-A60C-AFD6F2B5A248}"/>
+              </a:ext>
+            </a:extLst>
+          </p:cNvPr>
+          <p:cNvSpPr>
+            <a:spLocks noGrp="1"/>
+          </p:cNvSpPr>
+          <p:nvPr>
+            <p:ph type="body" sz="quarter" idx="14"/>
+          </p:nvPr>
+        </p:nvSpPr>
+        <p:spPr/>
+        <p:txBody>
+          <a:bodyPr/>
+          <a:lstStyle/>
+          <a:p>
+            <a:r>
+              <a:rPr lang="en-US" altLang="ko-KR" dirty="0"/>
+              <a:t>5-2 </a:t>
+            </a:r>
+            <a:r>
+              <a:rPr lang="ko-KR" altLang="en-US" dirty="0"/>
+              <a:t>프로젝트 회고</a:t>
+            </a:r>
+          </a:p>
+        </p:txBody>
+      </p:sp>
+      <p:sp>
+        <p:nvSpPr>
+          <p:cNvPr id="9" name="내용 개체 틀 2">
+            <a:extLst>
+              <a:ext uri="{FF2B5EF4-FFF2-40B4-BE49-F238E27FC236}">
+                <a16:creationId xmlns:a16="http://schemas.microsoft.com/office/drawing/2014/main" id="{D623AF50-B88D-F293-A88D-466F0B8EEC30}"/>
+              </a:ext>
+            </a:extLst>
+          </p:cNvPr>
+          <p:cNvSpPr txBox="1">
+            <a:spLocks/>
+          </p:cNvSpPr>
+          <p:nvPr/>
+        </p:nvSpPr>
+        <p:spPr>
+          <a:xfrm>
+            <a:off x="595791" y="1262062"/>
+            <a:ext cx="11032792" cy="5046374"/>
+          </a:xfrm>
+          <a:prstGeom prst="rect">
+            <a:avLst/>
+          </a:prstGeom>
+        </p:spPr>
+        <p:txBody>
+          <a:bodyPr vert="horz" lIns="91440" tIns="45720" rIns="91440" bIns="45720" rtlCol="0">
+            <a:noAutofit/>
+          </a:bodyPr>
+          <a:lstStyle>
+            <a:lvl1pPr marL="266700" indent="-266700" algn="l" defTabSz="914400" rtl="0" eaLnBrk="1" latinLnBrk="1" hangingPunct="1">
+              <a:lnSpc>
+                <a:spcPct val="90000"/>
+              </a:lnSpc>
+              <a:spcBef>
+                <a:spcPts val="1000"/>
+              </a:spcBef>
+              <a:buClr>
+                <a:srgbClr val="002060"/>
+              </a:buClr>
+              <a:buFont typeface="Pretendard Medium" panose="02000603000000020004" pitchFamily="50" charset="-127"/>
+              <a:buChar char="■"/>
+              <a:defRPr sz="2000" kern="1200">
+                <a:solidFill>
+                  <a:schemeClr val="tx1"/>
+                </a:solidFill>
+                <a:latin typeface="Noto Sans KR Medium" panose="020B0200000000000000" pitchFamily="34" charset="-127"/>
+                <a:ea typeface="Noto Sans KR Medium" panose="020B0200000000000000" pitchFamily="34" charset="-127"/>
+                <a:cs typeface="Pretendard Medium" panose="02000603000000020004" pitchFamily="50" charset="-127"/>
+              </a:defRPr>
+            </a:lvl1pPr>
+            <a:lvl2pPr marL="533400" indent="-266700" algn="l" defTabSz="914400" rtl="0" eaLnBrk="1" latinLnBrk="1" hangingPunct="1">
+              <a:lnSpc>
+                <a:spcPct val="90000"/>
+              </a:lnSpc>
+              <a:spcBef>
+                <a:spcPts val="500"/>
+              </a:spcBef>
+              <a:buClr>
+                <a:srgbClr val="002060"/>
+              </a:buClr>
+              <a:buFont typeface="Wingdings" panose="05000000000000000000" pitchFamily="2" charset="2"/>
+              <a:buChar char="l"/>
+              <a:defRPr sz="1800" kern="1200">
+                <a:solidFill>
+                  <a:schemeClr val="tx1"/>
+                </a:solidFill>
+                <a:latin typeface="Noto Sans KR Medium" panose="020B0200000000000000" pitchFamily="34" charset="-127"/>
+                <a:ea typeface="Noto Sans KR Medium" panose="020B0200000000000000" pitchFamily="34" charset="-127"/>
+                <a:cs typeface="Pretendard Medium" panose="02000603000000020004" pitchFamily="50" charset="-127"/>
+              </a:defRPr>
+            </a:lvl2pPr>
+            <a:lvl3pPr marL="812800" indent="-279400" algn="l" defTabSz="914400" rtl="0" eaLnBrk="1" latinLnBrk="1" hangingPunct="1">
+              <a:lnSpc>
+                <a:spcPct val="90000"/>
+              </a:lnSpc>
+              <a:spcBef>
+                <a:spcPts val="500"/>
+              </a:spcBef>
+              <a:buClr>
+                <a:srgbClr val="002060"/>
+              </a:buClr>
+              <a:buFont typeface="Wingdings" panose="05000000000000000000" pitchFamily="2" charset="2"/>
+              <a:buChar char="§"/>
+              <a:defRPr sz="1600" kern="1200">
+                <a:solidFill>
+                  <a:schemeClr val="tx1"/>
+                </a:solidFill>
+                <a:latin typeface="Noto Sans KR Medium" panose="020B0200000000000000" pitchFamily="34" charset="-127"/>
+                <a:ea typeface="Noto Sans KR Medium" panose="020B0200000000000000" pitchFamily="34" charset="-127"/>
+                <a:cs typeface="Pretendard Medium" panose="02000603000000020004" pitchFamily="50" charset="-127"/>
+              </a:defRPr>
+            </a:lvl3pPr>
+            <a:lvl4pPr marL="1074738" indent="-266700" algn="l" defTabSz="914400" rtl="0" eaLnBrk="1" latinLnBrk="1" hangingPunct="1">
+              <a:lnSpc>
+                <a:spcPct val="90000"/>
+              </a:lnSpc>
+              <a:spcBef>
+                <a:spcPts val="500"/>
+              </a:spcBef>
+              <a:buClr>
+                <a:srgbClr val="002060"/>
+              </a:buClr>
+              <a:buFont typeface="Arial" panose="020B0604020202020204" pitchFamily="34" charset="0"/>
+              <a:buChar char="•"/>
+              <a:defRPr sz="1400" kern="1200">
+                <a:solidFill>
+                  <a:schemeClr val="tx1"/>
+                </a:solidFill>
+                <a:latin typeface="Noto Sans KR Medium" panose="020B0200000000000000" pitchFamily="34" charset="-127"/>
+                <a:ea typeface="Noto Sans KR Medium" panose="020B0200000000000000" pitchFamily="34" charset="-127"/>
+                <a:cs typeface="Pretendard Medium" panose="02000603000000020004" pitchFamily="50" charset="-127"/>
+              </a:defRPr>
+            </a:lvl4pPr>
+            <a:lvl5pPr marL="1257300" indent="-182563" algn="l" defTabSz="914400" rtl="0" eaLnBrk="1" latinLnBrk="1" hangingPunct="1">
+              <a:lnSpc>
+                <a:spcPct val="90000"/>
+              </a:lnSpc>
+              <a:spcBef>
+                <a:spcPts val="500"/>
+              </a:spcBef>
+              <a:buClr>
+                <a:srgbClr val="002060"/>
+              </a:buClr>
+              <a:buFont typeface="Noto Sans KR Medium" panose="020B0200000000000000" pitchFamily="50" charset="-127"/>
+              <a:buChar char="-"/>
+              <a:defRPr sz="1400" kern="1200">
+                <a:solidFill>
+                  <a:schemeClr val="tx1"/>
+                </a:solidFill>
+                <a:latin typeface="Noto Sans KR Medium" panose="020B0200000000000000" pitchFamily="34" charset="-127"/>
+                <a:ea typeface="Noto Sans KR Medium" panose="020B0200000000000000" pitchFamily="34" charset="-127"/>
+                <a:cs typeface="Pretendard Medium" panose="02000603000000020004" pitchFamily="50" charset="-127"/>
+              </a:defRPr>
+            </a:lvl5pPr>
+            <a:lvl6pPr marL="2514600" indent="-228600" algn="l" defTabSz="914400" rtl="0" eaLnBrk="1" latinLnBrk="1" hangingPunct="1">
+              <a:lnSpc>
+                <a:spcPct val="90000"/>
+              </a:lnSpc>
+              <a:spcBef>
+                <a:spcPts val="500"/>
+              </a:spcBef>
+              <a:buFont typeface="Arial" panose="020B0604020202020204" pitchFamily="34" charset="0"/>
+              <a:buChar char="•"/>
+              <a:defRPr sz="1800" kern="1200">
+                <a:solidFill>
+                  <a:schemeClr val="tx1"/>
+                </a:solidFill>
+                <a:latin typeface="+mn-lt"/>
+                <a:ea typeface="+mn-ea"/>
+                <a:cs typeface="+mn-cs"/>
+              </a:defRPr>
+            </a:lvl6pPr>
+            <a:lvl7pPr marL="2971800" indent="-228600" algn="l" defTabSz="914400" rtl="0" eaLnBrk="1" latinLnBrk="1" hangingPunct="1">
+              <a:lnSpc>
+                <a:spcPct val="90000"/>
+              </a:lnSpc>
+              <a:spcBef>
+                <a:spcPts val="500"/>
+              </a:spcBef>
+              <a:buFont typeface="Arial" panose="020B0604020202020204" pitchFamily="34" charset="0"/>
+              <a:buChar char="•"/>
+              <a:defRPr sz="1800" kern="1200">
+                <a:solidFill>
+                  <a:schemeClr val="tx1"/>
+                </a:solidFill>
+                <a:latin typeface="+mn-lt"/>
+                <a:ea typeface="+mn-ea"/>
+                <a:cs typeface="+mn-cs"/>
+              </a:defRPr>
+            </a:lvl7pPr>
+            <a:lvl8pPr marL="3429000" indent="-228600" algn="l" defTabSz="914400" rtl="0" eaLnBrk="1" latinLnBrk="1" hangingPunct="1">
+              <a:lnSpc>
+                <a:spcPct val="90000"/>
+              </a:lnSpc>
+              <a:spcBef>
+                <a:spcPts val="500"/>
+              </a:spcBef>
+              <a:buFont typeface="Arial" panose="020B0604020202020204" pitchFamily="34" charset="0"/>
+              <a:buChar char="•"/>
+              <a:defRPr sz="1800" kern="1200">
+                <a:solidFill>
+                  <a:schemeClr val="tx1"/>
+                </a:solidFill>
+                <a:latin typeface="+mn-lt"/>
+                <a:ea typeface="+mn-ea"/>
+                <a:cs typeface="+mn-cs"/>
+              </a:defRPr>
+            </a:lvl8pPr>
+            <a:lvl9pPr marL="3886200" indent="-228600" algn="l" defTabSz="914400" rtl="0" eaLnBrk="1" latinLnBrk="1" hangingPunct="1">
+              <a:lnSpc>
+                <a:spcPct val="90000"/>
+              </a:lnSpc>
+              <a:spcBef>
+                <a:spcPts val="500"/>
+              </a:spcBef>
+              <a:buFont typeface="Arial" panose="020B0604020202020204" pitchFamily="34" charset="0"/>
+              <a:buChar char="•"/>
+              <a:defRPr sz="1800" kern="1200">
+                <a:solidFill>
+                  <a:schemeClr val="tx1"/>
+                </a:solidFill>
+                <a:latin typeface="+mn-lt"/>
+                <a:ea typeface="+mn-ea"/>
+                <a:cs typeface="+mn-cs"/>
+              </a:defRPr>
+            </a:lvl9pPr>
+          </a:lstStyle>
+          <a:p>
+            <a:pPr>
+              <a:lnSpc>
+                <a:spcPts val="2600"/>
+              </a:lnSpc>
+            </a:pPr>
+            <a:endParaRPr lang="en-US" altLang="ko-KR" dirty="0"/>
+          </a:p>
+          <a:p>
+            <a:pPr>
+              <a:lnSpc>
+                <a:spcPts val="2600"/>
+              </a:lnSpc>
+            </a:pPr>
+            <a:r>
+              <a:rPr lang="en-US" altLang="ko-KR" dirty="0"/>
+              <a:t> </a:t>
+            </a:r>
+            <a:r>
+              <a:rPr lang="ko-KR" altLang="en-US" dirty="0"/>
+              <a:t>기술적 자신감</a:t>
+            </a:r>
+            <a:endParaRPr lang="en-US" altLang="ko-KR" dirty="0"/>
+          </a:p>
+          <a:p>
+            <a:pPr lvl="1">
+              <a:lnSpc>
+                <a:spcPts val="2600"/>
+              </a:lnSpc>
+            </a:pPr>
+            <a:r>
+              <a:rPr lang="en-US" altLang="ko-KR" dirty="0"/>
+              <a:t>LRIM </a:t>
+            </a:r>
+            <a:r>
+              <a:rPr lang="ko-KR" altLang="en-US" dirty="0"/>
+              <a:t>개발을 통해 기술 스택 증진으로 본 프로젝트 진입에 대한 자신감 획득</a:t>
+            </a:r>
+            <a:endParaRPr lang="en-US" altLang="ko-KR" dirty="0"/>
+          </a:p>
+          <a:p>
+            <a:pPr>
+              <a:lnSpc>
+                <a:spcPts val="2600"/>
+              </a:lnSpc>
+            </a:pPr>
+            <a:r>
+              <a:rPr lang="en-US" altLang="ko-KR" dirty="0"/>
+              <a:t> </a:t>
+            </a:r>
+            <a:r>
+              <a:rPr lang="ko-KR" altLang="en-US" dirty="0"/>
+              <a:t>언어 전환의 성공</a:t>
+            </a:r>
+            <a:endParaRPr lang="en-US" altLang="ko-KR" dirty="0"/>
+          </a:p>
+          <a:p>
+            <a:pPr lvl="1">
+              <a:lnSpc>
+                <a:spcPts val="2600"/>
+              </a:lnSpc>
+            </a:pPr>
+            <a:r>
+              <a:rPr lang="en-US" altLang="ko-KR" dirty="0"/>
+              <a:t>Java</a:t>
+            </a:r>
+            <a:r>
+              <a:rPr lang="ko-KR" altLang="en-US" dirty="0"/>
+              <a:t>에서 </a:t>
+            </a:r>
+            <a:r>
+              <a:rPr lang="en-US" altLang="ko-KR" dirty="0"/>
+              <a:t>JavaScript/Node.js </a:t>
+            </a:r>
+            <a:r>
+              <a:rPr lang="ko-KR" altLang="en-US" dirty="0"/>
+              <a:t>환경으로의 전환을 통해 </a:t>
+            </a:r>
+            <a:r>
+              <a:rPr lang="ko-KR" altLang="en-US" dirty="0" err="1"/>
+              <a:t>백엔드</a:t>
+            </a:r>
+            <a:r>
+              <a:rPr lang="ko-KR" altLang="en-US" dirty="0"/>
+              <a:t> 개발 역량 강화</a:t>
+            </a:r>
+            <a:endParaRPr lang="en-US" altLang="ko-KR" dirty="0"/>
+          </a:p>
+          <a:p>
+            <a:pPr>
+              <a:lnSpc>
+                <a:spcPts val="2600"/>
+              </a:lnSpc>
+            </a:pPr>
+            <a:r>
+              <a:rPr lang="ko-KR" altLang="en-US" dirty="0"/>
+              <a:t> 개발자 및 사용자 간의 교량</a:t>
+            </a:r>
+            <a:endParaRPr lang="en-US" altLang="ko-KR" dirty="0"/>
+          </a:p>
+          <a:p>
+            <a:pPr lvl="1">
+              <a:lnSpc>
+                <a:spcPts val="2600"/>
+              </a:lnSpc>
+            </a:pPr>
+            <a:r>
+              <a:rPr lang="ko-KR" altLang="en-US" dirty="0"/>
+              <a:t>실사용자와의 대화를 통해 설계 방향성 재조정 및 사용자 요구와 개발자 시각 간 격차 파악</a:t>
+            </a:r>
+            <a:endParaRPr lang="en-US" altLang="ko-KR" dirty="0"/>
+          </a:p>
+          <a:p>
+            <a:pPr>
+              <a:lnSpc>
+                <a:spcPts val="2600"/>
+              </a:lnSpc>
+            </a:pPr>
+            <a:r>
+              <a:rPr lang="ko-KR" altLang="en-US" dirty="0"/>
+              <a:t> 지속적인 성장과 발전</a:t>
+            </a:r>
+            <a:endParaRPr lang="en-US" altLang="ko-KR" dirty="0"/>
+          </a:p>
+          <a:p>
+            <a:pPr lvl="1">
+              <a:lnSpc>
+                <a:spcPts val="2600"/>
+              </a:lnSpc>
+            </a:pPr>
+            <a:r>
+              <a:rPr lang="ko-KR" altLang="en-US" dirty="0"/>
+              <a:t>프로젝트 회고를 통한 교훈을 인식하여 사용자 경험 중심의 설계와 기능 개선에 대한 계획 수립</a:t>
+            </a:r>
+          </a:p>
+          <a:p>
+            <a:pPr marL="0" indent="0">
+              <a:buFont typeface="Pretendard Medium" panose="02000603000000020004" pitchFamily="50" charset="-127"/>
+              <a:buNone/>
+            </a:pPr>
+            <a:endParaRPr lang="en-US" altLang="ko-KR" dirty="0"/>
           </a:p>
         </p:txBody>
       </p:sp>
     </p:spTree>
     <p:extLst>
       <p:ext uri="{BB962C8B-B14F-4D97-AF65-F5344CB8AC3E}">
-        <p14:creationId xmlns:p14="http://schemas.microsoft.com/office/powerpoint/2010/main" val="2894911022"/>
+        <p14:creationId xmlns:p14="http://schemas.microsoft.com/office/powerpoint/2010/main" val="4197551858"/>
       </p:ext>
     </p:extLst>
   </p:cSld>
@@ -6929,7 +7407,7 @@
           <p:cNvPr id="2" name="제목 1">
             <a:extLst>
               <a:ext uri="{FF2B5EF4-FFF2-40B4-BE49-F238E27FC236}">
-                <a16:creationId xmlns:a16="http://schemas.microsoft.com/office/drawing/2014/main" id="{40E988EF-B08A-1B7E-6C67-F009F4F735A5}"/>
+                <a16:creationId xmlns:a16="http://schemas.microsoft.com/office/drawing/2014/main" id="{18672ECC-5481-83A4-D483-2C6E826E641A}"/>
               </a:ext>
             </a:extLst>
           </p:cNvPr>
@@ -6947,454 +7425,19 @@
           <a:p>
             <a:r>
               <a:rPr lang="en-US" altLang="ko-KR" dirty="0"/>
-              <a:t>SARDIP </a:t>
-            </a:r>
-            <a:r>
-              <a:rPr lang="ko-KR" altLang="en-US" dirty="0"/>
-              <a:t>관리자 전용 서버 개발</a:t>
-            </a:r>
-          </a:p>
-        </p:txBody>
-      </p:sp>
-      <p:sp>
-        <p:nvSpPr>
-          <p:cNvPr id="4" name="텍스트 개체 틀 3">
-            <a:extLst>
-              <a:ext uri="{FF2B5EF4-FFF2-40B4-BE49-F238E27FC236}">
-                <a16:creationId xmlns:a16="http://schemas.microsoft.com/office/drawing/2014/main" id="{A092DFB1-10A2-E7D9-11D1-92CFB29D9CBA}"/>
-              </a:ext>
-            </a:extLst>
-          </p:cNvPr>
-          <p:cNvSpPr>
-            <a:spLocks noGrp="1"/>
-          </p:cNvSpPr>
-          <p:nvPr>
-            <p:ph type="body" sz="quarter" idx="13"/>
-          </p:nvPr>
-        </p:nvSpPr>
-        <p:spPr/>
-        <p:txBody>
-          <a:bodyPr/>
-          <a:lstStyle/>
-          <a:p>
-            <a:r>
-              <a:rPr lang="en-US" altLang="ko-KR" dirty="0"/>
               <a:t>06. SARDIP </a:t>
             </a:r>
             <a:r>
               <a:rPr lang="ko-KR" altLang="en-US" dirty="0"/>
               <a:t>개발 계획</a:t>
             </a:r>
-          </a:p>
-        </p:txBody>
-      </p:sp>
-      <p:sp>
-        <p:nvSpPr>
-          <p:cNvPr id="5" name="텍스트 개체 틀 4">
-            <a:extLst>
-              <a:ext uri="{FF2B5EF4-FFF2-40B4-BE49-F238E27FC236}">
-                <a16:creationId xmlns:a16="http://schemas.microsoft.com/office/drawing/2014/main" id="{A220348D-1DB7-F156-A60C-AFD6F2B5A248}"/>
-              </a:ext>
-            </a:extLst>
-          </p:cNvPr>
-          <p:cNvSpPr>
-            <a:spLocks noGrp="1"/>
-          </p:cNvSpPr>
-          <p:nvPr>
-            <p:ph type="body" sz="quarter" idx="14"/>
-          </p:nvPr>
-        </p:nvSpPr>
-        <p:spPr/>
-        <p:txBody>
-          <a:bodyPr/>
-          <a:lstStyle/>
-          <a:p>
-            <a:r>
-              <a:rPr lang="en-US" altLang="ko-KR" dirty="0"/>
-              <a:t>6-1 SARDIP </a:t>
-            </a:r>
-            <a:r>
-              <a:rPr lang="ko-KR" altLang="en-US" dirty="0"/>
-              <a:t>관리자 전용 서버 개발</a:t>
-            </a:r>
-          </a:p>
-        </p:txBody>
-      </p:sp>
-      <p:sp>
-        <p:nvSpPr>
-          <p:cNvPr id="3" name="내용 개체 틀 2">
-            <a:extLst>
-              <a:ext uri="{FF2B5EF4-FFF2-40B4-BE49-F238E27FC236}">
-                <a16:creationId xmlns:a16="http://schemas.microsoft.com/office/drawing/2014/main" id="{866363DB-2412-C6A2-2A96-2A395CB11303}"/>
-              </a:ext>
-            </a:extLst>
-          </p:cNvPr>
-          <p:cNvSpPr txBox="1">
-            <a:spLocks/>
-          </p:cNvSpPr>
-          <p:nvPr/>
-        </p:nvSpPr>
-        <p:spPr>
-          <a:xfrm>
-            <a:off x="595791" y="1262061"/>
-            <a:ext cx="11126308" cy="3753283"/>
-          </a:xfrm>
-          <a:prstGeom prst="rect">
-            <a:avLst/>
-          </a:prstGeom>
-        </p:spPr>
-        <p:txBody>
-          <a:bodyPr vert="horz" lIns="91440" tIns="45720" rIns="91440" bIns="45720" rtlCol="0">
-            <a:noAutofit/>
-          </a:bodyPr>
-          <a:lstStyle>
-            <a:lvl1pPr marL="266700" indent="-266700" algn="l" defTabSz="914400" rtl="0" eaLnBrk="1" latinLnBrk="1" hangingPunct="1">
-              <a:lnSpc>
-                <a:spcPct val="90000"/>
-              </a:lnSpc>
-              <a:spcBef>
-                <a:spcPts val="1000"/>
-              </a:spcBef>
-              <a:buClr>
-                <a:srgbClr val="002060"/>
-              </a:buClr>
-              <a:buFont typeface="Pretendard Medium" panose="02000603000000020004" pitchFamily="50" charset="-127"/>
-              <a:buChar char="■"/>
-              <a:defRPr sz="2000" kern="1200">
-                <a:solidFill>
-                  <a:schemeClr val="tx1"/>
-                </a:solidFill>
-                <a:latin typeface="Noto Sans KR Medium" panose="020B0200000000000000" pitchFamily="34" charset="-127"/>
-                <a:ea typeface="Noto Sans KR Medium" panose="020B0200000000000000" pitchFamily="34" charset="-127"/>
-                <a:cs typeface="Pretendard Medium" panose="02000603000000020004" pitchFamily="50" charset="-127"/>
-              </a:defRPr>
-            </a:lvl1pPr>
-            <a:lvl2pPr marL="533400" indent="-266700" algn="l" defTabSz="914400" rtl="0" eaLnBrk="1" latinLnBrk="1" hangingPunct="1">
-              <a:lnSpc>
-                <a:spcPct val="90000"/>
-              </a:lnSpc>
-              <a:spcBef>
-                <a:spcPts val="500"/>
-              </a:spcBef>
-              <a:buClr>
-                <a:srgbClr val="002060"/>
-              </a:buClr>
-              <a:buFont typeface="Wingdings" panose="05000000000000000000" pitchFamily="2" charset="2"/>
-              <a:buChar char="l"/>
-              <a:defRPr sz="1800" kern="1200">
-                <a:solidFill>
-                  <a:schemeClr val="tx1"/>
-                </a:solidFill>
-                <a:latin typeface="Noto Sans KR Medium" panose="020B0200000000000000" pitchFamily="34" charset="-127"/>
-                <a:ea typeface="Noto Sans KR Medium" panose="020B0200000000000000" pitchFamily="34" charset="-127"/>
-                <a:cs typeface="Pretendard Medium" panose="02000603000000020004" pitchFamily="50" charset="-127"/>
-              </a:defRPr>
-            </a:lvl2pPr>
-            <a:lvl3pPr marL="812800" indent="-279400" algn="l" defTabSz="914400" rtl="0" eaLnBrk="1" latinLnBrk="1" hangingPunct="1">
-              <a:lnSpc>
-                <a:spcPct val="90000"/>
-              </a:lnSpc>
-              <a:spcBef>
-                <a:spcPts val="500"/>
-              </a:spcBef>
-              <a:buClr>
-                <a:srgbClr val="002060"/>
-              </a:buClr>
-              <a:buFont typeface="Wingdings" panose="05000000000000000000" pitchFamily="2" charset="2"/>
-              <a:buChar char="§"/>
-              <a:defRPr sz="1600" kern="1200">
-                <a:solidFill>
-                  <a:schemeClr val="tx1"/>
-                </a:solidFill>
-                <a:latin typeface="Noto Sans KR Medium" panose="020B0200000000000000" pitchFamily="34" charset="-127"/>
-                <a:ea typeface="Noto Sans KR Medium" panose="020B0200000000000000" pitchFamily="34" charset="-127"/>
-                <a:cs typeface="Pretendard Medium" panose="02000603000000020004" pitchFamily="50" charset="-127"/>
-              </a:defRPr>
-            </a:lvl3pPr>
-            <a:lvl4pPr marL="1074738" indent="-266700" algn="l" defTabSz="914400" rtl="0" eaLnBrk="1" latinLnBrk="1" hangingPunct="1">
-              <a:lnSpc>
-                <a:spcPct val="90000"/>
-              </a:lnSpc>
-              <a:spcBef>
-                <a:spcPts val="500"/>
-              </a:spcBef>
-              <a:buClr>
-                <a:srgbClr val="002060"/>
-              </a:buClr>
-              <a:buFont typeface="Arial" panose="020B0604020202020204" pitchFamily="34" charset="0"/>
-              <a:buChar char="•"/>
-              <a:defRPr sz="1400" kern="1200">
-                <a:solidFill>
-                  <a:schemeClr val="tx1"/>
-                </a:solidFill>
-                <a:latin typeface="Noto Sans KR Medium" panose="020B0200000000000000" pitchFamily="34" charset="-127"/>
-                <a:ea typeface="Noto Sans KR Medium" panose="020B0200000000000000" pitchFamily="34" charset="-127"/>
-                <a:cs typeface="Pretendard Medium" panose="02000603000000020004" pitchFamily="50" charset="-127"/>
-              </a:defRPr>
-            </a:lvl4pPr>
-            <a:lvl5pPr marL="1257300" indent="-182563" algn="l" defTabSz="914400" rtl="0" eaLnBrk="1" latinLnBrk="1" hangingPunct="1">
-              <a:lnSpc>
-                <a:spcPct val="90000"/>
-              </a:lnSpc>
-              <a:spcBef>
-                <a:spcPts val="500"/>
-              </a:spcBef>
-              <a:buClr>
-                <a:srgbClr val="002060"/>
-              </a:buClr>
-              <a:buFont typeface="Noto Sans KR Medium" panose="020B0200000000000000" pitchFamily="50" charset="-127"/>
-              <a:buChar char="-"/>
-              <a:defRPr sz="1400" kern="1200">
-                <a:solidFill>
-                  <a:schemeClr val="tx1"/>
-                </a:solidFill>
-                <a:latin typeface="Noto Sans KR Medium" panose="020B0200000000000000" pitchFamily="34" charset="-127"/>
-                <a:ea typeface="Noto Sans KR Medium" panose="020B0200000000000000" pitchFamily="34" charset="-127"/>
-                <a:cs typeface="Pretendard Medium" panose="02000603000000020004" pitchFamily="50" charset="-127"/>
-              </a:defRPr>
-            </a:lvl5pPr>
-            <a:lvl6pPr marL="2514600" indent="-228600" algn="l" defTabSz="914400" rtl="0" eaLnBrk="1" latinLnBrk="1" hangingPunct="1">
-              <a:lnSpc>
-                <a:spcPct val="90000"/>
-              </a:lnSpc>
-              <a:spcBef>
-                <a:spcPts val="500"/>
-              </a:spcBef>
-              <a:buFont typeface="Arial" panose="020B0604020202020204" pitchFamily="34" charset="0"/>
-              <a:buChar char="•"/>
-              <a:defRPr sz="1800" kern="1200">
-                <a:solidFill>
-                  <a:schemeClr val="tx1"/>
-                </a:solidFill>
-                <a:latin typeface="+mn-lt"/>
-                <a:ea typeface="+mn-ea"/>
-                <a:cs typeface="+mn-cs"/>
-              </a:defRPr>
-            </a:lvl6pPr>
-            <a:lvl7pPr marL="2971800" indent="-228600" algn="l" defTabSz="914400" rtl="0" eaLnBrk="1" latinLnBrk="1" hangingPunct="1">
-              <a:lnSpc>
-                <a:spcPct val="90000"/>
-              </a:lnSpc>
-              <a:spcBef>
-                <a:spcPts val="500"/>
-              </a:spcBef>
-              <a:buFont typeface="Arial" panose="020B0604020202020204" pitchFamily="34" charset="0"/>
-              <a:buChar char="•"/>
-              <a:defRPr sz="1800" kern="1200">
-                <a:solidFill>
-                  <a:schemeClr val="tx1"/>
-                </a:solidFill>
-                <a:latin typeface="+mn-lt"/>
-                <a:ea typeface="+mn-ea"/>
-                <a:cs typeface="+mn-cs"/>
-              </a:defRPr>
-            </a:lvl7pPr>
-            <a:lvl8pPr marL="3429000" indent="-228600" algn="l" defTabSz="914400" rtl="0" eaLnBrk="1" latinLnBrk="1" hangingPunct="1">
-              <a:lnSpc>
-                <a:spcPct val="90000"/>
-              </a:lnSpc>
-              <a:spcBef>
-                <a:spcPts val="500"/>
-              </a:spcBef>
-              <a:buFont typeface="Arial" panose="020B0604020202020204" pitchFamily="34" charset="0"/>
-              <a:buChar char="•"/>
-              <a:defRPr sz="1800" kern="1200">
-                <a:solidFill>
-                  <a:schemeClr val="tx1"/>
-                </a:solidFill>
-                <a:latin typeface="+mn-lt"/>
-                <a:ea typeface="+mn-ea"/>
-                <a:cs typeface="+mn-cs"/>
-              </a:defRPr>
-            </a:lvl8pPr>
-            <a:lvl9pPr marL="3886200" indent="-228600" algn="l" defTabSz="914400" rtl="0" eaLnBrk="1" latinLnBrk="1" hangingPunct="1">
-              <a:lnSpc>
-                <a:spcPct val="90000"/>
-              </a:lnSpc>
-              <a:spcBef>
-                <a:spcPts val="500"/>
-              </a:spcBef>
-              <a:buFont typeface="Arial" panose="020B0604020202020204" pitchFamily="34" charset="0"/>
-              <a:buChar char="•"/>
-              <a:defRPr sz="1800" kern="1200">
-                <a:solidFill>
-                  <a:schemeClr val="tx1"/>
-                </a:solidFill>
-                <a:latin typeface="+mn-lt"/>
-                <a:ea typeface="+mn-ea"/>
-                <a:cs typeface="+mn-cs"/>
-              </a:defRPr>
-            </a:lvl9pPr>
-          </a:lstStyle>
-          <a:p>
-            <a:endParaRPr lang="en-US" altLang="ko-KR" dirty="0"/>
-          </a:p>
-          <a:p>
-            <a:pPr>
-              <a:lnSpc>
-                <a:spcPts val="2600"/>
-              </a:lnSpc>
-            </a:pPr>
-            <a:r>
-              <a:rPr lang="en-US" altLang="ko-KR" dirty="0"/>
-              <a:t> </a:t>
-            </a:r>
-            <a:r>
-              <a:rPr lang="ko-KR" altLang="en-US" dirty="0"/>
-              <a:t>개발 전략</a:t>
-            </a:r>
-            <a:endParaRPr lang="en-US" altLang="ko-KR" dirty="0"/>
-          </a:p>
-          <a:p>
-            <a:pPr lvl="1">
-              <a:lnSpc>
-                <a:spcPts val="2600"/>
-              </a:lnSpc>
-            </a:pPr>
-            <a:r>
-              <a:rPr lang="ko-KR" altLang="en-US" b="1" dirty="0" err="1"/>
-              <a:t>모놀리식</a:t>
-            </a:r>
-            <a:r>
-              <a:rPr lang="ko-KR" altLang="en-US" b="1" dirty="0"/>
-              <a:t> 아키텍처</a:t>
-            </a:r>
-            <a:r>
-              <a:rPr lang="ko-KR" altLang="en-US" dirty="0"/>
-              <a:t>를 기반으로 관리자 전용 서버 개발</a:t>
-            </a:r>
-            <a:endParaRPr lang="en-US" altLang="ko-KR" dirty="0"/>
-          </a:p>
-          <a:p>
-            <a:pPr lvl="1">
-              <a:lnSpc>
-                <a:spcPts val="2600"/>
-              </a:lnSpc>
-            </a:pPr>
-            <a:r>
-              <a:rPr lang="en-US" altLang="ko-KR" dirty="0"/>
-              <a:t>LRIM </a:t>
-            </a:r>
-            <a:r>
-              <a:rPr lang="ko-KR" altLang="en-US" dirty="0"/>
-              <a:t>경험에서 얻은 식별된 </a:t>
-            </a:r>
-            <a:r>
-              <a:rPr lang="ko-KR" altLang="en-US" b="1" dirty="0"/>
-              <a:t>리스크를 예방하고 관리</a:t>
-            </a:r>
-            <a:endParaRPr lang="en-US" altLang="ko-KR" b="1" dirty="0"/>
-          </a:p>
-          <a:p>
-            <a:pPr lvl="1">
-              <a:lnSpc>
-                <a:spcPts val="2600"/>
-              </a:lnSpc>
-            </a:pPr>
-            <a:endParaRPr lang="en-US" altLang="ko-KR" dirty="0"/>
-          </a:p>
-          <a:p>
-            <a:pPr>
-              <a:lnSpc>
-                <a:spcPts val="2600"/>
-              </a:lnSpc>
-            </a:pPr>
-            <a:r>
-              <a:rPr lang="en-US" altLang="ko-KR" dirty="0"/>
-              <a:t> </a:t>
-            </a:r>
-            <a:r>
-              <a:rPr lang="ko-KR" altLang="en-US" dirty="0"/>
-              <a:t>개발 프로세스 </a:t>
-            </a:r>
-            <a:endParaRPr lang="en-US" altLang="ko-KR" dirty="0"/>
-          </a:p>
-          <a:p>
-            <a:pPr lvl="1">
-              <a:lnSpc>
-                <a:spcPts val="2600"/>
-              </a:lnSpc>
-            </a:pPr>
-            <a:r>
-              <a:rPr lang="ko-KR" altLang="en-US" dirty="0"/>
-              <a:t>지속적인 코드 리뷰와 피드백을 통해 품질을 개선하여 기능 업데이트를 도모함</a:t>
-            </a:r>
-            <a:endParaRPr lang="en-US" altLang="ko-KR" dirty="0"/>
-          </a:p>
-          <a:p>
-            <a:pPr lvl="1">
-              <a:lnSpc>
-                <a:spcPts val="2600"/>
-              </a:lnSpc>
-            </a:pPr>
-            <a:r>
-              <a:rPr lang="ko-KR" altLang="en-US" dirty="0"/>
-              <a:t>향후 유지보수와 확장성을 고려해 기능별로 코드를 모듈화</a:t>
-            </a:r>
-            <a:endParaRPr lang="en-US" altLang="ko-KR" dirty="0"/>
-          </a:p>
-          <a:p>
-            <a:pPr lvl="1">
-              <a:lnSpc>
-                <a:spcPts val="2600"/>
-              </a:lnSpc>
-            </a:pPr>
-            <a:r>
-              <a:rPr lang="ko-KR" altLang="en-US" dirty="0"/>
-              <a:t>테스트 </a:t>
-            </a:r>
-            <a:r>
-              <a:rPr lang="ko-KR" altLang="en-US" dirty="0" err="1"/>
-              <a:t>커버리지를</a:t>
-            </a:r>
-            <a:r>
-              <a:rPr lang="ko-KR" altLang="en-US" dirty="0"/>
-              <a:t> </a:t>
-            </a:r>
-            <a:r>
-              <a:rPr lang="en-US" altLang="ko-KR" dirty="0"/>
-              <a:t>90% </a:t>
-            </a:r>
-            <a:r>
-              <a:rPr lang="ko-KR" altLang="en-US" dirty="0"/>
-              <a:t>이상 유지하여 핵심 기능의 신뢰성을 높이고 개발 효율성을 극대화</a:t>
-            </a:r>
-            <a:endParaRPr lang="en-US" altLang="ko-KR" dirty="0"/>
-          </a:p>
-          <a:p>
-            <a:pPr lvl="1">
-              <a:lnSpc>
-                <a:spcPts val="2600"/>
-              </a:lnSpc>
-            </a:pPr>
-            <a:endParaRPr lang="en-US" altLang="ko-KR" dirty="0"/>
-          </a:p>
-          <a:p>
-            <a:pPr marL="0" indent="0">
-              <a:lnSpc>
-                <a:spcPts val="2600"/>
-              </a:lnSpc>
-              <a:buNone/>
-            </a:pPr>
-            <a:r>
-              <a:rPr lang="en-US" altLang="ko-KR" dirty="0"/>
-              <a:t> </a:t>
-            </a:r>
-            <a:endParaRPr lang="ko-KR" altLang="en-US" dirty="0"/>
-          </a:p>
-          <a:p>
-            <a:pPr marL="0" indent="0">
-              <a:buFont typeface="Pretendard Medium" panose="02000603000000020004" pitchFamily="50" charset="-127"/>
-              <a:buNone/>
-            </a:pPr>
-            <a:endParaRPr lang="en-US" altLang="ko-KR" dirty="0"/>
           </a:p>
         </p:txBody>
       </p:sp>
     </p:spTree>
     <p:extLst>
       <p:ext uri="{BB962C8B-B14F-4D97-AF65-F5344CB8AC3E}">
-        <p14:creationId xmlns:p14="http://schemas.microsoft.com/office/powerpoint/2010/main" val="3458898264"/>
+        <p14:creationId xmlns:p14="http://schemas.microsoft.com/office/powerpoint/2010/main" val="2894911022"/>
       </p:ext>
     </p:extLst>
   </p:cSld>
@@ -8091,6 +8134,503 @@
 </file>
 
 <file path=ppt/slides/slide20.xml><?xml version="1.0" encoding="utf-8"?>
+<p:sld xmlns:a="http://schemas.openxmlformats.org/drawingml/2006/main" xmlns:r="http://schemas.openxmlformats.org/officeDocument/2006/relationships" xmlns:p="http://schemas.openxmlformats.org/presentationml/2006/main">
+  <p:cSld>
+    <p:spTree>
+      <p:nvGrpSpPr>
+        <p:cNvPr id="1" name=""/>
+        <p:cNvGrpSpPr/>
+        <p:nvPr/>
+      </p:nvGrpSpPr>
+      <p:grpSpPr>
+        <a:xfrm>
+          <a:off x="0" y="0"/>
+          <a:ext cx="0" cy="0"/>
+          <a:chOff x="0" y="0"/>
+          <a:chExt cx="0" cy="0"/>
+        </a:xfrm>
+      </p:grpSpPr>
+      <p:sp>
+        <p:nvSpPr>
+          <p:cNvPr id="2" name="제목 1">
+            <a:extLst>
+              <a:ext uri="{FF2B5EF4-FFF2-40B4-BE49-F238E27FC236}">
+                <a16:creationId xmlns:a16="http://schemas.microsoft.com/office/drawing/2014/main" id="{40E988EF-B08A-1B7E-6C67-F009F4F735A5}"/>
+              </a:ext>
+            </a:extLst>
+          </p:cNvPr>
+          <p:cNvSpPr>
+            <a:spLocks noGrp="1"/>
+          </p:cNvSpPr>
+          <p:nvPr>
+            <p:ph type="title"/>
+          </p:nvPr>
+        </p:nvSpPr>
+        <p:spPr/>
+        <p:txBody>
+          <a:bodyPr/>
+          <a:lstStyle/>
+          <a:p>
+            <a:r>
+              <a:rPr lang="en-US" altLang="ko-KR" dirty="0"/>
+              <a:t>SARDIP </a:t>
+            </a:r>
+            <a:r>
+              <a:rPr lang="ko-KR" altLang="en-US" dirty="0"/>
+              <a:t>관리자 전용 서버 개발</a:t>
+            </a:r>
+          </a:p>
+        </p:txBody>
+      </p:sp>
+      <p:sp>
+        <p:nvSpPr>
+          <p:cNvPr id="4" name="텍스트 개체 틀 3">
+            <a:extLst>
+              <a:ext uri="{FF2B5EF4-FFF2-40B4-BE49-F238E27FC236}">
+                <a16:creationId xmlns:a16="http://schemas.microsoft.com/office/drawing/2014/main" id="{A092DFB1-10A2-E7D9-11D1-92CFB29D9CBA}"/>
+              </a:ext>
+            </a:extLst>
+          </p:cNvPr>
+          <p:cNvSpPr>
+            <a:spLocks noGrp="1"/>
+          </p:cNvSpPr>
+          <p:nvPr>
+            <p:ph type="body" sz="quarter" idx="13"/>
+          </p:nvPr>
+        </p:nvSpPr>
+        <p:spPr/>
+        <p:txBody>
+          <a:bodyPr/>
+          <a:lstStyle/>
+          <a:p>
+            <a:r>
+              <a:rPr lang="en-US" altLang="ko-KR" dirty="0"/>
+              <a:t>06. SARDIP </a:t>
+            </a:r>
+            <a:r>
+              <a:rPr lang="ko-KR" altLang="en-US" dirty="0"/>
+              <a:t>개발 계획</a:t>
+            </a:r>
+          </a:p>
+        </p:txBody>
+      </p:sp>
+      <p:sp>
+        <p:nvSpPr>
+          <p:cNvPr id="5" name="텍스트 개체 틀 4">
+            <a:extLst>
+              <a:ext uri="{FF2B5EF4-FFF2-40B4-BE49-F238E27FC236}">
+                <a16:creationId xmlns:a16="http://schemas.microsoft.com/office/drawing/2014/main" id="{A220348D-1DB7-F156-A60C-AFD6F2B5A248}"/>
+              </a:ext>
+            </a:extLst>
+          </p:cNvPr>
+          <p:cNvSpPr>
+            <a:spLocks noGrp="1"/>
+          </p:cNvSpPr>
+          <p:nvPr>
+            <p:ph type="body" sz="quarter" idx="14"/>
+          </p:nvPr>
+        </p:nvSpPr>
+        <p:spPr/>
+        <p:txBody>
+          <a:bodyPr/>
+          <a:lstStyle/>
+          <a:p>
+            <a:r>
+              <a:rPr lang="en-US" altLang="ko-KR" dirty="0"/>
+              <a:t>6-1 SARDIP </a:t>
+            </a:r>
+            <a:r>
+              <a:rPr lang="ko-KR" altLang="en-US" dirty="0"/>
+              <a:t>관리자 전용 서버 개발</a:t>
+            </a:r>
+          </a:p>
+        </p:txBody>
+      </p:sp>
+      <p:sp>
+        <p:nvSpPr>
+          <p:cNvPr id="3" name="내용 개체 틀 2">
+            <a:extLst>
+              <a:ext uri="{FF2B5EF4-FFF2-40B4-BE49-F238E27FC236}">
+                <a16:creationId xmlns:a16="http://schemas.microsoft.com/office/drawing/2014/main" id="{866363DB-2412-C6A2-2A96-2A395CB11303}"/>
+              </a:ext>
+            </a:extLst>
+          </p:cNvPr>
+          <p:cNvSpPr txBox="1">
+            <a:spLocks/>
+          </p:cNvSpPr>
+          <p:nvPr/>
+        </p:nvSpPr>
+        <p:spPr>
+          <a:xfrm>
+            <a:off x="595791" y="1262061"/>
+            <a:ext cx="11126308" cy="3753283"/>
+          </a:xfrm>
+          <a:prstGeom prst="rect">
+            <a:avLst/>
+          </a:prstGeom>
+        </p:spPr>
+        <p:txBody>
+          <a:bodyPr vert="horz" lIns="91440" tIns="45720" rIns="91440" bIns="45720" rtlCol="0">
+            <a:noAutofit/>
+          </a:bodyPr>
+          <a:lstStyle>
+            <a:lvl1pPr marL="266700" indent="-266700" algn="l" defTabSz="914400" rtl="0" eaLnBrk="1" latinLnBrk="1" hangingPunct="1">
+              <a:lnSpc>
+                <a:spcPct val="90000"/>
+              </a:lnSpc>
+              <a:spcBef>
+                <a:spcPts val="1000"/>
+              </a:spcBef>
+              <a:buClr>
+                <a:srgbClr val="002060"/>
+              </a:buClr>
+              <a:buFont typeface="Pretendard Medium" panose="02000603000000020004" pitchFamily="50" charset="-127"/>
+              <a:buChar char="■"/>
+              <a:defRPr sz="2000" kern="1200">
+                <a:solidFill>
+                  <a:schemeClr val="tx1"/>
+                </a:solidFill>
+                <a:latin typeface="Noto Sans KR Medium" panose="020B0200000000000000" pitchFamily="34" charset="-127"/>
+                <a:ea typeface="Noto Sans KR Medium" panose="020B0200000000000000" pitchFamily="34" charset="-127"/>
+                <a:cs typeface="Pretendard Medium" panose="02000603000000020004" pitchFamily="50" charset="-127"/>
+              </a:defRPr>
+            </a:lvl1pPr>
+            <a:lvl2pPr marL="533400" indent="-266700" algn="l" defTabSz="914400" rtl="0" eaLnBrk="1" latinLnBrk="1" hangingPunct="1">
+              <a:lnSpc>
+                <a:spcPct val="90000"/>
+              </a:lnSpc>
+              <a:spcBef>
+                <a:spcPts val="500"/>
+              </a:spcBef>
+              <a:buClr>
+                <a:srgbClr val="002060"/>
+              </a:buClr>
+              <a:buFont typeface="Wingdings" panose="05000000000000000000" pitchFamily="2" charset="2"/>
+              <a:buChar char="l"/>
+              <a:defRPr sz="1800" kern="1200">
+                <a:solidFill>
+                  <a:schemeClr val="tx1"/>
+                </a:solidFill>
+                <a:latin typeface="Noto Sans KR Medium" panose="020B0200000000000000" pitchFamily="34" charset="-127"/>
+                <a:ea typeface="Noto Sans KR Medium" panose="020B0200000000000000" pitchFamily="34" charset="-127"/>
+                <a:cs typeface="Pretendard Medium" panose="02000603000000020004" pitchFamily="50" charset="-127"/>
+              </a:defRPr>
+            </a:lvl2pPr>
+            <a:lvl3pPr marL="812800" indent="-279400" algn="l" defTabSz="914400" rtl="0" eaLnBrk="1" latinLnBrk="1" hangingPunct="1">
+              <a:lnSpc>
+                <a:spcPct val="90000"/>
+              </a:lnSpc>
+              <a:spcBef>
+                <a:spcPts val="500"/>
+              </a:spcBef>
+              <a:buClr>
+                <a:srgbClr val="002060"/>
+              </a:buClr>
+              <a:buFont typeface="Wingdings" panose="05000000000000000000" pitchFamily="2" charset="2"/>
+              <a:buChar char="§"/>
+              <a:defRPr sz="1600" kern="1200">
+                <a:solidFill>
+                  <a:schemeClr val="tx1"/>
+                </a:solidFill>
+                <a:latin typeface="Noto Sans KR Medium" panose="020B0200000000000000" pitchFamily="34" charset="-127"/>
+                <a:ea typeface="Noto Sans KR Medium" panose="020B0200000000000000" pitchFamily="34" charset="-127"/>
+                <a:cs typeface="Pretendard Medium" panose="02000603000000020004" pitchFamily="50" charset="-127"/>
+              </a:defRPr>
+            </a:lvl3pPr>
+            <a:lvl4pPr marL="1074738" indent="-266700" algn="l" defTabSz="914400" rtl="0" eaLnBrk="1" latinLnBrk="1" hangingPunct="1">
+              <a:lnSpc>
+                <a:spcPct val="90000"/>
+              </a:lnSpc>
+              <a:spcBef>
+                <a:spcPts val="500"/>
+              </a:spcBef>
+              <a:buClr>
+                <a:srgbClr val="002060"/>
+              </a:buClr>
+              <a:buFont typeface="Arial" panose="020B0604020202020204" pitchFamily="34" charset="0"/>
+              <a:buChar char="•"/>
+              <a:defRPr sz="1400" kern="1200">
+                <a:solidFill>
+                  <a:schemeClr val="tx1"/>
+                </a:solidFill>
+                <a:latin typeface="Noto Sans KR Medium" panose="020B0200000000000000" pitchFamily="34" charset="-127"/>
+                <a:ea typeface="Noto Sans KR Medium" panose="020B0200000000000000" pitchFamily="34" charset="-127"/>
+                <a:cs typeface="Pretendard Medium" panose="02000603000000020004" pitchFamily="50" charset="-127"/>
+              </a:defRPr>
+            </a:lvl4pPr>
+            <a:lvl5pPr marL="1257300" indent="-182563" algn="l" defTabSz="914400" rtl="0" eaLnBrk="1" latinLnBrk="1" hangingPunct="1">
+              <a:lnSpc>
+                <a:spcPct val="90000"/>
+              </a:lnSpc>
+              <a:spcBef>
+                <a:spcPts val="500"/>
+              </a:spcBef>
+              <a:buClr>
+                <a:srgbClr val="002060"/>
+              </a:buClr>
+              <a:buFont typeface="Noto Sans KR Medium" panose="020B0200000000000000" pitchFamily="50" charset="-127"/>
+              <a:buChar char="-"/>
+              <a:defRPr sz="1400" kern="1200">
+                <a:solidFill>
+                  <a:schemeClr val="tx1"/>
+                </a:solidFill>
+                <a:latin typeface="Noto Sans KR Medium" panose="020B0200000000000000" pitchFamily="34" charset="-127"/>
+                <a:ea typeface="Noto Sans KR Medium" panose="020B0200000000000000" pitchFamily="34" charset="-127"/>
+                <a:cs typeface="Pretendard Medium" panose="02000603000000020004" pitchFamily="50" charset="-127"/>
+              </a:defRPr>
+            </a:lvl5pPr>
+            <a:lvl6pPr marL="2514600" indent="-228600" algn="l" defTabSz="914400" rtl="0" eaLnBrk="1" latinLnBrk="1" hangingPunct="1">
+              <a:lnSpc>
+                <a:spcPct val="90000"/>
+              </a:lnSpc>
+              <a:spcBef>
+                <a:spcPts val="500"/>
+              </a:spcBef>
+              <a:buFont typeface="Arial" panose="020B0604020202020204" pitchFamily="34" charset="0"/>
+              <a:buChar char="•"/>
+              <a:defRPr sz="1800" kern="1200">
+                <a:solidFill>
+                  <a:schemeClr val="tx1"/>
+                </a:solidFill>
+                <a:latin typeface="+mn-lt"/>
+                <a:ea typeface="+mn-ea"/>
+                <a:cs typeface="+mn-cs"/>
+              </a:defRPr>
+            </a:lvl6pPr>
+            <a:lvl7pPr marL="2971800" indent="-228600" algn="l" defTabSz="914400" rtl="0" eaLnBrk="1" latinLnBrk="1" hangingPunct="1">
+              <a:lnSpc>
+                <a:spcPct val="90000"/>
+              </a:lnSpc>
+              <a:spcBef>
+                <a:spcPts val="500"/>
+              </a:spcBef>
+              <a:buFont typeface="Arial" panose="020B0604020202020204" pitchFamily="34" charset="0"/>
+              <a:buChar char="•"/>
+              <a:defRPr sz="1800" kern="1200">
+                <a:solidFill>
+                  <a:schemeClr val="tx1"/>
+                </a:solidFill>
+                <a:latin typeface="+mn-lt"/>
+                <a:ea typeface="+mn-ea"/>
+                <a:cs typeface="+mn-cs"/>
+              </a:defRPr>
+            </a:lvl7pPr>
+            <a:lvl8pPr marL="3429000" indent="-228600" algn="l" defTabSz="914400" rtl="0" eaLnBrk="1" latinLnBrk="1" hangingPunct="1">
+              <a:lnSpc>
+                <a:spcPct val="90000"/>
+              </a:lnSpc>
+              <a:spcBef>
+                <a:spcPts val="500"/>
+              </a:spcBef>
+              <a:buFont typeface="Arial" panose="020B0604020202020204" pitchFamily="34" charset="0"/>
+              <a:buChar char="•"/>
+              <a:defRPr sz="1800" kern="1200">
+                <a:solidFill>
+                  <a:schemeClr val="tx1"/>
+                </a:solidFill>
+                <a:latin typeface="+mn-lt"/>
+                <a:ea typeface="+mn-ea"/>
+                <a:cs typeface="+mn-cs"/>
+              </a:defRPr>
+            </a:lvl8pPr>
+            <a:lvl9pPr marL="3886200" indent="-228600" algn="l" defTabSz="914400" rtl="0" eaLnBrk="1" latinLnBrk="1" hangingPunct="1">
+              <a:lnSpc>
+                <a:spcPct val="90000"/>
+              </a:lnSpc>
+              <a:spcBef>
+                <a:spcPts val="500"/>
+              </a:spcBef>
+              <a:buFont typeface="Arial" panose="020B0604020202020204" pitchFamily="34" charset="0"/>
+              <a:buChar char="•"/>
+              <a:defRPr sz="1800" kern="1200">
+                <a:solidFill>
+                  <a:schemeClr val="tx1"/>
+                </a:solidFill>
+                <a:latin typeface="+mn-lt"/>
+                <a:ea typeface="+mn-ea"/>
+                <a:cs typeface="+mn-cs"/>
+              </a:defRPr>
+            </a:lvl9pPr>
+          </a:lstStyle>
+          <a:p>
+            <a:endParaRPr lang="en-US" altLang="ko-KR" dirty="0"/>
+          </a:p>
+          <a:p>
+            <a:pPr>
+              <a:lnSpc>
+                <a:spcPts val="2600"/>
+              </a:lnSpc>
+            </a:pPr>
+            <a:r>
+              <a:rPr lang="en-US" altLang="ko-KR" dirty="0"/>
+              <a:t> </a:t>
+            </a:r>
+            <a:r>
+              <a:rPr lang="ko-KR" altLang="en-US" dirty="0"/>
+              <a:t>개발 전략</a:t>
+            </a:r>
+            <a:endParaRPr lang="en-US" altLang="ko-KR" dirty="0"/>
+          </a:p>
+          <a:p>
+            <a:pPr lvl="1">
+              <a:lnSpc>
+                <a:spcPts val="2600"/>
+              </a:lnSpc>
+            </a:pPr>
+            <a:r>
+              <a:rPr lang="ko-KR" altLang="en-US" b="1" dirty="0" err="1"/>
+              <a:t>모놀리식</a:t>
+            </a:r>
+            <a:r>
+              <a:rPr lang="ko-KR" altLang="en-US" b="1" dirty="0"/>
+              <a:t> 아키텍처</a:t>
+            </a:r>
+            <a:r>
+              <a:rPr lang="ko-KR" altLang="en-US" dirty="0"/>
+              <a:t>를 기반으로 관리자 전용 서버 개발</a:t>
+            </a:r>
+            <a:endParaRPr lang="en-US" altLang="ko-KR" dirty="0"/>
+          </a:p>
+          <a:p>
+            <a:pPr lvl="1">
+              <a:lnSpc>
+                <a:spcPts val="2600"/>
+              </a:lnSpc>
+            </a:pPr>
+            <a:r>
+              <a:rPr lang="en-US" altLang="ko-KR" dirty="0"/>
+              <a:t>LRIM </a:t>
+            </a:r>
+            <a:r>
+              <a:rPr lang="ko-KR" altLang="en-US" dirty="0"/>
+              <a:t>경험에서 얻은 식별된 </a:t>
+            </a:r>
+            <a:r>
+              <a:rPr lang="ko-KR" altLang="en-US" b="1" dirty="0"/>
+              <a:t>리스크를 예방하고 관리</a:t>
+            </a:r>
+            <a:endParaRPr lang="en-US" altLang="ko-KR" b="1" dirty="0"/>
+          </a:p>
+          <a:p>
+            <a:pPr lvl="1">
+              <a:lnSpc>
+                <a:spcPts val="2600"/>
+              </a:lnSpc>
+            </a:pPr>
+            <a:endParaRPr lang="en-US" altLang="ko-KR" dirty="0"/>
+          </a:p>
+          <a:p>
+            <a:pPr>
+              <a:lnSpc>
+                <a:spcPts val="2600"/>
+              </a:lnSpc>
+            </a:pPr>
+            <a:r>
+              <a:rPr lang="en-US" altLang="ko-KR" dirty="0"/>
+              <a:t> </a:t>
+            </a:r>
+            <a:r>
+              <a:rPr lang="ko-KR" altLang="en-US" dirty="0"/>
+              <a:t>개발 프로세스 </a:t>
+            </a:r>
+            <a:endParaRPr lang="en-US" altLang="ko-KR" dirty="0"/>
+          </a:p>
+          <a:p>
+            <a:pPr lvl="1">
+              <a:lnSpc>
+                <a:spcPts val="2600"/>
+              </a:lnSpc>
+            </a:pPr>
+            <a:r>
+              <a:rPr lang="ko-KR" altLang="en-US" dirty="0"/>
+              <a:t>지속적인 코드 리뷰와 피드백을 통해 품질을 개선하여 기능 업데이트를 도모함</a:t>
+            </a:r>
+            <a:endParaRPr lang="en-US" altLang="ko-KR" dirty="0"/>
+          </a:p>
+          <a:p>
+            <a:pPr lvl="1">
+              <a:lnSpc>
+                <a:spcPts val="2600"/>
+              </a:lnSpc>
+            </a:pPr>
+            <a:r>
+              <a:rPr lang="ko-KR" altLang="en-US" dirty="0"/>
+              <a:t>향후 유지보수와 확장성을 고려해 기능별로 코드를 모듈화</a:t>
+            </a:r>
+            <a:endParaRPr lang="en-US" altLang="ko-KR" dirty="0"/>
+          </a:p>
+          <a:p>
+            <a:pPr lvl="1">
+              <a:lnSpc>
+                <a:spcPts val="2600"/>
+              </a:lnSpc>
+            </a:pPr>
+            <a:r>
+              <a:rPr lang="ko-KR" altLang="en-US" dirty="0"/>
+              <a:t>테스트 </a:t>
+            </a:r>
+            <a:r>
+              <a:rPr lang="ko-KR" altLang="en-US" dirty="0" err="1"/>
+              <a:t>커버리지를</a:t>
+            </a:r>
+            <a:r>
+              <a:rPr lang="ko-KR" altLang="en-US" dirty="0"/>
+              <a:t> </a:t>
+            </a:r>
+            <a:r>
+              <a:rPr lang="en-US" altLang="ko-KR" dirty="0"/>
+              <a:t>90% </a:t>
+            </a:r>
+            <a:r>
+              <a:rPr lang="ko-KR" altLang="en-US" dirty="0"/>
+              <a:t>이상 유지하여 핵심 기능의 신뢰성을 높이고 개발 효율성을 극대화</a:t>
+            </a:r>
+            <a:endParaRPr lang="en-US" altLang="ko-KR" dirty="0"/>
+          </a:p>
+          <a:p>
+            <a:pPr lvl="1">
+              <a:lnSpc>
+                <a:spcPts val="2600"/>
+              </a:lnSpc>
+            </a:pPr>
+            <a:endParaRPr lang="en-US" altLang="ko-KR" dirty="0"/>
+          </a:p>
+          <a:p>
+            <a:pPr marL="0" indent="0">
+              <a:lnSpc>
+                <a:spcPts val="2600"/>
+              </a:lnSpc>
+              <a:buNone/>
+            </a:pPr>
+            <a:r>
+              <a:rPr lang="en-US" altLang="ko-KR" dirty="0"/>
+              <a:t> </a:t>
+            </a:r>
+            <a:endParaRPr lang="ko-KR" altLang="en-US" dirty="0"/>
+          </a:p>
+          <a:p>
+            <a:pPr marL="0" indent="0">
+              <a:buFont typeface="Pretendard Medium" panose="02000603000000020004" pitchFamily="50" charset="-127"/>
+              <a:buNone/>
+            </a:pPr>
+            <a:endParaRPr lang="en-US" altLang="ko-KR" dirty="0"/>
+          </a:p>
+        </p:txBody>
+      </p:sp>
+    </p:spTree>
+    <p:extLst>
+      <p:ext uri="{BB962C8B-B14F-4D97-AF65-F5344CB8AC3E}">
+        <p14:creationId xmlns:p14="http://schemas.microsoft.com/office/powerpoint/2010/main" val="3458898264"/>
+      </p:ext>
+    </p:extLst>
+  </p:cSld>
+  <p:clrMapOvr>
+    <a:masterClrMapping/>
+  </p:clrMapOvr>
+</p:sld>
+</file>
+
+<file path=ppt/slides/slide21.xml><?xml version="1.0" encoding="utf-8"?>
 <p:sld xmlns:a="http://schemas.openxmlformats.org/drawingml/2006/main" xmlns:r="http://schemas.openxmlformats.org/officeDocument/2006/relationships" xmlns:p="http://schemas.openxmlformats.org/presentationml/2006/main">
   <p:cSld>
     <p:spTree>

--- a/기술 7부 김민수 성과 발표.pptx
+++ b/기술 7부 김민수 성과 발표.pptx
@@ -4701,7 +4701,7 @@
             </a:r>
             <a:r>
               <a:rPr lang="ko-KR" altLang="en-US" dirty="0"/>
-              <a:t>개발</a:t>
+              <a:t>개발 과정</a:t>
             </a:r>
           </a:p>
         </p:txBody>
@@ -4836,146 +4836,188 @@
           </a:p>
         </p:txBody>
       </p:sp>
-      <p:pic>
-        <p:nvPicPr>
-          <p:cNvPr id="18" name="그림 17">
-            <a:extLst>
-              <a:ext uri="{FF2B5EF4-FFF2-40B4-BE49-F238E27FC236}">
-                <a16:creationId xmlns:a16="http://schemas.microsoft.com/office/drawing/2014/main" id="{746F4F5B-4791-2C31-C894-4C39D4715665}"/>
-              </a:ext>
-            </a:extLst>
-          </p:cNvPr>
-          <p:cNvPicPr>
-            <a:picLocks noChangeAspect="1"/>
-          </p:cNvPicPr>
+      <p:grpSp>
+        <p:nvGrpSpPr>
+          <p:cNvPr id="6" name="그룹 5">
+            <a:extLst>
+              <a:ext uri="{FF2B5EF4-FFF2-40B4-BE49-F238E27FC236}">
+                <a16:creationId xmlns:a16="http://schemas.microsoft.com/office/drawing/2014/main" id="{04E53406-223F-FA63-8796-233858921B81}"/>
+              </a:ext>
+            </a:extLst>
+          </p:cNvPr>
+          <p:cNvGrpSpPr/>
           <p:nvPr/>
-        </p:nvPicPr>
-        <p:blipFill>
-          <a:blip r:embed="rId2"/>
-          <a:stretch>
-            <a:fillRect/>
-          </a:stretch>
-        </p:blipFill>
-        <p:spPr>
+        </p:nvGrpSpPr>
+        <p:grpSpPr>
           <a:xfrm>
             <a:off x="2207491" y="1633196"/>
-            <a:ext cx="2731977" cy="4355920"/>
+            <a:ext cx="2731977" cy="4696009"/>
+            <a:chOff x="2207491" y="1633196"/>
+            <a:chExt cx="2731977" cy="4696009"/>
           </a:xfrm>
-          <a:prstGeom prst="rect">
-            <a:avLst/>
-          </a:prstGeom>
-          <a:ln>
-            <a:solidFill>
-              <a:schemeClr val="tx1"/>
-            </a:solidFill>
-          </a:ln>
-        </p:spPr>
-      </p:pic>
-      <p:pic>
-        <p:nvPicPr>
-          <p:cNvPr id="3" name="그림 2">
-            <a:extLst>
-              <a:ext uri="{FF2B5EF4-FFF2-40B4-BE49-F238E27FC236}">
-                <a16:creationId xmlns:a16="http://schemas.microsoft.com/office/drawing/2014/main" id="{852BC9D8-D71D-7BD0-D3DF-00AC466B1E61}"/>
-              </a:ext>
-            </a:extLst>
-          </p:cNvPr>
-          <p:cNvPicPr>
-            <a:picLocks noChangeAspect="1"/>
-          </p:cNvPicPr>
+        </p:grpSpPr>
+        <p:pic>
+          <p:nvPicPr>
+            <p:cNvPr id="18" name="그림 17">
+              <a:extLst>
+                <a:ext uri="{FF2B5EF4-FFF2-40B4-BE49-F238E27FC236}">
+                  <a16:creationId xmlns:a16="http://schemas.microsoft.com/office/drawing/2014/main" id="{746F4F5B-4791-2C31-C894-4C39D4715665}"/>
+                </a:ext>
+              </a:extLst>
+            </p:cNvPr>
+            <p:cNvPicPr>
+              <a:picLocks noChangeAspect="1"/>
+            </p:cNvPicPr>
+            <p:nvPr/>
+          </p:nvPicPr>
+          <p:blipFill>
+            <a:blip r:embed="rId2"/>
+            <a:stretch>
+              <a:fillRect/>
+            </a:stretch>
+          </p:blipFill>
+          <p:spPr>
+            <a:xfrm>
+              <a:off x="2207491" y="1633196"/>
+              <a:ext cx="2731977" cy="4355920"/>
+            </a:xfrm>
+            <a:prstGeom prst="rect">
+              <a:avLst/>
+            </a:prstGeom>
+            <a:ln>
+              <a:solidFill>
+                <a:schemeClr val="tx1"/>
+              </a:solidFill>
+            </a:ln>
+          </p:spPr>
+        </p:pic>
+        <p:sp>
+          <p:nvSpPr>
+            <p:cNvPr id="7" name="TextBox 6">
+              <a:extLst>
+                <a:ext uri="{FF2B5EF4-FFF2-40B4-BE49-F238E27FC236}">
+                  <a16:creationId xmlns:a16="http://schemas.microsoft.com/office/drawing/2014/main" id="{D701C924-EDD8-6FFE-E467-6A7DBD5AA18B}"/>
+                </a:ext>
+              </a:extLst>
+            </p:cNvPr>
+            <p:cNvSpPr txBox="1"/>
+            <p:nvPr/>
+          </p:nvSpPr>
+          <p:spPr>
+            <a:xfrm>
+              <a:off x="2734080" y="6021428"/>
+              <a:ext cx="1678797" cy="307777"/>
+            </a:xfrm>
+            <a:prstGeom prst="rect">
+              <a:avLst/>
+            </a:prstGeom>
+            <a:noFill/>
+          </p:spPr>
+          <p:txBody>
+            <a:bodyPr wrap="square" rtlCol="0">
+              <a:spAutoFit/>
+            </a:bodyPr>
+            <a:lstStyle/>
+            <a:p>
+              <a:r>
+                <a:rPr lang="ko-KR" altLang="en-US" sz="1400" dirty="0"/>
+                <a:t>시퀀스 다이어그램</a:t>
+              </a:r>
+            </a:p>
+          </p:txBody>
+        </p:sp>
+      </p:grpSp>
+      <p:grpSp>
+        <p:nvGrpSpPr>
+          <p:cNvPr id="8" name="그룹 7">
+            <a:extLst>
+              <a:ext uri="{FF2B5EF4-FFF2-40B4-BE49-F238E27FC236}">
+                <a16:creationId xmlns:a16="http://schemas.microsoft.com/office/drawing/2014/main" id="{B1E47A70-8D25-11EB-7943-9D72AE87EB15}"/>
+              </a:ext>
+            </a:extLst>
+          </p:cNvPr>
+          <p:cNvGrpSpPr/>
           <p:nvPr/>
-        </p:nvPicPr>
-        <p:blipFill>
-          <a:blip r:embed="rId3"/>
-          <a:stretch>
-            <a:fillRect/>
-          </a:stretch>
-        </p:blipFill>
-        <p:spPr>
+        </p:nvGrpSpPr>
+        <p:grpSpPr>
           <a:xfrm>
             <a:off x="7001162" y="2156104"/>
-            <a:ext cx="3523332" cy="3833012"/>
+            <a:ext cx="3523332" cy="4204146"/>
+            <a:chOff x="7001162" y="2156104"/>
+            <a:chExt cx="3523332" cy="4204146"/>
           </a:xfrm>
-          <a:prstGeom prst="rect">
-            <a:avLst/>
-          </a:prstGeom>
-          <a:ln>
-            <a:solidFill>
-              <a:schemeClr val="tx1"/>
-            </a:solidFill>
-          </a:ln>
-        </p:spPr>
-      </p:pic>
-      <p:sp>
-        <p:nvSpPr>
-          <p:cNvPr id="7" name="TextBox 6">
-            <a:extLst>
-              <a:ext uri="{FF2B5EF4-FFF2-40B4-BE49-F238E27FC236}">
-                <a16:creationId xmlns:a16="http://schemas.microsoft.com/office/drawing/2014/main" id="{D701C924-EDD8-6FFE-E467-6A7DBD5AA18B}"/>
-              </a:ext>
-            </a:extLst>
-          </p:cNvPr>
-          <p:cNvSpPr txBox="1"/>
-          <p:nvPr/>
-        </p:nvSpPr>
-        <p:spPr>
-          <a:xfrm>
-            <a:off x="2734080" y="6021428"/>
-            <a:ext cx="1678797" cy="307777"/>
-          </a:xfrm>
-          <a:prstGeom prst="rect">
-            <a:avLst/>
-          </a:prstGeom>
-          <a:noFill/>
-        </p:spPr>
-        <p:txBody>
-          <a:bodyPr wrap="square" rtlCol="0">
-            <a:spAutoFit/>
-          </a:bodyPr>
-          <a:lstStyle/>
-          <a:p>
-            <a:r>
-              <a:rPr lang="ko-KR" altLang="en-US" sz="1400" dirty="0"/>
-              <a:t>시퀀스 다이어그램</a:t>
-            </a:r>
-          </a:p>
-        </p:txBody>
-      </p:sp>
-      <p:sp>
-        <p:nvSpPr>
-          <p:cNvPr id="9" name="TextBox 8">
-            <a:extLst>
-              <a:ext uri="{FF2B5EF4-FFF2-40B4-BE49-F238E27FC236}">
-                <a16:creationId xmlns:a16="http://schemas.microsoft.com/office/drawing/2014/main" id="{3FF315B8-4437-FD67-AA2D-06246EEC8A77}"/>
-              </a:ext>
-            </a:extLst>
-          </p:cNvPr>
-          <p:cNvSpPr txBox="1"/>
-          <p:nvPr/>
-        </p:nvSpPr>
-        <p:spPr>
-          <a:xfrm>
-            <a:off x="8005162" y="6052473"/>
-            <a:ext cx="1515333" cy="307777"/>
-          </a:xfrm>
-          <a:prstGeom prst="rect">
-            <a:avLst/>
-          </a:prstGeom>
-          <a:noFill/>
-        </p:spPr>
-        <p:txBody>
-          <a:bodyPr wrap="square" rtlCol="0">
-            <a:spAutoFit/>
-          </a:bodyPr>
-          <a:lstStyle/>
-          <a:p>
-            <a:r>
-              <a:rPr lang="ko-KR" altLang="en-US" sz="1400" dirty="0"/>
-              <a:t>상태 다이어그램</a:t>
-            </a:r>
-          </a:p>
-        </p:txBody>
-      </p:sp>
+        </p:grpSpPr>
+        <p:pic>
+          <p:nvPicPr>
+            <p:cNvPr id="3" name="그림 2">
+              <a:extLst>
+                <a:ext uri="{FF2B5EF4-FFF2-40B4-BE49-F238E27FC236}">
+                  <a16:creationId xmlns:a16="http://schemas.microsoft.com/office/drawing/2014/main" id="{852BC9D8-D71D-7BD0-D3DF-00AC466B1E61}"/>
+                </a:ext>
+              </a:extLst>
+            </p:cNvPr>
+            <p:cNvPicPr>
+              <a:picLocks noChangeAspect="1"/>
+            </p:cNvPicPr>
+            <p:nvPr/>
+          </p:nvPicPr>
+          <p:blipFill>
+            <a:blip r:embed="rId3"/>
+            <a:stretch>
+              <a:fillRect/>
+            </a:stretch>
+          </p:blipFill>
+          <p:spPr>
+            <a:xfrm>
+              <a:off x="7001162" y="2156104"/>
+              <a:ext cx="3523332" cy="3833012"/>
+            </a:xfrm>
+            <a:prstGeom prst="rect">
+              <a:avLst/>
+            </a:prstGeom>
+            <a:ln>
+              <a:solidFill>
+                <a:schemeClr val="tx1"/>
+              </a:solidFill>
+            </a:ln>
+          </p:spPr>
+        </p:pic>
+        <p:sp>
+          <p:nvSpPr>
+            <p:cNvPr id="9" name="TextBox 8">
+              <a:extLst>
+                <a:ext uri="{FF2B5EF4-FFF2-40B4-BE49-F238E27FC236}">
+                  <a16:creationId xmlns:a16="http://schemas.microsoft.com/office/drawing/2014/main" id="{3FF315B8-4437-FD67-AA2D-06246EEC8A77}"/>
+                </a:ext>
+              </a:extLst>
+            </p:cNvPr>
+            <p:cNvSpPr txBox="1"/>
+            <p:nvPr/>
+          </p:nvSpPr>
+          <p:spPr>
+            <a:xfrm>
+              <a:off x="8005162" y="6052473"/>
+              <a:ext cx="1515333" cy="307777"/>
+            </a:xfrm>
+            <a:prstGeom prst="rect">
+              <a:avLst/>
+            </a:prstGeom>
+            <a:noFill/>
+          </p:spPr>
+          <p:txBody>
+            <a:bodyPr wrap="square" rtlCol="0">
+              <a:spAutoFit/>
+            </a:bodyPr>
+            <a:lstStyle/>
+            <a:p>
+              <a:r>
+                <a:rPr lang="ko-KR" altLang="en-US" sz="1400" dirty="0"/>
+                <a:t>상태 다이어그램</a:t>
+              </a:r>
+            </a:p>
+          </p:txBody>
+        </p:sp>
+      </p:grpSp>
     </p:spTree>
     <p:extLst>
       <p:ext uri="{BB962C8B-B14F-4D97-AF65-F5344CB8AC3E}">
@@ -7683,7 +7725,7 @@
         <p:spPr>
           <a:xfrm>
             <a:off x="4401075" y="2435179"/>
-            <a:ext cx="2005677" cy="603242"/>
+            <a:ext cx="1710725" cy="610616"/>
           </a:xfrm>
           <a:prstGeom prst="rect">
             <a:avLst/>
@@ -7740,7 +7782,7 @@
                 <a:ea typeface="Pretendard Medium" panose="02000603000000020004" pitchFamily="50" charset="-127"/>
                 <a:cs typeface="Pretendard Medium" panose="02000603000000020004" pitchFamily="50" charset="-127"/>
               </a:rPr>
-              <a:t>개발 핵심 포인트 분석 </a:t>
+              <a:t>개발 핵심 포인트 </a:t>
             </a:r>
             <a:endParaRPr lang="en-US" altLang="ko-KR" sz="1200" dirty="0">
               <a:solidFill>
@@ -8011,7 +8053,7 @@
                 <a:ea typeface="Pretendard Medium" panose="02000603000000020004" pitchFamily="50" charset="-127"/>
                 <a:cs typeface="Pretendard Medium" panose="02000603000000020004" pitchFamily="50" charset="-127"/>
               </a:rPr>
-              <a:t>업무 성과</a:t>
+              <a:t>업무성과</a:t>
             </a:r>
             <a:endParaRPr lang="en-US" altLang="ko-KR" sz="1200" dirty="0">
               <a:solidFill>
@@ -9619,7 +9661,7 @@
             </a:r>
             <a:r>
               <a:rPr lang="ko-KR" altLang="en-US" dirty="0"/>
-              <a:t>요구사항</a:t>
+              <a:t>요구사항 리스트업</a:t>
             </a:r>
           </a:p>
         </p:txBody>
@@ -9685,7 +9727,7 @@
             </a:r>
             <a:r>
               <a:rPr lang="ko-KR" altLang="en-US" dirty="0"/>
-              <a:t>핵심 포인트 정리</a:t>
+              <a:t>핵심 포인트</a:t>
             </a:r>
           </a:p>
         </p:txBody>
@@ -9762,7 +9804,7 @@
             </a:r>
             <a:r>
               <a:rPr lang="ko-KR" altLang="en-US" b="1" dirty="0"/>
-              <a:t>시스템 자동화</a:t>
+              <a:t>자동화</a:t>
             </a:r>
             <a:endParaRPr lang="en-US" altLang="ko-KR" dirty="0"/>
           </a:p>
@@ -9863,6 +9905,14 @@
             <a:r>
               <a:rPr lang="en-US" altLang="ko-KR" dirty="0"/>
               <a:t>UX </a:t>
+            </a:r>
+            <a:r>
+              <a:rPr lang="ko-KR" altLang="en-US" dirty="0"/>
+              <a:t>통한</a:t>
+            </a:r>
+            <a:r>
+              <a:rPr lang="en-US" altLang="ko-KR" dirty="0"/>
+              <a:t> </a:t>
             </a:r>
             <a:r>
               <a:rPr lang="ko-KR" altLang="en-US" dirty="0"/>

--- a/기술 7부 김민수 성과 발표.pptx
+++ b/기술 7부 김민수 성과 발표.pptx
@@ -234,7 +234,7 @@
           <a:p>
             <a:fld id="{A9B43A4F-567D-4F7C-942E-028A75CA9E8A}" type="datetimeFigureOut">
               <a:rPr lang="ko-KR" altLang="en-US" smtClean="0"/>
-              <a:t>2024-04-27</a:t>
+              <a:t>2024-04-29</a:t>
             </a:fld>
             <a:endParaRPr lang="ko-KR" altLang="en-US"/>
           </a:p>
@@ -499,6 +499,2609 @@
     </a:lvl9pPr>
   </p:notesStyle>
 </p:notesMaster>
+</file>
+
+<file path=ppt/notesSlides/notesSlide1.xml><?xml version="1.0" encoding="utf-8"?>
+<p:notes xmlns:a="http://schemas.openxmlformats.org/drawingml/2006/main" xmlns:r="http://schemas.openxmlformats.org/officeDocument/2006/relationships" xmlns:p="http://schemas.openxmlformats.org/presentationml/2006/main">
+  <p:cSld>
+    <p:spTree>
+      <p:nvGrpSpPr>
+        <p:cNvPr id="1" name=""/>
+        <p:cNvGrpSpPr/>
+        <p:nvPr/>
+      </p:nvGrpSpPr>
+      <p:grpSpPr>
+        <a:xfrm>
+          <a:off x="0" y="0"/>
+          <a:ext cx="0" cy="0"/>
+          <a:chOff x="0" y="0"/>
+          <a:chExt cx="0" cy="0"/>
+        </a:xfrm>
+      </p:grpSpPr>
+      <p:sp>
+        <p:nvSpPr>
+          <p:cNvPr id="2" name="슬라이드 이미지 개체 틀 1"/>
+          <p:cNvSpPr>
+            <a:spLocks noGrp="1" noRot="1" noChangeAspect="1"/>
+          </p:cNvSpPr>
+          <p:nvPr>
+            <p:ph type="sldImg"/>
+          </p:nvPr>
+        </p:nvSpPr>
+        <p:spPr/>
+      </p:sp>
+      <p:sp>
+        <p:nvSpPr>
+          <p:cNvPr id="3" name="슬라이드 노트 개체 틀 2"/>
+          <p:cNvSpPr>
+            <a:spLocks noGrp="1"/>
+          </p:cNvSpPr>
+          <p:nvPr>
+            <p:ph type="body" idx="1"/>
+          </p:nvPr>
+        </p:nvSpPr>
+        <p:spPr/>
+        <p:txBody>
+          <a:bodyPr/>
+          <a:lstStyle/>
+          <a:p>
+            <a:r>
+              <a:rPr lang="ko-KR" altLang="en-US" dirty="0"/>
+              <a:t>표지</a:t>
+            </a:r>
+          </a:p>
+          <a:p>
+            <a:endParaRPr lang="ko-KR" altLang="en-US" dirty="0"/>
+          </a:p>
+          <a:p>
+            <a:r>
+              <a:rPr lang="ko-KR" altLang="en-US" dirty="0"/>
+              <a:t>지금부터 업무성과 발표를 시작하겠습니다</a:t>
+            </a:r>
+            <a:r>
+              <a:rPr lang="en-US" altLang="ko-KR" dirty="0"/>
+              <a:t>.</a:t>
+            </a:r>
+          </a:p>
+          <a:p>
+            <a:endParaRPr lang="en-US" altLang="ko-KR" dirty="0"/>
+          </a:p>
+          <a:p>
+            <a:r>
+              <a:rPr lang="ko-KR" altLang="en-US" dirty="0"/>
+              <a:t>안녕하십니까 저는 기술 </a:t>
+            </a:r>
+            <a:r>
+              <a:rPr lang="en-US" altLang="ko-KR" dirty="0"/>
+              <a:t>7</a:t>
+            </a:r>
+            <a:r>
+              <a:rPr lang="ko-KR" altLang="en-US" dirty="0"/>
+              <a:t>부의 김민수 연구원입니다</a:t>
+            </a:r>
+            <a:r>
+              <a:rPr lang="en-US" altLang="ko-KR" dirty="0"/>
+              <a:t>.</a:t>
+            </a:r>
+            <a:endParaRPr lang="ko-KR" altLang="en-US" dirty="0"/>
+          </a:p>
+        </p:txBody>
+      </p:sp>
+      <p:sp>
+        <p:nvSpPr>
+          <p:cNvPr id="4" name="슬라이드 번호 개체 틀 3"/>
+          <p:cNvSpPr>
+            <a:spLocks noGrp="1"/>
+          </p:cNvSpPr>
+          <p:nvPr>
+            <p:ph type="sldNum" sz="quarter" idx="5"/>
+          </p:nvPr>
+        </p:nvSpPr>
+        <p:spPr/>
+        <p:txBody>
+          <a:bodyPr/>
+          <a:lstStyle/>
+          <a:p>
+            <a:fld id="{138660D8-7BF7-4AAF-8061-172769AEAB12}" type="slidenum">
+              <a:rPr lang="ko-KR" altLang="en-US" smtClean="0"/>
+              <a:t>0</a:t>
+            </a:fld>
+            <a:endParaRPr lang="ko-KR" altLang="en-US"/>
+          </a:p>
+        </p:txBody>
+      </p:sp>
+    </p:spTree>
+    <p:extLst>
+      <p:ext uri="{BB962C8B-B14F-4D97-AF65-F5344CB8AC3E}">
+        <p14:creationId xmlns:p14="http://schemas.microsoft.com/office/powerpoint/2010/main" val="2354152149"/>
+      </p:ext>
+    </p:extLst>
+  </p:cSld>
+  <p:clrMapOvr>
+    <a:masterClrMapping/>
+  </p:clrMapOvr>
+</p:notes>
+</file>
+
+<file path=ppt/notesSlides/notesSlide10.xml><?xml version="1.0" encoding="utf-8"?>
+<p:notes xmlns:a="http://schemas.openxmlformats.org/drawingml/2006/main" xmlns:r="http://schemas.openxmlformats.org/officeDocument/2006/relationships" xmlns:p="http://schemas.openxmlformats.org/presentationml/2006/main">
+  <p:cSld>
+    <p:spTree>
+      <p:nvGrpSpPr>
+        <p:cNvPr id="1" name=""/>
+        <p:cNvGrpSpPr/>
+        <p:nvPr/>
+      </p:nvGrpSpPr>
+      <p:grpSpPr>
+        <a:xfrm>
+          <a:off x="0" y="0"/>
+          <a:ext cx="0" cy="0"/>
+          <a:chOff x="0" y="0"/>
+          <a:chExt cx="0" cy="0"/>
+        </a:xfrm>
+      </p:grpSpPr>
+      <p:sp>
+        <p:nvSpPr>
+          <p:cNvPr id="2" name="슬라이드 이미지 개체 틀 1"/>
+          <p:cNvSpPr>
+            <a:spLocks noGrp="1" noRot="1" noChangeAspect="1"/>
+          </p:cNvSpPr>
+          <p:nvPr>
+            <p:ph type="sldImg"/>
+          </p:nvPr>
+        </p:nvSpPr>
+        <p:spPr/>
+      </p:sp>
+      <p:sp>
+        <p:nvSpPr>
+          <p:cNvPr id="3" name="슬라이드 노트 개체 틀 2"/>
+          <p:cNvSpPr>
+            <a:spLocks noGrp="1"/>
+          </p:cNvSpPr>
+          <p:nvPr>
+            <p:ph type="body" idx="1"/>
+          </p:nvPr>
+        </p:nvSpPr>
+        <p:spPr/>
+        <p:txBody>
+          <a:bodyPr/>
+          <a:lstStyle/>
+          <a:p>
+            <a:r>
+              <a:rPr lang="ko-KR" altLang="en-US" dirty="0"/>
+              <a:t>먼저 테스트에 대해 말씀 드리겠습니다</a:t>
+            </a:r>
+            <a:r>
+              <a:rPr lang="en-US" altLang="ko-KR" dirty="0"/>
+              <a:t>.</a:t>
+            </a:r>
+          </a:p>
+          <a:p>
+            <a:r>
+              <a:rPr lang="ko-KR" altLang="en-US" dirty="0"/>
+              <a:t>테스트는 단위 테스트와 통합테스트를 구분하여 진행하였습니다</a:t>
+            </a:r>
+            <a:r>
+              <a:rPr lang="en-US" altLang="ko-KR" dirty="0"/>
+              <a:t>.</a:t>
+            </a:r>
+          </a:p>
+          <a:p>
+            <a:r>
+              <a:rPr lang="ko-KR" altLang="en-US" dirty="0"/>
+              <a:t>단위테스트는 모의로 데이터를 만들어 개별 코드 단위의 정확성을 검증하는 테스트이며 </a:t>
+            </a:r>
+          </a:p>
+          <a:p>
+            <a:r>
+              <a:rPr lang="ko-KR" altLang="en-US" dirty="0"/>
+              <a:t>통합 테스트는 서로 다른 모듈이나 서비스가 통합될 때의 전체 흐름과 데이터 교환의 정확성을 검증합니다</a:t>
+            </a:r>
+            <a:r>
+              <a:rPr lang="en-US" altLang="ko-KR" dirty="0"/>
+              <a:t>.</a:t>
+            </a:r>
+            <a:endParaRPr lang="ko-KR" altLang="en-US" dirty="0"/>
+          </a:p>
+        </p:txBody>
+      </p:sp>
+      <p:sp>
+        <p:nvSpPr>
+          <p:cNvPr id="4" name="슬라이드 번호 개체 틀 3"/>
+          <p:cNvSpPr>
+            <a:spLocks noGrp="1"/>
+          </p:cNvSpPr>
+          <p:nvPr>
+            <p:ph type="sldNum" sz="quarter" idx="5"/>
+          </p:nvPr>
+        </p:nvSpPr>
+        <p:spPr/>
+        <p:txBody>
+          <a:bodyPr/>
+          <a:lstStyle/>
+          <a:p>
+            <a:fld id="{138660D8-7BF7-4AAF-8061-172769AEAB12}" type="slidenum">
+              <a:rPr lang="ko-KR" altLang="en-US" smtClean="0"/>
+              <a:t>13</a:t>
+            </a:fld>
+            <a:endParaRPr lang="ko-KR" altLang="en-US"/>
+          </a:p>
+        </p:txBody>
+      </p:sp>
+    </p:spTree>
+    <p:extLst>
+      <p:ext uri="{BB962C8B-B14F-4D97-AF65-F5344CB8AC3E}">
+        <p14:creationId xmlns:p14="http://schemas.microsoft.com/office/powerpoint/2010/main" val="2969371835"/>
+      </p:ext>
+    </p:extLst>
+  </p:cSld>
+  <p:clrMapOvr>
+    <a:masterClrMapping/>
+  </p:clrMapOvr>
+</p:notes>
+</file>
+
+<file path=ppt/notesSlides/notesSlide11.xml><?xml version="1.0" encoding="utf-8"?>
+<p:notes xmlns:a="http://schemas.openxmlformats.org/drawingml/2006/main" xmlns:r="http://schemas.openxmlformats.org/officeDocument/2006/relationships" xmlns:p="http://schemas.openxmlformats.org/presentationml/2006/main">
+  <p:cSld>
+    <p:spTree>
+      <p:nvGrpSpPr>
+        <p:cNvPr id="1" name=""/>
+        <p:cNvGrpSpPr/>
+        <p:nvPr/>
+      </p:nvGrpSpPr>
+      <p:grpSpPr>
+        <a:xfrm>
+          <a:off x="0" y="0"/>
+          <a:ext cx="0" cy="0"/>
+          <a:chOff x="0" y="0"/>
+          <a:chExt cx="0" cy="0"/>
+        </a:xfrm>
+      </p:grpSpPr>
+      <p:sp>
+        <p:nvSpPr>
+          <p:cNvPr id="2" name="슬라이드 이미지 개체 틀 1"/>
+          <p:cNvSpPr>
+            <a:spLocks noGrp="1" noRot="1" noChangeAspect="1"/>
+          </p:cNvSpPr>
+          <p:nvPr>
+            <p:ph type="sldImg"/>
+          </p:nvPr>
+        </p:nvSpPr>
+        <p:spPr/>
+      </p:sp>
+      <p:sp>
+        <p:nvSpPr>
+          <p:cNvPr id="3" name="슬라이드 노트 개체 틀 2"/>
+          <p:cNvSpPr>
+            <a:spLocks noGrp="1"/>
+          </p:cNvSpPr>
+          <p:nvPr>
+            <p:ph type="body" idx="1"/>
+          </p:nvPr>
+        </p:nvSpPr>
+        <p:spPr/>
+        <p:txBody>
+          <a:bodyPr/>
+          <a:lstStyle/>
+          <a:p>
+            <a:r>
+              <a:rPr lang="ko-KR" altLang="en-US" dirty="0"/>
+              <a:t>다음은 테스트 커버리지 입니다</a:t>
+            </a:r>
+            <a:r>
+              <a:rPr lang="en-US" altLang="ko-KR" dirty="0"/>
+              <a:t>.</a:t>
+            </a:r>
+          </a:p>
+          <a:p>
+            <a:endParaRPr lang="en-US" altLang="ko-KR" dirty="0"/>
+          </a:p>
+          <a:p>
+            <a:r>
+              <a:rPr lang="ko-KR" altLang="en-US" dirty="0"/>
+              <a:t>테스트 커버리지는 실시한 테스트가 얼마나 많이 작성된 실제 코드를 실행하고 있는지 측정하는 지표입니다</a:t>
+            </a:r>
+            <a:r>
+              <a:rPr lang="en-US" altLang="ko-KR" dirty="0"/>
+              <a:t>.</a:t>
+            </a:r>
+          </a:p>
+          <a:p>
+            <a:r>
+              <a:rPr lang="ko-KR" altLang="en-US" dirty="0"/>
+              <a:t>보여드리고 있는 이 스크린샷을 보시는 것처럼 모든 모듈에서 </a:t>
+            </a:r>
+            <a:r>
+              <a:rPr lang="en-US" altLang="ko-KR" dirty="0"/>
+              <a:t>100% </a:t>
+            </a:r>
+            <a:r>
+              <a:rPr lang="ko-KR" altLang="en-US" dirty="0" err="1"/>
+              <a:t>커버리지를</a:t>
+            </a:r>
+            <a:r>
+              <a:rPr lang="ko-KR" altLang="en-US" dirty="0"/>
+              <a:t> 달성하지는 않았습니다</a:t>
+            </a:r>
+            <a:r>
+              <a:rPr lang="en-US" altLang="ko-KR" dirty="0"/>
+              <a:t>.</a:t>
+            </a:r>
+          </a:p>
+          <a:p>
+            <a:r>
+              <a:rPr lang="ko-KR" altLang="en-US" dirty="0"/>
+              <a:t>이는 해당 모듈의 특정 부분이 예외적인 경우나 아직 발생하지 않은 시나리오를 대비한 코드를 포함하기 때문입니다</a:t>
+            </a:r>
+            <a:r>
+              <a:rPr lang="en-US" altLang="ko-KR" dirty="0"/>
+              <a:t>.</a:t>
+            </a:r>
+          </a:p>
+          <a:p>
+            <a:r>
+              <a:rPr lang="ko-KR" altLang="en-US" dirty="0" err="1"/>
+              <a:t>개발을하며</a:t>
+            </a:r>
+            <a:r>
+              <a:rPr lang="ko-KR" altLang="en-US" dirty="0"/>
+              <a:t> 가장 많은 시간을 들인 부분이 테스트 코드를 작성하는 부분이기도 했고</a:t>
+            </a:r>
+            <a:r>
+              <a:rPr lang="en-US" altLang="ko-KR" dirty="0"/>
+              <a:t>, </a:t>
+            </a:r>
+            <a:r>
+              <a:rPr lang="ko-KR" altLang="en-US" dirty="0"/>
+              <a:t>효율성도 중요하기 때문에 </a:t>
+            </a:r>
+          </a:p>
+          <a:p>
+            <a:r>
+              <a:rPr lang="ko-KR" altLang="en-US" dirty="0"/>
+              <a:t>발생할 가능성이 낮은 경로에 대해서는 테스트를 실시 하지 않고 좀 더 중요한 기능과 사용자에게 영향을 미칠 수 잇는 부분에 대한</a:t>
+            </a:r>
+          </a:p>
+          <a:p>
+            <a:r>
+              <a:rPr lang="ko-KR" altLang="en-US" dirty="0"/>
+              <a:t>테스트에 좀더 집중을 하였습니다</a:t>
+            </a:r>
+            <a:r>
+              <a:rPr lang="en-US" altLang="ko-KR" dirty="0"/>
+              <a:t>.</a:t>
+            </a:r>
+            <a:endParaRPr lang="ko-KR" altLang="en-US" dirty="0"/>
+          </a:p>
+        </p:txBody>
+      </p:sp>
+      <p:sp>
+        <p:nvSpPr>
+          <p:cNvPr id="4" name="슬라이드 번호 개체 틀 3"/>
+          <p:cNvSpPr>
+            <a:spLocks noGrp="1"/>
+          </p:cNvSpPr>
+          <p:nvPr>
+            <p:ph type="sldNum" sz="quarter" idx="5"/>
+          </p:nvPr>
+        </p:nvSpPr>
+        <p:spPr/>
+        <p:txBody>
+          <a:bodyPr/>
+          <a:lstStyle/>
+          <a:p>
+            <a:fld id="{138660D8-7BF7-4AAF-8061-172769AEAB12}" type="slidenum">
+              <a:rPr lang="ko-KR" altLang="en-US" smtClean="0"/>
+              <a:t>14</a:t>
+            </a:fld>
+            <a:endParaRPr lang="ko-KR" altLang="en-US"/>
+          </a:p>
+        </p:txBody>
+      </p:sp>
+    </p:spTree>
+    <p:extLst>
+      <p:ext uri="{BB962C8B-B14F-4D97-AF65-F5344CB8AC3E}">
+        <p14:creationId xmlns:p14="http://schemas.microsoft.com/office/powerpoint/2010/main" val="1281360061"/>
+      </p:ext>
+    </p:extLst>
+  </p:cSld>
+  <p:clrMapOvr>
+    <a:masterClrMapping/>
+  </p:clrMapOvr>
+</p:notes>
+</file>
+
+<file path=ppt/notesSlides/notesSlide12.xml><?xml version="1.0" encoding="utf-8"?>
+<p:notes xmlns:a="http://schemas.openxmlformats.org/drawingml/2006/main" xmlns:r="http://schemas.openxmlformats.org/officeDocument/2006/relationships" xmlns:p="http://schemas.openxmlformats.org/presentationml/2006/main">
+  <p:cSld>
+    <p:spTree>
+      <p:nvGrpSpPr>
+        <p:cNvPr id="1" name=""/>
+        <p:cNvGrpSpPr/>
+        <p:nvPr/>
+      </p:nvGrpSpPr>
+      <p:grpSpPr>
+        <a:xfrm>
+          <a:off x="0" y="0"/>
+          <a:ext cx="0" cy="0"/>
+          <a:chOff x="0" y="0"/>
+          <a:chExt cx="0" cy="0"/>
+        </a:xfrm>
+      </p:grpSpPr>
+      <p:sp>
+        <p:nvSpPr>
+          <p:cNvPr id="2" name="슬라이드 이미지 개체 틀 1"/>
+          <p:cNvSpPr>
+            <a:spLocks noGrp="1" noRot="1" noChangeAspect="1"/>
+          </p:cNvSpPr>
+          <p:nvPr>
+            <p:ph type="sldImg"/>
+          </p:nvPr>
+        </p:nvSpPr>
+        <p:spPr/>
+      </p:sp>
+      <p:sp>
+        <p:nvSpPr>
+          <p:cNvPr id="3" name="슬라이드 노트 개체 틀 2"/>
+          <p:cNvSpPr>
+            <a:spLocks noGrp="1"/>
+          </p:cNvSpPr>
+          <p:nvPr>
+            <p:ph type="body" idx="1"/>
+          </p:nvPr>
+        </p:nvSpPr>
+        <p:spPr/>
+        <p:txBody>
+          <a:bodyPr/>
+          <a:lstStyle/>
+          <a:p>
+            <a:r>
+              <a:rPr lang="ko-KR" altLang="en-US" dirty="0"/>
+              <a:t>업무성과 </a:t>
+            </a:r>
+            <a:r>
+              <a:rPr lang="ko-KR" altLang="en-US" dirty="0" err="1"/>
+              <a:t>부터</a:t>
+            </a:r>
+            <a:r>
+              <a:rPr lang="ko-KR" altLang="en-US" dirty="0"/>
+              <a:t> 말씀 드리겠습니다</a:t>
+            </a:r>
+            <a:r>
+              <a:rPr lang="en-US" altLang="ko-KR" dirty="0"/>
+              <a:t>.</a:t>
+            </a:r>
+          </a:p>
+          <a:p>
+            <a:r>
+              <a:rPr lang="ko-KR" altLang="en-US" dirty="0"/>
+              <a:t>첫번째는 지원자가 직접 지원함으로써 모든 데이터는 서버에 자동 저장되고</a:t>
+            </a:r>
+            <a:r>
+              <a:rPr lang="en-US" altLang="ko-KR" dirty="0"/>
+              <a:t>, </a:t>
+            </a:r>
+            <a:r>
+              <a:rPr lang="ko-KR" altLang="en-US" dirty="0"/>
+              <a:t>이는 직접 분류하고 입력하던 과거의 번거로운 작업들을 대체했습니다</a:t>
+            </a:r>
+            <a:r>
+              <a:rPr lang="en-US" altLang="ko-KR" dirty="0"/>
+              <a:t>.</a:t>
+            </a:r>
+          </a:p>
+          <a:p>
+            <a:r>
+              <a:rPr lang="ko-KR" altLang="en-US" dirty="0"/>
+              <a:t>또한 실시간 알람을 통해 이벤트 발생시 즉각적인 통지를 가능하게 하여 업무 스케줄관리와 응답성을 높였습니다</a:t>
+            </a:r>
+            <a:r>
+              <a:rPr lang="en-US" altLang="ko-KR" dirty="0"/>
+              <a:t>.</a:t>
+            </a:r>
+          </a:p>
+          <a:p>
+            <a:r>
+              <a:rPr lang="ko-KR" altLang="en-US" dirty="0"/>
+              <a:t>두번째로 </a:t>
+            </a:r>
+            <a:r>
+              <a:rPr lang="ko-KR" altLang="en-US" dirty="0" err="1"/>
+              <a:t>깃랩</a:t>
+            </a:r>
+            <a:r>
+              <a:rPr lang="ko-KR" altLang="en-US" dirty="0"/>
+              <a:t> </a:t>
+            </a:r>
+            <a:r>
+              <a:rPr lang="en-US" altLang="ko-KR" dirty="0"/>
+              <a:t>CI/CD </a:t>
+            </a:r>
+            <a:r>
+              <a:rPr lang="ko-KR" altLang="en-US" dirty="0"/>
+              <a:t>워크플로우를 통해 개발 프로세스를 자동화하였습니다</a:t>
+            </a:r>
+            <a:r>
+              <a:rPr lang="en-US" altLang="ko-KR" dirty="0"/>
+              <a:t>. </a:t>
+            </a:r>
+            <a:r>
+              <a:rPr lang="ko-KR" altLang="en-US" dirty="0"/>
+              <a:t>코드의 </a:t>
+            </a:r>
+            <a:r>
+              <a:rPr lang="ko-KR" altLang="en-US" dirty="0" err="1"/>
+              <a:t>커밋부터</a:t>
+            </a:r>
+            <a:r>
+              <a:rPr lang="ko-KR" altLang="en-US" dirty="0"/>
+              <a:t> 배포까지 모든 단계가 자동으로 이루어지며</a:t>
+            </a:r>
+          </a:p>
+          <a:p>
+            <a:r>
+              <a:rPr lang="ko-KR" altLang="en-US" dirty="0"/>
+              <a:t>이를 통해 발생하는 오류에 빠르게 </a:t>
+            </a:r>
+            <a:r>
+              <a:rPr lang="ko-KR" altLang="en-US" dirty="0" err="1"/>
+              <a:t>대처할수</a:t>
+            </a:r>
+            <a:r>
+              <a:rPr lang="ko-KR" altLang="en-US" dirty="0"/>
+              <a:t> 있게 되었습니다</a:t>
+            </a:r>
+            <a:r>
+              <a:rPr lang="en-US" altLang="ko-KR" dirty="0"/>
+              <a:t>.</a:t>
+            </a:r>
+            <a:endParaRPr lang="ko-KR" altLang="en-US" dirty="0"/>
+          </a:p>
+        </p:txBody>
+      </p:sp>
+      <p:sp>
+        <p:nvSpPr>
+          <p:cNvPr id="4" name="슬라이드 번호 개체 틀 3"/>
+          <p:cNvSpPr>
+            <a:spLocks noGrp="1"/>
+          </p:cNvSpPr>
+          <p:nvPr>
+            <p:ph type="sldNum" sz="quarter" idx="5"/>
+          </p:nvPr>
+        </p:nvSpPr>
+        <p:spPr/>
+        <p:txBody>
+          <a:bodyPr/>
+          <a:lstStyle/>
+          <a:p>
+            <a:fld id="{138660D8-7BF7-4AAF-8061-172769AEAB12}" type="slidenum">
+              <a:rPr lang="ko-KR" altLang="en-US" smtClean="0"/>
+              <a:t>16</a:t>
+            </a:fld>
+            <a:endParaRPr lang="ko-KR" altLang="en-US"/>
+          </a:p>
+        </p:txBody>
+      </p:sp>
+    </p:spTree>
+    <p:extLst>
+      <p:ext uri="{BB962C8B-B14F-4D97-AF65-F5344CB8AC3E}">
+        <p14:creationId xmlns:p14="http://schemas.microsoft.com/office/powerpoint/2010/main" val="928026458"/>
+      </p:ext>
+    </p:extLst>
+  </p:cSld>
+  <p:clrMapOvr>
+    <a:masterClrMapping/>
+  </p:clrMapOvr>
+</p:notes>
+</file>
+
+<file path=ppt/notesSlides/notesSlide13.xml><?xml version="1.0" encoding="utf-8"?>
+<p:notes xmlns:a="http://schemas.openxmlformats.org/drawingml/2006/main" xmlns:r="http://schemas.openxmlformats.org/officeDocument/2006/relationships" xmlns:p="http://schemas.openxmlformats.org/presentationml/2006/main">
+  <p:cSld>
+    <p:spTree>
+      <p:nvGrpSpPr>
+        <p:cNvPr id="1" name=""/>
+        <p:cNvGrpSpPr/>
+        <p:nvPr/>
+      </p:nvGrpSpPr>
+      <p:grpSpPr>
+        <a:xfrm>
+          <a:off x="0" y="0"/>
+          <a:ext cx="0" cy="0"/>
+          <a:chOff x="0" y="0"/>
+          <a:chExt cx="0" cy="0"/>
+        </a:xfrm>
+      </p:grpSpPr>
+      <p:sp>
+        <p:nvSpPr>
+          <p:cNvPr id="2" name="슬라이드 이미지 개체 틀 1"/>
+          <p:cNvSpPr>
+            <a:spLocks noGrp="1" noRot="1" noChangeAspect="1"/>
+          </p:cNvSpPr>
+          <p:nvPr>
+            <p:ph type="sldImg"/>
+          </p:nvPr>
+        </p:nvSpPr>
+        <p:spPr/>
+      </p:sp>
+      <p:sp>
+        <p:nvSpPr>
+          <p:cNvPr id="3" name="슬라이드 노트 개체 틀 2"/>
+          <p:cNvSpPr>
+            <a:spLocks noGrp="1"/>
+          </p:cNvSpPr>
+          <p:nvPr>
+            <p:ph type="body" idx="1"/>
+          </p:nvPr>
+        </p:nvSpPr>
+        <p:spPr/>
+        <p:txBody>
+          <a:bodyPr/>
+          <a:lstStyle/>
+          <a:p>
+            <a:r>
+              <a:rPr lang="ko-KR" altLang="en-US" dirty="0"/>
+              <a:t>회사의 중요한 사업과 관련된 프로젝트를 한다는 것에 대해 잘 못하면 어쩌지 하는 막연한 불안감이 존재했습니다</a:t>
+            </a:r>
+            <a:r>
+              <a:rPr lang="en-US" altLang="ko-KR" dirty="0"/>
+              <a:t>.</a:t>
+            </a:r>
+          </a:p>
+          <a:p>
+            <a:r>
+              <a:rPr lang="ko-KR" altLang="en-US" dirty="0"/>
+              <a:t>하지만 </a:t>
+            </a:r>
+            <a:r>
+              <a:rPr lang="en-US" altLang="ko-KR" dirty="0"/>
+              <a:t>LRIM </a:t>
+            </a:r>
+            <a:r>
+              <a:rPr lang="ko-KR" altLang="en-US" dirty="0"/>
+              <a:t>사이드 프로젝트를 하며 자신감도 얻고 </a:t>
+            </a:r>
+            <a:r>
+              <a:rPr lang="en-US" altLang="ko-KR" dirty="0"/>
+              <a:t>java</a:t>
+            </a:r>
+            <a:r>
+              <a:rPr lang="ko-KR" altLang="en-US" dirty="0"/>
+              <a:t>를 주언어로 사용하던 제가 </a:t>
+            </a:r>
+            <a:r>
+              <a:rPr lang="en-US" altLang="ko-KR" dirty="0" err="1"/>
+              <a:t>javascript</a:t>
+            </a:r>
+            <a:r>
+              <a:rPr lang="ko-KR" altLang="en-US" dirty="0"/>
+              <a:t>로 전환 하는데</a:t>
+            </a:r>
+          </a:p>
+          <a:p>
+            <a:r>
+              <a:rPr lang="ko-KR" altLang="en-US" dirty="0"/>
+              <a:t>많은 기술적 도움이 되었습니다</a:t>
+            </a:r>
+            <a:r>
+              <a:rPr lang="en-US" altLang="ko-KR" dirty="0"/>
+              <a:t>.</a:t>
+            </a:r>
+          </a:p>
+          <a:p>
+            <a:r>
+              <a:rPr lang="ko-KR" altLang="en-US" dirty="0"/>
+              <a:t>또한 사용자의 요구와 개발자의 시각 사이의 격차를 파악하는 중요한 인사이트를 얻었습니다</a:t>
+            </a:r>
+            <a:r>
+              <a:rPr lang="en-US" altLang="ko-KR" dirty="0"/>
+              <a:t>.</a:t>
+            </a:r>
+          </a:p>
+          <a:p>
+            <a:r>
+              <a:rPr lang="ko-KR" altLang="en-US" dirty="0"/>
+              <a:t>이로써 사용자와의 소통의 가치를 다시한번 알게 되었고 앞으로 나아갈 방향을 설정하는데 중요한 경험이 되었습니다</a:t>
+            </a:r>
+            <a:r>
+              <a:rPr lang="en-US" altLang="ko-KR" dirty="0"/>
+              <a:t>.</a:t>
+            </a:r>
+            <a:endParaRPr lang="ko-KR" altLang="en-US" dirty="0"/>
+          </a:p>
+        </p:txBody>
+      </p:sp>
+      <p:sp>
+        <p:nvSpPr>
+          <p:cNvPr id="4" name="슬라이드 번호 개체 틀 3"/>
+          <p:cNvSpPr>
+            <a:spLocks noGrp="1"/>
+          </p:cNvSpPr>
+          <p:nvPr>
+            <p:ph type="sldNum" sz="quarter" idx="5"/>
+          </p:nvPr>
+        </p:nvSpPr>
+        <p:spPr/>
+        <p:txBody>
+          <a:bodyPr/>
+          <a:lstStyle/>
+          <a:p>
+            <a:fld id="{138660D8-7BF7-4AAF-8061-172769AEAB12}" type="slidenum">
+              <a:rPr lang="ko-KR" altLang="en-US" smtClean="0"/>
+              <a:t>17</a:t>
+            </a:fld>
+            <a:endParaRPr lang="ko-KR" altLang="en-US"/>
+          </a:p>
+        </p:txBody>
+      </p:sp>
+    </p:spTree>
+    <p:extLst>
+      <p:ext uri="{BB962C8B-B14F-4D97-AF65-F5344CB8AC3E}">
+        <p14:creationId xmlns:p14="http://schemas.microsoft.com/office/powerpoint/2010/main" val="1793964082"/>
+      </p:ext>
+    </p:extLst>
+  </p:cSld>
+  <p:clrMapOvr>
+    <a:masterClrMapping/>
+  </p:clrMapOvr>
+</p:notes>
+</file>
+
+<file path=ppt/notesSlides/notesSlide14.xml><?xml version="1.0" encoding="utf-8"?>
+<p:notes xmlns:a="http://schemas.openxmlformats.org/drawingml/2006/main" xmlns:r="http://schemas.openxmlformats.org/officeDocument/2006/relationships" xmlns:p="http://schemas.openxmlformats.org/presentationml/2006/main">
+  <p:cSld>
+    <p:spTree>
+      <p:nvGrpSpPr>
+        <p:cNvPr id="1" name=""/>
+        <p:cNvGrpSpPr/>
+        <p:nvPr/>
+      </p:nvGrpSpPr>
+      <p:grpSpPr>
+        <a:xfrm>
+          <a:off x="0" y="0"/>
+          <a:ext cx="0" cy="0"/>
+          <a:chOff x="0" y="0"/>
+          <a:chExt cx="0" cy="0"/>
+        </a:xfrm>
+      </p:grpSpPr>
+      <p:sp>
+        <p:nvSpPr>
+          <p:cNvPr id="2" name="슬라이드 이미지 개체 틀 1"/>
+          <p:cNvSpPr>
+            <a:spLocks noGrp="1" noRot="1" noChangeAspect="1"/>
+          </p:cNvSpPr>
+          <p:nvPr>
+            <p:ph type="sldImg"/>
+          </p:nvPr>
+        </p:nvSpPr>
+        <p:spPr/>
+      </p:sp>
+      <p:sp>
+        <p:nvSpPr>
+          <p:cNvPr id="3" name="슬라이드 노트 개체 틀 2"/>
+          <p:cNvSpPr>
+            <a:spLocks noGrp="1"/>
+          </p:cNvSpPr>
+          <p:nvPr>
+            <p:ph type="body" idx="1"/>
+          </p:nvPr>
+        </p:nvSpPr>
+        <p:spPr/>
+        <p:txBody>
+          <a:bodyPr/>
+          <a:lstStyle/>
+          <a:p>
+            <a:r>
+              <a:rPr lang="ko-KR" altLang="en-US" dirty="0"/>
+              <a:t>앞으로 제가 담당하게 될 업무는 </a:t>
+            </a:r>
+            <a:r>
+              <a:rPr lang="ko-KR" altLang="en-US" dirty="0" err="1"/>
+              <a:t>사딥의</a:t>
+            </a:r>
+            <a:r>
+              <a:rPr lang="ko-KR" altLang="en-US" dirty="0"/>
+              <a:t> 관리자 전용 서버입니다</a:t>
+            </a:r>
+            <a:r>
+              <a:rPr lang="en-US" altLang="ko-KR" dirty="0"/>
+              <a:t>.</a:t>
+            </a:r>
+          </a:p>
+          <a:p>
+            <a:r>
+              <a:rPr lang="ko-KR" altLang="en-US" dirty="0"/>
+              <a:t>우선 개발 전략으로는 </a:t>
+            </a:r>
+            <a:r>
+              <a:rPr lang="ko-KR" altLang="en-US" dirty="0" err="1"/>
+              <a:t>모놀리식</a:t>
+            </a:r>
+            <a:r>
+              <a:rPr lang="ko-KR" altLang="en-US" dirty="0"/>
+              <a:t> 아키텍처를 기반으로 서버를 구축할 계획입니다</a:t>
+            </a:r>
+            <a:r>
+              <a:rPr lang="en-US" altLang="ko-KR" dirty="0"/>
+              <a:t>. </a:t>
+            </a:r>
+          </a:p>
+          <a:p>
+            <a:r>
+              <a:rPr lang="en-US" altLang="ko-KR" dirty="0"/>
+              <a:t>LRIM </a:t>
+            </a:r>
+            <a:r>
+              <a:rPr lang="ko-KR" altLang="en-US" dirty="0"/>
+              <a:t>프로젝트를 경험하여 식별된 리스크를 예방하고 관리하는데 많은 도움이 </a:t>
+            </a:r>
+            <a:r>
+              <a:rPr lang="ko-KR" altLang="en-US" dirty="0" err="1"/>
+              <a:t>될것</a:t>
+            </a:r>
+            <a:r>
+              <a:rPr lang="ko-KR" altLang="en-US" dirty="0"/>
+              <a:t> 같습니다</a:t>
+            </a:r>
+            <a:r>
+              <a:rPr lang="en-US" altLang="ko-KR" dirty="0"/>
+              <a:t>.</a:t>
+            </a:r>
+          </a:p>
+          <a:p>
+            <a:r>
+              <a:rPr lang="ko-KR" altLang="en-US" dirty="0"/>
+              <a:t>개발 프로세스는 지속적이 코드 리뷰와 피드백을 통해 코드의 품질을 지속적으로 개선하고 기능 업데이트를 촉진하는 중점을 </a:t>
+            </a:r>
+            <a:r>
+              <a:rPr lang="ko-KR" altLang="en-US" dirty="0" err="1"/>
+              <a:t>둘것입니다</a:t>
+            </a:r>
+            <a:r>
+              <a:rPr lang="en-US" altLang="ko-KR" dirty="0"/>
+              <a:t>.</a:t>
+            </a:r>
+          </a:p>
+          <a:p>
+            <a:r>
+              <a:rPr lang="ko-KR" altLang="en-US" dirty="0"/>
+              <a:t>오류를 미연에 방지하고</a:t>
+            </a:r>
+            <a:r>
+              <a:rPr lang="en-US" altLang="ko-KR" dirty="0"/>
+              <a:t>, </a:t>
+            </a:r>
+            <a:r>
+              <a:rPr lang="ko-KR" altLang="en-US" dirty="0"/>
+              <a:t>안정적인 서비스 운영을 보장하는 기본 원칙입니다</a:t>
+            </a:r>
+            <a:r>
+              <a:rPr lang="en-US" altLang="ko-KR" dirty="0"/>
+              <a:t>.</a:t>
+            </a:r>
+            <a:endParaRPr lang="ko-KR" altLang="en-US" dirty="0"/>
+          </a:p>
+        </p:txBody>
+      </p:sp>
+      <p:sp>
+        <p:nvSpPr>
+          <p:cNvPr id="4" name="슬라이드 번호 개체 틀 3"/>
+          <p:cNvSpPr>
+            <a:spLocks noGrp="1"/>
+          </p:cNvSpPr>
+          <p:nvPr>
+            <p:ph type="sldNum" sz="quarter" idx="5"/>
+          </p:nvPr>
+        </p:nvSpPr>
+        <p:spPr/>
+        <p:txBody>
+          <a:bodyPr/>
+          <a:lstStyle/>
+          <a:p>
+            <a:fld id="{138660D8-7BF7-4AAF-8061-172769AEAB12}" type="slidenum">
+              <a:rPr lang="ko-KR" altLang="en-US" smtClean="0"/>
+              <a:t>19</a:t>
+            </a:fld>
+            <a:endParaRPr lang="ko-KR" altLang="en-US"/>
+          </a:p>
+        </p:txBody>
+      </p:sp>
+    </p:spTree>
+    <p:extLst>
+      <p:ext uri="{BB962C8B-B14F-4D97-AF65-F5344CB8AC3E}">
+        <p14:creationId xmlns:p14="http://schemas.microsoft.com/office/powerpoint/2010/main" val="2748711747"/>
+      </p:ext>
+    </p:extLst>
+  </p:cSld>
+  <p:clrMapOvr>
+    <a:masterClrMapping/>
+  </p:clrMapOvr>
+</p:notes>
+</file>
+
+<file path=ppt/notesSlides/notesSlide2.xml><?xml version="1.0" encoding="utf-8"?>
+<p:notes xmlns:a="http://schemas.openxmlformats.org/drawingml/2006/main" xmlns:r="http://schemas.openxmlformats.org/officeDocument/2006/relationships" xmlns:p="http://schemas.openxmlformats.org/presentationml/2006/main">
+  <p:cSld>
+    <p:spTree>
+      <p:nvGrpSpPr>
+        <p:cNvPr id="1" name=""/>
+        <p:cNvGrpSpPr/>
+        <p:nvPr/>
+      </p:nvGrpSpPr>
+      <p:grpSpPr>
+        <a:xfrm>
+          <a:off x="0" y="0"/>
+          <a:ext cx="0" cy="0"/>
+          <a:chOff x="0" y="0"/>
+          <a:chExt cx="0" cy="0"/>
+        </a:xfrm>
+      </p:grpSpPr>
+      <p:sp>
+        <p:nvSpPr>
+          <p:cNvPr id="2" name="슬라이드 이미지 개체 틀 1"/>
+          <p:cNvSpPr>
+            <a:spLocks noGrp="1" noRot="1" noChangeAspect="1"/>
+          </p:cNvSpPr>
+          <p:nvPr>
+            <p:ph type="sldImg"/>
+          </p:nvPr>
+        </p:nvSpPr>
+        <p:spPr/>
+      </p:sp>
+      <p:sp>
+        <p:nvSpPr>
+          <p:cNvPr id="3" name="슬라이드 노트 개체 틀 2"/>
+          <p:cNvSpPr>
+            <a:spLocks noGrp="1"/>
+          </p:cNvSpPr>
+          <p:nvPr>
+            <p:ph type="body" idx="1"/>
+          </p:nvPr>
+        </p:nvSpPr>
+        <p:spPr/>
+        <p:txBody>
+          <a:bodyPr/>
+          <a:lstStyle/>
+          <a:p>
+            <a:r>
+              <a:rPr lang="ko-KR" altLang="en-US" dirty="0"/>
+              <a:t>첫째 개요에서는 </a:t>
+            </a:r>
+            <a:r>
+              <a:rPr lang="en-US" altLang="ko-KR" dirty="0"/>
+              <a:t>LRIM </a:t>
+            </a:r>
+            <a:r>
+              <a:rPr lang="ko-KR" altLang="en-US" dirty="0"/>
+              <a:t>프로젝트를 진행하게 된 배경에 대해 설명하며</a:t>
+            </a:r>
+            <a:r>
+              <a:rPr lang="en-US" altLang="ko-KR" dirty="0"/>
+              <a:t>, </a:t>
+            </a:r>
+            <a:r>
+              <a:rPr lang="ko-KR" altLang="en-US" dirty="0"/>
+              <a:t>프로젝트 목적을 공유할 예정입니다</a:t>
+            </a:r>
+            <a:r>
+              <a:rPr lang="en-US" altLang="ko-KR" dirty="0"/>
+              <a:t>.</a:t>
+            </a:r>
+          </a:p>
+          <a:p>
+            <a:endParaRPr lang="en-US" altLang="ko-KR" dirty="0"/>
+          </a:p>
+          <a:p>
+            <a:r>
+              <a:rPr lang="ko-KR" altLang="en-US" dirty="0"/>
+              <a:t>둘째 요구사항 분석 단계에서는 경영지원팀으로 </a:t>
+            </a:r>
+            <a:r>
+              <a:rPr lang="ko-KR" altLang="en-US" dirty="0" err="1"/>
+              <a:t>부터</a:t>
+            </a:r>
+            <a:r>
+              <a:rPr lang="ko-KR" altLang="en-US" dirty="0"/>
+              <a:t> 받은 요구사항 리스트와  개발 핵심 포인트를 들여다 보겠습니다</a:t>
+            </a:r>
+            <a:r>
+              <a:rPr lang="en-US" altLang="ko-KR" dirty="0"/>
+              <a:t>.</a:t>
+            </a:r>
+          </a:p>
+          <a:p>
+            <a:endParaRPr lang="en-US" altLang="ko-KR" dirty="0"/>
+          </a:p>
+          <a:p>
+            <a:r>
+              <a:rPr lang="ko-KR" altLang="en-US" dirty="0"/>
+              <a:t>셋째 설계 단계에서는 </a:t>
+            </a:r>
+            <a:r>
+              <a:rPr lang="en-US" altLang="ko-KR" dirty="0"/>
+              <a:t>LRIM</a:t>
+            </a:r>
+            <a:r>
+              <a:rPr lang="ko-KR" altLang="en-US" dirty="0"/>
+              <a:t>의 구조와 데이터베이스 </a:t>
+            </a:r>
+            <a:r>
+              <a:rPr lang="en-US" altLang="ko-KR" dirty="0"/>
+              <a:t>, API </a:t>
+            </a:r>
+            <a:r>
+              <a:rPr lang="ko-KR" altLang="en-US" dirty="0"/>
+              <a:t>설계에 대해 말씀드리겠습니다</a:t>
+            </a:r>
+            <a:r>
+              <a:rPr lang="en-US" altLang="ko-KR" dirty="0"/>
+              <a:t>.</a:t>
+            </a:r>
+          </a:p>
+          <a:p>
+            <a:endParaRPr lang="en-US" altLang="ko-KR" dirty="0"/>
+          </a:p>
+          <a:p>
+            <a:r>
+              <a:rPr lang="ko-KR" altLang="en-US" dirty="0"/>
+              <a:t>넷째 개발 과정에서는 관리자 관점에서 </a:t>
+            </a:r>
+            <a:r>
+              <a:rPr lang="en-US" altLang="ko-KR" dirty="0"/>
+              <a:t>UI, </a:t>
+            </a:r>
+            <a:r>
+              <a:rPr lang="ko-KR" altLang="en-US" dirty="0"/>
+              <a:t>서버</a:t>
+            </a:r>
+            <a:r>
+              <a:rPr lang="en-US" altLang="ko-KR" dirty="0"/>
+              <a:t>, </a:t>
+            </a:r>
+            <a:r>
+              <a:rPr lang="ko-KR" altLang="en-US" dirty="0"/>
+              <a:t>메일서버로 이어지는 시퀀스 다이어그램과 채용프로세스의 전체흐름을 </a:t>
+            </a:r>
+            <a:r>
+              <a:rPr lang="ko-KR" altLang="en-US" dirty="0" err="1"/>
+              <a:t>볼수</a:t>
+            </a:r>
+            <a:r>
+              <a:rPr lang="ko-KR" altLang="en-US" dirty="0"/>
+              <a:t> 있는 </a:t>
+            </a:r>
+            <a:r>
+              <a:rPr lang="ko-KR" altLang="en-US" dirty="0" err="1"/>
+              <a:t>상태다이어그램</a:t>
+            </a:r>
+            <a:r>
+              <a:rPr lang="en-US" altLang="ko-KR" dirty="0"/>
+              <a:t>,</a:t>
+            </a:r>
+          </a:p>
+          <a:p>
+            <a:r>
+              <a:rPr lang="en-US" altLang="ko-KR" dirty="0"/>
+              <a:t> </a:t>
+            </a:r>
+            <a:r>
+              <a:rPr lang="ko-KR" altLang="en-US" dirty="0"/>
+              <a:t>품질 관리를 위해 어떤 테스트 및 </a:t>
+            </a:r>
+            <a:r>
+              <a:rPr lang="ko-KR" altLang="en-US" dirty="0" err="1"/>
+              <a:t>커버리지를</a:t>
+            </a:r>
+            <a:r>
+              <a:rPr lang="ko-KR" altLang="en-US" dirty="0"/>
+              <a:t> 공유하겠습니다</a:t>
+            </a:r>
+            <a:r>
+              <a:rPr lang="en-US" altLang="ko-KR" dirty="0"/>
+              <a:t>.</a:t>
+            </a:r>
+          </a:p>
+          <a:p>
+            <a:endParaRPr lang="en-US" altLang="ko-KR" dirty="0"/>
+          </a:p>
+          <a:p>
+            <a:r>
+              <a:rPr lang="ko-KR" altLang="en-US" dirty="0"/>
+              <a:t>다섯째</a:t>
+            </a:r>
+            <a:r>
+              <a:rPr lang="en-US" altLang="ko-KR" dirty="0"/>
+              <a:t>, </a:t>
+            </a:r>
+            <a:r>
+              <a:rPr lang="ko-KR" altLang="en-US" dirty="0"/>
+              <a:t>업무성과 및 회고 에서는 </a:t>
+            </a:r>
+            <a:r>
+              <a:rPr lang="en-US" altLang="ko-KR" dirty="0"/>
+              <a:t>LRIM </a:t>
+            </a:r>
+            <a:r>
+              <a:rPr lang="ko-KR" altLang="en-US" dirty="0"/>
+              <a:t>프로젝트를 통해 </a:t>
+            </a:r>
+            <a:r>
+              <a:rPr lang="ko-KR" altLang="en-US" dirty="0" err="1"/>
+              <a:t>달성환</a:t>
+            </a:r>
+            <a:r>
+              <a:rPr lang="ko-KR" altLang="en-US" dirty="0"/>
+              <a:t> 성과와 </a:t>
+            </a:r>
+            <a:r>
+              <a:rPr lang="ko-KR" altLang="en-US" dirty="0" err="1"/>
+              <a:t>배운점에</a:t>
+            </a:r>
+            <a:r>
+              <a:rPr lang="ko-KR" altLang="en-US" dirty="0"/>
+              <a:t> 대해 이야기하겠습니다</a:t>
+            </a:r>
+            <a:r>
+              <a:rPr lang="en-US" altLang="ko-KR" dirty="0"/>
+              <a:t>.</a:t>
+            </a:r>
+          </a:p>
+          <a:p>
+            <a:endParaRPr lang="en-US" altLang="ko-KR" dirty="0"/>
+          </a:p>
+          <a:p>
+            <a:r>
+              <a:rPr lang="ko-KR" altLang="en-US" dirty="0"/>
+              <a:t>마지막으로 </a:t>
+            </a:r>
+            <a:r>
+              <a:rPr lang="en-US" altLang="ko-KR" dirty="0"/>
+              <a:t>SARDIP</a:t>
+            </a:r>
+            <a:r>
+              <a:rPr lang="ko-KR" altLang="en-US" dirty="0"/>
+              <a:t>개발계획에서는 앞으로 제가 </a:t>
+            </a:r>
+            <a:r>
+              <a:rPr lang="ko-KR" altLang="en-US" dirty="0" err="1"/>
+              <a:t>담당하게될</a:t>
+            </a:r>
+            <a:r>
+              <a:rPr lang="ko-KR" altLang="en-US" dirty="0"/>
+              <a:t> </a:t>
+            </a:r>
+            <a:r>
+              <a:rPr lang="en-US" altLang="ko-KR" dirty="0"/>
+              <a:t>SARDIP</a:t>
+            </a:r>
+            <a:r>
+              <a:rPr lang="ko-KR" altLang="en-US" dirty="0"/>
+              <a:t>의 업무에 대해 말씀드리겠습니다</a:t>
+            </a:r>
+            <a:r>
+              <a:rPr lang="en-US" altLang="ko-KR" dirty="0"/>
+              <a:t>.</a:t>
+            </a:r>
+            <a:endParaRPr lang="ko-KR" altLang="en-US" dirty="0"/>
+          </a:p>
+        </p:txBody>
+      </p:sp>
+      <p:sp>
+        <p:nvSpPr>
+          <p:cNvPr id="4" name="슬라이드 번호 개체 틀 3"/>
+          <p:cNvSpPr>
+            <a:spLocks noGrp="1"/>
+          </p:cNvSpPr>
+          <p:nvPr>
+            <p:ph type="sldNum" sz="quarter" idx="5"/>
+          </p:nvPr>
+        </p:nvSpPr>
+        <p:spPr/>
+        <p:txBody>
+          <a:bodyPr/>
+          <a:lstStyle/>
+          <a:p>
+            <a:fld id="{138660D8-7BF7-4AAF-8061-172769AEAB12}" type="slidenum">
+              <a:rPr lang="ko-KR" altLang="en-US" smtClean="0"/>
+              <a:t>1</a:t>
+            </a:fld>
+            <a:endParaRPr lang="ko-KR" altLang="en-US"/>
+          </a:p>
+        </p:txBody>
+      </p:sp>
+    </p:spTree>
+    <p:extLst>
+      <p:ext uri="{BB962C8B-B14F-4D97-AF65-F5344CB8AC3E}">
+        <p14:creationId xmlns:p14="http://schemas.microsoft.com/office/powerpoint/2010/main" val="2143100708"/>
+      </p:ext>
+    </p:extLst>
+  </p:cSld>
+  <p:clrMapOvr>
+    <a:masterClrMapping/>
+  </p:clrMapOvr>
+</p:notes>
+</file>
+
+<file path=ppt/notesSlides/notesSlide3.xml><?xml version="1.0" encoding="utf-8"?>
+<p:notes xmlns:a="http://schemas.openxmlformats.org/drawingml/2006/main" xmlns:r="http://schemas.openxmlformats.org/officeDocument/2006/relationships" xmlns:p="http://schemas.openxmlformats.org/presentationml/2006/main">
+  <p:cSld>
+    <p:spTree>
+      <p:nvGrpSpPr>
+        <p:cNvPr id="1" name=""/>
+        <p:cNvGrpSpPr/>
+        <p:nvPr/>
+      </p:nvGrpSpPr>
+      <p:grpSpPr>
+        <a:xfrm>
+          <a:off x="0" y="0"/>
+          <a:ext cx="0" cy="0"/>
+          <a:chOff x="0" y="0"/>
+          <a:chExt cx="0" cy="0"/>
+        </a:xfrm>
+      </p:grpSpPr>
+      <p:sp>
+        <p:nvSpPr>
+          <p:cNvPr id="2" name="슬라이드 이미지 개체 틀 1"/>
+          <p:cNvSpPr>
+            <a:spLocks noGrp="1" noRot="1" noChangeAspect="1"/>
+          </p:cNvSpPr>
+          <p:nvPr>
+            <p:ph type="sldImg"/>
+          </p:nvPr>
+        </p:nvSpPr>
+        <p:spPr/>
+      </p:sp>
+      <p:sp>
+        <p:nvSpPr>
+          <p:cNvPr id="3" name="슬라이드 노트 개체 틀 2"/>
+          <p:cNvSpPr>
+            <a:spLocks noGrp="1"/>
+          </p:cNvSpPr>
+          <p:nvPr>
+            <p:ph type="body" idx="1"/>
+          </p:nvPr>
+        </p:nvSpPr>
+        <p:spPr/>
+        <p:txBody>
+          <a:bodyPr/>
+          <a:lstStyle/>
+          <a:p>
+            <a:r>
+              <a:rPr lang="ko-KR" altLang="en-US" dirty="0"/>
+              <a:t>경영지원팀은 기존에 채용 플랫폼을 통해 지원자의 서류를 분류하고 이사님께 이력서를 보내는 방식으로 면접 대상자를 선정해 왔습니다</a:t>
+            </a:r>
+            <a:r>
+              <a:rPr lang="en-US" altLang="ko-KR" dirty="0"/>
+              <a:t>. </a:t>
+            </a:r>
+            <a:r>
+              <a:rPr lang="ko-KR" altLang="en-US" dirty="0"/>
+              <a:t>이후 </a:t>
+            </a:r>
+            <a:r>
+              <a:rPr lang="ko-KR" altLang="en-US" dirty="0" err="1"/>
+              <a:t>면접관님들의</a:t>
+            </a:r>
+            <a:r>
+              <a:rPr lang="ko-KR" altLang="en-US" dirty="0"/>
+              <a:t> 가능한 시간을 확인하고 지원자와 면접 일정을 조율하여 기존의 인터뷰 시스템에 데이터를 입력하고 면접 보고서를 작성하는 과정이 이어졌습니다</a:t>
+            </a:r>
+            <a:r>
+              <a:rPr lang="en-US" altLang="ko-KR" dirty="0"/>
+              <a:t>.</a:t>
+            </a:r>
+          </a:p>
+          <a:p>
+            <a:endParaRPr lang="en-US" altLang="ko-KR" dirty="0"/>
+          </a:p>
+          <a:p>
+            <a:r>
+              <a:rPr lang="ko-KR" altLang="en-US" dirty="0"/>
+              <a:t>이러한 방식은 채용 플랫폼에 대한 높은 의존도와 데이터의 수기 입력</a:t>
+            </a:r>
+            <a:r>
+              <a:rPr lang="en-US" altLang="ko-KR" dirty="0"/>
+              <a:t>, </a:t>
+            </a:r>
+            <a:r>
+              <a:rPr lang="ko-KR" altLang="en-US" dirty="0"/>
+              <a:t>그리고 면접 일정 조율의 어려움 등 여러 문제점을 안고 있었습니다</a:t>
+            </a:r>
+            <a:r>
+              <a:rPr lang="en-US" altLang="ko-KR" dirty="0"/>
+              <a:t>. </a:t>
+            </a:r>
+            <a:r>
+              <a:rPr lang="ko-KR" altLang="en-US" dirty="0"/>
+              <a:t>이에 저희는 더 나은 채용 관리를 위해 새로운 시스템 개발에 착수하게 되었습니다</a:t>
+            </a:r>
+            <a:r>
+              <a:rPr lang="en-US" altLang="ko-KR" dirty="0"/>
+              <a:t>. </a:t>
+            </a:r>
+            <a:r>
+              <a:rPr lang="ko-KR" altLang="en-US" dirty="0"/>
+              <a:t>이 시스템은 복잡한 채용 관리 프로세스를 효율적으로 처리하도록 설계되었으며</a:t>
+            </a:r>
+            <a:r>
+              <a:rPr lang="en-US" altLang="ko-KR" dirty="0"/>
+              <a:t>, </a:t>
+            </a:r>
+            <a:r>
+              <a:rPr lang="ko-KR" altLang="en-US" dirty="0"/>
+              <a:t>이를 통해 경영지원팀의 인사 관리 부담을 크게 줄일 수 있을 것으로 기대하고 있습니다</a:t>
+            </a:r>
+            <a:r>
+              <a:rPr lang="en-US" altLang="ko-KR" dirty="0"/>
+              <a:t>.</a:t>
+            </a:r>
+          </a:p>
+          <a:p>
+            <a:endParaRPr lang="en-US" altLang="ko-KR" dirty="0"/>
+          </a:p>
+          <a:p>
+            <a:r>
+              <a:rPr lang="ko-KR" altLang="en-US" dirty="0"/>
+              <a:t>개발자로서 이러한 과제를 수행함으로써 저희 팀의 역량 또한 한층 더 성장할 수 있었다고 생각합니다</a:t>
+            </a:r>
+            <a:r>
+              <a:rPr lang="en-US" altLang="ko-KR" dirty="0"/>
+              <a:t>. </a:t>
+            </a:r>
+            <a:r>
+              <a:rPr lang="ko-KR" altLang="en-US" dirty="0"/>
+              <a:t>저희가 개발한 시스템이 실제로 팀의 업무 효율을 얼마나 개선하였는지에 대해서는 계속해서 관찰하고</a:t>
+            </a:r>
+            <a:r>
+              <a:rPr lang="en-US" altLang="ko-KR" dirty="0"/>
+              <a:t>, </a:t>
+            </a:r>
+            <a:r>
+              <a:rPr lang="ko-KR" altLang="en-US" dirty="0"/>
+              <a:t>필요한 개선을 추가로 진행할 예정입니다</a:t>
+            </a:r>
+            <a:r>
+              <a:rPr lang="en-US" altLang="ko-KR" dirty="0"/>
+              <a:t>. </a:t>
+            </a:r>
+            <a:endParaRPr lang="ko-KR" altLang="en-US" dirty="0"/>
+          </a:p>
+        </p:txBody>
+      </p:sp>
+      <p:sp>
+        <p:nvSpPr>
+          <p:cNvPr id="4" name="슬라이드 번호 개체 틀 3"/>
+          <p:cNvSpPr>
+            <a:spLocks noGrp="1"/>
+          </p:cNvSpPr>
+          <p:nvPr>
+            <p:ph type="sldNum" sz="quarter" idx="5"/>
+          </p:nvPr>
+        </p:nvSpPr>
+        <p:spPr/>
+        <p:txBody>
+          <a:bodyPr/>
+          <a:lstStyle/>
+          <a:p>
+            <a:fld id="{138660D8-7BF7-4AAF-8061-172769AEAB12}" type="slidenum">
+              <a:rPr lang="ko-KR" altLang="en-US" smtClean="0"/>
+              <a:t>3</a:t>
+            </a:fld>
+            <a:endParaRPr lang="ko-KR" altLang="en-US"/>
+          </a:p>
+        </p:txBody>
+      </p:sp>
+    </p:spTree>
+    <p:extLst>
+      <p:ext uri="{BB962C8B-B14F-4D97-AF65-F5344CB8AC3E}">
+        <p14:creationId xmlns:p14="http://schemas.microsoft.com/office/powerpoint/2010/main" val="1555948417"/>
+      </p:ext>
+    </p:extLst>
+  </p:cSld>
+  <p:clrMapOvr>
+    <a:masterClrMapping/>
+  </p:clrMapOvr>
+</p:notes>
+</file>
+
+<file path=ppt/notesSlides/notesSlide4.xml><?xml version="1.0" encoding="utf-8"?>
+<p:notes xmlns:a="http://schemas.openxmlformats.org/drawingml/2006/main" xmlns:r="http://schemas.openxmlformats.org/officeDocument/2006/relationships" xmlns:p="http://schemas.openxmlformats.org/presentationml/2006/main">
+  <p:cSld>
+    <p:spTree>
+      <p:nvGrpSpPr>
+        <p:cNvPr id="1" name=""/>
+        <p:cNvGrpSpPr/>
+        <p:nvPr/>
+      </p:nvGrpSpPr>
+      <p:grpSpPr>
+        <a:xfrm>
+          <a:off x="0" y="0"/>
+          <a:ext cx="0" cy="0"/>
+          <a:chOff x="0" y="0"/>
+          <a:chExt cx="0" cy="0"/>
+        </a:xfrm>
+      </p:grpSpPr>
+      <p:sp>
+        <p:nvSpPr>
+          <p:cNvPr id="2" name="슬라이드 이미지 개체 틀 1"/>
+          <p:cNvSpPr>
+            <a:spLocks noGrp="1" noRot="1" noChangeAspect="1"/>
+          </p:cNvSpPr>
+          <p:nvPr>
+            <p:ph type="sldImg"/>
+          </p:nvPr>
+        </p:nvSpPr>
+        <p:spPr/>
+      </p:sp>
+      <p:sp>
+        <p:nvSpPr>
+          <p:cNvPr id="3" name="슬라이드 노트 개체 틀 2"/>
+          <p:cNvSpPr>
+            <a:spLocks noGrp="1"/>
+          </p:cNvSpPr>
+          <p:nvPr>
+            <p:ph type="body" idx="1"/>
+          </p:nvPr>
+        </p:nvSpPr>
+        <p:spPr/>
+        <p:txBody>
+          <a:bodyPr/>
+          <a:lstStyle/>
+          <a:p>
+            <a:r>
+              <a:rPr lang="ko-KR" altLang="en-US" dirty="0"/>
+              <a:t>우선적으로 채용에서 발생하는 다양한 업무의 복잡성을 간소화하고</a:t>
+            </a:r>
+            <a:r>
+              <a:rPr lang="en-US" altLang="ko-KR" dirty="0"/>
+              <a:t>, </a:t>
+            </a:r>
+            <a:r>
+              <a:rPr lang="ko-KR" altLang="en-US" dirty="0"/>
+              <a:t>모든 과정을 하나의 흐름 안에서 통합적으로 관리할 수 있는 </a:t>
+            </a:r>
+          </a:p>
+          <a:p>
+            <a:r>
+              <a:rPr lang="ko-KR" altLang="en-US" dirty="0"/>
+              <a:t>체계적인 시스템이 필요했습니다</a:t>
+            </a:r>
+            <a:r>
+              <a:rPr lang="en-US" altLang="ko-KR" dirty="0"/>
+              <a:t>.</a:t>
+            </a:r>
+          </a:p>
+          <a:p>
+            <a:r>
+              <a:rPr lang="ko-KR" altLang="en-US" dirty="0"/>
+              <a:t>또한 면접관</a:t>
+            </a:r>
+            <a:r>
+              <a:rPr lang="en-US" altLang="ko-KR" dirty="0"/>
+              <a:t>, </a:t>
+            </a:r>
+            <a:r>
+              <a:rPr lang="ko-KR" altLang="en-US" dirty="0" err="1"/>
+              <a:t>평가자분들이</a:t>
+            </a:r>
+            <a:r>
+              <a:rPr lang="ko-KR" altLang="en-US" dirty="0"/>
+              <a:t> 보고서 및 평가서를 쉽게 작성하고 관리할 수 있는 기능이 필요 했습니다</a:t>
+            </a:r>
+            <a:r>
+              <a:rPr lang="en-US" altLang="ko-KR" dirty="0"/>
+              <a:t>.</a:t>
+            </a:r>
+          </a:p>
+          <a:p>
+            <a:r>
+              <a:rPr lang="ko-KR" altLang="en-US" dirty="0"/>
+              <a:t>면접 일정 관리의 편리성도 중요한 요소였습니다</a:t>
+            </a:r>
+            <a:r>
+              <a:rPr lang="en-US" altLang="ko-KR" dirty="0"/>
+              <a:t>. </a:t>
+            </a:r>
+            <a:r>
+              <a:rPr lang="ko-KR" altLang="en-US" dirty="0"/>
+              <a:t>관리자와 면접관 모두에게 유연하고 간편한 일정 설정 및 조정 기능이 필요했습니다</a:t>
+            </a:r>
+            <a:r>
+              <a:rPr lang="en-US" altLang="ko-KR" dirty="0"/>
+              <a:t>.</a:t>
+            </a:r>
+          </a:p>
+          <a:p>
+            <a:r>
+              <a:rPr lang="ko-KR" altLang="en-US" dirty="0"/>
+              <a:t>이외에도 </a:t>
+            </a:r>
+            <a:r>
+              <a:rPr lang="en-US" altLang="ko-KR" dirty="0"/>
+              <a:t>Man-Month </a:t>
+            </a:r>
+            <a:r>
+              <a:rPr lang="ko-KR" altLang="en-US" dirty="0"/>
+              <a:t>절감을 위한 작업시간의 단축</a:t>
+            </a:r>
+            <a:r>
+              <a:rPr lang="en-US" altLang="ko-KR" dirty="0"/>
+              <a:t>, </a:t>
+            </a:r>
+            <a:r>
+              <a:rPr lang="ko-KR" altLang="en-US" dirty="0"/>
+              <a:t>중요 이벤트 발생시 알람 제공</a:t>
+            </a:r>
+            <a:r>
+              <a:rPr lang="en-US" altLang="ko-KR" dirty="0"/>
+              <a:t>, </a:t>
+            </a:r>
+            <a:r>
+              <a:rPr lang="ko-KR" altLang="en-US" dirty="0"/>
+              <a:t>보고서 평가서 문서화 </a:t>
+            </a:r>
+            <a:r>
+              <a:rPr lang="ko-KR" altLang="en-US" dirty="0" err="1"/>
+              <a:t>기능등이</a:t>
+            </a:r>
+            <a:r>
+              <a:rPr lang="ko-KR" altLang="en-US" dirty="0"/>
+              <a:t> 필요했습니다</a:t>
+            </a:r>
+            <a:r>
+              <a:rPr lang="en-US" altLang="ko-KR" dirty="0"/>
+              <a:t>.</a:t>
+            </a:r>
+            <a:endParaRPr lang="ko-KR" altLang="en-US" dirty="0"/>
+          </a:p>
+        </p:txBody>
+      </p:sp>
+      <p:sp>
+        <p:nvSpPr>
+          <p:cNvPr id="4" name="슬라이드 번호 개체 틀 3"/>
+          <p:cNvSpPr>
+            <a:spLocks noGrp="1"/>
+          </p:cNvSpPr>
+          <p:nvPr>
+            <p:ph type="sldNum" sz="quarter" idx="5"/>
+          </p:nvPr>
+        </p:nvSpPr>
+        <p:spPr/>
+        <p:txBody>
+          <a:bodyPr/>
+          <a:lstStyle/>
+          <a:p>
+            <a:fld id="{138660D8-7BF7-4AAF-8061-172769AEAB12}" type="slidenum">
+              <a:rPr lang="ko-KR" altLang="en-US" smtClean="0"/>
+              <a:t>5</a:t>
+            </a:fld>
+            <a:endParaRPr lang="ko-KR" altLang="en-US"/>
+          </a:p>
+        </p:txBody>
+      </p:sp>
+    </p:spTree>
+    <p:extLst>
+      <p:ext uri="{BB962C8B-B14F-4D97-AF65-F5344CB8AC3E}">
+        <p14:creationId xmlns:p14="http://schemas.microsoft.com/office/powerpoint/2010/main" val="3107445825"/>
+      </p:ext>
+    </p:extLst>
+  </p:cSld>
+  <p:clrMapOvr>
+    <a:masterClrMapping/>
+  </p:clrMapOvr>
+</p:notes>
+</file>
+
+<file path=ppt/notesSlides/notesSlide5.xml><?xml version="1.0" encoding="utf-8"?>
+<p:notes xmlns:a="http://schemas.openxmlformats.org/drawingml/2006/main" xmlns:r="http://schemas.openxmlformats.org/officeDocument/2006/relationships" xmlns:p="http://schemas.openxmlformats.org/presentationml/2006/main">
+  <p:cSld>
+    <p:spTree>
+      <p:nvGrpSpPr>
+        <p:cNvPr id="1" name=""/>
+        <p:cNvGrpSpPr/>
+        <p:nvPr/>
+      </p:nvGrpSpPr>
+      <p:grpSpPr>
+        <a:xfrm>
+          <a:off x="0" y="0"/>
+          <a:ext cx="0" cy="0"/>
+          <a:chOff x="0" y="0"/>
+          <a:chExt cx="0" cy="0"/>
+        </a:xfrm>
+      </p:grpSpPr>
+      <p:sp>
+        <p:nvSpPr>
+          <p:cNvPr id="2" name="슬라이드 이미지 개체 틀 1"/>
+          <p:cNvSpPr>
+            <a:spLocks noGrp="1" noRot="1" noChangeAspect="1"/>
+          </p:cNvSpPr>
+          <p:nvPr>
+            <p:ph type="sldImg"/>
+          </p:nvPr>
+        </p:nvSpPr>
+        <p:spPr/>
+      </p:sp>
+      <p:sp>
+        <p:nvSpPr>
+          <p:cNvPr id="3" name="슬라이드 노트 개체 틀 2"/>
+          <p:cNvSpPr>
+            <a:spLocks noGrp="1"/>
+          </p:cNvSpPr>
+          <p:nvPr>
+            <p:ph type="body" idx="1"/>
+          </p:nvPr>
+        </p:nvSpPr>
+        <p:spPr/>
+        <p:txBody>
+          <a:bodyPr/>
+          <a:lstStyle/>
+          <a:p>
+            <a:r>
+              <a:rPr lang="ko-KR" altLang="en-US" dirty="0"/>
+              <a:t>요구사항을 분석한 후</a:t>
+            </a:r>
+            <a:r>
+              <a:rPr lang="en-US" altLang="ko-KR" dirty="0"/>
+              <a:t>, </a:t>
+            </a:r>
+            <a:r>
+              <a:rPr lang="ko-KR" altLang="en-US" dirty="0"/>
+              <a:t>저희는 다음과 같은 핵심 개발 포인트들을 설정하고 설계 단계에 착수하기로 결정하였습니다</a:t>
+            </a:r>
+            <a:r>
+              <a:rPr lang="en-US" altLang="ko-KR" dirty="0"/>
+              <a:t>.</a:t>
+            </a:r>
+          </a:p>
+          <a:p>
+            <a:endParaRPr lang="en-US" altLang="ko-KR" dirty="0"/>
+          </a:p>
+          <a:p>
+            <a:r>
+              <a:rPr lang="ko-KR" altLang="en-US" dirty="0"/>
+              <a:t>첫 번째로</a:t>
+            </a:r>
+            <a:r>
+              <a:rPr lang="en-US" altLang="ko-KR" dirty="0"/>
+              <a:t>, ‘</a:t>
+            </a:r>
+            <a:r>
+              <a:rPr lang="ko-KR" altLang="en-US" dirty="0"/>
+              <a:t>시스템화 및 효율적인 프로세스 </a:t>
+            </a:r>
+            <a:r>
+              <a:rPr lang="ko-KR" altLang="en-US" dirty="0" err="1"/>
+              <a:t>관리’를</a:t>
+            </a:r>
+            <a:r>
+              <a:rPr lang="ko-KR" altLang="en-US" dirty="0"/>
+              <a:t> 핵심 요소로 삼았습니다</a:t>
+            </a:r>
+            <a:r>
+              <a:rPr lang="en-US" altLang="ko-KR" dirty="0"/>
+              <a:t>. </a:t>
+            </a:r>
+            <a:r>
+              <a:rPr lang="ko-KR" altLang="en-US" dirty="0"/>
+              <a:t>복잡한 인사 채용 프로세스를 체계적으로 관리할 수 있도록 전용 시스템을 설계하는 것이 필요했습니다</a:t>
+            </a:r>
+            <a:r>
+              <a:rPr lang="en-US" altLang="ko-KR" dirty="0"/>
+              <a:t>. </a:t>
+            </a:r>
+            <a:r>
+              <a:rPr lang="ko-KR" altLang="en-US" dirty="0"/>
+              <a:t>이를 위해 채용 관리를 위한 전용 데이터베이스 구축을 계획하였고</a:t>
+            </a:r>
+            <a:r>
+              <a:rPr lang="en-US" altLang="ko-KR" dirty="0"/>
+              <a:t>, </a:t>
+            </a:r>
+            <a:r>
+              <a:rPr lang="ko-KR" altLang="en-US" dirty="0"/>
+              <a:t>모든 채용 정보를 중앙에서 효율적으로 관리할 수 있도록 하는 방안을 마련하였습니다</a:t>
+            </a:r>
+            <a:r>
+              <a:rPr lang="en-US" altLang="ko-KR" dirty="0"/>
+              <a:t>. </a:t>
+            </a:r>
+            <a:r>
+              <a:rPr lang="ko-KR" altLang="en-US" dirty="0"/>
+              <a:t>또한</a:t>
+            </a:r>
+            <a:r>
+              <a:rPr lang="en-US" altLang="ko-KR" dirty="0"/>
+              <a:t>, </a:t>
+            </a:r>
+            <a:r>
+              <a:rPr lang="ko-KR" altLang="en-US" dirty="0"/>
+              <a:t>다양한 업무와 복잡한 채용 프로세스를 일관되게 관리할 수 있도록 설계하였습니다</a:t>
+            </a:r>
+            <a:r>
+              <a:rPr lang="en-US" altLang="ko-KR" dirty="0"/>
+              <a:t>. </a:t>
+            </a:r>
+          </a:p>
+          <a:p>
+            <a:endParaRPr lang="en-US" altLang="ko-KR" dirty="0"/>
+          </a:p>
+          <a:p>
+            <a:r>
+              <a:rPr lang="ko-KR" altLang="en-US" dirty="0"/>
+              <a:t>두 번째로</a:t>
+            </a:r>
+            <a:r>
+              <a:rPr lang="en-US" altLang="ko-KR" dirty="0"/>
+              <a:t>, ‘</a:t>
+            </a:r>
+            <a:r>
+              <a:rPr lang="ko-KR" altLang="en-US" dirty="0" err="1"/>
+              <a:t>자동화’에</a:t>
+            </a:r>
+            <a:r>
+              <a:rPr lang="ko-KR" altLang="en-US" dirty="0"/>
+              <a:t> 집중하기로 했습니다</a:t>
+            </a:r>
+            <a:r>
+              <a:rPr lang="en-US" altLang="ko-KR" dirty="0"/>
+              <a:t>. </a:t>
+            </a:r>
+            <a:r>
+              <a:rPr lang="ko-KR" altLang="en-US" dirty="0"/>
+              <a:t>반복적이고 시간 소모적인 작업을 줄이기 위하여</a:t>
+            </a:r>
+            <a:r>
+              <a:rPr lang="en-US" altLang="ko-KR" dirty="0"/>
+              <a:t>, </a:t>
+            </a:r>
+            <a:r>
+              <a:rPr lang="ko-KR" altLang="en-US" dirty="0"/>
+              <a:t>알람을 자동으로 전송하고 보고서와 평가서를 </a:t>
+            </a:r>
+            <a:r>
+              <a:rPr lang="en-US" altLang="ko-KR" dirty="0"/>
+              <a:t>PDF </a:t>
+            </a:r>
+            <a:r>
+              <a:rPr lang="ko-KR" altLang="en-US" dirty="0"/>
+              <a:t>형식으로 자동 생성하는 기능을 설계하였습니다</a:t>
+            </a:r>
+            <a:r>
+              <a:rPr lang="en-US" altLang="ko-KR" dirty="0"/>
+              <a:t>. </a:t>
+            </a:r>
+            <a:r>
+              <a:rPr lang="ko-KR" altLang="en-US" dirty="0"/>
+              <a:t>이 자동화 기능은 작업 효율성을 크게 향상시킬 것으로 기대하였습니다</a:t>
+            </a:r>
+            <a:r>
+              <a:rPr lang="en-US" altLang="ko-KR" dirty="0"/>
+              <a:t>.</a:t>
+            </a:r>
+          </a:p>
+          <a:p>
+            <a:endParaRPr lang="en-US" altLang="ko-KR" dirty="0"/>
+          </a:p>
+          <a:p>
+            <a:r>
+              <a:rPr lang="ko-KR" altLang="en-US" dirty="0"/>
+              <a:t>마지막으로</a:t>
+            </a:r>
+            <a:r>
+              <a:rPr lang="en-US" altLang="ko-KR" dirty="0"/>
+              <a:t>, ‘</a:t>
+            </a:r>
+            <a:r>
+              <a:rPr lang="ko-KR" altLang="en-US" dirty="0"/>
+              <a:t>사용자 </a:t>
+            </a:r>
+            <a:r>
+              <a:rPr lang="ko-KR" altLang="en-US" dirty="0" err="1"/>
+              <a:t>경험’을</a:t>
+            </a:r>
+            <a:r>
+              <a:rPr lang="ko-KR" altLang="en-US" dirty="0"/>
+              <a:t> 최우선으로 고려했습니다</a:t>
+            </a:r>
+            <a:r>
+              <a:rPr lang="en-US" altLang="ko-KR" dirty="0"/>
+              <a:t>. </a:t>
+            </a:r>
+            <a:r>
+              <a:rPr lang="ko-KR" altLang="en-US" dirty="0"/>
+              <a:t>시스템의 인터페이스를 사용자가 직관적으로 이해하고 쉽게 접근할 수 있도록 설계하였습니다</a:t>
+            </a:r>
+            <a:r>
+              <a:rPr lang="en-US" altLang="ko-KR" dirty="0"/>
+              <a:t>. </a:t>
+            </a:r>
+            <a:r>
+              <a:rPr lang="ko-KR" altLang="en-US" dirty="0"/>
+              <a:t>인터페이스 디자인에 큰 중점을 두어 사용자의 편의성을 최대한 보장하기로 하였습니다</a:t>
+            </a:r>
+            <a:r>
+              <a:rPr lang="en-US" altLang="ko-KR" dirty="0"/>
+              <a:t>.</a:t>
+            </a:r>
+          </a:p>
+          <a:p>
+            <a:endParaRPr lang="en-US" altLang="ko-KR" dirty="0"/>
+          </a:p>
+          <a:p>
+            <a:r>
+              <a:rPr lang="ko-KR" altLang="en-US" dirty="0"/>
+              <a:t>이러한 핵심 포인트들을 바탕으로 설계 단계에 착수하였으며</a:t>
+            </a:r>
+            <a:r>
+              <a:rPr lang="en-US" altLang="ko-KR" dirty="0"/>
+              <a:t>, </a:t>
+            </a:r>
+            <a:r>
+              <a:rPr lang="ko-KR" altLang="en-US" dirty="0"/>
+              <a:t>이후의 개발 과정에서 이 계획들을 실제로 구현하는 데 집중하였습니다</a:t>
+            </a:r>
+            <a:r>
+              <a:rPr lang="en-US" altLang="ko-KR" dirty="0"/>
+              <a:t>.</a:t>
+            </a:r>
+            <a:endParaRPr lang="ko-KR" altLang="en-US" dirty="0"/>
+          </a:p>
+        </p:txBody>
+      </p:sp>
+      <p:sp>
+        <p:nvSpPr>
+          <p:cNvPr id="4" name="슬라이드 번호 개체 틀 3"/>
+          <p:cNvSpPr>
+            <a:spLocks noGrp="1"/>
+          </p:cNvSpPr>
+          <p:nvPr>
+            <p:ph type="sldNum" sz="quarter" idx="5"/>
+          </p:nvPr>
+        </p:nvSpPr>
+        <p:spPr/>
+        <p:txBody>
+          <a:bodyPr/>
+          <a:lstStyle/>
+          <a:p>
+            <a:fld id="{138660D8-7BF7-4AAF-8061-172769AEAB12}" type="slidenum">
+              <a:rPr lang="ko-KR" altLang="en-US" smtClean="0"/>
+              <a:t>6</a:t>
+            </a:fld>
+            <a:endParaRPr lang="ko-KR" altLang="en-US"/>
+          </a:p>
+        </p:txBody>
+      </p:sp>
+    </p:spTree>
+    <p:extLst>
+      <p:ext uri="{BB962C8B-B14F-4D97-AF65-F5344CB8AC3E}">
+        <p14:creationId xmlns:p14="http://schemas.microsoft.com/office/powerpoint/2010/main" val="1244906380"/>
+      </p:ext>
+    </p:extLst>
+  </p:cSld>
+  <p:clrMapOvr>
+    <a:masterClrMapping/>
+  </p:clrMapOvr>
+</p:notes>
+</file>
+
+<file path=ppt/notesSlides/notesSlide6.xml><?xml version="1.0" encoding="utf-8"?>
+<p:notes xmlns:a="http://schemas.openxmlformats.org/drawingml/2006/main" xmlns:r="http://schemas.openxmlformats.org/officeDocument/2006/relationships" xmlns:p="http://schemas.openxmlformats.org/presentationml/2006/main">
+  <p:cSld>
+    <p:spTree>
+      <p:nvGrpSpPr>
+        <p:cNvPr id="1" name=""/>
+        <p:cNvGrpSpPr/>
+        <p:nvPr/>
+      </p:nvGrpSpPr>
+      <p:grpSpPr>
+        <a:xfrm>
+          <a:off x="0" y="0"/>
+          <a:ext cx="0" cy="0"/>
+          <a:chOff x="0" y="0"/>
+          <a:chExt cx="0" cy="0"/>
+        </a:xfrm>
+      </p:grpSpPr>
+      <p:sp>
+        <p:nvSpPr>
+          <p:cNvPr id="2" name="슬라이드 이미지 개체 틀 1"/>
+          <p:cNvSpPr>
+            <a:spLocks noGrp="1" noRot="1" noChangeAspect="1"/>
+          </p:cNvSpPr>
+          <p:nvPr>
+            <p:ph type="sldImg"/>
+          </p:nvPr>
+        </p:nvSpPr>
+        <p:spPr/>
+      </p:sp>
+      <p:sp>
+        <p:nvSpPr>
+          <p:cNvPr id="3" name="슬라이드 노트 개체 틀 2"/>
+          <p:cNvSpPr>
+            <a:spLocks noGrp="1"/>
+          </p:cNvSpPr>
+          <p:nvPr>
+            <p:ph type="body" idx="1"/>
+          </p:nvPr>
+        </p:nvSpPr>
+        <p:spPr/>
+        <p:txBody>
+          <a:bodyPr/>
+          <a:lstStyle/>
+          <a:p>
+            <a:r>
+              <a:rPr lang="ko-KR" altLang="en-US" dirty="0"/>
+              <a:t>저희는 </a:t>
+            </a:r>
+            <a:r>
+              <a:rPr lang="ko-KR" altLang="en-US" dirty="0" err="1"/>
+              <a:t>모놀리식</a:t>
+            </a:r>
+            <a:r>
+              <a:rPr lang="ko-KR" altLang="en-US" dirty="0"/>
+              <a:t> 아키텍처를 선택하였습니다</a:t>
+            </a:r>
+            <a:r>
+              <a:rPr lang="en-US" altLang="ko-KR" dirty="0"/>
+              <a:t>. </a:t>
+            </a:r>
+            <a:r>
+              <a:rPr lang="ko-KR" altLang="en-US" dirty="0"/>
+              <a:t>일관된 개발환경을 통해 빠른 개발과 배포를 가능하게 합니다</a:t>
+            </a:r>
+          </a:p>
+          <a:p>
+            <a:r>
+              <a:rPr lang="en-US" altLang="ko-KR" dirty="0"/>
+              <a:t>node.js </a:t>
+            </a:r>
+            <a:r>
+              <a:rPr lang="ko-KR" altLang="en-US" dirty="0"/>
+              <a:t>단일 언어와 </a:t>
+            </a:r>
+            <a:r>
+              <a:rPr lang="en-US" altLang="ko-KR" dirty="0"/>
+              <a:t>express</a:t>
+            </a:r>
+            <a:r>
+              <a:rPr lang="ko-KR" altLang="en-US" dirty="0"/>
+              <a:t>프레임워크를 사용함으로써 효율적으로 시스템을 관리할 수 있었고</a:t>
+            </a:r>
+            <a:r>
+              <a:rPr lang="en-US" altLang="ko-KR" dirty="0"/>
+              <a:t>,</a:t>
+            </a:r>
+          </a:p>
+          <a:p>
+            <a:r>
+              <a:rPr lang="en-US" altLang="ko-KR" dirty="0"/>
+              <a:t> </a:t>
+            </a:r>
+            <a:r>
+              <a:rPr lang="en-US" altLang="ko-KR" dirty="0" err="1"/>
+              <a:t>mongoDB</a:t>
+            </a:r>
+            <a:r>
+              <a:rPr lang="ko-KR" altLang="en-US" dirty="0"/>
+              <a:t>를 도입하여 데이터베이스 솔루션의 유연성을 확보했습니다</a:t>
+            </a:r>
+            <a:r>
+              <a:rPr lang="en-US" altLang="ko-KR" dirty="0"/>
+              <a:t>.</a:t>
+            </a:r>
+          </a:p>
+          <a:p>
+            <a:r>
+              <a:rPr lang="en-US" altLang="ko-KR" dirty="0" err="1"/>
+              <a:t>mongoDB</a:t>
+            </a:r>
+            <a:r>
+              <a:rPr lang="ko-KR" altLang="en-US" dirty="0"/>
+              <a:t>의 문서지향적 특성 덕분에 변화하는 요구사항에 민첩하게 대응할 수 있는 기반을 제공했습니다</a:t>
+            </a:r>
+            <a:r>
+              <a:rPr lang="en-US" altLang="ko-KR" dirty="0"/>
+              <a:t>.</a:t>
+            </a:r>
+            <a:endParaRPr lang="ko-KR" altLang="en-US" dirty="0"/>
+          </a:p>
+        </p:txBody>
+      </p:sp>
+      <p:sp>
+        <p:nvSpPr>
+          <p:cNvPr id="4" name="슬라이드 번호 개체 틀 3"/>
+          <p:cNvSpPr>
+            <a:spLocks noGrp="1"/>
+          </p:cNvSpPr>
+          <p:nvPr>
+            <p:ph type="sldNum" sz="quarter" idx="5"/>
+          </p:nvPr>
+        </p:nvSpPr>
+        <p:spPr/>
+        <p:txBody>
+          <a:bodyPr/>
+          <a:lstStyle/>
+          <a:p>
+            <a:fld id="{138660D8-7BF7-4AAF-8061-172769AEAB12}" type="slidenum">
+              <a:rPr lang="ko-KR" altLang="en-US" smtClean="0"/>
+              <a:t>8</a:t>
+            </a:fld>
+            <a:endParaRPr lang="ko-KR" altLang="en-US"/>
+          </a:p>
+        </p:txBody>
+      </p:sp>
+    </p:spTree>
+    <p:extLst>
+      <p:ext uri="{BB962C8B-B14F-4D97-AF65-F5344CB8AC3E}">
+        <p14:creationId xmlns:p14="http://schemas.microsoft.com/office/powerpoint/2010/main" val="312411511"/>
+      </p:ext>
+    </p:extLst>
+  </p:cSld>
+  <p:clrMapOvr>
+    <a:masterClrMapping/>
+  </p:clrMapOvr>
+</p:notes>
+</file>
+
+<file path=ppt/notesSlides/notesSlide7.xml><?xml version="1.0" encoding="utf-8"?>
+<p:notes xmlns:a="http://schemas.openxmlformats.org/drawingml/2006/main" xmlns:r="http://schemas.openxmlformats.org/officeDocument/2006/relationships" xmlns:p="http://schemas.openxmlformats.org/presentationml/2006/main">
+  <p:cSld>
+    <p:spTree>
+      <p:nvGrpSpPr>
+        <p:cNvPr id="1" name=""/>
+        <p:cNvGrpSpPr/>
+        <p:nvPr/>
+      </p:nvGrpSpPr>
+      <p:grpSpPr>
+        <a:xfrm>
+          <a:off x="0" y="0"/>
+          <a:ext cx="0" cy="0"/>
+          <a:chOff x="0" y="0"/>
+          <a:chExt cx="0" cy="0"/>
+        </a:xfrm>
+      </p:grpSpPr>
+      <p:sp>
+        <p:nvSpPr>
+          <p:cNvPr id="2" name="슬라이드 이미지 개체 틀 1"/>
+          <p:cNvSpPr>
+            <a:spLocks noGrp="1" noRot="1" noChangeAspect="1"/>
+          </p:cNvSpPr>
+          <p:nvPr>
+            <p:ph type="sldImg"/>
+          </p:nvPr>
+        </p:nvSpPr>
+        <p:spPr/>
+      </p:sp>
+      <p:sp>
+        <p:nvSpPr>
+          <p:cNvPr id="3" name="슬라이드 노트 개체 틀 2"/>
+          <p:cNvSpPr>
+            <a:spLocks noGrp="1"/>
+          </p:cNvSpPr>
+          <p:nvPr>
+            <p:ph type="body" idx="1"/>
+          </p:nvPr>
+        </p:nvSpPr>
+        <p:spPr/>
+        <p:txBody>
+          <a:bodyPr/>
+          <a:lstStyle/>
+          <a:p>
+            <a:r>
+              <a:rPr lang="ko-KR" altLang="en-US" dirty="0"/>
+              <a:t>데이터베이스 설계에 대해 살펴 보겠습니다</a:t>
+            </a:r>
+            <a:r>
+              <a:rPr lang="en-US" altLang="ko-KR" dirty="0"/>
+              <a:t>. </a:t>
+            </a:r>
+          </a:p>
+          <a:p>
+            <a:r>
+              <a:rPr lang="ko-KR" altLang="en-US" dirty="0"/>
+              <a:t>이 다이어그램은 </a:t>
+            </a:r>
+            <a:r>
+              <a:rPr lang="ko-KR" altLang="en-US" dirty="0" err="1"/>
+              <a:t>몽고디비를</a:t>
+            </a:r>
+            <a:r>
+              <a:rPr lang="ko-KR" altLang="en-US" dirty="0"/>
+              <a:t> 사용하여 설계한 데이터베이스 스키마의 모습입니다</a:t>
+            </a:r>
+            <a:r>
+              <a:rPr lang="en-US" altLang="ko-KR" dirty="0"/>
+              <a:t>.</a:t>
+            </a:r>
+          </a:p>
+          <a:p>
+            <a:r>
+              <a:rPr lang="ko-KR" altLang="en-US" dirty="0" err="1"/>
+              <a:t>몽고디비는</a:t>
+            </a:r>
+            <a:r>
+              <a:rPr lang="ko-KR" altLang="en-US" dirty="0"/>
+              <a:t> </a:t>
+            </a:r>
+            <a:r>
+              <a:rPr lang="ko-KR" altLang="en-US" dirty="0" err="1"/>
+              <a:t>노에스큐엘</a:t>
+            </a:r>
+            <a:r>
+              <a:rPr lang="ko-KR" altLang="en-US" dirty="0"/>
+              <a:t> 문법을 활용해 유연한 스키마를 가능하게 하며 이는 변화하는 요구사항에 신속하게 대응할 수 있도록 해줍니다</a:t>
+            </a:r>
+            <a:r>
+              <a:rPr lang="en-US" altLang="ko-KR" dirty="0"/>
+              <a:t>.</a:t>
+            </a:r>
+          </a:p>
+          <a:p>
+            <a:r>
+              <a:rPr lang="ko-KR" altLang="en-US" dirty="0"/>
+              <a:t>특히 객체 지향 프로그래밍과  높은 호환성을 지닌 덕분에 개발 속도를 크게 향상시켰습니다</a:t>
+            </a:r>
+            <a:r>
+              <a:rPr lang="en-US" altLang="ko-KR" dirty="0"/>
+              <a:t>.</a:t>
+            </a:r>
+          </a:p>
+          <a:p>
+            <a:r>
+              <a:rPr lang="ko-KR" altLang="en-US" dirty="0"/>
+              <a:t>데이터를 조회하고 추가하는 일이 빈번한 채용 시스템에서는 </a:t>
+            </a:r>
+            <a:r>
+              <a:rPr lang="ko-KR" altLang="en-US" dirty="0" err="1"/>
+              <a:t>몽고디비가</a:t>
+            </a:r>
+            <a:r>
+              <a:rPr lang="ko-KR" altLang="en-US" dirty="0"/>
+              <a:t> 뛰어난 성능을 발휘합니다</a:t>
+            </a:r>
+            <a:r>
+              <a:rPr lang="en-US" altLang="ko-KR" dirty="0"/>
+              <a:t>.</a:t>
+            </a:r>
+            <a:endParaRPr lang="ko-KR" altLang="en-US" dirty="0"/>
+          </a:p>
+        </p:txBody>
+      </p:sp>
+      <p:sp>
+        <p:nvSpPr>
+          <p:cNvPr id="4" name="슬라이드 번호 개체 틀 3"/>
+          <p:cNvSpPr>
+            <a:spLocks noGrp="1"/>
+          </p:cNvSpPr>
+          <p:nvPr>
+            <p:ph type="sldNum" sz="quarter" idx="5"/>
+          </p:nvPr>
+        </p:nvSpPr>
+        <p:spPr/>
+        <p:txBody>
+          <a:bodyPr/>
+          <a:lstStyle/>
+          <a:p>
+            <a:fld id="{138660D8-7BF7-4AAF-8061-172769AEAB12}" type="slidenum">
+              <a:rPr lang="ko-KR" altLang="en-US" smtClean="0"/>
+              <a:t>9</a:t>
+            </a:fld>
+            <a:endParaRPr lang="ko-KR" altLang="en-US"/>
+          </a:p>
+        </p:txBody>
+      </p:sp>
+    </p:spTree>
+    <p:extLst>
+      <p:ext uri="{BB962C8B-B14F-4D97-AF65-F5344CB8AC3E}">
+        <p14:creationId xmlns:p14="http://schemas.microsoft.com/office/powerpoint/2010/main" val="798024681"/>
+      </p:ext>
+    </p:extLst>
+  </p:cSld>
+  <p:clrMapOvr>
+    <a:masterClrMapping/>
+  </p:clrMapOvr>
+</p:notes>
+</file>
+
+<file path=ppt/notesSlides/notesSlide8.xml><?xml version="1.0" encoding="utf-8"?>
+<p:notes xmlns:a="http://schemas.openxmlformats.org/drawingml/2006/main" xmlns:r="http://schemas.openxmlformats.org/officeDocument/2006/relationships" xmlns:p="http://schemas.openxmlformats.org/presentationml/2006/main">
+  <p:cSld>
+    <p:spTree>
+      <p:nvGrpSpPr>
+        <p:cNvPr id="1" name=""/>
+        <p:cNvGrpSpPr/>
+        <p:nvPr/>
+      </p:nvGrpSpPr>
+      <p:grpSpPr>
+        <a:xfrm>
+          <a:off x="0" y="0"/>
+          <a:ext cx="0" cy="0"/>
+          <a:chOff x="0" y="0"/>
+          <a:chExt cx="0" cy="0"/>
+        </a:xfrm>
+      </p:grpSpPr>
+      <p:sp>
+        <p:nvSpPr>
+          <p:cNvPr id="2" name="슬라이드 이미지 개체 틀 1"/>
+          <p:cNvSpPr>
+            <a:spLocks noGrp="1" noRot="1" noChangeAspect="1"/>
+          </p:cNvSpPr>
+          <p:nvPr>
+            <p:ph type="sldImg"/>
+          </p:nvPr>
+        </p:nvSpPr>
+        <p:spPr/>
+      </p:sp>
+      <p:sp>
+        <p:nvSpPr>
+          <p:cNvPr id="3" name="슬라이드 노트 개체 틀 2"/>
+          <p:cNvSpPr>
+            <a:spLocks noGrp="1"/>
+          </p:cNvSpPr>
+          <p:nvPr>
+            <p:ph type="body" idx="1"/>
+          </p:nvPr>
+        </p:nvSpPr>
+        <p:spPr/>
+        <p:txBody>
+          <a:bodyPr/>
+          <a:lstStyle/>
+          <a:p>
+            <a:r>
+              <a:rPr lang="en-US" altLang="ko-KR" dirty="0" err="1"/>
+              <a:t>api</a:t>
+            </a:r>
+            <a:r>
+              <a:rPr lang="ko-KR" altLang="en-US" dirty="0"/>
+              <a:t>설게 부분에서는 </a:t>
+            </a:r>
+            <a:r>
+              <a:rPr lang="en-US" altLang="ko-KR" dirty="0"/>
+              <a:t>RESTful </a:t>
+            </a:r>
+            <a:r>
+              <a:rPr lang="ko-KR" altLang="en-US" dirty="0"/>
+              <a:t>원칙을 따르는 </a:t>
+            </a:r>
+            <a:r>
+              <a:rPr lang="en-US" altLang="ko-KR" dirty="0" err="1"/>
+              <a:t>api</a:t>
+            </a:r>
+            <a:r>
+              <a:rPr lang="en-US" altLang="ko-KR" dirty="0"/>
+              <a:t> </a:t>
+            </a:r>
+            <a:r>
+              <a:rPr lang="ko-KR" altLang="en-US" dirty="0"/>
+              <a:t>디자인에 중점을 두었습니다</a:t>
+            </a:r>
+            <a:r>
+              <a:rPr lang="en-US" altLang="ko-KR" dirty="0"/>
+              <a:t>.</a:t>
+            </a:r>
+          </a:p>
+          <a:p>
+            <a:r>
+              <a:rPr lang="en-US" altLang="ko-KR" dirty="0"/>
+              <a:t>restful </a:t>
+            </a:r>
+            <a:r>
+              <a:rPr lang="en-US" altLang="ko-KR" dirty="0" err="1"/>
+              <a:t>api</a:t>
+            </a:r>
+            <a:r>
+              <a:rPr lang="ko-KR" altLang="en-US" dirty="0"/>
+              <a:t>는 데이터를 교환하기위한 일련의 규칙과 약속으로 </a:t>
+            </a:r>
+            <a:r>
+              <a:rPr lang="ko-KR" altLang="en-US" dirty="0" err="1"/>
+              <a:t>시스템간에</a:t>
+            </a:r>
+            <a:r>
+              <a:rPr lang="ko-KR" altLang="en-US" dirty="0"/>
+              <a:t> 정보를 전달하는 방식을 말합니다</a:t>
+            </a:r>
+            <a:r>
+              <a:rPr lang="en-US" altLang="ko-KR" dirty="0"/>
+              <a:t>.</a:t>
+            </a:r>
+          </a:p>
+          <a:p>
+            <a:r>
+              <a:rPr lang="ko-KR" altLang="en-US" dirty="0"/>
+              <a:t>저희의 </a:t>
+            </a:r>
+            <a:r>
+              <a:rPr lang="ko-KR" altLang="en-US" dirty="0" err="1"/>
+              <a:t>엔드포인트를</a:t>
+            </a:r>
+            <a:r>
+              <a:rPr lang="ko-KR" altLang="en-US" dirty="0"/>
+              <a:t> 기준으로 예를 들자면</a:t>
+            </a:r>
+          </a:p>
+          <a:p>
+            <a:r>
+              <a:rPr lang="en-US" altLang="ko-KR" dirty="0"/>
+              <a:t>get</a:t>
+            </a:r>
+            <a:r>
+              <a:rPr lang="ko-KR" altLang="en-US" dirty="0"/>
+              <a:t>은 채용포지션을 조회하고 </a:t>
+            </a:r>
+            <a:r>
+              <a:rPr lang="en-US" altLang="ko-KR" dirty="0"/>
+              <a:t>post</a:t>
+            </a:r>
+            <a:r>
+              <a:rPr lang="ko-KR" altLang="en-US" dirty="0"/>
+              <a:t>는 새로운 채용 포지션을 생성할 때 사용합니다</a:t>
+            </a:r>
+            <a:r>
+              <a:rPr lang="en-US" altLang="ko-KR" dirty="0"/>
+              <a:t>.</a:t>
+            </a:r>
+          </a:p>
+          <a:p>
+            <a:r>
+              <a:rPr lang="ko-KR" altLang="en-US" dirty="0"/>
+              <a:t>그리고 엔드 포인트를 실제로 실행하고 테스트할 수 있는 </a:t>
+            </a:r>
+            <a:r>
+              <a:rPr lang="en-US" altLang="ko-KR" dirty="0"/>
+              <a:t>Swagger UI</a:t>
+            </a:r>
+            <a:r>
+              <a:rPr lang="ko-KR" altLang="en-US" dirty="0"/>
+              <a:t>를 활용하였습니다</a:t>
+            </a:r>
+            <a:r>
+              <a:rPr lang="en-US" altLang="ko-KR" dirty="0"/>
+              <a:t>.</a:t>
+            </a:r>
+            <a:endParaRPr lang="ko-KR" altLang="en-US" dirty="0"/>
+          </a:p>
+        </p:txBody>
+      </p:sp>
+      <p:sp>
+        <p:nvSpPr>
+          <p:cNvPr id="4" name="슬라이드 번호 개체 틀 3"/>
+          <p:cNvSpPr>
+            <a:spLocks noGrp="1"/>
+          </p:cNvSpPr>
+          <p:nvPr>
+            <p:ph type="sldNum" sz="quarter" idx="5"/>
+          </p:nvPr>
+        </p:nvSpPr>
+        <p:spPr/>
+        <p:txBody>
+          <a:bodyPr/>
+          <a:lstStyle/>
+          <a:p>
+            <a:fld id="{138660D8-7BF7-4AAF-8061-172769AEAB12}" type="slidenum">
+              <a:rPr lang="ko-KR" altLang="en-US" smtClean="0"/>
+              <a:t>10</a:t>
+            </a:fld>
+            <a:endParaRPr lang="ko-KR" altLang="en-US"/>
+          </a:p>
+        </p:txBody>
+      </p:sp>
+    </p:spTree>
+    <p:extLst>
+      <p:ext uri="{BB962C8B-B14F-4D97-AF65-F5344CB8AC3E}">
+        <p14:creationId xmlns:p14="http://schemas.microsoft.com/office/powerpoint/2010/main" val="1019414902"/>
+      </p:ext>
+    </p:extLst>
+  </p:cSld>
+  <p:clrMapOvr>
+    <a:masterClrMapping/>
+  </p:clrMapOvr>
+</p:notes>
+</file>
+
+<file path=ppt/notesSlides/notesSlide9.xml><?xml version="1.0" encoding="utf-8"?>
+<p:notes xmlns:a="http://schemas.openxmlformats.org/drawingml/2006/main" xmlns:r="http://schemas.openxmlformats.org/officeDocument/2006/relationships" xmlns:p="http://schemas.openxmlformats.org/presentationml/2006/main">
+  <p:cSld>
+    <p:spTree>
+      <p:nvGrpSpPr>
+        <p:cNvPr id="1" name=""/>
+        <p:cNvGrpSpPr/>
+        <p:nvPr/>
+      </p:nvGrpSpPr>
+      <p:grpSpPr>
+        <a:xfrm>
+          <a:off x="0" y="0"/>
+          <a:ext cx="0" cy="0"/>
+          <a:chOff x="0" y="0"/>
+          <a:chExt cx="0" cy="0"/>
+        </a:xfrm>
+      </p:grpSpPr>
+      <p:sp>
+        <p:nvSpPr>
+          <p:cNvPr id="2" name="슬라이드 이미지 개체 틀 1"/>
+          <p:cNvSpPr>
+            <a:spLocks noGrp="1" noRot="1" noChangeAspect="1"/>
+          </p:cNvSpPr>
+          <p:nvPr>
+            <p:ph type="sldImg"/>
+          </p:nvPr>
+        </p:nvSpPr>
+        <p:spPr/>
+      </p:sp>
+      <p:sp>
+        <p:nvSpPr>
+          <p:cNvPr id="3" name="슬라이드 노트 개체 틀 2"/>
+          <p:cNvSpPr>
+            <a:spLocks noGrp="1"/>
+          </p:cNvSpPr>
+          <p:nvPr>
+            <p:ph type="body" idx="1"/>
+          </p:nvPr>
+        </p:nvSpPr>
+        <p:spPr/>
+        <p:txBody>
+          <a:bodyPr/>
+          <a:lstStyle/>
+          <a:p>
+            <a:r>
+              <a:rPr lang="ko-KR" altLang="en-US" dirty="0"/>
+              <a:t>개발과정에서 채용프로세스를 살펴보겠습니다</a:t>
+            </a:r>
+            <a:r>
+              <a:rPr lang="en-US" altLang="ko-KR" dirty="0"/>
+              <a:t>.</a:t>
+            </a:r>
+          </a:p>
+          <a:p>
+            <a:endParaRPr lang="en-US" altLang="ko-KR" dirty="0"/>
+          </a:p>
+          <a:p>
+            <a:r>
+              <a:rPr lang="ko-KR" altLang="en-US" dirty="0"/>
+              <a:t>채용과정을 효과적으로 관리하기위해 </a:t>
+            </a:r>
+            <a:r>
+              <a:rPr lang="en-US" altLang="ko-KR" dirty="0"/>
+              <a:t>stage</a:t>
+            </a:r>
+            <a:r>
+              <a:rPr lang="ko-KR" altLang="en-US" dirty="0"/>
+              <a:t>를 나누어 절차를 정립했습니다</a:t>
+            </a:r>
+            <a:r>
+              <a:rPr lang="en-US" altLang="ko-KR" dirty="0"/>
+              <a:t>.</a:t>
+            </a:r>
+          </a:p>
+          <a:p>
+            <a:r>
+              <a:rPr lang="ko-KR" altLang="en-US" dirty="0"/>
+              <a:t>첫번째 다이어그램은 관리자 관점에서 </a:t>
+            </a:r>
+            <a:r>
+              <a:rPr lang="en-US" altLang="ko-KR" dirty="0" err="1"/>
+              <a:t>ui</a:t>
+            </a:r>
+            <a:r>
+              <a:rPr lang="en-US" altLang="ko-KR" dirty="0"/>
+              <a:t>, </a:t>
+            </a:r>
+            <a:r>
+              <a:rPr lang="ko-KR" altLang="en-US" dirty="0"/>
+              <a:t>서버</a:t>
+            </a:r>
+            <a:r>
+              <a:rPr lang="en-US" altLang="ko-KR" dirty="0"/>
+              <a:t>, </a:t>
+            </a:r>
+            <a:r>
+              <a:rPr lang="ko-KR" altLang="en-US" dirty="0"/>
+              <a:t>메일서버로 이어지는 시퀀스 다이어그램 입니다</a:t>
+            </a:r>
+            <a:r>
+              <a:rPr lang="en-US" altLang="ko-KR" dirty="0"/>
+              <a:t>.</a:t>
+            </a:r>
+          </a:p>
+          <a:p>
+            <a:r>
+              <a:rPr lang="ko-KR" altLang="en-US" dirty="0"/>
+              <a:t>관리자가 지원자를 </a:t>
+            </a:r>
+            <a:r>
+              <a:rPr lang="ko-KR" altLang="en-US" dirty="0" err="1"/>
+              <a:t>생성하는것부터</a:t>
+            </a:r>
+            <a:r>
+              <a:rPr lang="ko-KR" altLang="en-US" dirty="0"/>
+              <a:t> 면접일정 조율 지원자의 입사자로의 전환된 뒤 </a:t>
+            </a:r>
+            <a:r>
+              <a:rPr lang="en-US" altLang="ko-KR" dirty="0"/>
+              <a:t>2</a:t>
+            </a:r>
+            <a:r>
+              <a:rPr lang="ko-KR" altLang="en-US" dirty="0"/>
+              <a:t>차 평가서 작성까지의 관리자에서의 흐름을 확인 가능합니다</a:t>
+            </a:r>
+            <a:r>
+              <a:rPr lang="en-US" altLang="ko-KR" dirty="0"/>
+              <a:t>.</a:t>
+            </a:r>
+          </a:p>
+          <a:p>
+            <a:r>
+              <a:rPr lang="ko-KR" altLang="en-US" dirty="0"/>
+              <a:t>두번째 다이어그램은 전체 채용 프로세스의 </a:t>
+            </a:r>
+            <a:r>
+              <a:rPr lang="ko-KR" altLang="en-US" dirty="0" err="1"/>
+              <a:t>상태다이어그램으로</a:t>
+            </a:r>
+            <a:r>
+              <a:rPr lang="ko-KR" altLang="en-US" dirty="0"/>
+              <a:t> 지원대기부터 프로세스가 종료 되는 전체적인 흐름과 상태를 보실 수 있습니다</a:t>
+            </a:r>
+            <a:r>
+              <a:rPr lang="en-US" altLang="ko-KR" dirty="0"/>
+              <a:t>.</a:t>
+            </a:r>
+          </a:p>
+          <a:p>
+            <a:r>
+              <a:rPr lang="ko-KR" altLang="en-US" dirty="0"/>
+              <a:t>각 상태는 다음단계로 전환되기 전에 필요한 조건들이 </a:t>
+            </a:r>
+            <a:r>
+              <a:rPr lang="ko-KR" altLang="en-US" dirty="0" err="1"/>
+              <a:t>충죽되도록</a:t>
+            </a:r>
+            <a:r>
+              <a:rPr lang="ko-KR" altLang="en-US" dirty="0"/>
+              <a:t> 개발 되었습니다</a:t>
+            </a:r>
+            <a:r>
+              <a:rPr lang="en-US" altLang="ko-KR" dirty="0"/>
+              <a:t>.</a:t>
+            </a:r>
+            <a:endParaRPr lang="ko-KR" altLang="en-US" dirty="0"/>
+          </a:p>
+        </p:txBody>
+      </p:sp>
+      <p:sp>
+        <p:nvSpPr>
+          <p:cNvPr id="4" name="슬라이드 번호 개체 틀 3"/>
+          <p:cNvSpPr>
+            <a:spLocks noGrp="1"/>
+          </p:cNvSpPr>
+          <p:nvPr>
+            <p:ph type="sldNum" sz="quarter" idx="5"/>
+          </p:nvPr>
+        </p:nvSpPr>
+        <p:spPr/>
+        <p:txBody>
+          <a:bodyPr/>
+          <a:lstStyle/>
+          <a:p>
+            <a:fld id="{138660D8-7BF7-4AAF-8061-172769AEAB12}" type="slidenum">
+              <a:rPr lang="ko-KR" altLang="en-US" smtClean="0"/>
+              <a:t>12</a:t>
+            </a:fld>
+            <a:endParaRPr lang="ko-KR" altLang="en-US"/>
+          </a:p>
+        </p:txBody>
+      </p:sp>
+    </p:spTree>
+    <p:extLst>
+      <p:ext uri="{BB962C8B-B14F-4D97-AF65-F5344CB8AC3E}">
+        <p14:creationId xmlns:p14="http://schemas.microsoft.com/office/powerpoint/2010/main" val="2703958480"/>
+      </p:ext>
+    </p:extLst>
+  </p:cSld>
+  <p:clrMapOvr>
+    <a:masterClrMapping/>
+  </p:clrMapOvr>
+</p:notes>
 </file>
 
 <file path=ppt/slideLayouts/slideLayout1.xml><?xml version="1.0" encoding="utf-8"?>
@@ -3718,7 +6321,7 @@
           </p:nvPr>
         </p:nvPicPr>
         <p:blipFill>
-          <a:blip r:embed="rId2"/>
+          <a:blip r:embed="rId3"/>
           <a:stretch>
             <a:fillRect/>
           </a:stretch>
@@ -4210,7 +6813,7 @@
           <p:nvPr/>
         </p:nvPicPr>
         <p:blipFill rotWithShape="1">
-          <a:blip r:embed="rId2"/>
+          <a:blip r:embed="rId3"/>
           <a:srcRect r="47484"/>
           <a:stretch/>
         </p:blipFill>
@@ -4871,7 +7474,7 @@
             <p:nvPr/>
           </p:nvPicPr>
           <p:blipFill>
-            <a:blip r:embed="rId2"/>
+            <a:blip r:embed="rId3"/>
             <a:stretch>
               <a:fillRect/>
             </a:stretch>
@@ -4962,7 +7565,7 @@
             <p:nvPr/>
           </p:nvPicPr>
           <p:blipFill>
-            <a:blip r:embed="rId3"/>
+            <a:blip r:embed="rId4"/>
             <a:stretch>
               <a:fillRect/>
             </a:stretch>
@@ -5501,7 +8104,7 @@
             <p:nvPr/>
           </p:nvPicPr>
           <p:blipFill>
-            <a:blip r:embed="rId2"/>
+            <a:blip r:embed="rId3"/>
             <a:stretch>
               <a:fillRect/>
             </a:stretch>
@@ -5604,7 +8207,7 @@
             <p:nvPr/>
           </p:nvPicPr>
           <p:blipFill>
-            <a:blip r:embed="rId3"/>
+            <a:blip r:embed="rId4"/>
             <a:stretch>
               <a:fillRect/>
             </a:stretch>
@@ -5849,7 +8452,7 @@
               <p:nvPr/>
             </p:nvPicPr>
             <p:blipFill rotWithShape="1">
-              <a:blip r:embed="rId2"/>
+              <a:blip r:embed="rId3"/>
               <a:srcRect l="10" t="39338" r="190" b="43012"/>
               <a:stretch/>
             </p:blipFill>
@@ -5878,7 +8481,7 @@
               <p:nvPr/>
             </p:nvPicPr>
             <p:blipFill rotWithShape="1">
-              <a:blip r:embed="rId2"/>
+              <a:blip r:embed="rId3"/>
               <a:srcRect b="80444"/>
               <a:stretch/>
             </p:blipFill>
@@ -5907,7 +8510,7 @@
               <p:nvPr/>
             </p:nvPicPr>
             <p:blipFill rotWithShape="1">
-              <a:blip r:embed="rId2"/>
+              <a:blip r:embed="rId3"/>
               <a:srcRect t="71437" b="9931"/>
               <a:stretch/>
             </p:blipFill>
@@ -6897,7 +9500,7 @@
           <p:nvPr/>
         </p:nvPicPr>
         <p:blipFill>
-          <a:blip r:embed="rId2"/>
+          <a:blip r:embed="rId3"/>
           <a:stretch>
             <a:fillRect/>
           </a:stretch>
@@ -6927,7 +9530,7 @@
           <p:nvPr/>
         </p:nvPicPr>
         <p:blipFill>
-          <a:blip r:embed="rId3"/>
+          <a:blip r:embed="rId4"/>
           <a:stretch>
             <a:fillRect/>
           </a:stretch>
@@ -7306,7 +9909,7 @@
             </a:r>
             <a:r>
               <a:rPr lang="ko-KR" altLang="en-US" dirty="0"/>
-              <a:t>개발을 통해 기술 스택 증진으로 본 프로젝트 진입에 대한 자신감 획득</a:t>
+              <a:t>개발을 통해 기술 스택 숙련도 증진으로 본 프로젝트 진입에 대한 자신감 획득</a:t>
             </a:r>
             <a:endParaRPr lang="en-US" altLang="ko-KR" dirty="0"/>
           </a:p>
@@ -7322,7 +9925,7 @@
             </a:r>
             <a:r>
               <a:rPr lang="ko-KR" altLang="en-US" dirty="0"/>
-              <a:t>언어 전환의 성공</a:t>
+              <a:t>언어 습득</a:t>
             </a:r>
             <a:endParaRPr lang="en-US" altLang="ko-KR" dirty="0"/>
           </a:p>
@@ -9846,38 +12449,6 @@
                 <a:spcPts val="2600"/>
               </a:lnSpc>
             </a:pPr>
-            <a:r>
-              <a:rPr lang="ko-KR" altLang="en-US" dirty="0"/>
-              <a:t> </a:t>
-            </a:r>
-            <a:r>
-              <a:rPr lang="ko-KR" altLang="en-US" b="1" dirty="0"/>
-              <a:t>시간 절약</a:t>
-            </a:r>
-            <a:endParaRPr lang="en-US" altLang="ko-KR" dirty="0"/>
-          </a:p>
-          <a:p>
-            <a:pPr lvl="1">
-              <a:lnSpc>
-                <a:spcPts val="2600"/>
-              </a:lnSpc>
-            </a:pPr>
-            <a:r>
-              <a:rPr lang="ko-KR" altLang="en-US" dirty="0"/>
-              <a:t>일관된 채용 프로세스 관리 방안 제시</a:t>
-            </a:r>
-            <a:endParaRPr lang="en-US" altLang="ko-KR" dirty="0"/>
-          </a:p>
-          <a:p>
-            <a:pPr>
-              <a:lnSpc>
-                <a:spcPts val="2600"/>
-              </a:lnSpc>
-            </a:pPr>
-            <a:r>
-              <a:rPr lang="en-US" altLang="ko-KR" dirty="0"/>
-              <a:t> </a:t>
-            </a:r>
             <a:r>
               <a:rPr lang="ko-KR" altLang="en-US" b="1" dirty="0"/>
               <a:t>사용자 경험 중시</a:t>
@@ -10405,7 +12976,7 @@
             <p:nvPr/>
           </p:nvPicPr>
           <p:blipFill>
-            <a:blip r:embed="rId2"/>
+            <a:blip r:embed="rId3"/>
             <a:stretch>
               <a:fillRect/>
             </a:stretch>

--- a/기술 7부 김민수 성과 발표.pptx
+++ b/기술 7부 김민수 성과 발표.pptx
@@ -673,13 +673,74 @@
             </a:r>
             <a:r>
               <a:rPr lang="en-US" altLang="ko-KR" dirty="0"/>
+              <a:t>. </a:t>
+            </a:r>
+            <a:r>
+              <a:rPr lang="ko-KR" altLang="en-US" dirty="0"/>
+              <a:t>테스트는 단위 테스트와 통합 테스트를 구분하여 진행하였습니다</a:t>
+            </a:r>
+            <a:r>
+              <a:rPr lang="en-US" altLang="ko-KR" dirty="0"/>
+              <a:t>. </a:t>
+            </a:r>
+          </a:p>
+          <a:p>
+            <a:r>
+              <a:rPr lang="ko-KR" altLang="en-US" dirty="0"/>
+              <a:t>단위 테스트는 모의로 데이터를 만들어 개별 코드 단위의 정확성을 검증하는 테스트이며</a:t>
+            </a:r>
+            <a:r>
+              <a:rPr lang="en-US" altLang="ko-KR" dirty="0"/>
+              <a:t>, </a:t>
+            </a:r>
+          </a:p>
+          <a:p>
+            <a:r>
+              <a:rPr lang="ko-KR" altLang="en-US" dirty="0"/>
+              <a:t>통합 테스트는 서로 다른 모듈이나 서비스가 통합될 때의 전체 흐름과 데이터 교환의 정확성을 검증합니다</a:t>
+            </a:r>
+            <a:r>
+              <a:rPr lang="en-US" altLang="ko-KR" dirty="0"/>
               <a:t>.</a:t>
             </a:r>
           </a:p>
           <a:p>
-            <a:r>
-              <a:rPr lang="ko-KR" altLang="en-US" dirty="0"/>
-              <a:t>테스트는 단위 테스트와 통합테스트를 구분하여 진행하였습니다</a:t>
+            <a:endParaRPr lang="en-US" altLang="ko-KR" dirty="0"/>
+          </a:p>
+          <a:p>
+            <a:r>
+              <a:rPr lang="ko-KR" altLang="en-US" dirty="0"/>
+              <a:t>오른쪽 위의 테스트는 단위 테스트로</a:t>
+            </a:r>
+            <a:r>
+              <a:rPr lang="en-US" altLang="ko-KR" dirty="0"/>
+              <a:t>, </a:t>
+            </a:r>
+            <a:r>
+              <a:rPr lang="ko-KR" altLang="en-US" dirty="0"/>
+              <a:t>지원자의 이력서를 다운로드하는 상황에서 다운로드할 파일이 존재하지 않을 때 오류를 처리하는 테스트입니다</a:t>
+            </a:r>
+            <a:r>
+              <a:rPr lang="en-US" altLang="ko-KR" dirty="0"/>
+              <a:t>. </a:t>
+            </a:r>
+          </a:p>
+          <a:p>
+            <a:r>
+              <a:rPr lang="en-US" altLang="ko-KR" dirty="0"/>
+              <a:t>Jest</a:t>
+            </a:r>
+            <a:r>
+              <a:rPr lang="ko-KR" altLang="en-US" dirty="0"/>
+              <a:t>라는 함수로 테스트 코드 이외의 함수들의 </a:t>
+            </a:r>
+            <a:r>
+              <a:rPr lang="ko-KR" altLang="en-US" dirty="0" err="1"/>
+              <a:t>리턴값을</a:t>
+            </a:r>
+            <a:r>
+              <a:rPr lang="ko-KR" altLang="en-US" dirty="0"/>
+              <a:t> 만들어 보내어 개별 코드를 검증하고 있습니다</a:t>
             </a:r>
             <a:r>
               <a:rPr lang="en-US" altLang="ko-KR" dirty="0"/>
@@ -687,15 +748,38 @@
             </a:r>
           </a:p>
           <a:p>
-            <a:r>
-              <a:rPr lang="ko-KR" altLang="en-US" dirty="0"/>
-              <a:t>단위테스트는 모의로 데이터를 만들어 개별 코드 단위의 정확성을 검증하는 테스트이며 </a:t>
-            </a:r>
-          </a:p>
-          <a:p>
-            <a:r>
-              <a:rPr lang="ko-KR" altLang="en-US" dirty="0"/>
-              <a:t>통합 테스트는 서로 다른 모듈이나 서비스가 통합될 때의 전체 흐름과 데이터 교환의 정확성을 검증합니다</a:t>
+            <a:endParaRPr lang="en-US" altLang="ko-KR" dirty="0"/>
+          </a:p>
+          <a:p>
+            <a:r>
+              <a:rPr lang="ko-KR" altLang="en-US" dirty="0"/>
+              <a:t>통합 테스트는 평가자를 수정하는 </a:t>
+            </a:r>
+            <a:r>
+              <a:rPr lang="en-US" altLang="ko-KR" dirty="0"/>
+              <a:t>API </a:t>
+            </a:r>
+            <a:r>
+              <a:rPr lang="ko-KR" altLang="en-US" dirty="0"/>
+              <a:t>요청에 대한 검증을 수행합니다</a:t>
+            </a:r>
+            <a:r>
+              <a:rPr lang="en-US" altLang="ko-KR" dirty="0"/>
+              <a:t>. </a:t>
+            </a:r>
+          </a:p>
+          <a:p>
+            <a:r>
+              <a:rPr lang="ko-KR" altLang="en-US" dirty="0"/>
+              <a:t>모의로 평가자 정보를 만들어 평가자 수정 </a:t>
+            </a:r>
+            <a:r>
+              <a:rPr lang="en-US" altLang="ko-KR" dirty="0"/>
+              <a:t>API </a:t>
+            </a:r>
+            <a:r>
+              <a:rPr lang="ko-KR" altLang="en-US" dirty="0"/>
+              <a:t>요청에 보내어 검증하는 코드입니다</a:t>
             </a:r>
             <a:r>
               <a:rPr lang="en-US" altLang="ko-KR" dirty="0"/>
@@ -787,7 +871,7 @@
           <a:p>
             <a:r>
               <a:rPr lang="ko-KR" altLang="en-US" dirty="0"/>
-              <a:t>다음은 테스트 커버리지 입니다</a:t>
+              <a:t>다음은 커버리지 입니다</a:t>
             </a:r>
             <a:r>
               <a:rPr lang="en-US" altLang="ko-KR" dirty="0"/>
@@ -800,11 +884,11 @@
           <a:p>
             <a:r>
               <a:rPr lang="ko-KR" altLang="en-US" dirty="0"/>
-              <a:t>테스트 커버리지는 실시한 테스트가 얼마나 많이 작성된 실제 코드를 실행하고 있는지 측정하는 지표입니다</a:t>
-            </a:r>
-            <a:r>
-              <a:rPr lang="en-US" altLang="ko-KR" dirty="0"/>
-              <a:t>.</a:t>
+              <a:t>테스트 커버리지는 실시한 테스트가 얼마나 많은 작성된 실제 코드를 실행하고 있는지 측정하는 지표입니다</a:t>
+            </a:r>
+            <a:r>
+              <a:rPr lang="en-US" altLang="ko-KR" dirty="0"/>
+              <a:t>. </a:t>
             </a:r>
           </a:p>
           <a:p>
@@ -826,13 +910,42 @@
             </a:r>
             <a:r>
               <a:rPr lang="en-US" altLang="ko-KR" dirty="0"/>
+              <a:t>. </a:t>
+            </a:r>
+          </a:p>
+          <a:p>
+            <a:r>
+              <a:rPr lang="ko-KR" altLang="en-US" dirty="0"/>
+              <a:t>이는 서버가 실행된 직후에 확인 가능한 코드들과 아직 발생하지 않은 시나리오를 대비한 코드를 포함하기 때문입니다</a:t>
+            </a:r>
+            <a:r>
+              <a:rPr lang="en-US" altLang="ko-KR" dirty="0"/>
               <a:t>.</a:t>
             </a:r>
           </a:p>
           <a:p>
-            <a:r>
-              <a:rPr lang="ko-KR" altLang="en-US" dirty="0"/>
-              <a:t>이는 해당 모듈의 특정 부분이 예외적인 경우나 아직 발생하지 않은 시나리오를 대비한 코드를 포함하기 때문입니다</a:t>
+            <a:endParaRPr lang="en-US" altLang="ko-KR" dirty="0"/>
+          </a:p>
+          <a:p>
+            <a:r>
+              <a:rPr lang="ko-KR" altLang="en-US" dirty="0"/>
+              <a:t>따라서 평균 </a:t>
+            </a:r>
+            <a:r>
+              <a:rPr lang="en-US" altLang="ko-KR" dirty="0"/>
+              <a:t>90% </a:t>
+            </a:r>
+            <a:r>
+              <a:rPr lang="ko-KR" altLang="en-US" dirty="0"/>
+              <a:t>이상의 </a:t>
+            </a:r>
+            <a:r>
+              <a:rPr lang="ko-KR" altLang="en-US" dirty="0" err="1"/>
+              <a:t>커버리지를</a:t>
+            </a:r>
+            <a:r>
+              <a:rPr lang="ko-KR" altLang="en-US" dirty="0"/>
+              <a:t> 목표로 개발을 진행하였습니다</a:t>
             </a:r>
             <a:r>
               <a:rPr lang="en-US" altLang="ko-KR" dirty="0"/>
@@ -841,12 +954,12 @@
           </a:p>
           <a:p>
             <a:r>
-              <a:rPr lang="ko-KR" altLang="en-US" dirty="0" err="1"/>
-              <a:t>개발을하며</a:t>
-            </a:r>
-            <a:r>
-              <a:rPr lang="ko-KR" altLang="en-US" dirty="0"/>
-              <a:t> 가장 많은 시간을 들인 부분이 테스트 코드를 작성하는 부분이기도 했고</a:t>
+              <a:rPr lang="en-US" altLang="ko-KR" dirty="0"/>
+              <a:t> </a:t>
+            </a:r>
+            <a:r>
+              <a:rPr lang="ko-KR" altLang="en-US" dirty="0"/>
+              <a:t>이를 통해 주요 기능들의 안정성을 확보하고</a:t>
             </a:r>
             <a:r>
               <a:rPr lang="en-US" altLang="ko-KR" dirty="0"/>
@@ -854,19 +967,7 @@
             </a:r>
             <a:r>
               <a:rPr lang="ko-KR" altLang="en-US" dirty="0"/>
-              <a:t>효율성도 중요하기 때문에 </a:t>
-            </a:r>
-          </a:p>
-          <a:p>
-            <a:r>
-              <a:rPr lang="ko-KR" altLang="en-US" dirty="0"/>
-              <a:t>발생할 가능성이 낮은 경로에 대해서는 테스트를 실시 하지 않고 좀 더 중요한 기능과 사용자에게 영향을 미칠 수 잇는 부분에 대한</a:t>
-            </a:r>
-          </a:p>
-          <a:p>
-            <a:r>
-              <a:rPr lang="ko-KR" altLang="en-US" dirty="0"/>
-              <a:t>테스트에 좀더 집중을 하였습니다</a:t>
+              <a:t>실시간 운영 중 발생할 수 있는 다양한 상황에 대비하였습니다</a:t>
             </a:r>
             <a:r>
               <a:rPr lang="en-US" altLang="ko-KR" dirty="0"/>
@@ -1465,225 +1566,75 @@
           <a:lstStyle/>
           <a:p>
             <a:r>
-              <a:rPr lang="ko-KR" altLang="en-US" dirty="0"/>
-              <a:t>첫째 개요에서는 </a:t>
-            </a:r>
-            <a:r>
-              <a:rPr lang="en-US" altLang="ko-KR" dirty="0"/>
-              <a:t>LRIM </a:t>
-            </a:r>
-            <a:r>
-              <a:rPr lang="ko-KR" altLang="en-US" dirty="0"/>
-              <a:t>프로젝트를 진행하게 된 배경에 대해 설명하며</a:t>
-            </a:r>
-            <a:r>
-              <a:rPr lang="en-US" altLang="ko-KR" dirty="0"/>
+              <a:rPr lang="ko-KR" altLang="en-US" b="1" dirty="0"/>
+              <a:t>보시는 바와 같이 </a:t>
+            </a:r>
+            <a:endParaRPr lang="en-US" altLang="ko-KR" b="1" dirty="0"/>
+          </a:p>
+          <a:p>
+            <a:r>
+              <a:rPr lang="ko-KR" altLang="en-US" b="1" dirty="0"/>
+              <a:t>여섯 가지의 항목으로</a:t>
+            </a:r>
+          </a:p>
+          <a:p>
+            <a:r>
+              <a:rPr lang="ko-KR" altLang="en-US" b="1" dirty="0"/>
+              <a:t>개요</a:t>
+            </a:r>
+            <a:r>
+              <a:rPr lang="en-US" altLang="ko-KR" b="1" dirty="0"/>
               <a:t>, </a:t>
             </a:r>
             <a:r>
-              <a:rPr lang="ko-KR" altLang="en-US" dirty="0"/>
-              <a:t>프로젝트 목적을 공유할 예정입니다</a:t>
-            </a:r>
-            <a:r>
-              <a:rPr lang="en-US" altLang="ko-KR" dirty="0"/>
+              <a:rPr lang="ko-KR" altLang="en-US" b="1" dirty="0"/>
+              <a:t>요구사항분석</a:t>
+            </a:r>
+            <a:r>
+              <a:rPr lang="en-US" altLang="ko-KR" b="1" dirty="0"/>
+              <a:t>, </a:t>
+            </a:r>
+            <a:r>
+              <a:rPr lang="ko-KR" altLang="en-US" b="1" dirty="0"/>
+              <a:t>설계</a:t>
+            </a:r>
+            <a:r>
+              <a:rPr lang="en-US" altLang="ko-KR" b="1" dirty="0"/>
+              <a:t>, </a:t>
+            </a:r>
+            <a:r>
+              <a:rPr lang="ko-KR" altLang="en-US" b="1" dirty="0"/>
+              <a:t>개발 과정</a:t>
+            </a:r>
+            <a:r>
+              <a:rPr lang="en-US" altLang="ko-KR" b="1" dirty="0"/>
+              <a:t>, </a:t>
+            </a:r>
+            <a:r>
+              <a:rPr lang="ko-KR" altLang="en-US" b="1" dirty="0"/>
+              <a:t>업무성과 및 회고</a:t>
+            </a:r>
+            <a:r>
+              <a:rPr lang="en-US" altLang="ko-KR" b="1" dirty="0"/>
+              <a:t>, SARDIP </a:t>
+            </a:r>
+            <a:r>
+              <a:rPr lang="ko-KR" altLang="en-US" b="1" dirty="0"/>
+              <a:t>개발 계획으로</a:t>
+            </a:r>
+          </a:p>
+          <a:p>
+            <a:r>
+              <a:rPr lang="ko-KR" altLang="en-US" b="1" dirty="0"/>
+              <a:t>나누어 발표를 진행하겠습니다</a:t>
+            </a:r>
+            <a:r>
+              <a:rPr lang="en-US" altLang="ko-KR" b="1" dirty="0"/>
               <a:t>.</a:t>
             </a:r>
           </a:p>
           <a:p>
-            <a:endParaRPr lang="en-US" altLang="ko-KR" dirty="0"/>
-          </a:p>
-          <a:p>
-            <a:r>
-              <a:rPr lang="ko-KR" altLang="en-US" dirty="0"/>
-              <a:t>둘째 요구사항 분석 단계에서는 경영지원팀으로 </a:t>
-            </a:r>
-            <a:r>
-              <a:rPr lang="ko-KR" altLang="en-US" dirty="0" err="1"/>
-              <a:t>부터</a:t>
-            </a:r>
-            <a:r>
-              <a:rPr lang="ko-KR" altLang="en-US" dirty="0"/>
-              <a:t> 받은 요구사항 리스트와  개발 핵심 포인트를 들여다 보겠습니다</a:t>
-            </a:r>
-            <a:r>
-              <a:rPr lang="en-US" altLang="ko-KR" dirty="0"/>
-              <a:t>.</a:t>
-            </a:r>
-          </a:p>
-          <a:p>
-            <a:endParaRPr lang="en-US" altLang="ko-KR" dirty="0"/>
-          </a:p>
-          <a:p>
-            <a:r>
-              <a:rPr lang="ko-KR" altLang="en-US" dirty="0"/>
-              <a:t>셋째 설계 단계에서는 </a:t>
-            </a:r>
-            <a:r>
-              <a:rPr lang="en-US" altLang="ko-KR" dirty="0"/>
-              <a:t>LRIM</a:t>
-            </a:r>
-            <a:r>
-              <a:rPr lang="ko-KR" altLang="en-US" dirty="0"/>
-              <a:t>의 구조와 데이터베이스 </a:t>
-            </a:r>
-            <a:r>
-              <a:rPr lang="en-US" altLang="ko-KR" dirty="0"/>
-              <a:t>, API </a:t>
-            </a:r>
-            <a:r>
-              <a:rPr lang="ko-KR" altLang="en-US" dirty="0"/>
-              <a:t>설계에 대해 말씀드리겠습니다</a:t>
-            </a:r>
-            <a:r>
-              <a:rPr lang="en-US" altLang="ko-KR" dirty="0"/>
-              <a:t>.</a:t>
-            </a:r>
-          </a:p>
-          <a:p>
-            <a:endParaRPr lang="en-US" altLang="ko-KR" dirty="0"/>
-          </a:p>
-          <a:p>
-            <a:r>
-              <a:rPr lang="ko-KR" altLang="en-US" dirty="0"/>
-              <a:t>넷째 개발 과정에서는 관리자 관점에서 </a:t>
-            </a:r>
-            <a:r>
-              <a:rPr lang="en-US" altLang="ko-KR" dirty="0"/>
-              <a:t>UI, </a:t>
-            </a:r>
-            <a:r>
-              <a:rPr lang="ko-KR" altLang="en-US" dirty="0"/>
-              <a:t>서버</a:t>
-            </a:r>
-            <a:r>
-              <a:rPr lang="en-US" altLang="ko-KR" dirty="0"/>
-              <a:t>, </a:t>
-            </a:r>
-            <a:r>
-              <a:rPr lang="ko-KR" altLang="en-US" dirty="0"/>
-              <a:t>메일서버로 이어지는 시퀀스 다이어그램과 채용프로세스의 전체흐름을 </a:t>
-            </a:r>
-            <a:r>
-              <a:rPr lang="ko-KR" altLang="en-US" dirty="0" err="1"/>
-              <a:t>볼수</a:t>
-            </a:r>
-            <a:r>
-              <a:rPr lang="ko-KR" altLang="en-US" dirty="0"/>
-              <a:t> 있는 </a:t>
-            </a:r>
-            <a:r>
-              <a:rPr lang="ko-KR" altLang="en-US" dirty="0" err="1"/>
-              <a:t>상태다이어그램</a:t>
-            </a:r>
-            <a:r>
-              <a:rPr lang="en-US" altLang="ko-KR" dirty="0"/>
-              <a:t>,</a:t>
-            </a:r>
-          </a:p>
-          <a:p>
-            <a:r>
-              <a:rPr lang="en-US" altLang="ko-KR" dirty="0"/>
-              <a:t> </a:t>
-            </a:r>
-            <a:r>
-              <a:rPr lang="ko-KR" altLang="en-US" dirty="0"/>
-              <a:t>품질 관리를 위해 어떤 테스트 및 </a:t>
-            </a:r>
-            <a:r>
-              <a:rPr lang="ko-KR" altLang="en-US" dirty="0" err="1"/>
-              <a:t>커버리지를</a:t>
-            </a:r>
-            <a:r>
-              <a:rPr lang="ko-KR" altLang="en-US" dirty="0"/>
-              <a:t> 공유하겠습니다</a:t>
-            </a:r>
-            <a:r>
-              <a:rPr lang="en-US" altLang="ko-KR" dirty="0"/>
-              <a:t>.</a:t>
-            </a:r>
-          </a:p>
-          <a:p>
-            <a:endParaRPr lang="en-US" altLang="ko-KR" dirty="0"/>
-          </a:p>
-          <a:p>
-            <a:r>
-              <a:rPr lang="ko-KR" altLang="en-US" dirty="0"/>
-              <a:t>다섯째</a:t>
-            </a:r>
-            <a:r>
-              <a:rPr lang="en-US" altLang="ko-KR" dirty="0"/>
-              <a:t>, </a:t>
-            </a:r>
-            <a:r>
-              <a:rPr lang="ko-KR" altLang="en-US" dirty="0"/>
-              <a:t>업무성과 및 회고 에서는 </a:t>
-            </a:r>
-            <a:r>
-              <a:rPr lang="en-US" altLang="ko-KR" dirty="0"/>
-              <a:t>LRIM </a:t>
-            </a:r>
-            <a:r>
-              <a:rPr lang="ko-KR" altLang="en-US" dirty="0"/>
-              <a:t>프로젝트를 통해 </a:t>
-            </a:r>
-            <a:r>
-              <a:rPr lang="ko-KR" altLang="en-US" dirty="0" err="1"/>
-              <a:t>달성환</a:t>
-            </a:r>
-            <a:r>
-              <a:rPr lang="ko-KR" altLang="en-US" dirty="0"/>
-              <a:t> 성과와 </a:t>
-            </a:r>
-            <a:r>
-              <a:rPr lang="ko-KR" altLang="en-US" dirty="0" err="1"/>
-              <a:t>배운점에</a:t>
-            </a:r>
-            <a:r>
-              <a:rPr lang="ko-KR" altLang="en-US" dirty="0"/>
-              <a:t> 대해 이야기하겠습니다</a:t>
-            </a:r>
-            <a:r>
-              <a:rPr lang="en-US" altLang="ko-KR" dirty="0"/>
-              <a:t>.</a:t>
-            </a:r>
-          </a:p>
-          <a:p>
-            <a:endParaRPr lang="en-US" altLang="ko-KR" dirty="0"/>
-          </a:p>
-          <a:p>
-            <a:r>
-              <a:rPr lang="ko-KR" altLang="en-US" dirty="0"/>
-              <a:t>마지막으로 </a:t>
-            </a:r>
-            <a:r>
-              <a:rPr lang="en-US" altLang="ko-KR" dirty="0"/>
-              <a:t>SARDIP</a:t>
-            </a:r>
-            <a:r>
-              <a:rPr lang="ko-KR" altLang="en-US" dirty="0"/>
-              <a:t>개발계획에서는 앞으로 제가 </a:t>
-            </a:r>
-            <a:r>
-              <a:rPr lang="ko-KR" altLang="en-US" dirty="0" err="1"/>
-              <a:t>담당하게될</a:t>
-            </a:r>
-            <a:r>
-              <a:rPr lang="ko-KR" altLang="en-US" dirty="0"/>
-              <a:t> </a:t>
-            </a:r>
-            <a:r>
-              <a:rPr lang="en-US" altLang="ko-KR" dirty="0"/>
-              <a:t>SARDIP</a:t>
-            </a:r>
-            <a:r>
-              <a:rPr lang="ko-KR" altLang="en-US" dirty="0"/>
-              <a:t>의 업무에 대해 말씀드리겠습니다</a:t>
-            </a:r>
-            <a:r>
-              <a:rPr lang="en-US" altLang="ko-KR" dirty="0"/>
-              <a:t>.</a:t>
-            </a:r>
-            <a:endParaRPr lang="ko-KR" altLang="en-US" dirty="0"/>
+            <a:endParaRPr lang="ko-KR" altLang="en-US" b="1" dirty="0"/>
           </a:p>
         </p:txBody>
       </p:sp>
@@ -1798,7 +1749,7 @@
           <a:p>
             <a:r>
               <a:rPr lang="ko-KR" altLang="en-US" dirty="0"/>
-              <a:t>이러한 방식은 채용 플랫폼에 대한 높은 의존도와 데이터의 수기 입력</a:t>
+              <a:t>이러한 방식은 채용 플랫폼에 대한 높은 의존도</a:t>
             </a:r>
             <a:r>
               <a:rPr lang="en-US" altLang="ko-KR" dirty="0"/>
@@ -1806,6 +1757,22 @@
             </a:r>
             <a:r>
               <a:rPr lang="ko-KR" altLang="en-US" dirty="0"/>
+              <a:t>지원자의 정보 보존 및 관리 단계에서의 소실 가능성</a:t>
+            </a:r>
+            <a:r>
+              <a:rPr lang="en-US" altLang="ko-KR" dirty="0"/>
+              <a:t>, </a:t>
+            </a:r>
+            <a:r>
+              <a:rPr lang="ko-KR" altLang="en-US" dirty="0"/>
+              <a:t>데이터의 수기 입력</a:t>
+            </a:r>
+            <a:r>
+              <a:rPr lang="en-US" altLang="ko-KR" dirty="0"/>
+              <a:t>, </a:t>
+            </a:r>
+            <a:r>
+              <a:rPr lang="ko-KR" altLang="en-US" dirty="0"/>
               <a:t>그리고 면접 일정 조율의 어려움 등 여러 문제점을 안고 있었습니다</a:t>
             </a:r>
             <a:r>
@@ -1814,15 +1781,30 @@
             </a:r>
             <a:r>
               <a:rPr lang="ko-KR" altLang="en-US" dirty="0"/>
-              <a:t>이에 저희는 더 나은 채용 관리를 위해 새로운 시스템 개발에 착수하게 되었습니다</a:t>
-            </a:r>
-            <a:r>
-              <a:rPr lang="en-US" altLang="ko-KR" dirty="0"/>
-              <a:t>. </a:t>
-            </a:r>
-            <a:r>
-              <a:rPr lang="ko-KR" altLang="en-US" dirty="0"/>
-              <a:t>이 시스템은 복잡한 채용 관리 프로세스를 효율적으로 처리하도록 설계되었으며</a:t>
+              <a:t>이에 저희는 채용 관리를 개선하고 경영지원팀의 인사 관리 부담을 줄이기 위한 새로운 맞춤 솔루션 채용 시스템 개발에 착수했습니다</a:t>
+            </a:r>
+            <a:r>
+              <a:rPr lang="en-US" altLang="ko-KR" dirty="0"/>
+              <a:t>.</a:t>
+            </a:r>
+          </a:p>
+          <a:p>
+            <a:endParaRPr lang="en-US" altLang="ko-KR" dirty="0"/>
+          </a:p>
+          <a:p>
+            <a:r>
+              <a:rPr lang="ko-KR" altLang="en-US" dirty="0"/>
+              <a:t>이 시스템은 복잡한 채용 관리 프로세스를 효율적으로 처리할 수 있도록 계획했습니다</a:t>
+            </a:r>
+            <a:r>
+              <a:rPr lang="en-US" altLang="ko-KR" dirty="0"/>
+              <a:t>.</a:t>
+            </a:r>
+          </a:p>
+          <a:p>
+            <a:r>
+              <a:rPr lang="ko-KR" altLang="en-US" dirty="0"/>
+              <a:t>이를 통해 경영지원팀의 인사 관리 부담을 크게 줄이는 동시에</a:t>
             </a:r>
             <a:r>
               <a:rPr lang="en-US" altLang="ko-KR" dirty="0"/>
@@ -1830,40 +1812,11 @@
             </a:r>
             <a:r>
               <a:rPr lang="ko-KR" altLang="en-US" dirty="0"/>
-              <a:t>이를 통해 경영지원팀의 인사 관리 부담을 크게 줄일 수 있을 것으로 기대하고 있습니다</a:t>
+              <a:t>개발자들의 역량이 한층 더 성장할 수 있을 것으로 기대했습니다</a:t>
             </a:r>
             <a:r>
               <a:rPr lang="en-US" altLang="ko-KR" dirty="0"/>
               <a:t>.</a:t>
-            </a:r>
-          </a:p>
-          <a:p>
-            <a:endParaRPr lang="en-US" altLang="ko-KR" dirty="0"/>
-          </a:p>
-          <a:p>
-            <a:r>
-              <a:rPr lang="ko-KR" altLang="en-US" dirty="0"/>
-              <a:t>개발자로서 이러한 과제를 수행함으로써 저희 팀의 역량 또한 한층 더 성장할 수 있었다고 생각합니다</a:t>
-            </a:r>
-            <a:r>
-              <a:rPr lang="en-US" altLang="ko-KR" dirty="0"/>
-              <a:t>. </a:t>
-            </a:r>
-            <a:r>
-              <a:rPr lang="ko-KR" altLang="en-US" dirty="0"/>
-              <a:t>저희가 개발한 시스템이 실제로 팀의 업무 효율을 얼마나 개선하였는지에 대해서는 계속해서 관찰하고</a:t>
-            </a:r>
-            <a:r>
-              <a:rPr lang="en-US" altLang="ko-KR" dirty="0"/>
-              <a:t>, </a:t>
-            </a:r>
-            <a:r>
-              <a:rPr lang="ko-KR" altLang="en-US" dirty="0"/>
-              <a:t>필요한 개선을 추가로 진행할 예정입니다</a:t>
-            </a:r>
-            <a:r>
-              <a:rPr lang="en-US" altLang="ko-KR" dirty="0"/>
-              <a:t>. </a:t>
             </a:r>
             <a:endParaRPr lang="ko-KR" altLang="en-US" dirty="0"/>
           </a:p>
@@ -1951,6 +1904,90 @@
           <a:p>
             <a:r>
               <a:rPr lang="ko-KR" altLang="en-US" dirty="0"/>
+              <a:t>경영지원팀으로부터 받은 요구사항은 </a:t>
+            </a:r>
+            <a:r>
+              <a:rPr lang="en-US" altLang="ko-KR" dirty="0"/>
+              <a:t>7</a:t>
+            </a:r>
+            <a:r>
+              <a:rPr lang="ko-KR" altLang="en-US" dirty="0"/>
+              <a:t>가지 정도로 </a:t>
+            </a:r>
+            <a:r>
+              <a:rPr lang="ko-KR" altLang="en-US" dirty="0" err="1"/>
+              <a:t>간추릴수</a:t>
+            </a:r>
+            <a:r>
+              <a:rPr lang="ko-KR" altLang="en-US" dirty="0"/>
+              <a:t> 있었습니다</a:t>
+            </a:r>
+            <a:r>
+              <a:rPr lang="en-US" altLang="ko-KR" dirty="0"/>
+              <a:t>.</a:t>
+            </a:r>
+          </a:p>
+          <a:p>
+            <a:r>
+              <a:rPr lang="ko-KR" altLang="en-US" dirty="0"/>
+              <a:t>채용 프로세스 기능 개발</a:t>
+            </a:r>
+            <a:r>
+              <a:rPr lang="en-US" altLang="ko-KR" dirty="0"/>
+              <a:t>, </a:t>
+            </a:r>
+            <a:r>
+              <a:rPr lang="ko-KR" altLang="en-US" dirty="0"/>
+              <a:t>편의성 높은 시스템 개발</a:t>
+            </a:r>
+            <a:r>
+              <a:rPr lang="en-US" altLang="ko-KR" dirty="0"/>
+              <a:t>, </a:t>
+            </a:r>
+            <a:r>
+              <a:rPr lang="ko-KR" altLang="en-US" dirty="0"/>
+              <a:t>편리한 일정 관리</a:t>
+            </a:r>
+            <a:r>
+              <a:rPr lang="en-US" altLang="ko-KR" dirty="0"/>
+              <a:t>, </a:t>
+            </a:r>
+            <a:r>
+              <a:rPr lang="ko-KR" altLang="en-US" dirty="0" err="1"/>
+              <a:t>맨먼스</a:t>
+            </a:r>
+            <a:r>
+              <a:rPr lang="ko-KR" altLang="en-US" dirty="0"/>
+              <a:t> 절감</a:t>
+            </a:r>
+            <a:r>
+              <a:rPr lang="en-US" altLang="ko-KR" dirty="0"/>
+              <a:t>, </a:t>
+            </a:r>
+            <a:r>
+              <a:rPr lang="ko-KR" altLang="en-US" dirty="0"/>
+              <a:t>알람 제공</a:t>
+            </a:r>
+            <a:r>
+              <a:rPr lang="en-US" altLang="ko-KR" dirty="0"/>
+              <a:t>, </a:t>
+            </a:r>
+            <a:r>
+              <a:rPr lang="ko-KR" altLang="en-US" dirty="0"/>
+              <a:t>문서화 기능</a:t>
+            </a:r>
+            <a:r>
+              <a:rPr lang="en-US" altLang="ko-KR" dirty="0"/>
+              <a:t>, </a:t>
+            </a:r>
+            <a:r>
+              <a:rPr lang="ko-KR" altLang="en-US" dirty="0"/>
+              <a:t>권한 관리</a:t>
+            </a:r>
+          </a:p>
+          <a:p>
+            <a:r>
+              <a:rPr lang="ko-KR" altLang="en-US" dirty="0"/>
               <a:t>우선적으로 채용에서 발생하는 다양한 업무의 복잡성을 간소화하고</a:t>
             </a:r>
             <a:r>
@@ -1969,13 +2006,17 @@
             </a:r>
             <a:r>
               <a:rPr lang="en-US" altLang="ko-KR" dirty="0"/>
-              <a:t>.</a:t>
-            </a:r>
-          </a:p>
-          <a:p>
-            <a:r>
-              <a:rPr lang="ko-KR" altLang="en-US" dirty="0"/>
-              <a:t>또한 면접관</a:t>
+              <a:t>. </a:t>
+            </a:r>
+            <a:r>
+              <a:rPr lang="ko-KR" altLang="en-US" dirty="0"/>
+              <a:t>그리고 이 시스템 안에는 관리자와 면접관 권한에 따른 데이터 접근 제한과</a:t>
+            </a:r>
+          </a:p>
+          <a:p>
+            <a:r>
+              <a:rPr lang="ko-KR" altLang="en-US" dirty="0"/>
+              <a:t>면접관</a:t>
             </a:r>
             <a:r>
               <a:rPr lang="en-US" altLang="ko-KR" dirty="0"/>
@@ -1987,7 +2028,25 @@
             </a:r>
             <a:r>
               <a:rPr lang="ko-KR" altLang="en-US" dirty="0"/>
-              <a:t> 보고서 및 평가서를 쉽게 작성하고 관리할 수 있는 기능이 필요 했습니다</a:t>
+              <a:t> 보고서 및 평가서를 쉽게 작성하고 관리할 수 있어야 했으며</a:t>
+            </a:r>
+            <a:r>
+              <a:rPr lang="en-US" altLang="ko-KR" dirty="0"/>
+              <a:t>, </a:t>
+            </a:r>
+          </a:p>
+          <a:p>
+            <a:r>
+              <a:rPr lang="ko-KR" altLang="en-US" dirty="0"/>
+              <a:t>관리자와 면접관 모두에게 유연하고 간편한 일정 설정 및 조정이 가능해야 했습니다</a:t>
+            </a:r>
+            <a:r>
+              <a:rPr lang="en-US" altLang="ko-KR" dirty="0"/>
+              <a:t>. </a:t>
+            </a:r>
+            <a:r>
+              <a:rPr lang="ko-KR" altLang="en-US" dirty="0"/>
+              <a:t>그리고 이런 이벤트들이 발생할 때마다 즉각적인 알람 제공이 필요했습니다</a:t>
             </a:r>
             <a:r>
               <a:rPr lang="en-US" altLang="ko-KR" dirty="0"/>
@@ -1997,57 +2056,7 @@
           <a:p>
             <a:r>
               <a:rPr lang="ko-KR" altLang="en-US" dirty="0"/>
-              <a:t>면접 일정 관리의 편리성도 중요한 요소였습니다</a:t>
-            </a:r>
-            <a:r>
-              <a:rPr lang="en-US" altLang="ko-KR" dirty="0"/>
-              <a:t>. </a:t>
-            </a:r>
-            <a:r>
-              <a:rPr lang="ko-KR" altLang="en-US" dirty="0"/>
-              <a:t>관리자와 면접관 모두에게 유연하고 간편한 일정 설정 및 조정 기능이 필요했습니다</a:t>
-            </a:r>
-            <a:r>
-              <a:rPr lang="en-US" altLang="ko-KR" dirty="0"/>
-              <a:t>.</a:t>
-            </a:r>
-          </a:p>
-          <a:p>
-            <a:r>
-              <a:rPr lang="ko-KR" altLang="en-US" dirty="0"/>
-              <a:t>이외에도 </a:t>
-            </a:r>
-            <a:r>
-              <a:rPr lang="en-US" altLang="ko-KR" dirty="0"/>
-              <a:t>Man-Month </a:t>
-            </a:r>
-            <a:r>
-              <a:rPr lang="ko-KR" altLang="en-US" dirty="0"/>
-              <a:t>절감을 위한 작업시간의 단축</a:t>
-            </a:r>
-            <a:r>
-              <a:rPr lang="en-US" altLang="ko-KR" dirty="0"/>
-              <a:t>, </a:t>
-            </a:r>
-            <a:r>
-              <a:rPr lang="ko-KR" altLang="en-US" dirty="0"/>
-              <a:t>중요 이벤트 발생시 알람 제공</a:t>
-            </a:r>
-            <a:r>
-              <a:rPr lang="en-US" altLang="ko-KR" dirty="0"/>
-              <a:t>, </a:t>
-            </a:r>
-            <a:r>
-              <a:rPr lang="ko-KR" altLang="en-US" dirty="0"/>
-              <a:t>보고서 평가서 문서화 </a:t>
-            </a:r>
-            <a:r>
-              <a:rPr lang="ko-KR" altLang="en-US" dirty="0" err="1"/>
-              <a:t>기능등이</a:t>
-            </a:r>
-            <a:r>
-              <a:rPr lang="ko-KR" altLang="en-US" dirty="0"/>
-              <a:t> 필요했습니다</a:t>
+              <a:t>최종적으로 이 프로세스를 따를 때 인사 채용 부분에서 작업 시간 크게 절감이 되어야 했습니다</a:t>
             </a:r>
             <a:r>
               <a:rPr lang="en-US" altLang="ko-KR" dirty="0"/>
@@ -2137,215 +2146,549 @@
           <a:bodyPr/>
           <a:lstStyle/>
           <a:p>
-            <a:r>
-              <a:rPr lang="ko-KR" altLang="en-US" dirty="0"/>
-              <a:t>요구사항을 분석한 후</a:t>
-            </a:r>
-            <a:r>
-              <a:rPr lang="en-US" altLang="ko-KR" dirty="0"/>
+            <a:pPr algn="l"/>
+            <a:r>
+              <a:rPr lang="ko-KR" altLang="en-US" b="0" i="0" dirty="0">
+                <a:solidFill>
+                  <a:srgbClr val="ECECEC"/>
+                </a:solidFill>
+                <a:effectLst/>
+                <a:highlight>
+                  <a:srgbClr val="212121"/>
+                </a:highlight>
+                <a:latin typeface="Söhne"/>
+              </a:rPr>
+              <a:t>저희는 다음과 같은 핵심 개발 포인트들을 설정하고 설계 단계에 착수하기로 결정했습니다</a:t>
+            </a:r>
+            <a:r>
+              <a:rPr lang="en-US" altLang="ko-KR" b="0" i="0" dirty="0">
+                <a:solidFill>
+                  <a:srgbClr val="ECECEC"/>
+                </a:solidFill>
+                <a:effectLst/>
+                <a:highlight>
+                  <a:srgbClr val="212121"/>
+                </a:highlight>
+                <a:latin typeface="Söhne"/>
+              </a:rPr>
+              <a:t>.</a:t>
+            </a:r>
+          </a:p>
+          <a:p>
+            <a:pPr algn="l"/>
+            <a:r>
+              <a:rPr lang="ko-KR" altLang="en-US" b="0" i="0" dirty="0">
+                <a:solidFill>
+                  <a:srgbClr val="ECECEC"/>
+                </a:solidFill>
+                <a:effectLst/>
+                <a:highlight>
+                  <a:srgbClr val="212121"/>
+                </a:highlight>
+                <a:latin typeface="Söhne"/>
+              </a:rPr>
+              <a:t>첫 번째로</a:t>
+            </a:r>
+            <a:r>
+              <a:rPr lang="en-US" altLang="ko-KR" b="0" i="0" dirty="0">
+                <a:solidFill>
+                  <a:srgbClr val="ECECEC"/>
+                </a:solidFill>
+                <a:effectLst/>
+                <a:highlight>
+                  <a:srgbClr val="212121"/>
+                </a:highlight>
+                <a:latin typeface="Söhne"/>
+              </a:rPr>
+              <a:t>, ‘</a:t>
+            </a:r>
+            <a:r>
+              <a:rPr lang="ko-KR" altLang="en-US" b="0" i="0" dirty="0">
+                <a:solidFill>
+                  <a:srgbClr val="ECECEC"/>
+                </a:solidFill>
+                <a:effectLst/>
+                <a:highlight>
+                  <a:srgbClr val="212121"/>
+                </a:highlight>
+                <a:latin typeface="Söhne"/>
+              </a:rPr>
+              <a:t>시스템화 및 효율적인 프로세스 </a:t>
+            </a:r>
+            <a:r>
+              <a:rPr lang="ko-KR" altLang="en-US" b="0" i="0" dirty="0" err="1">
+                <a:solidFill>
+                  <a:srgbClr val="ECECEC"/>
+                </a:solidFill>
+                <a:effectLst/>
+                <a:highlight>
+                  <a:srgbClr val="212121"/>
+                </a:highlight>
+                <a:latin typeface="Söhne"/>
+              </a:rPr>
+              <a:t>관리’를</a:t>
+            </a:r>
+            <a:r>
+              <a:rPr lang="ko-KR" altLang="en-US" b="0" i="0" dirty="0">
+                <a:solidFill>
+                  <a:srgbClr val="ECECEC"/>
+                </a:solidFill>
+                <a:effectLst/>
+                <a:highlight>
+                  <a:srgbClr val="212121"/>
+                </a:highlight>
+                <a:latin typeface="Söhne"/>
+              </a:rPr>
+              <a:t> 핵심 요소로 삼았습니다</a:t>
+            </a:r>
+            <a:r>
+              <a:rPr lang="en-US" altLang="ko-KR" b="0" i="0" dirty="0">
+                <a:solidFill>
+                  <a:srgbClr val="ECECEC"/>
+                </a:solidFill>
+                <a:effectLst/>
+                <a:highlight>
+                  <a:srgbClr val="212121"/>
+                </a:highlight>
+                <a:latin typeface="Söhne"/>
+              </a:rPr>
+              <a:t>. </a:t>
+            </a:r>
+            <a:r>
+              <a:rPr lang="ko-KR" altLang="en-US" b="0" i="0" dirty="0">
+                <a:solidFill>
+                  <a:srgbClr val="ECECEC"/>
+                </a:solidFill>
+                <a:effectLst/>
+                <a:highlight>
+                  <a:srgbClr val="212121"/>
+                </a:highlight>
+                <a:latin typeface="Söhne"/>
+              </a:rPr>
+              <a:t>복잡한 인사 채용 프로세스를 체계적으로 관리할 수 있도록 전용 시스템을 계획했습니다</a:t>
+            </a:r>
+            <a:r>
+              <a:rPr lang="en-US" altLang="ko-KR" b="0" i="0" dirty="0">
+                <a:solidFill>
+                  <a:srgbClr val="ECECEC"/>
+                </a:solidFill>
+                <a:effectLst/>
+                <a:highlight>
+                  <a:srgbClr val="212121"/>
+                </a:highlight>
+                <a:latin typeface="Söhne"/>
+              </a:rPr>
+              <a:t>. </a:t>
+            </a:r>
+            <a:r>
+              <a:rPr lang="ko-KR" altLang="en-US" b="0" i="0" dirty="0">
+                <a:solidFill>
+                  <a:srgbClr val="ECECEC"/>
+                </a:solidFill>
+                <a:effectLst/>
+                <a:highlight>
+                  <a:srgbClr val="212121"/>
+                </a:highlight>
+                <a:latin typeface="Söhne"/>
+              </a:rPr>
+              <a:t>이를 위해 채용 관리를 위한 전용 데이터베이스 구축을 구상하였고</a:t>
+            </a:r>
+            <a:r>
+              <a:rPr lang="en-US" altLang="ko-KR" b="0" i="0" dirty="0">
+                <a:solidFill>
+                  <a:srgbClr val="ECECEC"/>
+                </a:solidFill>
+                <a:effectLst/>
+                <a:highlight>
+                  <a:srgbClr val="212121"/>
+                </a:highlight>
+                <a:latin typeface="Söhne"/>
+              </a:rPr>
               <a:t>, </a:t>
             </a:r>
             <a:r>
-              <a:rPr lang="ko-KR" altLang="en-US" dirty="0"/>
-              <a:t>저희는 다음과 같은 핵심 개발 포인트들을 설정하고 설계 단계에 착수하기로 결정하였습니다</a:t>
-            </a:r>
-            <a:r>
-              <a:rPr lang="en-US" altLang="ko-KR" dirty="0"/>
+              <a:rPr lang="ko-KR" altLang="en-US" b="0" i="0" dirty="0">
+                <a:solidFill>
+                  <a:srgbClr val="ECECEC"/>
+                </a:solidFill>
+                <a:effectLst/>
+                <a:highlight>
+                  <a:srgbClr val="212121"/>
+                </a:highlight>
+                <a:latin typeface="Söhne"/>
+              </a:rPr>
+              <a:t>모든 채용 정보를 중앙에서 효율적으로 관리할 수 있는 방안을 마련하였습니다</a:t>
+            </a:r>
+            <a:r>
+              <a:rPr lang="en-US" altLang="ko-KR" b="0" i="0" dirty="0">
+                <a:solidFill>
+                  <a:srgbClr val="ECECEC"/>
+                </a:solidFill>
+                <a:effectLst/>
+                <a:highlight>
+                  <a:srgbClr val="212121"/>
+                </a:highlight>
+                <a:latin typeface="Söhne"/>
+              </a:rPr>
+              <a:t>. </a:t>
+            </a:r>
+            <a:r>
+              <a:rPr lang="ko-KR" altLang="en-US" b="0" i="0" dirty="0">
+                <a:solidFill>
+                  <a:srgbClr val="ECECEC"/>
+                </a:solidFill>
+                <a:effectLst/>
+                <a:highlight>
+                  <a:srgbClr val="212121"/>
+                </a:highlight>
+                <a:latin typeface="Söhne"/>
+              </a:rPr>
+              <a:t>또한</a:t>
+            </a:r>
+            <a:r>
+              <a:rPr lang="en-US" altLang="ko-KR" b="0" i="0" dirty="0">
+                <a:solidFill>
+                  <a:srgbClr val="ECECEC"/>
+                </a:solidFill>
+                <a:effectLst/>
+                <a:highlight>
+                  <a:srgbClr val="212121"/>
+                </a:highlight>
+                <a:latin typeface="Söhne"/>
+              </a:rPr>
+              <a:t>, </a:t>
+            </a:r>
+            <a:r>
+              <a:rPr lang="ko-KR" altLang="en-US" b="0" i="0" dirty="0">
+                <a:solidFill>
+                  <a:srgbClr val="ECECEC"/>
+                </a:solidFill>
+                <a:effectLst/>
+                <a:highlight>
+                  <a:srgbClr val="212121"/>
+                </a:highlight>
+                <a:latin typeface="Söhne"/>
+              </a:rPr>
+              <a:t>다양한 업무와 복잡한 채용 프로세스를 일관되게 관리할 수 있도록 준비하였습니다</a:t>
+            </a:r>
+            <a:r>
+              <a:rPr lang="en-US" altLang="ko-KR" b="0" i="0" dirty="0">
+                <a:solidFill>
+                  <a:srgbClr val="ECECEC"/>
+                </a:solidFill>
+                <a:effectLst/>
+                <a:highlight>
+                  <a:srgbClr val="212121"/>
+                </a:highlight>
+                <a:latin typeface="Söhne"/>
+              </a:rPr>
               <a:t>.</a:t>
             </a:r>
           </a:p>
           <a:p>
-            <a:endParaRPr lang="en-US" altLang="ko-KR" dirty="0"/>
-          </a:p>
-          <a:p>
-            <a:r>
-              <a:rPr lang="ko-KR" altLang="en-US" dirty="0"/>
-              <a:t>첫 번째로</a:t>
-            </a:r>
-            <a:r>
-              <a:rPr lang="en-US" altLang="ko-KR" dirty="0"/>
+            <a:pPr algn="l"/>
+            <a:r>
+              <a:rPr lang="ko-KR" altLang="en-US" b="0" i="0" dirty="0">
+                <a:solidFill>
+                  <a:srgbClr val="ECECEC"/>
+                </a:solidFill>
+                <a:effectLst/>
+                <a:highlight>
+                  <a:srgbClr val="212121"/>
+                </a:highlight>
+                <a:latin typeface="Söhne"/>
+              </a:rPr>
+              <a:t>두 번째로</a:t>
+            </a:r>
+            <a:r>
+              <a:rPr lang="en-US" altLang="ko-KR" b="0" i="0" dirty="0">
+                <a:solidFill>
+                  <a:srgbClr val="ECECEC"/>
+                </a:solidFill>
+                <a:effectLst/>
+                <a:highlight>
+                  <a:srgbClr val="212121"/>
+                </a:highlight>
+                <a:latin typeface="Söhne"/>
+              </a:rPr>
               <a:t>, ‘</a:t>
             </a:r>
             <a:r>
-              <a:rPr lang="ko-KR" altLang="en-US" dirty="0"/>
-              <a:t>시스템화 및 효율적인 프로세스 </a:t>
-            </a:r>
-            <a:r>
-              <a:rPr lang="ko-KR" altLang="en-US" dirty="0" err="1"/>
-              <a:t>관리’를</a:t>
-            </a:r>
-            <a:r>
-              <a:rPr lang="ko-KR" altLang="en-US" dirty="0"/>
-              <a:t> 핵심 요소로 삼았습니다</a:t>
-            </a:r>
-            <a:r>
-              <a:rPr lang="en-US" altLang="ko-KR" dirty="0"/>
+              <a:rPr lang="ko-KR" altLang="en-US" b="0" i="0" dirty="0" err="1">
+                <a:solidFill>
+                  <a:srgbClr val="ECECEC"/>
+                </a:solidFill>
+                <a:effectLst/>
+                <a:highlight>
+                  <a:srgbClr val="212121"/>
+                </a:highlight>
+                <a:latin typeface="Söhne"/>
+              </a:rPr>
+              <a:t>자동화’에</a:t>
+            </a:r>
+            <a:r>
+              <a:rPr lang="ko-KR" altLang="en-US" b="0" i="0" dirty="0">
+                <a:solidFill>
+                  <a:srgbClr val="ECECEC"/>
+                </a:solidFill>
+                <a:effectLst/>
+                <a:highlight>
+                  <a:srgbClr val="212121"/>
+                </a:highlight>
+                <a:latin typeface="Söhne"/>
+              </a:rPr>
+              <a:t> 집중하기로 했습니다</a:t>
+            </a:r>
+            <a:r>
+              <a:rPr lang="en-US" altLang="ko-KR" b="0" i="0" dirty="0">
+                <a:solidFill>
+                  <a:srgbClr val="ECECEC"/>
+                </a:solidFill>
+                <a:effectLst/>
+                <a:highlight>
+                  <a:srgbClr val="212121"/>
+                </a:highlight>
+                <a:latin typeface="Söhne"/>
+              </a:rPr>
               <a:t>. </a:t>
             </a:r>
             <a:r>
-              <a:rPr lang="ko-KR" altLang="en-US" dirty="0"/>
-              <a:t>복잡한 인사 채용 프로세스를 체계적으로 관리할 수 있도록 전용 시스템을 설계하는 것이 필요했습니다</a:t>
-            </a:r>
-            <a:r>
-              <a:rPr lang="en-US" altLang="ko-KR" dirty="0"/>
+              <a:rPr lang="ko-KR" altLang="en-US" b="0" i="0" dirty="0">
+                <a:solidFill>
+                  <a:srgbClr val="ECECEC"/>
+                </a:solidFill>
+                <a:effectLst/>
+                <a:highlight>
+                  <a:srgbClr val="212121"/>
+                </a:highlight>
+                <a:latin typeface="Söhne"/>
+              </a:rPr>
+              <a:t>반복적이고 시간 소모적인 작업을 줄이기 위해</a:t>
+            </a:r>
+            <a:r>
+              <a:rPr lang="en-US" altLang="ko-KR" b="0" i="0" dirty="0">
+                <a:solidFill>
+                  <a:srgbClr val="ECECEC"/>
+                </a:solidFill>
+                <a:effectLst/>
+                <a:highlight>
+                  <a:srgbClr val="212121"/>
+                </a:highlight>
+                <a:latin typeface="Söhne"/>
+              </a:rPr>
+              <a:t>, </a:t>
+            </a:r>
+            <a:r>
+              <a:rPr lang="ko-KR" altLang="en-US" b="0" i="0" dirty="0">
+                <a:solidFill>
+                  <a:srgbClr val="ECECEC"/>
+                </a:solidFill>
+                <a:effectLst/>
+                <a:highlight>
+                  <a:srgbClr val="212121"/>
+                </a:highlight>
+                <a:latin typeface="Söhne"/>
+              </a:rPr>
+              <a:t>알람을 자동으로 전송하고 보고서와 평가서를 </a:t>
+            </a:r>
+            <a:r>
+              <a:rPr lang="en-US" altLang="ko-KR" b="0" i="0" dirty="0">
+                <a:solidFill>
+                  <a:srgbClr val="ECECEC"/>
+                </a:solidFill>
+                <a:effectLst/>
+                <a:highlight>
+                  <a:srgbClr val="212121"/>
+                </a:highlight>
+                <a:latin typeface="Söhne"/>
+              </a:rPr>
+              <a:t>PDF </a:t>
+            </a:r>
+            <a:r>
+              <a:rPr lang="ko-KR" altLang="en-US" b="0" i="0" dirty="0">
+                <a:solidFill>
+                  <a:srgbClr val="ECECEC"/>
+                </a:solidFill>
+                <a:effectLst/>
+                <a:highlight>
+                  <a:srgbClr val="212121"/>
+                </a:highlight>
+                <a:latin typeface="Söhne"/>
+              </a:rPr>
+              <a:t>형식으로 자동 생성하는 기능을 개발하는 계획을 세웠습니다</a:t>
+            </a:r>
+            <a:r>
+              <a:rPr lang="en-US" altLang="ko-KR" b="0" i="0" dirty="0">
+                <a:solidFill>
+                  <a:srgbClr val="ECECEC"/>
+                </a:solidFill>
+                <a:effectLst/>
+                <a:highlight>
+                  <a:srgbClr val="212121"/>
+                </a:highlight>
+                <a:latin typeface="Söhne"/>
+              </a:rPr>
               <a:t>. </a:t>
             </a:r>
             <a:r>
-              <a:rPr lang="ko-KR" altLang="en-US" dirty="0"/>
-              <a:t>이를 위해 채용 관리를 위한 전용 데이터베이스 구축을 계획하였고</a:t>
-            </a:r>
-            <a:r>
-              <a:rPr lang="en-US" altLang="ko-KR" dirty="0"/>
-              <a:t>, </a:t>
-            </a:r>
-            <a:r>
-              <a:rPr lang="ko-KR" altLang="en-US" dirty="0"/>
-              <a:t>모든 채용 정보를 중앙에서 효율적으로 관리할 수 있도록 하는 방안을 마련하였습니다</a:t>
-            </a:r>
-            <a:r>
-              <a:rPr lang="en-US" altLang="ko-KR" dirty="0"/>
+              <a:rPr lang="ko-KR" altLang="en-US" b="0" i="0" dirty="0">
+                <a:solidFill>
+                  <a:srgbClr val="ECECEC"/>
+                </a:solidFill>
+                <a:effectLst/>
+                <a:highlight>
+                  <a:srgbClr val="212121"/>
+                </a:highlight>
+                <a:latin typeface="Söhne"/>
+              </a:rPr>
+              <a:t>이 자동화 기능은 작업 효율성을 크게 향상시킬 것으로 기대했습니다</a:t>
+            </a:r>
+            <a:r>
+              <a:rPr lang="en-US" altLang="ko-KR" b="0" i="0" dirty="0">
+                <a:solidFill>
+                  <a:srgbClr val="ECECEC"/>
+                </a:solidFill>
+                <a:effectLst/>
+                <a:highlight>
+                  <a:srgbClr val="212121"/>
+                </a:highlight>
+                <a:latin typeface="Söhne"/>
+              </a:rPr>
+              <a:t>.</a:t>
+            </a:r>
+          </a:p>
+          <a:p>
+            <a:pPr algn="l"/>
+            <a:r>
+              <a:rPr lang="ko-KR" altLang="en-US" b="0" i="0" dirty="0">
+                <a:solidFill>
+                  <a:srgbClr val="ECECEC"/>
+                </a:solidFill>
+                <a:effectLst/>
+                <a:highlight>
+                  <a:srgbClr val="212121"/>
+                </a:highlight>
+                <a:latin typeface="Söhne"/>
+              </a:rPr>
+              <a:t>마지막으로</a:t>
+            </a:r>
+            <a:r>
+              <a:rPr lang="en-US" altLang="ko-KR" b="0" i="0" dirty="0">
+                <a:solidFill>
+                  <a:srgbClr val="ECECEC"/>
+                </a:solidFill>
+                <a:effectLst/>
+                <a:highlight>
+                  <a:srgbClr val="212121"/>
+                </a:highlight>
+                <a:latin typeface="Söhne"/>
+              </a:rPr>
+              <a:t>, ‘</a:t>
+            </a:r>
+            <a:r>
+              <a:rPr lang="ko-KR" altLang="en-US" b="0" i="0" dirty="0">
+                <a:solidFill>
+                  <a:srgbClr val="ECECEC"/>
+                </a:solidFill>
+                <a:effectLst/>
+                <a:highlight>
+                  <a:srgbClr val="212121"/>
+                </a:highlight>
+                <a:latin typeface="Söhne"/>
+              </a:rPr>
+              <a:t>사용자 </a:t>
+            </a:r>
+            <a:r>
+              <a:rPr lang="ko-KR" altLang="en-US" b="0" i="0" dirty="0" err="1">
+                <a:solidFill>
+                  <a:srgbClr val="ECECEC"/>
+                </a:solidFill>
+                <a:effectLst/>
+                <a:highlight>
+                  <a:srgbClr val="212121"/>
+                </a:highlight>
+                <a:latin typeface="Söhne"/>
+              </a:rPr>
+              <a:t>경험’을</a:t>
+            </a:r>
+            <a:r>
+              <a:rPr lang="ko-KR" altLang="en-US" b="0" i="0" dirty="0">
+                <a:solidFill>
+                  <a:srgbClr val="ECECEC"/>
+                </a:solidFill>
+                <a:effectLst/>
+                <a:highlight>
+                  <a:srgbClr val="212121"/>
+                </a:highlight>
+                <a:latin typeface="Söhne"/>
+              </a:rPr>
+              <a:t> 최우선으로 고려했습니다</a:t>
+            </a:r>
+            <a:r>
+              <a:rPr lang="en-US" altLang="ko-KR" b="0" i="0" dirty="0">
+                <a:solidFill>
+                  <a:srgbClr val="ECECEC"/>
+                </a:solidFill>
+                <a:effectLst/>
+                <a:highlight>
+                  <a:srgbClr val="212121"/>
+                </a:highlight>
+                <a:latin typeface="Söhne"/>
+              </a:rPr>
               <a:t>. </a:t>
             </a:r>
             <a:r>
-              <a:rPr lang="ko-KR" altLang="en-US" dirty="0"/>
-              <a:t>또한</a:t>
-            </a:r>
-            <a:r>
-              <a:rPr lang="en-US" altLang="ko-KR" dirty="0"/>
-              <a:t>, </a:t>
-            </a:r>
-            <a:r>
-              <a:rPr lang="ko-KR" altLang="en-US" dirty="0"/>
-              <a:t>다양한 업무와 복잡한 채용 프로세스를 일관되게 관리할 수 있도록 설계하였습니다</a:t>
-            </a:r>
-            <a:r>
-              <a:rPr lang="en-US" altLang="ko-KR" dirty="0"/>
+              <a:rPr lang="ko-KR" altLang="en-US" b="0" i="0" dirty="0">
+                <a:solidFill>
+                  <a:srgbClr val="ECECEC"/>
+                </a:solidFill>
+                <a:effectLst/>
+                <a:highlight>
+                  <a:srgbClr val="212121"/>
+                </a:highlight>
+                <a:latin typeface="Söhne"/>
+              </a:rPr>
+              <a:t>시스템의 인터페이스를 사용자가 직관적으로 이해하고 쉽게 접근할 수 있도록 디자인했습니다</a:t>
+            </a:r>
+            <a:r>
+              <a:rPr lang="en-US" altLang="ko-KR" b="0" i="0" dirty="0">
+                <a:solidFill>
+                  <a:srgbClr val="ECECEC"/>
+                </a:solidFill>
+                <a:effectLst/>
+                <a:highlight>
+                  <a:srgbClr val="212121"/>
+                </a:highlight>
+                <a:latin typeface="Söhne"/>
+              </a:rPr>
               <a:t>. </a:t>
             </a:r>
-          </a:p>
-          <a:p>
-            <a:endParaRPr lang="en-US" altLang="ko-KR" dirty="0"/>
-          </a:p>
-          <a:p>
-            <a:r>
-              <a:rPr lang="ko-KR" altLang="en-US" dirty="0"/>
-              <a:t>두 번째로</a:t>
-            </a:r>
-            <a:r>
-              <a:rPr lang="en-US" altLang="ko-KR" dirty="0"/>
-              <a:t>, ‘</a:t>
-            </a:r>
-            <a:r>
-              <a:rPr lang="ko-KR" altLang="en-US" dirty="0" err="1"/>
-              <a:t>자동화’에</a:t>
-            </a:r>
-            <a:r>
-              <a:rPr lang="ko-KR" altLang="en-US" dirty="0"/>
-              <a:t> 집중하기로 했습니다</a:t>
-            </a:r>
-            <a:r>
-              <a:rPr lang="en-US" altLang="ko-KR" dirty="0"/>
-              <a:t>. </a:t>
-            </a:r>
-            <a:r>
-              <a:rPr lang="ko-KR" altLang="en-US" dirty="0"/>
-              <a:t>반복적이고 시간 소모적인 작업을 줄이기 위하여</a:t>
-            </a:r>
-            <a:r>
-              <a:rPr lang="en-US" altLang="ko-KR" dirty="0"/>
-              <a:t>, </a:t>
-            </a:r>
-            <a:r>
-              <a:rPr lang="ko-KR" altLang="en-US" dirty="0"/>
-              <a:t>알람을 자동으로 전송하고 보고서와 평가서를 </a:t>
-            </a:r>
-            <a:r>
-              <a:rPr lang="en-US" altLang="ko-KR" dirty="0"/>
-              <a:t>PDF </a:t>
-            </a:r>
-            <a:r>
-              <a:rPr lang="ko-KR" altLang="en-US" dirty="0"/>
-              <a:t>형식으로 자동 생성하는 기능을 설계하였습니다</a:t>
-            </a:r>
-            <a:r>
-              <a:rPr lang="en-US" altLang="ko-KR" dirty="0"/>
-              <a:t>. </a:t>
-            </a:r>
-            <a:r>
-              <a:rPr lang="ko-KR" altLang="en-US" dirty="0"/>
-              <a:t>이 자동화 기능은 작업 효율성을 크게 향상시킬 것으로 기대하였습니다</a:t>
-            </a:r>
-            <a:r>
-              <a:rPr lang="en-US" altLang="ko-KR" dirty="0"/>
+            <a:r>
+              <a:rPr lang="ko-KR" altLang="en-US" b="0" i="0" dirty="0">
+                <a:solidFill>
+                  <a:srgbClr val="ECECEC"/>
+                </a:solidFill>
+                <a:effectLst/>
+                <a:highlight>
+                  <a:srgbClr val="212121"/>
+                </a:highlight>
+                <a:latin typeface="Söhne"/>
+              </a:rPr>
+              <a:t>인터페이스 디자인에 큰 중점을 두어 사용자의 편의성을 최대한 보장하는 것을 목표로 삼았습니다</a:t>
+            </a:r>
+            <a:r>
+              <a:rPr lang="en-US" altLang="ko-KR" b="0" i="0" dirty="0">
+                <a:solidFill>
+                  <a:srgbClr val="ECECEC"/>
+                </a:solidFill>
+                <a:effectLst/>
+                <a:highlight>
+                  <a:srgbClr val="212121"/>
+                </a:highlight>
+                <a:latin typeface="Söhne"/>
+              </a:rPr>
               <a:t>.</a:t>
             </a:r>
-          </a:p>
-          <a:p>
-            <a:endParaRPr lang="en-US" altLang="ko-KR" dirty="0"/>
-          </a:p>
-          <a:p>
-            <a:r>
-              <a:rPr lang="ko-KR" altLang="en-US" dirty="0"/>
-              <a:t>마지막으로</a:t>
-            </a:r>
-            <a:r>
-              <a:rPr lang="en-US" altLang="ko-KR" dirty="0"/>
-              <a:t>, ‘</a:t>
-            </a:r>
-            <a:r>
-              <a:rPr lang="ko-KR" altLang="en-US" dirty="0"/>
-              <a:t>사용자 </a:t>
-            </a:r>
-            <a:r>
-              <a:rPr lang="ko-KR" altLang="en-US" dirty="0" err="1"/>
-              <a:t>경험’을</a:t>
-            </a:r>
-            <a:r>
-              <a:rPr lang="ko-KR" altLang="en-US" dirty="0"/>
-              <a:t> 최우선으로 고려했습니다</a:t>
-            </a:r>
-            <a:r>
-              <a:rPr lang="en-US" altLang="ko-KR" dirty="0"/>
-              <a:t>. </a:t>
-            </a:r>
-            <a:r>
-              <a:rPr lang="ko-KR" altLang="en-US" dirty="0"/>
-              <a:t>시스템의 인터페이스를 사용자가 직관적으로 이해하고 쉽게 접근할 수 있도록 설계하였습니다</a:t>
-            </a:r>
-            <a:r>
-              <a:rPr lang="en-US" altLang="ko-KR" dirty="0"/>
-              <a:t>. </a:t>
-            </a:r>
-            <a:r>
-              <a:rPr lang="ko-KR" altLang="en-US" dirty="0"/>
-              <a:t>인터페이스 디자인에 큰 중점을 두어 사용자의 편의성을 최대한 보장하기로 하였습니다</a:t>
-            </a:r>
-            <a:r>
-              <a:rPr lang="en-US" altLang="ko-KR" dirty="0"/>
-              <a:t>.</a:t>
-            </a:r>
-          </a:p>
-          <a:p>
-            <a:endParaRPr lang="en-US" altLang="ko-KR" dirty="0"/>
-          </a:p>
-          <a:p>
-            <a:r>
-              <a:rPr lang="ko-KR" altLang="en-US" dirty="0"/>
-              <a:t>이러한 핵심 포인트들을 바탕으로 설계 단계에 착수하였으며</a:t>
-            </a:r>
-            <a:r>
-              <a:rPr lang="en-US" altLang="ko-KR" dirty="0"/>
-              <a:t>, </a:t>
-            </a:r>
-            <a:r>
-              <a:rPr lang="ko-KR" altLang="en-US" dirty="0"/>
-              <a:t>이후의 개발 과정에서 이 계획들을 실제로 구현하는 데 집중하였습니다</a:t>
-            </a:r>
-            <a:r>
-              <a:rPr lang="en-US" altLang="ko-KR" dirty="0"/>
-              <a:t>.</a:t>
-            </a:r>
-            <a:endParaRPr lang="ko-KR" altLang="en-US" dirty="0"/>
           </a:p>
         </p:txBody>
       </p:sp>
@@ -2443,17 +2786,60 @@
             </a:r>
             <a:r>
               <a:rPr lang="en-US" altLang="ko-KR" dirty="0"/>
-              <a:t>. </a:t>
-            </a:r>
-            <a:r>
-              <a:rPr lang="ko-KR" altLang="en-US" dirty="0"/>
-              <a:t>일관된 개발환경을 통해 빠른 개발과 배포를 가능하게 합니다</a:t>
-            </a:r>
-          </a:p>
-          <a:p>
-            <a:r>
-              <a:rPr lang="en-US" altLang="ko-KR" dirty="0"/>
-              <a:t>node.js </a:t>
+              <a:t>.</a:t>
+            </a:r>
+          </a:p>
+          <a:p>
+            <a:r>
+              <a:rPr lang="ko-KR" altLang="en-US" dirty="0" err="1"/>
+              <a:t>모놀리식</a:t>
+            </a:r>
+            <a:r>
+              <a:rPr lang="ko-KR" altLang="en-US" dirty="0"/>
+              <a:t> 아키텍처는 애플리케이션의 모든 기능과 컴포넌트를 단일 코드베이스에서 실행하며</a:t>
+            </a:r>
+            <a:r>
+              <a:rPr lang="en-US" altLang="ko-KR" dirty="0"/>
+              <a:t>, </a:t>
+            </a:r>
+            <a:r>
+              <a:rPr lang="ko-KR" altLang="en-US" dirty="0"/>
+              <a:t>한 번에 하나의 배포 단위로 운영되는 구조입니다</a:t>
+            </a:r>
+            <a:r>
+              <a:rPr lang="en-US" altLang="ko-KR" dirty="0"/>
+              <a:t>.</a:t>
+            </a:r>
+          </a:p>
+          <a:p>
+            <a:r>
+              <a:rPr lang="en-US" altLang="ko-KR" dirty="0"/>
+              <a:t> </a:t>
+            </a:r>
+            <a:r>
+              <a:rPr lang="ko-KR" altLang="en-US" dirty="0"/>
+              <a:t>이를 통해 일관된 개발 환경을 구축하고</a:t>
+            </a:r>
+            <a:r>
+              <a:rPr lang="en-US" altLang="ko-KR" dirty="0"/>
+              <a:t>, </a:t>
+            </a:r>
+            <a:r>
+              <a:rPr lang="ko-KR" altLang="en-US" dirty="0"/>
+              <a:t>빠른 개발과 배포를 가능하게 합니다</a:t>
+            </a:r>
+            <a:r>
+              <a:rPr lang="en-US" altLang="ko-KR" dirty="0"/>
+              <a:t>.</a:t>
+            </a:r>
+          </a:p>
+          <a:p>
+            <a:endParaRPr lang="en-US" altLang="ko-KR" dirty="0"/>
+          </a:p>
+          <a:p>
+            <a:r>
+              <a:rPr lang="en-US" altLang="ko-KR" dirty="0"/>
+              <a:t>Node.js </a:t>
             </a:r>
             <a:r>
               <a:rPr lang="ko-KR" altLang="en-US" dirty="0"/>
@@ -2461,11 +2847,29 @@
             </a:r>
             <a:r>
               <a:rPr lang="en-US" altLang="ko-KR" dirty="0"/>
-              <a:t>express</a:t>
-            </a:r>
-            <a:r>
-              <a:rPr lang="ko-KR" altLang="en-US" dirty="0"/>
-              <a:t>프레임워크를 사용함으로써 효율적으로 시스템을 관리할 수 있었고</a:t>
+              <a:t>Express.js </a:t>
+            </a:r>
+            <a:r>
+              <a:rPr lang="ko-KR" altLang="en-US" dirty="0"/>
+              <a:t>프레임워크를 사용함으로써 효율적으로 시스템을 관리할 계획이었습니다</a:t>
+            </a:r>
+            <a:r>
+              <a:rPr lang="en-US" altLang="ko-KR" dirty="0"/>
+              <a:t>.</a:t>
+            </a:r>
+          </a:p>
+          <a:p>
+            <a:r>
+              <a:rPr lang="ko-KR" altLang="en-US" dirty="0"/>
+              <a:t>또한 </a:t>
+            </a:r>
+            <a:r>
+              <a:rPr lang="en-US" altLang="ko-KR" dirty="0"/>
+              <a:t>MongoDB</a:t>
+            </a:r>
+            <a:r>
+              <a:rPr lang="ko-KR" altLang="en-US" dirty="0"/>
+              <a:t>를 도입하여 데이터베이스 솔루션의 유연성을 제공하고자 했고</a:t>
             </a:r>
             <a:r>
               <a:rPr lang="en-US" altLang="ko-KR" dirty="0"/>
@@ -2475,29 +2879,11 @@
           <a:p>
             <a:r>
               <a:rPr lang="en-US" altLang="ko-KR" dirty="0"/>
-              <a:t> </a:t>
-            </a:r>
-            <a:r>
-              <a:rPr lang="en-US" altLang="ko-KR" dirty="0" err="1"/>
-              <a:t>mongoDB</a:t>
-            </a:r>
-            <a:r>
-              <a:rPr lang="ko-KR" altLang="en-US" dirty="0"/>
-              <a:t>를 도입하여 데이터베이스 솔루션의 유연성을 확보했습니다</a:t>
-            </a:r>
-            <a:r>
-              <a:rPr lang="en-US" altLang="ko-KR" dirty="0"/>
-              <a:t>.</a:t>
-            </a:r>
-          </a:p>
-          <a:p>
-            <a:r>
-              <a:rPr lang="en-US" altLang="ko-KR" dirty="0" err="1"/>
-              <a:t>mongoDB</a:t>
-            </a:r>
-            <a:r>
-              <a:rPr lang="ko-KR" altLang="en-US" dirty="0"/>
-              <a:t>의 문서지향적 특성 덕분에 변화하는 요구사항에 민첩하게 대응할 수 있는 기반을 제공했습니다</a:t>
+              <a:t>MongoDB</a:t>
+            </a:r>
+            <a:r>
+              <a:rPr lang="ko-KR" altLang="en-US" dirty="0"/>
+              <a:t>의 문서 지향적 특성 덕분에 변화하는 요구사항에 민첩하게 대응할 수 있는 기반을 마련할 수 있을 것이라 예상하고 설계하였습니다</a:t>
             </a:r>
             <a:r>
               <a:rPr lang="en-US" altLang="ko-KR" dirty="0"/>
@@ -2639,7 +3025,7 @@
           <a:p>
             <a:r>
               <a:rPr lang="ko-KR" altLang="en-US" dirty="0"/>
-              <a:t>특히 객체 지향 프로그래밍과  높은 호환성을 지닌 덕분에 개발 속도를 크게 향상시켰습니다</a:t>
+              <a:t>특히 객체 지향 프로그래밍과  높은 호환성을 지닌 덕분에 개발 속도를 크게 향상시킬 수 있습니다</a:t>
             </a:r>
             <a:r>
               <a:rPr lang="en-US" altLang="ko-KR" dirty="0"/>
@@ -2657,7 +3043,132 @@
             </a:r>
             <a:r>
               <a:rPr lang="ko-KR" altLang="en-US" dirty="0"/>
-              <a:t> 뛰어난 성능을 발휘합니다</a:t>
+              <a:t> 뛰어난 성능을 발휘하여 몽고 </a:t>
+            </a:r>
+            <a:r>
+              <a:rPr lang="ko-KR" altLang="en-US" dirty="0" err="1"/>
+              <a:t>디비를</a:t>
+            </a:r>
+            <a:r>
+              <a:rPr lang="ko-KR" altLang="en-US" dirty="0"/>
+              <a:t> 사용하여 설계하게 되었습니다</a:t>
+            </a:r>
+            <a:r>
+              <a:rPr lang="en-US" altLang="ko-KR" dirty="0"/>
+              <a:t>.</a:t>
+            </a:r>
+          </a:p>
+          <a:p>
+            <a:endParaRPr lang="en-US" altLang="ko-KR" dirty="0"/>
+          </a:p>
+          <a:p>
+            <a:r>
+              <a:rPr lang="en-US" altLang="ko-KR" dirty="0"/>
+              <a:t>NO-SQL: NO-SQL </a:t>
+            </a:r>
+            <a:r>
+              <a:rPr lang="ko-KR" altLang="en-US" dirty="0"/>
+              <a:t>데이터베이스는 관계형 데이터베이스에 비해 스키마에 </a:t>
+            </a:r>
+            <a:r>
+              <a:rPr lang="ko-KR" altLang="en-US" dirty="0" err="1"/>
+              <a:t>구애받지</a:t>
+            </a:r>
+            <a:r>
+              <a:rPr lang="ko-KR" altLang="en-US" dirty="0"/>
+              <a:t> 않고 데이터를 저장하고 관리할 수 있으며</a:t>
+            </a:r>
+            <a:r>
+              <a:rPr lang="en-US" altLang="ko-KR" dirty="0"/>
+              <a:t>, </a:t>
+            </a:r>
+            <a:r>
+              <a:rPr lang="ko-KR" altLang="en-US" dirty="0"/>
+              <a:t>문서 지향</a:t>
+            </a:r>
+            <a:r>
+              <a:rPr lang="en-US" altLang="ko-KR" dirty="0"/>
+              <a:t>, </a:t>
+            </a:r>
+            <a:r>
+              <a:rPr lang="ko-KR" altLang="en-US" dirty="0"/>
+              <a:t>키</a:t>
+            </a:r>
+            <a:r>
+              <a:rPr lang="en-US" altLang="ko-KR" dirty="0"/>
+              <a:t>-</a:t>
+            </a:r>
+            <a:r>
+              <a:rPr lang="ko-KR" altLang="en-US" dirty="0"/>
+              <a:t>값</a:t>
+            </a:r>
+            <a:r>
+              <a:rPr lang="en-US" altLang="ko-KR" dirty="0"/>
+              <a:t>, </a:t>
+            </a:r>
+            <a:r>
+              <a:rPr lang="ko-KR" altLang="en-US" dirty="0"/>
+              <a:t>그래프 등의 다양한 유형으로 데이터를 다룰 수 있습니다</a:t>
+            </a:r>
+            <a:r>
+              <a:rPr lang="en-US" altLang="ko-KR" dirty="0"/>
+              <a:t>.</a:t>
+            </a:r>
+          </a:p>
+          <a:p>
+            <a:r>
+              <a:rPr lang="ko-KR" altLang="en-US" dirty="0"/>
+              <a:t>유연한 스키마의 장점</a:t>
+            </a:r>
+            <a:r>
+              <a:rPr lang="en-US" altLang="ko-KR" dirty="0"/>
+              <a:t>: NO-SQL </a:t>
+            </a:r>
+            <a:r>
+              <a:rPr lang="ko-KR" altLang="en-US" dirty="0"/>
+              <a:t>데이터베이스는 유연한 스키마를 통해 데이터 구조를 동적으로 변경할 수 있어</a:t>
+            </a:r>
+            <a:r>
+              <a:rPr lang="en-US" altLang="ko-KR" dirty="0"/>
+              <a:t>, </a:t>
+            </a:r>
+            <a:r>
+              <a:rPr lang="ko-KR" altLang="en-US" dirty="0"/>
+              <a:t>변화하는 비즈니스 요구사항에 신속하게 대응할 수 있습니다</a:t>
+            </a:r>
+            <a:r>
+              <a:rPr lang="en-US" altLang="ko-KR" dirty="0"/>
+              <a:t>.</a:t>
+            </a:r>
+          </a:p>
+          <a:p>
+            <a:r>
+              <a:rPr lang="ko-KR" altLang="en-US" dirty="0"/>
+              <a:t>객체지향 프로그래밍과의 호환성</a:t>
+            </a:r>
+            <a:r>
+              <a:rPr lang="en-US" altLang="ko-KR" dirty="0"/>
+              <a:t>: NO-SQL </a:t>
+            </a:r>
+            <a:r>
+              <a:rPr lang="ko-KR" altLang="en-US" dirty="0"/>
+              <a:t>데이터베이스는 객체지향 프로그래밍의 데이터 구조와 직접 매핑이 가능하여</a:t>
+            </a:r>
+            <a:r>
+              <a:rPr lang="en-US" altLang="ko-KR" dirty="0"/>
+              <a:t>, </a:t>
+            </a:r>
+            <a:r>
+              <a:rPr lang="ko-KR" altLang="en-US" dirty="0"/>
+              <a:t>개발자가 객체를 그대로 데이터베이스에 저장할 수 있어 코드 작성 및 관리가 </a:t>
+            </a:r>
+            <a:r>
+              <a:rPr lang="ko-KR" altLang="en-US" dirty="0" err="1"/>
+              <a:t>단순해져</a:t>
+            </a:r>
+            <a:r>
+              <a:rPr lang="ko-KR" altLang="en-US" dirty="0"/>
+              <a:t> 개발 속도가 향상됩니다</a:t>
             </a:r>
             <a:r>
               <a:rPr lang="en-US" altLang="ko-KR" dirty="0"/>
@@ -2748,12 +3259,12 @@
           <a:lstStyle/>
           <a:p>
             <a:r>
-              <a:rPr lang="en-US" altLang="ko-KR" dirty="0" err="1"/>
-              <a:t>api</a:t>
-            </a:r>
-            <a:r>
-              <a:rPr lang="ko-KR" altLang="en-US" dirty="0"/>
-              <a:t>설게 부분에서는 </a:t>
+              <a:rPr lang="en-US" altLang="ko-KR" dirty="0"/>
+              <a:t>API </a:t>
+            </a:r>
+            <a:r>
+              <a:rPr lang="ko-KR" altLang="en-US" dirty="0"/>
+              <a:t>설계 부분에서는 </a:t>
             </a:r>
             <a:r>
               <a:rPr lang="en-US" altLang="ko-KR" dirty="0"/>
@@ -2764,12 +3275,8 @@
               <a:t>원칙을 따르는 </a:t>
             </a:r>
             <a:r>
-              <a:rPr lang="en-US" altLang="ko-KR" dirty="0" err="1"/>
-              <a:t>api</a:t>
-            </a:r>
-            <a:r>
-              <a:rPr lang="en-US" altLang="ko-KR" dirty="0"/>
-              <a:t> </a:t>
+              <a:rPr lang="en-US" altLang="ko-KR" dirty="0"/>
+              <a:t>API </a:t>
             </a:r>
             <a:r>
               <a:rPr lang="ko-KR" altLang="en-US" dirty="0"/>
@@ -2783,23 +3290,19 @@
           <a:p>
             <a:r>
               <a:rPr lang="en-US" altLang="ko-KR" dirty="0"/>
-              <a:t>restful </a:t>
-            </a:r>
-            <a:r>
-              <a:rPr lang="en-US" altLang="ko-KR" dirty="0" err="1"/>
-              <a:t>api</a:t>
-            </a:r>
-            <a:r>
-              <a:rPr lang="ko-KR" altLang="en-US" dirty="0"/>
-              <a:t>는 데이터를 교환하기위한 일련의 규칙과 약속으로 </a:t>
-            </a:r>
-            <a:r>
-              <a:rPr lang="ko-KR" altLang="en-US" dirty="0" err="1"/>
-              <a:t>시스템간에</a:t>
-            </a:r>
-            <a:r>
-              <a:rPr lang="ko-KR" altLang="en-US" dirty="0"/>
-              <a:t> 정보를 전달하는 방식을 말합니다</a:t>
+              <a:t>RESTful API</a:t>
+            </a:r>
+            <a:r>
+              <a:rPr lang="ko-KR" altLang="en-US" dirty="0"/>
+              <a:t>는 데이터를 교환하기 위한 일련의 규칙과 약속으로</a:t>
+            </a:r>
+            <a:r>
+              <a:rPr lang="en-US" altLang="ko-KR" dirty="0"/>
+              <a:t>, </a:t>
+            </a:r>
+            <a:r>
+              <a:rPr lang="ko-KR" altLang="en-US" dirty="0"/>
+              <a:t>시스템 간에 정보를 전달하는 방식을 제공합니다</a:t>
             </a:r>
             <a:r>
               <a:rPr lang="en-US" altLang="ko-KR" dirty="0"/>
@@ -2807,9 +3310,12 @@
             </a:r>
           </a:p>
           <a:p>
-            <a:r>
-              <a:rPr lang="ko-KR" altLang="en-US" dirty="0"/>
-              <a:t>저희의 </a:t>
+            <a:endParaRPr lang="en-US" altLang="ko-KR" dirty="0"/>
+          </a:p>
+          <a:p>
+            <a:r>
+              <a:rPr lang="ko-KR" altLang="en-US" dirty="0"/>
+              <a:t>이를 저희 </a:t>
             </a:r>
             <a:r>
               <a:rPr lang="ko-KR" altLang="en-US" dirty="0" err="1"/>
@@ -2819,23 +3325,21 @@
               <a:rPr lang="ko-KR" altLang="en-US" dirty="0"/>
               <a:t> 기준으로 예를 들자면</a:t>
             </a:r>
-          </a:p>
-          <a:p>
-            <a:r>
-              <a:rPr lang="en-US" altLang="ko-KR" dirty="0"/>
-              <a:t>get</a:t>
-            </a:r>
-            <a:r>
-              <a:rPr lang="ko-KR" altLang="en-US" dirty="0"/>
-              <a:t>은 채용포지션을 조회하고 </a:t>
-            </a:r>
-            <a:r>
-              <a:rPr lang="en-US" altLang="ko-KR" dirty="0"/>
-              <a:t>post</a:t>
-            </a:r>
-            <a:r>
-              <a:rPr lang="ko-KR" altLang="en-US" dirty="0"/>
-              <a:t>는 새로운 채용 포지션을 생성할 때 사용합니다</a:t>
+            <a:r>
+              <a:rPr lang="en-US" altLang="ko-KR" dirty="0"/>
+              <a:t>, GET</a:t>
+            </a:r>
+            <a:r>
+              <a:rPr lang="ko-KR" altLang="en-US" dirty="0"/>
+              <a:t>은 채용 포지션을 조회하고</a:t>
+            </a:r>
+            <a:r>
+              <a:rPr lang="en-US" altLang="ko-KR" dirty="0"/>
+              <a:t>, POST</a:t>
+            </a:r>
+            <a:r>
+              <a:rPr lang="ko-KR" altLang="en-US" dirty="0"/>
+              <a:t>는 새로운 채용 포지션을 생성할 때 사용됩니다</a:t>
             </a:r>
             <a:r>
               <a:rPr lang="en-US" altLang="ko-KR" dirty="0"/>
@@ -2845,7 +3349,15 @@
           <a:p>
             <a:r>
               <a:rPr lang="ko-KR" altLang="en-US" dirty="0"/>
-              <a:t>그리고 엔드 포인트를 실제로 실행하고 테스트할 수 있는 </a:t>
+              <a:t>또한 </a:t>
+            </a:r>
+            <a:r>
+              <a:rPr lang="ko-KR" altLang="en-US" dirty="0" err="1"/>
+              <a:t>엔드포인트를</a:t>
+            </a:r>
+            <a:r>
+              <a:rPr lang="ko-KR" altLang="en-US" dirty="0"/>
+              <a:t> 실제로 실행하고 테스트할 수 있는 </a:t>
             </a:r>
             <a:r>
               <a:rPr lang="en-US" altLang="ko-KR" dirty="0"/>
@@ -2853,7 +3365,64 @@
             </a:r>
             <a:r>
               <a:rPr lang="ko-KR" altLang="en-US" dirty="0"/>
-              <a:t>를 활용하였습니다</a:t>
+              <a:t>를 활용하여 </a:t>
+            </a:r>
+            <a:r>
+              <a:rPr lang="en-US" altLang="ko-KR" dirty="0"/>
+              <a:t>API</a:t>
+            </a:r>
+            <a:r>
+              <a:rPr lang="ko-KR" altLang="en-US" dirty="0"/>
+              <a:t>의 동작을 검증했습니다</a:t>
+            </a:r>
+            <a:r>
+              <a:rPr lang="en-US" altLang="ko-KR" dirty="0"/>
+              <a:t>.</a:t>
+            </a:r>
+          </a:p>
+          <a:p>
+            <a:endParaRPr lang="en-US" altLang="ko-KR" dirty="0"/>
+          </a:p>
+          <a:p>
+            <a:r>
+              <a:rPr lang="en-US" altLang="ko-KR" dirty="0"/>
+              <a:t>Swagger</a:t>
+            </a:r>
+            <a:r>
+              <a:rPr lang="ko-KR" altLang="en-US" dirty="0"/>
+              <a:t>를 활용한 이 </a:t>
+            </a:r>
+            <a:r>
+              <a:rPr lang="en-US" altLang="ko-KR" dirty="0"/>
+              <a:t>API </a:t>
+            </a:r>
+            <a:r>
+              <a:rPr lang="ko-KR" altLang="en-US" dirty="0"/>
+              <a:t>문서는 </a:t>
+            </a:r>
+            <a:r>
+              <a:rPr lang="ko-KR" altLang="en-US" dirty="0" err="1"/>
+              <a:t>프론트엔드가</a:t>
+            </a:r>
+            <a:r>
+              <a:rPr lang="ko-KR" altLang="en-US" dirty="0"/>
+              <a:t> </a:t>
+            </a:r>
+            <a:r>
+              <a:rPr lang="ko-KR" altLang="en-US" dirty="0" err="1"/>
+              <a:t>백엔드에</a:t>
+            </a:r>
+            <a:r>
+              <a:rPr lang="ko-KR" altLang="en-US" dirty="0"/>
+              <a:t> 어떤 요청을 보냈을 때 어떤 데이터를 받을 수 있는지에 대한 정보를 담고 있어</a:t>
+            </a:r>
+            <a:r>
+              <a:rPr lang="en-US" altLang="ko-KR" dirty="0"/>
+              <a:t>, </a:t>
+            </a:r>
+            <a:r>
+              <a:rPr lang="ko-KR" altLang="en-US" dirty="0"/>
+              <a:t>개발 과정에서 중요한 문서로 간주됩니다</a:t>
             </a:r>
             <a:r>
               <a:rPr lang="en-US" altLang="ko-KR" dirty="0"/>
@@ -2958,15 +3527,7 @@
           <a:p>
             <a:r>
               <a:rPr lang="ko-KR" altLang="en-US" dirty="0"/>
-              <a:t>채용과정을 효과적으로 관리하기위해 </a:t>
-            </a:r>
-            <a:r>
-              <a:rPr lang="en-US" altLang="ko-KR" dirty="0"/>
-              <a:t>stage</a:t>
-            </a:r>
-            <a:r>
-              <a:rPr lang="ko-KR" altLang="en-US" dirty="0"/>
-              <a:t>를 나누어 절차를 정립했습니다</a:t>
+              <a:t>채용 프로세스를 효과적으로 관리하기 위해 지원자를 단계별로 나누어 채용 전체 프로세스를 구상하고 개발하였습니다</a:t>
             </a:r>
             <a:r>
               <a:rPr lang="en-US" altLang="ko-KR" dirty="0"/>
@@ -2974,13 +3535,20 @@
             </a:r>
           </a:p>
           <a:p>
-            <a:r>
-              <a:rPr lang="ko-KR" altLang="en-US" dirty="0"/>
-              <a:t>첫번째 다이어그램은 관리자 관점에서 </a:t>
-            </a:r>
-            <a:r>
-              <a:rPr lang="en-US" altLang="ko-KR" dirty="0" err="1"/>
-              <a:t>ui</a:t>
+            <a:endParaRPr lang="en-US" altLang="ko-KR" dirty="0"/>
+          </a:p>
+          <a:p>
+            <a:r>
+              <a:rPr lang="ko-KR" altLang="en-US" dirty="0"/>
+              <a:t>첫 번째 다이어그램은 관리자 관점에서 지원자의 단계에 따라 </a:t>
+            </a:r>
+            <a:r>
+              <a:rPr lang="en-US" altLang="ko-KR" dirty="0"/>
+              <a:t>UI, </a:t>
+            </a:r>
+            <a:r>
+              <a:rPr lang="ko-KR" altLang="en-US" dirty="0"/>
+              <a:t>서버</a:t>
             </a:r>
             <a:r>
               <a:rPr lang="en-US" altLang="ko-KR" dirty="0"/>
@@ -2988,7 +3556,17 @@
             </a:r>
             <a:r>
               <a:rPr lang="ko-KR" altLang="en-US" dirty="0"/>
-              <a:t>서버</a:t>
+              <a:t>메일 서버로 이어지는 시퀀스 다이어그램입니다</a:t>
+            </a:r>
+            <a:r>
+              <a:rPr lang="en-US" altLang="ko-KR" dirty="0"/>
+              <a:t>.</a:t>
+            </a:r>
+          </a:p>
+          <a:p>
+            <a:r>
+              <a:rPr lang="ko-KR" altLang="en-US" dirty="0"/>
+              <a:t>관리자가 지원자를 생성하는 것부터 면접 일정 조율</a:t>
             </a:r>
             <a:r>
               <a:rPr lang="en-US" altLang="ko-KR" dirty="0"/>
@@ -2996,7 +3574,15 @@
             </a:r>
             <a:r>
               <a:rPr lang="ko-KR" altLang="en-US" dirty="0"/>
-              <a:t>메일서버로 이어지는 시퀀스 다이어그램 입니다</a:t>
+              <a:t>지원자의 입사자로의 전환</a:t>
+            </a:r>
+            <a:r>
+              <a:rPr lang="en-US" altLang="ko-KR" dirty="0"/>
+              <a:t>, 2</a:t>
+            </a:r>
+            <a:r>
+              <a:rPr lang="ko-KR" altLang="en-US" dirty="0"/>
+              <a:t>차 평가서 작성까지의 흐름을 보여줍니다</a:t>
             </a:r>
             <a:r>
               <a:rPr lang="en-US" altLang="ko-KR" dirty="0"/>
@@ -3004,25 +3590,20 @@
             </a:r>
           </a:p>
           <a:p>
-            <a:r>
-              <a:rPr lang="ko-KR" altLang="en-US" dirty="0"/>
-              <a:t>관리자가 지원자를 </a:t>
-            </a:r>
-            <a:r>
-              <a:rPr lang="ko-KR" altLang="en-US" dirty="0" err="1"/>
-              <a:t>생성하는것부터</a:t>
-            </a:r>
-            <a:r>
-              <a:rPr lang="ko-KR" altLang="en-US" dirty="0"/>
-              <a:t> 면접일정 조율 지원자의 입사자로의 전환된 뒤 </a:t>
-            </a:r>
-            <a:r>
-              <a:rPr lang="en-US" altLang="ko-KR" dirty="0"/>
-              <a:t>2</a:t>
-            </a:r>
-            <a:r>
-              <a:rPr lang="ko-KR" altLang="en-US" dirty="0"/>
-              <a:t>차 평가서 작성까지의 관리자에서의 흐름을 확인 가능합니다</a:t>
+            <a:endParaRPr lang="en-US" altLang="ko-KR" dirty="0"/>
+          </a:p>
+          <a:p>
+            <a:r>
+              <a:rPr lang="ko-KR" altLang="en-US" dirty="0"/>
+              <a:t>두 번째 다이어그램은 전체 채용 프로세스의 상태 다이어그램으로</a:t>
+            </a:r>
+            <a:r>
+              <a:rPr lang="en-US" altLang="ko-KR" dirty="0"/>
+              <a:t>, </a:t>
+            </a:r>
+            <a:r>
+              <a:rPr lang="ko-KR" altLang="en-US" dirty="0"/>
+              <a:t>지원 대기부터 프로세스 종료까지의 전체 흐름과 상태를 보여줍니다</a:t>
             </a:r>
             <a:r>
               <a:rPr lang="en-US" altLang="ko-KR" dirty="0"/>
@@ -3032,33 +3613,7 @@
           <a:p>
             <a:r>
               <a:rPr lang="ko-KR" altLang="en-US" dirty="0"/>
-              <a:t>두번째 다이어그램은 전체 채용 프로세스의 </a:t>
-            </a:r>
-            <a:r>
-              <a:rPr lang="ko-KR" altLang="en-US" dirty="0" err="1"/>
-              <a:t>상태다이어그램으로</a:t>
-            </a:r>
-            <a:r>
-              <a:rPr lang="ko-KR" altLang="en-US" dirty="0"/>
-              <a:t> 지원대기부터 프로세스가 종료 되는 전체적인 흐름과 상태를 보실 수 있습니다</a:t>
-            </a:r>
-            <a:r>
-              <a:rPr lang="en-US" altLang="ko-KR" dirty="0"/>
-              <a:t>.</a:t>
-            </a:r>
-          </a:p>
-          <a:p>
-            <a:r>
-              <a:rPr lang="ko-KR" altLang="en-US" dirty="0"/>
-              <a:t>각 상태는 다음단계로 전환되기 전에 필요한 조건들이 </a:t>
-            </a:r>
-            <a:r>
-              <a:rPr lang="ko-KR" altLang="en-US" dirty="0" err="1"/>
-              <a:t>충죽되도록</a:t>
-            </a:r>
-            <a:r>
-              <a:rPr lang="ko-KR" altLang="en-US" dirty="0"/>
-              <a:t> 개발 되었습니다</a:t>
+              <a:t>각 상태는 다음 단계로 전환되기 전에 필요한 조건들이 충족되도록 개발하였습니다</a:t>
             </a:r>
             <a:r>
               <a:rPr lang="en-US" altLang="ko-KR" dirty="0"/>
@@ -9893,7 +10448,7 @@
             </a:r>
             <a:r>
               <a:rPr lang="ko-KR" altLang="en-US" dirty="0"/>
-              <a:t>기술적 자신감</a:t>
+              <a:t>개발 프로세스에 대한 이해</a:t>
             </a:r>
             <a:endParaRPr lang="en-US" altLang="ko-KR" dirty="0"/>
           </a:p>
@@ -9925,9 +10480,28 @@
             </a:r>
             <a:r>
               <a:rPr lang="ko-KR" altLang="en-US" dirty="0"/>
-              <a:t>언어 습득</a:t>
-            </a:r>
-            <a:endParaRPr lang="en-US" altLang="ko-KR" dirty="0"/>
+              <a:t>개발 구조적 부분 모듈</a:t>
+            </a:r>
+            <a:r>
+              <a:rPr lang="en-US" altLang="ko-KR" dirty="0"/>
+              <a:t>, </a:t>
+            </a:r>
+            <a:r>
+              <a:rPr lang="ko-KR" altLang="en-US" dirty="0"/>
+              <a:t>레이어</a:t>
+            </a:r>
+            <a:r>
+              <a:rPr lang="en-US" altLang="ko-KR" dirty="0"/>
+              <a:t>(</a:t>
+            </a:r>
+            <a:r>
+              <a:rPr lang="ko-KR" altLang="en-US" dirty="0"/>
+              <a:t>수정</a:t>
+            </a:r>
+            <a:r>
+              <a:rPr lang="en-US" altLang="ko-KR" dirty="0"/>
+              <a:t>)</a:t>
+            </a:r>
           </a:p>
           <a:p>
             <a:pPr lvl="1">
@@ -9990,28 +10564,6 @@
               <a:lnSpc>
                 <a:spcPts val="2600"/>
               </a:lnSpc>
-            </a:pPr>
-            <a:r>
-              <a:rPr lang="ko-KR" altLang="en-US" dirty="0"/>
-              <a:t> 지속적인 성장과 발전</a:t>
-            </a:r>
-            <a:endParaRPr lang="en-US" altLang="ko-KR" dirty="0"/>
-          </a:p>
-          <a:p>
-            <a:pPr lvl="1">
-              <a:lnSpc>
-                <a:spcPts val="2600"/>
-              </a:lnSpc>
-            </a:pPr>
-            <a:r>
-              <a:rPr lang="ko-KR" altLang="en-US" dirty="0"/>
-              <a:t>프로젝트 회고를 통한 교훈을 인식하여 사용자 경험 중심의 설계와 기능 개선에 대한 계획 수립</a:t>
-            </a:r>
-          </a:p>
-          <a:p>
-            <a:pPr marL="0" indent="0">
-              <a:buFont typeface="Pretendard Medium" panose="02000603000000020004" pitchFamily="50" charset="-127"/>
-              <a:buNone/>
             </a:pPr>
             <a:endParaRPr lang="en-US" altLang="ko-KR" dirty="0"/>
           </a:p>

--- a/기술 7부 김민수 성과 발표.pptx
+++ b/기술 7부 김민수 성과 발표.pptx
@@ -547,15 +547,6 @@
           <a:p>
             <a:r>
               <a:rPr lang="ko-KR" altLang="en-US" dirty="0"/>
-              <a:t>표지</a:t>
-            </a:r>
-          </a:p>
-          <a:p>
-            <a:endParaRPr lang="ko-KR" altLang="en-US" dirty="0"/>
-          </a:p>
-          <a:p>
-            <a:r>
-              <a:rPr lang="ko-KR" altLang="en-US" dirty="0"/>
               <a:t>지금부터 업무성과 발표를 시작하겠습니다</a:t>
             </a:r>
             <a:r>
@@ -578,6 +569,31 @@
             <a:r>
               <a:rPr lang="ko-KR" altLang="en-US" dirty="0"/>
               <a:t>부의 김민수 연구원입니다</a:t>
+            </a:r>
+            <a:r>
+              <a:rPr lang="en-US" altLang="ko-KR" dirty="0"/>
+              <a:t>.</a:t>
+            </a:r>
+          </a:p>
+          <a:p>
+            <a:endParaRPr lang="en-US" altLang="ko-KR" dirty="0"/>
+          </a:p>
+          <a:p>
+            <a:r>
+              <a:rPr lang="ko-KR" altLang="en-US" dirty="0"/>
+              <a:t>오늘 제가 발표할 내용은 </a:t>
+            </a:r>
+            <a:r>
+              <a:rPr lang="en-US" altLang="ko-KR" dirty="0" err="1"/>
+              <a:t>LumirRecuritingInterviewManager</a:t>
+            </a:r>
+            <a:r>
+              <a:rPr lang="en-US" altLang="ko-KR" dirty="0"/>
+              <a:t> LRIM </a:t>
+            </a:r>
+            <a:r>
+              <a:rPr lang="ko-KR" altLang="en-US" dirty="0"/>
+              <a:t>프로젝트에 관한 것으로 간략하게 목차를 통해 성과 발표 전체 흐름을 말씀드리겠습니다</a:t>
             </a:r>
             <a:r>
               <a:rPr lang="en-US" altLang="ko-KR" dirty="0"/>
@@ -884,7 +900,7 @@
           <a:p>
             <a:r>
               <a:rPr lang="ko-KR" altLang="en-US" dirty="0"/>
-              <a:t>테스트 커버리지는 실시한 테스트가 얼마나 많은 작성된 실제 코드를 실행하고 있는지 측정하는 지표입니다</a:t>
+              <a:t>테스트 커버리지는 실시한 테스트가 실제 작성된 코드를 얼마나 많이 실행하고 있는지 측정하는 지표입니다</a:t>
             </a:r>
             <a:r>
               <a:rPr lang="en-US" altLang="ko-KR" dirty="0"/>
@@ -892,13 +908,34 @@
             </a:r>
           </a:p>
           <a:p>
-            <a:r>
-              <a:rPr lang="ko-KR" altLang="en-US" dirty="0"/>
-              <a:t>보여드리고 있는 이 스크린샷을 보시는 것처럼 모든 모듈에서 </a:t>
-            </a:r>
-            <a:r>
-              <a:rPr lang="en-US" altLang="ko-KR" dirty="0"/>
-              <a:t>100% </a:t>
+            <a:pPr marL="0" marR="0" lvl="0" indent="0" algn="l" defTabSz="914400" rtl="0" eaLnBrk="1" fontAlgn="auto" latinLnBrk="1" hangingPunct="1">
+              <a:lnSpc>
+                <a:spcPct val="100000"/>
+              </a:lnSpc>
+              <a:spcBef>
+                <a:spcPts val="0"/>
+              </a:spcBef>
+              <a:spcAft>
+                <a:spcPts val="0"/>
+              </a:spcAft>
+              <a:buClrTx/>
+              <a:buSzTx/>
+              <a:buFontTx/>
+              <a:buNone/>
+              <a:tabLst/>
+              <a:defRPr/>
+            </a:pPr>
+            <a:r>
+              <a:rPr lang="ko-KR" altLang="en-US" dirty="0"/>
+              <a:t>평균 </a:t>
+            </a:r>
+            <a:r>
+              <a:rPr lang="en-US" altLang="ko-KR" dirty="0"/>
+              <a:t>90% </a:t>
+            </a:r>
+            <a:r>
+              <a:rPr lang="ko-KR" altLang="en-US" dirty="0"/>
+              <a:t>이상의 </a:t>
             </a:r>
             <a:r>
               <a:rPr lang="ko-KR" altLang="en-US" dirty="0" err="1"/>
@@ -906,17 +943,7 @@
             </a:r>
             <a:r>
               <a:rPr lang="ko-KR" altLang="en-US" dirty="0"/>
-              <a:t> 달성하지는 않았습니다</a:t>
-            </a:r>
-            <a:r>
-              <a:rPr lang="en-US" altLang="ko-KR" dirty="0"/>
-              <a:t>. </a:t>
-            </a:r>
-          </a:p>
-          <a:p>
-            <a:r>
-              <a:rPr lang="ko-KR" altLang="en-US" dirty="0"/>
-              <a:t>이는 서버가 실행된 직후에 확인 가능한 코드들과 아직 발생하지 않은 시나리오를 대비한 코드를 포함하기 때문입니다</a:t>
+              <a:t> 목표로 개발을 진행하였습니다</a:t>
             </a:r>
             <a:r>
               <a:rPr lang="en-US" altLang="ko-KR" dirty="0"/>
@@ -924,20 +951,52 @@
             </a:r>
           </a:p>
           <a:p>
+            <a:pPr marL="0" marR="0" lvl="0" indent="0" algn="l" defTabSz="914400" rtl="0" eaLnBrk="1" fontAlgn="auto" latinLnBrk="1" hangingPunct="1">
+              <a:lnSpc>
+                <a:spcPct val="100000"/>
+              </a:lnSpc>
+              <a:spcBef>
+                <a:spcPts val="0"/>
+              </a:spcBef>
+              <a:spcAft>
+                <a:spcPts val="0"/>
+              </a:spcAft>
+              <a:buClrTx/>
+              <a:buSzTx/>
+              <a:buFontTx/>
+              <a:buNone/>
+              <a:tabLst/>
+              <a:defRPr/>
+            </a:pPr>
+            <a:r>
+              <a:rPr lang="ko-KR" altLang="en-US" dirty="0"/>
+              <a:t>이를 통해 주요 기능들의 안정성을 확보하고</a:t>
+            </a:r>
+            <a:r>
+              <a:rPr lang="en-US" altLang="ko-KR" dirty="0"/>
+              <a:t>, </a:t>
+            </a:r>
+            <a:r>
+              <a:rPr lang="ko-KR" altLang="en-US" dirty="0"/>
+              <a:t>실시간 운영 중 발생할 수 있는 다양한 상황에 대비하였습니다</a:t>
+            </a:r>
+            <a:r>
+              <a:rPr lang="en-US" altLang="ko-KR" dirty="0"/>
+              <a:t>.</a:t>
+            </a:r>
+            <a:endParaRPr lang="ko-KR" altLang="en-US" dirty="0"/>
+          </a:p>
+          <a:p>
             <a:endParaRPr lang="en-US" altLang="ko-KR" dirty="0"/>
           </a:p>
           <a:p>
             <a:r>
               <a:rPr lang="ko-KR" altLang="en-US" dirty="0"/>
-              <a:t>따라서 평균 </a:t>
-            </a:r>
-            <a:r>
-              <a:rPr lang="en-US" altLang="ko-KR" dirty="0"/>
-              <a:t>90% </a:t>
-            </a:r>
-            <a:r>
-              <a:rPr lang="ko-KR" altLang="en-US" dirty="0"/>
-              <a:t>이상의 </a:t>
+              <a:t>보시는 바와 같이 모든 모듈에서 </a:t>
+            </a:r>
+            <a:r>
+              <a:rPr lang="en-US" altLang="ko-KR" dirty="0"/>
+              <a:t>100% </a:t>
             </a:r>
             <a:r>
               <a:rPr lang="ko-KR" altLang="en-US" dirty="0" err="1"/>
@@ -945,7 +1004,17 @@
             </a:r>
             <a:r>
               <a:rPr lang="ko-KR" altLang="en-US" dirty="0"/>
-              <a:t> 목표로 개발을 진행하였습니다</a:t>
+              <a:t> 달성하지는 않았습니다</a:t>
+            </a:r>
+            <a:r>
+              <a:rPr lang="en-US" altLang="ko-KR" dirty="0"/>
+              <a:t>. </a:t>
+            </a:r>
+          </a:p>
+          <a:p>
+            <a:r>
+              <a:rPr lang="ko-KR" altLang="en-US" dirty="0"/>
+              <a:t>이는 서버가 실행된 직후에 확인 가능한 코드들과 아직 발생하지 않은 시나리오를 대비한 코드를 포함하고 있기 때문입니다</a:t>
             </a:r>
             <a:r>
               <a:rPr lang="en-US" altLang="ko-KR" dirty="0"/>
@@ -953,27 +1022,7 @@
             </a:r>
           </a:p>
           <a:p>
-            <a:r>
-              <a:rPr lang="en-US" altLang="ko-KR" dirty="0"/>
-              <a:t> </a:t>
-            </a:r>
-            <a:r>
-              <a:rPr lang="ko-KR" altLang="en-US" dirty="0"/>
-              <a:t>이를 통해 주요 기능들의 안정성을 확보하고</a:t>
-            </a:r>
-            <a:r>
-              <a:rPr lang="en-US" altLang="ko-KR" dirty="0"/>
-              <a:t>, </a:t>
-            </a:r>
-            <a:r>
-              <a:rPr lang="ko-KR" altLang="en-US" dirty="0"/>
-              <a:t>실시간 운영 중 발생할 수 있는 다양한 상황에 대비하였습니다</a:t>
-            </a:r>
-            <a:r>
-              <a:rPr lang="en-US" altLang="ko-KR" dirty="0"/>
-              <a:t>.</a:t>
-            </a:r>
-            <a:endParaRPr lang="ko-KR" altLang="en-US" dirty="0"/>
+            <a:endParaRPr lang="en-US" altLang="ko-KR" dirty="0"/>
           </a:p>
         </p:txBody>
       </p:sp>
@@ -1059,15 +1108,95 @@
           <a:p>
             <a:r>
               <a:rPr lang="ko-KR" altLang="en-US" dirty="0"/>
-              <a:t>업무성과 </a:t>
+              <a:t>업무 성과 및 회고 입니다</a:t>
+            </a:r>
+            <a:r>
+              <a:rPr lang="en-US" altLang="ko-KR" dirty="0"/>
+              <a:t>.</a:t>
+            </a:r>
+          </a:p>
+          <a:p>
+            <a:r>
+              <a:rPr lang="ko-KR" altLang="en-US" dirty="0"/>
+              <a:t>업무 성과에 대해 말씀 드리겠습니다</a:t>
+            </a:r>
+            <a:r>
+              <a:rPr lang="en-US" altLang="ko-KR" dirty="0"/>
+              <a:t>.</a:t>
+            </a:r>
+          </a:p>
+          <a:p>
+            <a:endParaRPr lang="en-US" altLang="ko-KR" dirty="0"/>
+          </a:p>
+          <a:p>
+            <a:r>
+              <a:rPr lang="ko-KR" altLang="en-US" dirty="0"/>
+              <a:t>첫째</a:t>
+            </a:r>
+            <a:r>
+              <a:rPr lang="en-US" altLang="ko-KR" dirty="0"/>
+              <a:t>, </a:t>
+            </a:r>
+            <a:r>
+              <a:rPr lang="ko-KR" altLang="en-US" dirty="0"/>
+              <a:t>지원자가 직접 지원함으로써 모든 데이터는 서버에 자동 저장되며</a:t>
+            </a:r>
+            <a:r>
+              <a:rPr lang="en-US" altLang="ko-KR" dirty="0"/>
+              <a:t>,</a:t>
+            </a:r>
+          </a:p>
+          <a:p>
+            <a:r>
+              <a:rPr lang="ko-KR" altLang="en-US" dirty="0"/>
+              <a:t>이는 직접 분류하고 입력하던 과거의 번거로운 작업들을 대체했습니다</a:t>
+            </a:r>
+            <a:r>
+              <a:rPr lang="en-US" altLang="ko-KR" dirty="0"/>
+              <a:t>.</a:t>
+            </a:r>
+          </a:p>
+          <a:p>
+            <a:endParaRPr lang="en-US" altLang="ko-KR" dirty="0"/>
+          </a:p>
+          <a:p>
+            <a:r>
+              <a:rPr lang="ko-KR" altLang="en-US" dirty="0"/>
+              <a:t>둘째</a:t>
+            </a:r>
+            <a:r>
+              <a:rPr lang="en-US" altLang="ko-KR" dirty="0"/>
+              <a:t>, </a:t>
+            </a:r>
+            <a:r>
+              <a:rPr lang="ko-KR" altLang="en-US" dirty="0"/>
+              <a:t>면접관</a:t>
+            </a:r>
+            <a:r>
+              <a:rPr lang="en-US" altLang="ko-KR" dirty="0"/>
+              <a:t>, </a:t>
             </a:r>
             <a:r>
               <a:rPr lang="ko-KR" altLang="en-US" dirty="0" err="1"/>
-              <a:t>부터</a:t>
-            </a:r>
-            <a:r>
-              <a:rPr lang="ko-KR" altLang="en-US" dirty="0"/>
-              <a:t> 말씀 드리겠습니다</a:t>
+              <a:t>평가자분들이</a:t>
+            </a:r>
+            <a:r>
+              <a:rPr lang="ko-KR" altLang="en-US" dirty="0"/>
+              <a:t> 보고서 및 평가서를 쉽게 작성하고</a:t>
+            </a:r>
+            <a:r>
+              <a:rPr lang="en-US" altLang="ko-KR" dirty="0"/>
+              <a:t>,</a:t>
+            </a:r>
+          </a:p>
+          <a:p>
+            <a:r>
+              <a:rPr lang="en-US" altLang="ko-KR" dirty="0"/>
+              <a:t> PDF </a:t>
+            </a:r>
+            <a:r>
+              <a:rPr lang="ko-KR" altLang="en-US" dirty="0"/>
+              <a:t>문서로 자동 변환이 가능하게 구현하였습니다</a:t>
             </a:r>
             <a:r>
               <a:rPr lang="en-US" altLang="ko-KR" dirty="0"/>
@@ -1075,9 +1204,12 @@
             </a:r>
           </a:p>
           <a:p>
-            <a:r>
-              <a:rPr lang="ko-KR" altLang="en-US" dirty="0"/>
-              <a:t>첫번째는 지원자가 직접 지원함으로써 모든 데이터는 서버에 자동 저장되고</a:t>
+            <a:endParaRPr lang="en-US" altLang="ko-KR" dirty="0"/>
+          </a:p>
+          <a:p>
+            <a:r>
+              <a:rPr lang="ko-KR" altLang="en-US" dirty="0"/>
+              <a:t>셋째</a:t>
             </a:r>
             <a:r>
               <a:rPr lang="en-US" altLang="ko-KR" dirty="0"/>
@@ -1085,7 +1217,7 @@
             </a:r>
             <a:r>
               <a:rPr lang="ko-KR" altLang="en-US" dirty="0"/>
-              <a:t>이는 직접 분류하고 입력하던 과거의 번거로운 작업들을 대체했습니다</a:t>
+              <a:t>실시간 알람을 통해 이벤트 발생 시 즉각적인 통지를 가능하게 하여 업무 스케줄 관리와 응답성을 높였습니다</a:t>
             </a:r>
             <a:r>
               <a:rPr lang="en-US" altLang="ko-KR" dirty="0"/>
@@ -1093,19 +1225,16 @@
             </a:r>
           </a:p>
           <a:p>
-            <a:r>
-              <a:rPr lang="ko-KR" altLang="en-US" dirty="0"/>
-              <a:t>또한 실시간 알람을 통해 이벤트 발생시 즉각적인 통지를 가능하게 하여 업무 스케줄관리와 응답성을 높였습니다</a:t>
-            </a:r>
-            <a:r>
-              <a:rPr lang="en-US" altLang="ko-KR" dirty="0"/>
-              <a:t>.</a:t>
-            </a:r>
-          </a:p>
-          <a:p>
-            <a:r>
-              <a:rPr lang="ko-KR" altLang="en-US" dirty="0"/>
-              <a:t>두번째로 </a:t>
+            <a:endParaRPr lang="en-US" altLang="ko-KR" dirty="0"/>
+          </a:p>
+          <a:p>
+            <a:r>
+              <a:rPr lang="ko-KR" altLang="en-US" dirty="0"/>
+              <a:t>마지막으로</a:t>
+            </a:r>
+            <a:r>
+              <a:rPr lang="en-US" altLang="ko-KR" dirty="0"/>
+              <a:t>, </a:t>
             </a:r>
             <a:r>
               <a:rPr lang="ko-KR" altLang="en-US" dirty="0" err="1"/>
@@ -1127,6 +1256,8 @@
               <a:rPr lang="en-US" altLang="ko-KR" dirty="0"/>
               <a:t>. </a:t>
             </a:r>
+          </a:p>
+          <a:p>
             <a:r>
               <a:rPr lang="ko-KR" altLang="en-US" dirty="0"/>
               <a:t>코드의 </a:t>
@@ -1139,19 +1270,13 @@
               <a:rPr lang="ko-KR" altLang="en-US" dirty="0"/>
               <a:t> 배포까지 모든 단계가 자동으로 이루어지며</a:t>
             </a:r>
-          </a:p>
-          <a:p>
-            <a:r>
-              <a:rPr lang="ko-KR" altLang="en-US" dirty="0"/>
-              <a:t>이를 통해 발생하는 오류에 빠르게 </a:t>
-            </a:r>
-            <a:r>
-              <a:rPr lang="ko-KR" altLang="en-US" dirty="0" err="1"/>
-              <a:t>대처할수</a:t>
-            </a:r>
-            <a:r>
-              <a:rPr lang="ko-KR" altLang="en-US" dirty="0"/>
-              <a:t> 있게 되었습니다</a:t>
+            <a:r>
+              <a:rPr lang="en-US" altLang="ko-KR" dirty="0"/>
+              <a:t>, </a:t>
+            </a:r>
+            <a:r>
+              <a:rPr lang="ko-KR" altLang="en-US" dirty="0"/>
+              <a:t>이를 통해 발생하는 오류에 빠르게 대처할 수 있게 되었습니다</a:t>
             </a:r>
             <a:r>
               <a:rPr lang="en-US" altLang="ko-KR" dirty="0"/>
@@ -1243,7 +1368,7 @@
           <a:p>
             <a:r>
               <a:rPr lang="ko-KR" altLang="en-US" dirty="0"/>
-              <a:t>회사의 중요한 사업과 관련된 프로젝트를 한다는 것에 대해 잘 못하면 어쩌지 하는 막연한 불안감이 존재했습니다</a:t>
+              <a:t>프로젝트 회고 입니다</a:t>
             </a:r>
             <a:r>
               <a:rPr lang="en-US" altLang="ko-KR" dirty="0"/>
@@ -1251,9 +1376,38 @@
             </a:r>
           </a:p>
           <a:p>
-            <a:r>
-              <a:rPr lang="ko-KR" altLang="en-US" dirty="0"/>
-              <a:t>하지만 </a:t>
+            <a:endParaRPr lang="en-US" altLang="ko-KR" dirty="0"/>
+          </a:p>
+          <a:p>
+            <a:r>
+              <a:rPr lang="ko-KR" altLang="en-US" dirty="0"/>
+              <a:t>제가 주 언어로 </a:t>
+            </a:r>
+            <a:r>
+              <a:rPr lang="en-US" altLang="ko-KR" dirty="0"/>
+              <a:t>Java</a:t>
+            </a:r>
+            <a:r>
+              <a:rPr lang="ko-KR" altLang="en-US" dirty="0"/>
+              <a:t>를 사용해 와서</a:t>
+            </a:r>
+            <a:r>
+              <a:rPr lang="en-US" altLang="ko-KR" dirty="0"/>
+              <a:t>, JavaScript</a:t>
+            </a:r>
+            <a:r>
+              <a:rPr lang="ko-KR" altLang="en-US" dirty="0"/>
+              <a:t>에 대해서는 익숙하지 않았습니다</a:t>
+            </a:r>
+            <a:r>
+              <a:rPr lang="en-US" altLang="ko-KR" dirty="0"/>
+              <a:t>.</a:t>
+            </a:r>
+          </a:p>
+          <a:p>
+            <a:r>
+              <a:rPr lang="ko-KR" altLang="en-US" dirty="0"/>
+              <a:t>하지만 본 프로젝트에 투입되기 전 </a:t>
             </a:r>
             <a:r>
               <a:rPr lang="en-US" altLang="ko-KR" dirty="0"/>
@@ -1261,29 +1415,15 @@
             </a:r>
             <a:r>
               <a:rPr lang="ko-KR" altLang="en-US" dirty="0"/>
-              <a:t>사이드 프로젝트를 하며 자신감도 얻고 </a:t>
-            </a:r>
-            <a:r>
-              <a:rPr lang="en-US" altLang="ko-KR" dirty="0"/>
-              <a:t>java</a:t>
-            </a:r>
-            <a:r>
-              <a:rPr lang="ko-KR" altLang="en-US" dirty="0"/>
-              <a:t>를 주언어로 사용하던 제가 </a:t>
-            </a:r>
-            <a:r>
-              <a:rPr lang="en-US" altLang="ko-KR" dirty="0" err="1"/>
-              <a:t>javascript</a:t>
-            </a:r>
-            <a:r>
-              <a:rPr lang="ko-KR" altLang="en-US" dirty="0"/>
-              <a:t>로 전환 하는데</a:t>
-            </a:r>
-          </a:p>
-          <a:p>
-            <a:r>
-              <a:rPr lang="ko-KR" altLang="en-US" dirty="0"/>
-              <a:t>많은 기술적 도움이 되었습니다</a:t>
+              <a:t>사이드 프로젝트를 통해 </a:t>
+            </a:r>
+            <a:r>
+              <a:rPr lang="en-US" altLang="ko-KR" dirty="0"/>
+              <a:t>JavaScript</a:t>
+            </a:r>
+            <a:r>
+              <a:rPr lang="ko-KR" altLang="en-US" dirty="0"/>
+              <a:t>의 숙련도를 크게 향상시키며 자신감을 얻었습니다</a:t>
             </a:r>
             <a:r>
               <a:rPr lang="en-US" altLang="ko-KR" dirty="0"/>
@@ -1291,9 +1431,69 @@
             </a:r>
           </a:p>
           <a:p>
-            <a:r>
-              <a:rPr lang="ko-KR" altLang="en-US" dirty="0"/>
-              <a:t>또한 사용자의 요구와 개발자의 시각 사이의 격차를 파악하는 중요한 인사이트를 얻었습니다</a:t>
+            <a:endParaRPr lang="en-US" altLang="ko-KR" dirty="0"/>
+          </a:p>
+          <a:p>
+            <a:r>
+              <a:rPr lang="ko-KR" altLang="en-US" dirty="0"/>
+              <a:t>이전까진 개발 구조에서 레이어 단위의 구조를 사용해 왔는데</a:t>
+            </a:r>
+            <a:r>
+              <a:rPr lang="en-US" altLang="ko-KR" dirty="0"/>
+              <a:t>,</a:t>
+            </a:r>
+          </a:p>
+          <a:p>
+            <a:r>
+              <a:rPr lang="en-US" altLang="ko-KR" dirty="0"/>
+              <a:t>SARDIP </a:t>
+            </a:r>
+            <a:r>
+              <a:rPr lang="ko-KR" altLang="en-US" dirty="0"/>
+              <a:t>프로젝트에서는 모듈 단위의 구조를 사용한다는 얘기를 들었습니다</a:t>
+            </a:r>
+            <a:r>
+              <a:rPr lang="en-US" altLang="ko-KR" dirty="0"/>
+              <a:t>. </a:t>
+            </a:r>
+          </a:p>
+          <a:p>
+            <a:r>
+              <a:rPr lang="ko-KR" altLang="en-US" dirty="0"/>
+              <a:t>이를 통해 모듈 단위 구조를 미리 경험하고 모듈 내에서도 레이어 구조와 마찬가지로 계층을 나누어 관리하기 때문에 재사용성이 </a:t>
+            </a:r>
+            <a:r>
+              <a:rPr lang="ko-KR" altLang="en-US" dirty="0" err="1"/>
+              <a:t>높은점과</a:t>
+            </a:r>
+            <a:endParaRPr lang="ko-KR" altLang="en-US" dirty="0"/>
+          </a:p>
+          <a:p>
+            <a:r>
+              <a:rPr lang="ko-KR" altLang="en-US" dirty="0"/>
+              <a:t>변화하는 요구사항에 신속하게 </a:t>
+            </a:r>
+            <a:r>
+              <a:rPr lang="ko-KR" altLang="en-US" dirty="0" err="1"/>
+              <a:t>대응할수</a:t>
+            </a:r>
+            <a:r>
+              <a:rPr lang="ko-KR" altLang="en-US" dirty="0"/>
+              <a:t> </a:t>
+            </a:r>
+            <a:r>
+              <a:rPr lang="ko-KR" altLang="en-US" dirty="0" err="1"/>
+              <a:t>있는점</a:t>
+            </a:r>
+            <a:r>
+              <a:rPr lang="ko-KR" altLang="en-US" dirty="0"/>
+              <a:t> 등</a:t>
+            </a:r>
+          </a:p>
+          <a:p>
+            <a:r>
+              <a:rPr lang="ko-KR" altLang="en-US" dirty="0"/>
+              <a:t>이점을 파악할 수 있는 좋은 기회가 되었습니다</a:t>
             </a:r>
             <a:r>
               <a:rPr lang="en-US" altLang="ko-KR" dirty="0"/>
@@ -1301,9 +1501,63 @@
             </a:r>
           </a:p>
           <a:p>
-            <a:r>
-              <a:rPr lang="ko-KR" altLang="en-US" dirty="0"/>
-              <a:t>이로써 사용자와의 소통의 가치를 다시한번 알게 되었고 앞으로 나아갈 방향을 설정하는데 중요한 경험이 되었습니다</a:t>
+            <a:endParaRPr lang="en-US" altLang="ko-KR" dirty="0"/>
+          </a:p>
+          <a:p>
+            <a:r>
+              <a:rPr lang="ko-KR" altLang="en-US" dirty="0"/>
+              <a:t>또한</a:t>
+            </a:r>
+            <a:r>
+              <a:rPr lang="en-US" altLang="ko-KR" dirty="0"/>
+              <a:t>, </a:t>
+            </a:r>
+            <a:r>
+              <a:rPr lang="ko-KR" altLang="en-US" dirty="0"/>
+              <a:t>사용자와 개발자 간의 시각 차이를 인식하고</a:t>
+            </a:r>
+            <a:r>
+              <a:rPr lang="en-US" altLang="ko-KR" dirty="0"/>
+              <a:t>, </a:t>
+            </a:r>
+            <a:r>
+              <a:rPr lang="ko-KR" altLang="en-US" dirty="0"/>
+              <a:t>그 격차를 줄이기 위해 사용자의 요구에 귀 기울이는 것이 중요하다는 인사이트를 얻었습니다</a:t>
+            </a:r>
+            <a:r>
+              <a:rPr lang="en-US" altLang="ko-KR" dirty="0"/>
+              <a:t>.</a:t>
+            </a:r>
+          </a:p>
+          <a:p>
+            <a:r>
+              <a:rPr lang="ko-KR" altLang="en-US" dirty="0"/>
+              <a:t>이 소통의 가치를 다시 한번 깨닫게 되면서 앞으로 나아갈 방향을 설정하는 데 도움이 되었습니다</a:t>
+            </a:r>
+            <a:r>
+              <a:rPr lang="en-US" altLang="ko-KR" dirty="0"/>
+              <a:t>.</a:t>
+            </a:r>
+          </a:p>
+          <a:p>
+            <a:endParaRPr lang="en-US" altLang="ko-KR" dirty="0"/>
+          </a:p>
+          <a:p>
+            <a:r>
+              <a:rPr lang="en-US" altLang="ko-KR" dirty="0"/>
+              <a:t>LRIM </a:t>
+            </a:r>
+            <a:r>
+              <a:rPr lang="ko-KR" altLang="en-US" dirty="0"/>
+              <a:t>프로젝트 개발 경험은 </a:t>
+            </a:r>
+            <a:r>
+              <a:rPr lang="en-US" altLang="ko-KR" dirty="0"/>
+              <a:t>SARDIP </a:t>
+            </a:r>
+            <a:r>
+              <a:rPr lang="ko-KR" altLang="en-US" dirty="0"/>
+              <a:t>프로젝트 개발의 좋은 밑거름이 되리라 생각합니다</a:t>
             </a:r>
             <a:r>
               <a:rPr lang="en-US" altLang="ko-KR" dirty="0"/>
@@ -1395,15 +1649,15 @@
           <a:p>
             <a:r>
               <a:rPr lang="ko-KR" altLang="en-US" dirty="0"/>
-              <a:t>앞으로 제가 담당하게 될 업무는 </a:t>
-            </a:r>
-            <a:r>
-              <a:rPr lang="ko-KR" altLang="en-US" dirty="0" err="1"/>
-              <a:t>사딥의</a:t>
-            </a:r>
-            <a:r>
-              <a:rPr lang="ko-KR" altLang="en-US" dirty="0"/>
-              <a:t> 관리자 전용 서버입니다</a:t>
+              <a:t>마지막으로 </a:t>
+            </a:r>
+            <a:r>
+              <a:rPr lang="en-US" altLang="ko-KR" dirty="0"/>
+              <a:t>SARDIP</a:t>
+            </a:r>
+            <a:r>
+              <a:rPr lang="ko-KR" altLang="en-US" dirty="0"/>
+              <a:t>에서 담당하게 될 업무에 대해 말씀 드리겠습니다</a:t>
             </a:r>
             <a:r>
               <a:rPr lang="en-US" altLang="ko-KR" dirty="0"/>
@@ -1413,7 +1667,25 @@
           <a:p>
             <a:r>
               <a:rPr lang="ko-KR" altLang="en-US" dirty="0"/>
-              <a:t>우선 개발 전략으로는 </a:t>
+              <a:t>제가 담당할 업무는 </a:t>
+            </a:r>
+            <a:r>
+              <a:rPr lang="en-US" altLang="ko-KR" dirty="0"/>
+              <a:t>SARDIP</a:t>
+            </a:r>
+            <a:r>
+              <a:rPr lang="ko-KR" altLang="en-US" dirty="0"/>
+              <a:t>의 관리자 전용 서버입니다</a:t>
+            </a:r>
+            <a:r>
+              <a:rPr lang="en-US" altLang="ko-KR" dirty="0"/>
+              <a:t>.</a:t>
+            </a:r>
+          </a:p>
+          <a:p>
+            <a:r>
+              <a:rPr lang="ko-KR" altLang="en-US" dirty="0"/>
+              <a:t>개발 전략으로는 </a:t>
             </a:r>
             <a:r>
               <a:rPr lang="ko-KR" altLang="en-US" dirty="0" err="1"/>
@@ -1425,57 +1697,79 @@
             </a:r>
             <a:r>
               <a:rPr lang="en-US" altLang="ko-KR" dirty="0"/>
+              <a:t>.</a:t>
+            </a:r>
+          </a:p>
+          <a:p>
+            <a:r>
+              <a:rPr lang="ko-KR" altLang="en-US" dirty="0"/>
+              <a:t>현재는 종식프로의 기획 단계에 있으며</a:t>
+            </a:r>
+            <a:r>
+              <a:rPr lang="en-US" altLang="ko-KR" dirty="0"/>
+              <a:t>, </a:t>
+            </a:r>
+            <a:r>
+              <a:rPr lang="ko-KR" altLang="en-US" dirty="0"/>
+              <a:t>기획이 마무리되는 대로 </a:t>
+            </a:r>
+            <a:r>
+              <a:rPr lang="en-US" altLang="ko-KR" dirty="0"/>
+              <a:t>2~3</a:t>
+            </a:r>
+            <a:r>
+              <a:rPr lang="ko-KR" altLang="en-US" dirty="0"/>
+              <a:t>주 정도의 설계 기간을 거쳐 개발에 들어갈 예정입니다</a:t>
+            </a:r>
+            <a:r>
+              <a:rPr lang="en-US" altLang="ko-KR" dirty="0"/>
+              <a:t>.</a:t>
+            </a:r>
+          </a:p>
+          <a:p>
+            <a:r>
+              <a:rPr lang="ko-KR" altLang="en-US" dirty="0"/>
+              <a:t>개발 프로세스에서는 지속적인 코드 리뷰와 피드백을 통해 코드 품질을 향상시키고</a:t>
+            </a:r>
+            <a:r>
+              <a:rPr lang="en-US" altLang="ko-KR" dirty="0"/>
+              <a:t>, </a:t>
+            </a:r>
+          </a:p>
+          <a:p>
+            <a:r>
+              <a:rPr lang="ko-KR" altLang="en-US" dirty="0"/>
+              <a:t>기능 업데이트를 촉진하는 데 중점을 둘 것입니다</a:t>
+            </a:r>
+            <a:r>
+              <a:rPr lang="en-US" altLang="ko-KR" dirty="0"/>
               <a:t>. </a:t>
             </a:r>
           </a:p>
           <a:p>
             <a:r>
               <a:rPr lang="en-US" altLang="ko-KR" dirty="0"/>
-              <a:t>LRIM </a:t>
-            </a:r>
-            <a:r>
-              <a:rPr lang="ko-KR" altLang="en-US" dirty="0"/>
-              <a:t>프로젝트를 경험하여 식별된 리스크를 예방하고 관리하는데 많은 도움이 </a:t>
+              <a:t>LRIM</a:t>
+            </a:r>
+            <a:r>
+              <a:rPr lang="ko-KR" altLang="en-US" dirty="0"/>
+              <a:t>과 마찬가지로 테스트 </a:t>
             </a:r>
             <a:r>
               <a:rPr lang="ko-KR" altLang="en-US" dirty="0" err="1"/>
-              <a:t>될것</a:t>
-            </a:r>
-            <a:r>
-              <a:rPr lang="ko-KR" altLang="en-US" dirty="0"/>
-              <a:t> 같습니다</a:t>
-            </a:r>
-            <a:r>
-              <a:rPr lang="en-US" altLang="ko-KR" dirty="0"/>
-              <a:t>.</a:t>
-            </a:r>
-          </a:p>
-          <a:p>
-            <a:r>
-              <a:rPr lang="ko-KR" altLang="en-US" dirty="0"/>
-              <a:t>개발 프로세스는 지속적이 코드 리뷰와 피드백을 통해 코드의 품질을 지속적으로 개선하고 기능 업데이트를 촉진하는 중점을 </a:t>
-            </a:r>
-            <a:r>
-              <a:rPr lang="ko-KR" altLang="en-US" dirty="0" err="1"/>
-              <a:t>둘것입니다</a:t>
-            </a:r>
-            <a:r>
-              <a:rPr lang="en-US" altLang="ko-KR" dirty="0"/>
-              <a:t>.</a:t>
-            </a:r>
-          </a:p>
-          <a:p>
-            <a:r>
-              <a:rPr lang="ko-KR" altLang="en-US" dirty="0"/>
-              <a:t>오류를 미연에 방지하고</a:t>
-            </a:r>
-            <a:r>
-              <a:rPr lang="en-US" altLang="ko-KR" dirty="0"/>
-              <a:t>, </a:t>
-            </a:r>
-            <a:r>
-              <a:rPr lang="ko-KR" altLang="en-US" dirty="0"/>
-              <a:t>안정적인 서비스 운영을 보장하는 기본 원칙입니다</a:t>
+              <a:t>커버리지를</a:t>
+            </a:r>
+            <a:r>
+              <a:rPr lang="ko-KR" altLang="en-US" dirty="0"/>
+              <a:t> </a:t>
+            </a:r>
+            <a:r>
+              <a:rPr lang="en-US" altLang="ko-KR" dirty="0"/>
+              <a:t>90% </a:t>
+            </a:r>
+            <a:r>
+              <a:rPr lang="ko-KR" altLang="en-US" dirty="0"/>
+              <a:t>이상 유지하여 오류를 방지하고 안정적인 서비스 운영을 위해 최선을 다하겠습니다</a:t>
             </a:r>
             <a:r>
               <a:rPr lang="en-US" altLang="ko-KR" dirty="0"/>
@@ -1566,70 +1860,70 @@
           <a:lstStyle/>
           <a:p>
             <a:r>
-              <a:rPr lang="ko-KR" altLang="en-US" b="1" dirty="0"/>
+              <a:rPr lang="ko-KR" altLang="en-US" b="0" dirty="0"/>
               <a:t>보시는 바와 같이 </a:t>
             </a:r>
-            <a:endParaRPr lang="en-US" altLang="ko-KR" b="1" dirty="0"/>
-          </a:p>
-          <a:p>
-            <a:r>
-              <a:rPr lang="ko-KR" altLang="en-US" b="1" dirty="0"/>
+            <a:endParaRPr lang="en-US" altLang="ko-KR" b="0" dirty="0"/>
+          </a:p>
+          <a:p>
+            <a:r>
+              <a:rPr lang="ko-KR" altLang="en-US" b="0" dirty="0"/>
               <a:t>여섯 가지의 항목으로</a:t>
             </a:r>
           </a:p>
           <a:p>
             <a:r>
-              <a:rPr lang="ko-KR" altLang="en-US" b="1" dirty="0"/>
+              <a:rPr lang="ko-KR" altLang="en-US" b="0" dirty="0"/>
               <a:t>개요</a:t>
             </a:r>
             <a:r>
-              <a:rPr lang="en-US" altLang="ko-KR" b="1" dirty="0"/>
+              <a:rPr lang="en-US" altLang="ko-KR" b="0" dirty="0"/>
               <a:t>, </a:t>
             </a:r>
             <a:r>
-              <a:rPr lang="ko-KR" altLang="en-US" b="1" dirty="0"/>
+              <a:rPr lang="ko-KR" altLang="en-US" b="0" dirty="0"/>
               <a:t>요구사항분석</a:t>
             </a:r>
             <a:r>
-              <a:rPr lang="en-US" altLang="ko-KR" b="1" dirty="0"/>
+              <a:rPr lang="en-US" altLang="ko-KR" b="0" dirty="0"/>
               <a:t>, </a:t>
             </a:r>
             <a:r>
-              <a:rPr lang="ko-KR" altLang="en-US" b="1" dirty="0"/>
+              <a:rPr lang="ko-KR" altLang="en-US" b="0" dirty="0"/>
               <a:t>설계</a:t>
             </a:r>
             <a:r>
-              <a:rPr lang="en-US" altLang="ko-KR" b="1" dirty="0"/>
+              <a:rPr lang="en-US" altLang="ko-KR" b="0" dirty="0"/>
               <a:t>, </a:t>
             </a:r>
             <a:r>
-              <a:rPr lang="ko-KR" altLang="en-US" b="1" dirty="0"/>
+              <a:rPr lang="ko-KR" altLang="en-US" b="0" dirty="0"/>
               <a:t>개발 과정</a:t>
             </a:r>
             <a:r>
-              <a:rPr lang="en-US" altLang="ko-KR" b="1" dirty="0"/>
+              <a:rPr lang="en-US" altLang="ko-KR" b="0" dirty="0"/>
               <a:t>, </a:t>
             </a:r>
             <a:r>
-              <a:rPr lang="ko-KR" altLang="en-US" b="1" dirty="0"/>
+              <a:rPr lang="ko-KR" altLang="en-US" b="0" dirty="0"/>
               <a:t>업무성과 및 회고</a:t>
             </a:r>
             <a:r>
-              <a:rPr lang="en-US" altLang="ko-KR" b="1" dirty="0"/>
+              <a:rPr lang="en-US" altLang="ko-KR" b="0" dirty="0"/>
               <a:t>, SARDIP </a:t>
             </a:r>
             <a:r>
-              <a:rPr lang="ko-KR" altLang="en-US" b="1" dirty="0"/>
+              <a:rPr lang="ko-KR" altLang="en-US" b="0" dirty="0"/>
               <a:t>개발 계획으로</a:t>
             </a:r>
           </a:p>
           <a:p>
             <a:r>
-              <a:rPr lang="ko-KR" altLang="en-US" b="1" dirty="0"/>
+              <a:rPr lang="ko-KR" altLang="en-US" b="0" dirty="0"/>
               <a:t>나누어 발표를 진행하겠습니다</a:t>
             </a:r>
             <a:r>
-              <a:rPr lang="en-US" altLang="ko-KR" b="1" dirty="0"/>
+              <a:rPr lang="en-US" altLang="ko-KR" b="0" dirty="0"/>
               <a:t>.</a:t>
             </a:r>
           </a:p>
@@ -1912,15 +2206,7 @@
             </a:r>
             <a:r>
               <a:rPr lang="ko-KR" altLang="en-US" dirty="0"/>
-              <a:t>가지 정도로 </a:t>
-            </a:r>
-            <a:r>
-              <a:rPr lang="ko-KR" altLang="en-US" dirty="0" err="1"/>
-              <a:t>간추릴수</a:t>
-            </a:r>
-            <a:r>
-              <a:rPr lang="ko-KR" altLang="en-US" dirty="0"/>
-              <a:t> 있었습니다</a:t>
+              <a:t>가지 정도로 간추릴 수 있었습니다</a:t>
             </a:r>
             <a:r>
               <a:rPr lang="en-US" altLang="ko-KR" dirty="0"/>
@@ -1996,27 +2282,17 @@
             </a:r>
             <a:r>
               <a:rPr lang="ko-KR" altLang="en-US" dirty="0"/>
-              <a:t>모든 과정을 하나의 흐름 안에서 통합적으로 관리할 수 있는 </a:t>
-            </a:r>
-          </a:p>
-          <a:p>
-            <a:r>
-              <a:rPr lang="ko-KR" altLang="en-US" dirty="0"/>
-              <a:t>체계적인 시스템이 필요했습니다</a:t>
+              <a:t>모든 과정을 하나의 흐름 안에서 통합적으로 관리할 수 있는 체계적인 시스템이 필요했습니다</a:t>
             </a:r>
             <a:r>
               <a:rPr lang="en-US" altLang="ko-KR" dirty="0"/>
               <a:t>. </a:t>
             </a:r>
-            <a:r>
-              <a:rPr lang="ko-KR" altLang="en-US" dirty="0"/>
-              <a:t>그리고 이 시스템 안에는 관리자와 면접관 권한에 따른 데이터 접근 제한과</a:t>
-            </a:r>
-          </a:p>
-          <a:p>
-            <a:r>
-              <a:rPr lang="ko-KR" altLang="en-US" dirty="0"/>
-              <a:t>면접관</a:t>
+          </a:p>
+          <a:p>
+            <a:r>
+              <a:rPr lang="ko-KR" altLang="en-US" dirty="0"/>
+              <a:t>그리고 이 시스템 안에는 관리자와 면접관 권한에 따른 데이터 접근 제한과 면접관</a:t>
             </a:r>
             <a:r>
               <a:rPr lang="en-US" altLang="ko-KR" dirty="0"/>
@@ -2528,32 +2804,6 @@
                 </a:highlight>
                 <a:latin typeface="Söhne"/>
               </a:rPr>
-              <a:t>. </a:t>
-            </a:r>
-            <a:r>
-              <a:rPr lang="ko-KR" altLang="en-US" b="0" i="0" dirty="0">
-                <a:solidFill>
-                  <a:srgbClr val="ECECEC"/>
-                </a:solidFill>
-                <a:effectLst/>
-                <a:highlight>
-                  <a:srgbClr val="212121"/>
-                </a:highlight>
-                <a:latin typeface="Söhne"/>
-              </a:rPr>
-              <a:t>이 자동화 기능은 작업 효율성을 크게 향상시킬 것으로 기대했습니다</a:t>
-            </a:r>
-            <a:r>
-              <a:rPr lang="en-US" altLang="ko-KR" b="0" i="0" dirty="0">
-                <a:solidFill>
-                  <a:srgbClr val="ECECEC"/>
-                </a:solidFill>
-                <a:effectLst/>
-                <a:highlight>
-                  <a:srgbClr val="212121"/>
-                </a:highlight>
-                <a:latin typeface="Söhne"/>
-              </a:rPr>
               <a:t>.</a:t>
             </a:r>
           </a:p>
@@ -2974,207 +3224,207 @@
           <a:lstStyle/>
           <a:p>
             <a:r>
-              <a:rPr lang="ko-KR" altLang="en-US" dirty="0"/>
+              <a:rPr lang="ko-KR" altLang="en-US" sz="1200" dirty="0"/>
               <a:t>데이터베이스 설계에 대해 살펴 보겠습니다</a:t>
             </a:r>
             <a:r>
-              <a:rPr lang="en-US" altLang="ko-KR" dirty="0"/>
+              <a:rPr lang="en-US" altLang="ko-KR" sz="1200" dirty="0"/>
               <a:t>. </a:t>
             </a:r>
           </a:p>
           <a:p>
             <a:r>
-              <a:rPr lang="ko-KR" altLang="en-US" dirty="0"/>
+              <a:rPr lang="ko-KR" altLang="en-US" sz="1200" dirty="0"/>
               <a:t>이 다이어그램은 </a:t>
             </a:r>
             <a:r>
-              <a:rPr lang="ko-KR" altLang="en-US" dirty="0" err="1"/>
+              <a:rPr lang="ko-KR" altLang="en-US" sz="1200" dirty="0" err="1"/>
               <a:t>몽고디비를</a:t>
             </a:r>
             <a:r>
-              <a:rPr lang="ko-KR" altLang="en-US" dirty="0"/>
+              <a:rPr lang="ko-KR" altLang="en-US" sz="1200" dirty="0"/>
               <a:t> 사용하여 설계한 데이터베이스 스키마의 모습입니다</a:t>
             </a:r>
             <a:r>
-              <a:rPr lang="en-US" altLang="ko-KR" dirty="0"/>
+              <a:rPr lang="en-US" altLang="ko-KR" sz="1200" dirty="0"/>
               <a:t>.</a:t>
             </a:r>
           </a:p>
           <a:p>
             <a:r>
-              <a:rPr lang="ko-KR" altLang="en-US" dirty="0" err="1"/>
+              <a:rPr lang="ko-KR" altLang="en-US" sz="1200" dirty="0" err="1"/>
               <a:t>몽고디비는</a:t>
             </a:r>
             <a:r>
-              <a:rPr lang="ko-KR" altLang="en-US" dirty="0"/>
+              <a:rPr lang="ko-KR" altLang="en-US" sz="1200" dirty="0"/>
               <a:t> </a:t>
             </a:r>
             <a:r>
-              <a:rPr lang="ko-KR" altLang="en-US" dirty="0" err="1"/>
+              <a:rPr lang="ko-KR" altLang="en-US" sz="1200" dirty="0" err="1"/>
               <a:t>노에스큐엘</a:t>
             </a:r>
             <a:r>
-              <a:rPr lang="ko-KR" altLang="en-US" dirty="0"/>
+              <a:rPr lang="ko-KR" altLang="en-US" sz="1200" dirty="0"/>
               <a:t> 문법을 활용해 유연한 스키마를 가능하게 하며 이는 변화하는 요구사항에 신속하게 대응할 수 있도록 해줍니다</a:t>
             </a:r>
             <a:r>
-              <a:rPr lang="en-US" altLang="ko-KR" dirty="0"/>
+              <a:rPr lang="en-US" altLang="ko-KR" sz="1200" dirty="0"/>
               <a:t>.</a:t>
             </a:r>
           </a:p>
           <a:p>
             <a:r>
-              <a:rPr lang="ko-KR" altLang="en-US" dirty="0"/>
+              <a:rPr lang="ko-KR" altLang="en-US" sz="1200" dirty="0"/>
               <a:t>특히 객체 지향 프로그래밍과  높은 호환성을 지닌 덕분에 개발 속도를 크게 향상시킬 수 있습니다</a:t>
             </a:r>
             <a:r>
-              <a:rPr lang="en-US" altLang="ko-KR" dirty="0"/>
+              <a:rPr lang="en-US" altLang="ko-KR" sz="1200" dirty="0"/>
               <a:t>.</a:t>
             </a:r>
           </a:p>
           <a:p>
             <a:r>
-              <a:rPr lang="ko-KR" altLang="en-US" dirty="0"/>
+              <a:rPr lang="ko-KR" altLang="en-US" sz="1200" dirty="0"/>
               <a:t>데이터를 조회하고 추가하는 일이 빈번한 채용 시스템에서는 </a:t>
             </a:r>
             <a:r>
-              <a:rPr lang="ko-KR" altLang="en-US" dirty="0" err="1"/>
+              <a:rPr lang="ko-KR" altLang="en-US" sz="1200" dirty="0" err="1"/>
               <a:t>몽고디비가</a:t>
             </a:r>
             <a:r>
-              <a:rPr lang="ko-KR" altLang="en-US" dirty="0"/>
+              <a:rPr lang="ko-KR" altLang="en-US" sz="1200" dirty="0"/>
               <a:t> 뛰어난 성능을 발휘하여 몽고 </a:t>
             </a:r>
             <a:r>
-              <a:rPr lang="ko-KR" altLang="en-US" dirty="0" err="1"/>
+              <a:rPr lang="ko-KR" altLang="en-US" sz="1200" dirty="0" err="1"/>
               <a:t>디비를</a:t>
             </a:r>
             <a:r>
-              <a:rPr lang="ko-KR" altLang="en-US" dirty="0"/>
+              <a:rPr lang="ko-KR" altLang="en-US" sz="1200" dirty="0"/>
               <a:t> 사용하여 설계하게 되었습니다</a:t>
             </a:r>
             <a:r>
-              <a:rPr lang="en-US" altLang="ko-KR" dirty="0"/>
+              <a:rPr lang="en-US" altLang="ko-KR" sz="1200" dirty="0"/>
               <a:t>.</a:t>
             </a:r>
           </a:p>
           <a:p>
-            <a:endParaRPr lang="en-US" altLang="ko-KR" dirty="0"/>
-          </a:p>
-          <a:p>
-            <a:r>
-              <a:rPr lang="en-US" altLang="ko-KR" dirty="0"/>
+            <a:endParaRPr lang="en-US" altLang="ko-KR" sz="1200" dirty="0"/>
+          </a:p>
+          <a:p>
+            <a:r>
+              <a:rPr lang="en-US" altLang="ko-KR" sz="1200" dirty="0"/>
               <a:t>NO-SQL: NO-SQL </a:t>
             </a:r>
             <a:r>
-              <a:rPr lang="ko-KR" altLang="en-US" dirty="0"/>
+              <a:rPr lang="ko-KR" altLang="en-US" sz="1200" dirty="0"/>
               <a:t>데이터베이스는 관계형 데이터베이스에 비해 스키마에 </a:t>
             </a:r>
             <a:r>
-              <a:rPr lang="ko-KR" altLang="en-US" dirty="0" err="1"/>
+              <a:rPr lang="ko-KR" altLang="en-US" sz="1200" dirty="0" err="1"/>
               <a:t>구애받지</a:t>
             </a:r>
             <a:r>
-              <a:rPr lang="ko-KR" altLang="en-US" dirty="0"/>
+              <a:rPr lang="ko-KR" altLang="en-US" sz="1200" dirty="0"/>
               <a:t> 않고 데이터를 저장하고 관리할 수 있으며</a:t>
             </a:r>
             <a:r>
-              <a:rPr lang="en-US" altLang="ko-KR" dirty="0"/>
+              <a:rPr lang="en-US" altLang="ko-KR" sz="1200" dirty="0"/>
               <a:t>, </a:t>
             </a:r>
             <a:r>
-              <a:rPr lang="ko-KR" altLang="en-US" dirty="0"/>
+              <a:rPr lang="ko-KR" altLang="en-US" sz="1200" dirty="0"/>
               <a:t>문서 지향</a:t>
             </a:r>
             <a:r>
-              <a:rPr lang="en-US" altLang="ko-KR" dirty="0"/>
+              <a:rPr lang="en-US" altLang="ko-KR" sz="1200" dirty="0"/>
               <a:t>, </a:t>
             </a:r>
             <a:r>
-              <a:rPr lang="ko-KR" altLang="en-US" dirty="0"/>
+              <a:rPr lang="ko-KR" altLang="en-US" sz="1200" dirty="0"/>
               <a:t>키</a:t>
             </a:r>
             <a:r>
-              <a:rPr lang="en-US" altLang="ko-KR" dirty="0"/>
+              <a:rPr lang="en-US" altLang="ko-KR" sz="1200" dirty="0"/>
               <a:t>-</a:t>
             </a:r>
             <a:r>
-              <a:rPr lang="ko-KR" altLang="en-US" dirty="0"/>
+              <a:rPr lang="ko-KR" altLang="en-US" sz="1200" dirty="0"/>
               <a:t>값</a:t>
             </a:r>
             <a:r>
-              <a:rPr lang="en-US" altLang="ko-KR" dirty="0"/>
+              <a:rPr lang="en-US" altLang="ko-KR" sz="1200" dirty="0"/>
               <a:t>, </a:t>
             </a:r>
             <a:r>
-              <a:rPr lang="ko-KR" altLang="en-US" dirty="0"/>
+              <a:rPr lang="ko-KR" altLang="en-US" sz="1200" dirty="0"/>
               <a:t>그래프 등의 다양한 유형으로 데이터를 다룰 수 있습니다</a:t>
             </a:r>
             <a:r>
-              <a:rPr lang="en-US" altLang="ko-KR" dirty="0"/>
+              <a:rPr lang="en-US" altLang="ko-KR" sz="1200" dirty="0"/>
               <a:t>.</a:t>
             </a:r>
           </a:p>
           <a:p>
             <a:r>
-              <a:rPr lang="ko-KR" altLang="en-US" dirty="0"/>
+              <a:rPr lang="ko-KR" altLang="en-US" sz="1200" dirty="0"/>
               <a:t>유연한 스키마의 장점</a:t>
             </a:r>
             <a:r>
-              <a:rPr lang="en-US" altLang="ko-KR" dirty="0"/>
+              <a:rPr lang="en-US" altLang="ko-KR" sz="1200" dirty="0"/>
               <a:t>: NO-SQL </a:t>
             </a:r>
             <a:r>
-              <a:rPr lang="ko-KR" altLang="en-US" dirty="0"/>
+              <a:rPr lang="ko-KR" altLang="en-US" sz="1200" dirty="0"/>
               <a:t>데이터베이스는 유연한 스키마를 통해 데이터 구조를 동적으로 변경할 수 있어</a:t>
             </a:r>
             <a:r>
-              <a:rPr lang="en-US" altLang="ko-KR" dirty="0"/>
+              <a:rPr lang="en-US" altLang="ko-KR" sz="1200" dirty="0"/>
               <a:t>, </a:t>
             </a:r>
             <a:r>
-              <a:rPr lang="ko-KR" altLang="en-US" dirty="0"/>
+              <a:rPr lang="ko-KR" altLang="en-US" sz="1200" dirty="0"/>
               <a:t>변화하는 비즈니스 요구사항에 신속하게 대응할 수 있습니다</a:t>
             </a:r>
             <a:r>
-              <a:rPr lang="en-US" altLang="ko-KR" dirty="0"/>
+              <a:rPr lang="en-US" altLang="ko-KR" sz="1200" dirty="0"/>
               <a:t>.</a:t>
             </a:r>
           </a:p>
           <a:p>
             <a:r>
-              <a:rPr lang="ko-KR" altLang="en-US" dirty="0"/>
+              <a:rPr lang="ko-KR" altLang="en-US" sz="1200" dirty="0"/>
               <a:t>객체지향 프로그래밍과의 호환성</a:t>
             </a:r>
             <a:r>
-              <a:rPr lang="en-US" altLang="ko-KR" dirty="0"/>
+              <a:rPr lang="en-US" altLang="ko-KR" sz="1200" dirty="0"/>
               <a:t>: NO-SQL </a:t>
             </a:r>
             <a:r>
-              <a:rPr lang="ko-KR" altLang="en-US" dirty="0"/>
+              <a:rPr lang="ko-KR" altLang="en-US" sz="1200" dirty="0"/>
               <a:t>데이터베이스는 객체지향 프로그래밍의 데이터 구조와 직접 매핑이 가능하여</a:t>
             </a:r>
             <a:r>
-              <a:rPr lang="en-US" altLang="ko-KR" dirty="0"/>
+              <a:rPr lang="en-US" altLang="ko-KR" sz="1200" dirty="0"/>
               <a:t>, </a:t>
             </a:r>
             <a:r>
-              <a:rPr lang="ko-KR" altLang="en-US" dirty="0"/>
+              <a:rPr lang="ko-KR" altLang="en-US" sz="1200" dirty="0"/>
               <a:t>개발자가 객체를 그대로 데이터베이스에 저장할 수 있어 코드 작성 및 관리가 </a:t>
             </a:r>
             <a:r>
-              <a:rPr lang="ko-KR" altLang="en-US" dirty="0" err="1"/>
+              <a:rPr lang="ko-KR" altLang="en-US" sz="1200" dirty="0" err="1"/>
               <a:t>단순해져</a:t>
             </a:r>
             <a:r>
-              <a:rPr lang="ko-KR" altLang="en-US" dirty="0"/>
+              <a:rPr lang="ko-KR" altLang="en-US" sz="1200" dirty="0"/>
               <a:t> 개발 속도가 향상됩니다</a:t>
             </a:r>
             <a:r>
-              <a:rPr lang="en-US" altLang="ko-KR" dirty="0"/>
+              <a:rPr lang="en-US" altLang="ko-KR" sz="1200" dirty="0"/>
               <a:t>.</a:t>
             </a:r>
-            <a:endParaRPr lang="ko-KR" altLang="en-US" dirty="0"/>
+            <a:endParaRPr lang="ko-KR" altLang="en-US" sz="1200" dirty="0"/>
           </a:p>
         </p:txBody>
       </p:sp>
@@ -3347,9 +3597,12 @@
             </a:r>
           </a:p>
           <a:p>
-            <a:r>
-              <a:rPr lang="ko-KR" altLang="en-US" dirty="0"/>
-              <a:t>또한 </a:t>
+            <a:endParaRPr lang="en-US" altLang="ko-KR" dirty="0"/>
+          </a:p>
+          <a:p>
+            <a:r>
+              <a:rPr lang="ko-KR" altLang="en-US" dirty="0"/>
+              <a:t>오른쪽에 보이시는 이 문서는 </a:t>
             </a:r>
             <a:r>
               <a:rPr lang="ko-KR" altLang="en-US" dirty="0" err="1"/>
@@ -3365,23 +3618,12 @@
             </a:r>
             <a:r>
               <a:rPr lang="ko-KR" altLang="en-US" dirty="0"/>
-              <a:t>를 활용하여 </a:t>
-            </a:r>
-            <a:r>
-              <a:rPr lang="en-US" altLang="ko-KR" dirty="0"/>
-              <a:t>API</a:t>
-            </a:r>
-            <a:r>
-              <a:rPr lang="ko-KR" altLang="en-US" dirty="0"/>
-              <a:t>의 동작을 검증했습니다</a:t>
+              <a:t>를 활용하여 작성 되었습니다</a:t>
             </a:r>
             <a:r>
               <a:rPr lang="en-US" altLang="ko-KR" dirty="0"/>
               <a:t>.</a:t>
             </a:r>
-          </a:p>
-          <a:p>
-            <a:endParaRPr lang="en-US" altLang="ko-KR" dirty="0"/>
           </a:p>
           <a:p>
             <a:r>
@@ -3613,7 +3855,7 @@
           <a:p>
             <a:r>
               <a:rPr lang="ko-KR" altLang="en-US" dirty="0"/>
-              <a:t>각 상태는 다음 단계로 전환되기 전에 필요한 조건들이 충족되도록 개발하였습니다</a:t>
+              <a:t>각 상태는 필요한 조건이 충족 되어야 다음 단계로 전환되도록 개발하였습니다</a:t>
             </a:r>
             <a:r>
               <a:rPr lang="en-US" altLang="ko-KR" dirty="0"/>
@@ -9925,6 +10167,50 @@
             </a:pPr>
             <a:r>
               <a:rPr lang="ko-KR" altLang="en-US" dirty="0"/>
+              <a:t>보고서 및 평가서 작성 </a:t>
+            </a:r>
+            <a:r>
+              <a:rPr lang="en-US" altLang="ko-KR" dirty="0"/>
+              <a:t>: </a:t>
+            </a:r>
+            <a:r>
+              <a:rPr lang="ko-KR" altLang="en-US" dirty="0"/>
+              <a:t>면접관</a:t>
+            </a:r>
+            <a:r>
+              <a:rPr lang="en-US" altLang="ko-KR" dirty="0"/>
+              <a:t>, </a:t>
+            </a:r>
+            <a:r>
+              <a:rPr lang="ko-KR" altLang="en-US" dirty="0"/>
+              <a:t>평가자가 보고서</a:t>
+            </a:r>
+            <a:r>
+              <a:rPr lang="en-US" altLang="ko-KR" dirty="0"/>
+              <a:t>, </a:t>
+            </a:r>
+            <a:r>
+              <a:rPr lang="ko-KR" altLang="en-US" dirty="0"/>
+              <a:t>평가서를 작성 가능하고 자동으로 </a:t>
+            </a:r>
+            <a:r>
+              <a:rPr lang="en-US" altLang="ko-KR" dirty="0"/>
+              <a:t>pdf </a:t>
+            </a:r>
+            <a:r>
+              <a:rPr lang="ko-KR" altLang="en-US" dirty="0"/>
+              <a:t>문서화 변환</a:t>
+            </a:r>
+            <a:endParaRPr lang="en-US" altLang="ko-KR" dirty="0"/>
+          </a:p>
+          <a:p>
+            <a:pPr lvl="1">
+              <a:lnSpc>
+                <a:spcPts val="2600"/>
+              </a:lnSpc>
+            </a:pPr>
+            <a:r>
+              <a:rPr lang="ko-KR" altLang="en-US" dirty="0"/>
               <a:t>실시간 알람 기능 </a:t>
             </a:r>
             <a:r>
@@ -9935,15 +10221,6 @@
               <a:rPr lang="ko-KR" altLang="en-US" dirty="0"/>
               <a:t>이벤트 알람 시스템을 통해 빠른 대응 및 업무 스케줄 관리 용이 </a:t>
             </a:r>
-            <a:endParaRPr lang="en-US" altLang="ko-KR" dirty="0"/>
-          </a:p>
-          <a:p>
-            <a:pPr marL="266700" lvl="1" indent="0">
-              <a:lnSpc>
-                <a:spcPts val="2600"/>
-              </a:lnSpc>
-              <a:buNone/>
-            </a:pPr>
             <a:endParaRPr lang="en-US" altLang="ko-KR" dirty="0"/>
           </a:p>
           <a:p>
@@ -10480,28 +10757,9 @@
             </a:r>
             <a:r>
               <a:rPr lang="ko-KR" altLang="en-US" dirty="0"/>
-              <a:t>개발 구조적 부분 모듈</a:t>
-            </a:r>
-            <a:r>
-              <a:rPr lang="en-US" altLang="ko-KR" dirty="0"/>
-              <a:t>, </a:t>
-            </a:r>
-            <a:r>
-              <a:rPr lang="ko-KR" altLang="en-US" dirty="0"/>
-              <a:t>레이어</a:t>
-            </a:r>
-            <a:r>
-              <a:rPr lang="en-US" altLang="ko-KR" dirty="0"/>
-              <a:t>(</a:t>
-            </a:r>
-            <a:r>
-              <a:rPr lang="ko-KR" altLang="en-US" dirty="0"/>
-              <a:t>수정</a:t>
-            </a:r>
-            <a:r>
-              <a:rPr lang="en-US" altLang="ko-KR" dirty="0"/>
-              <a:t>)</a:t>
-            </a:r>
+              <a:t>개발 구조에 대한 이해</a:t>
+            </a:r>
+            <a:endParaRPr lang="en-US" altLang="ko-KR" dirty="0"/>
           </a:p>
           <a:p>
             <a:pPr lvl="1">
@@ -10510,28 +10768,24 @@
               </a:lnSpc>
             </a:pPr>
             <a:r>
-              <a:rPr lang="en-US" altLang="ko-KR" dirty="0"/>
-              <a:t>Java</a:t>
-            </a:r>
-            <a:r>
-              <a:rPr lang="ko-KR" altLang="en-US" dirty="0"/>
-              <a:t>에서 </a:t>
-            </a:r>
-            <a:r>
-              <a:rPr lang="en-US" altLang="ko-KR" dirty="0"/>
-              <a:t>JavaScript/Node.js </a:t>
-            </a:r>
-            <a:r>
-              <a:rPr lang="ko-KR" altLang="en-US" dirty="0"/>
-              <a:t>환경으로의 전환을 통해 </a:t>
-            </a:r>
-            <a:r>
-              <a:rPr lang="ko-KR" altLang="en-US" dirty="0" err="1"/>
-              <a:t>백엔드</a:t>
-            </a:r>
-            <a:r>
-              <a:rPr lang="ko-KR" altLang="en-US" dirty="0"/>
-              <a:t> 개발 역량 강화</a:t>
+              <a:rPr lang="ko-KR" altLang="en-US" dirty="0"/>
+              <a:t>레이어 단위의 구조에서 모듈 단위의 구조로 변경 후 유연성과</a:t>
+            </a:r>
+            <a:r>
+              <a:rPr lang="en-US" altLang="ko-KR" dirty="0"/>
+              <a:t> </a:t>
+            </a:r>
+            <a:r>
+              <a:rPr lang="ko-KR" altLang="en-US" dirty="0"/>
+              <a:t>코드 재사용성</a:t>
+            </a:r>
+            <a:r>
+              <a:rPr lang="en-US" altLang="ko-KR" dirty="0"/>
+              <a:t> </a:t>
+            </a:r>
+            <a:r>
+              <a:rPr lang="ko-KR" altLang="en-US" dirty="0"/>
+              <a:t>모두 향상</a:t>
             </a:r>
             <a:endParaRPr lang="en-US" altLang="ko-KR" dirty="0"/>
           </a:p>
@@ -10543,7 +10797,7 @@
             </a:pPr>
             <a:r>
               <a:rPr lang="ko-KR" altLang="en-US" dirty="0"/>
-              <a:t> 개발자 및 사용자 간의 교량</a:t>
+              <a:t> 사용자의 요구 반영</a:t>
             </a:r>
             <a:endParaRPr lang="en-US" altLang="ko-KR" dirty="0"/>
           </a:p>
@@ -10555,9 +10809,12 @@
             </a:pPr>
             <a:r>
               <a:rPr lang="ko-KR" altLang="en-US" dirty="0"/>
-              <a:t>실사용자와의 대화를 통해 설계 방향성 재조정 및 사용자 요구와 개발자 시각 간 격차 파악</a:t>
-            </a:r>
-            <a:endParaRPr lang="en-US" altLang="ko-KR" dirty="0"/>
+              <a:t>요구사항 분석 단계에서 실사용자와의 대화를 통해 그들의 요구사항을 최대한 정확히 파악해야 하는 중요성 인식</a:t>
+            </a:r>
+            <a:r>
+              <a:rPr lang="en-US" altLang="ko-KR" dirty="0"/>
+              <a:t>.</a:t>
+            </a:r>
           </a:p>
           <a:p>
             <a:pPr>
@@ -12600,6 +12857,42 @@
             </a:pPr>
             <a:r>
               <a:rPr lang="ko-KR" altLang="en-US" b="1" dirty="0"/>
+              <a:t>권한 관리</a:t>
+            </a:r>
+            <a:r>
+              <a:rPr lang="en-US" altLang="ko-KR" dirty="0"/>
+              <a:t>: </a:t>
+            </a:r>
+            <a:r>
+              <a:rPr lang="ko-KR" altLang="en-US" dirty="0"/>
+              <a:t>관리자와</a:t>
+            </a:r>
+            <a:r>
+              <a:rPr lang="en-US" altLang="ko-KR" dirty="0"/>
+              <a:t> </a:t>
+            </a:r>
+            <a:r>
+              <a:rPr lang="ko-KR" altLang="en-US" dirty="0"/>
+              <a:t>면접관에 맞는 사용자 인터페이스 제공</a:t>
+            </a:r>
+            <a:r>
+              <a:rPr lang="en-US" altLang="ko-KR" dirty="0"/>
+              <a:t>, </a:t>
+            </a:r>
+            <a:r>
+              <a:rPr lang="ko-KR" altLang="en-US" dirty="0"/>
+              <a:t>권한에 따른 데이터 접근 제한해야 함</a:t>
+            </a:r>
+            <a:endParaRPr lang="en-US" altLang="ko-KR" dirty="0"/>
+          </a:p>
+          <a:p>
+            <a:pPr>
+              <a:lnSpc>
+                <a:spcPts val="2600"/>
+              </a:lnSpc>
+            </a:pPr>
+            <a:r>
+              <a:rPr lang="ko-KR" altLang="en-US" b="1" dirty="0"/>
               <a:t>편의성 높은 시스템 개발</a:t>
             </a:r>
             <a:r>
@@ -12639,6 +12932,34 @@
               </a:lnSpc>
             </a:pPr>
             <a:r>
+              <a:rPr lang="ko-KR" altLang="en-US" b="1" dirty="0"/>
+              <a:t>알람 제공</a:t>
+            </a:r>
+            <a:r>
+              <a:rPr lang="en-US" altLang="ko-KR" dirty="0"/>
+              <a:t>: </a:t>
+            </a:r>
+            <a:r>
+              <a:rPr lang="ko-KR" altLang="en-US" dirty="0"/>
+              <a:t>중요한 이벤트 발생 시</a:t>
+            </a:r>
+            <a:r>
+              <a:rPr lang="en-US" altLang="ko-KR" dirty="0"/>
+              <a:t>,</a:t>
+            </a:r>
+            <a:r>
+              <a:rPr lang="ko-KR" altLang="en-US" dirty="0"/>
+              <a:t> 사용자에게 알림 제공 해야함</a:t>
+            </a:r>
+            <a:endParaRPr lang="en-US" altLang="ko-KR" dirty="0"/>
+          </a:p>
+          <a:p>
+            <a:pPr>
+              <a:lnSpc>
+                <a:spcPts val="2600"/>
+              </a:lnSpc>
+            </a:pPr>
+            <a:r>
               <a:rPr lang="en-US" altLang="ko-KR" b="1" dirty="0"/>
               <a:t>M/M</a:t>
             </a:r>
@@ -12664,88 +12985,25 @@
             </a:pPr>
             <a:r>
               <a:rPr lang="ko-KR" altLang="en-US" b="1" dirty="0"/>
-              <a:t>알람 제공</a:t>
-            </a:r>
-            <a:r>
-              <a:rPr lang="en-US" altLang="ko-KR" dirty="0"/>
-              <a:t>: </a:t>
-            </a:r>
-            <a:r>
-              <a:rPr lang="ko-KR" altLang="en-US" dirty="0"/>
-              <a:t>중요한 이벤트 발생 시</a:t>
-            </a:r>
-            <a:r>
-              <a:rPr lang="en-US" altLang="ko-KR" dirty="0"/>
-              <a:t>,</a:t>
-            </a:r>
-            <a:r>
-              <a:rPr lang="ko-KR" altLang="en-US" dirty="0"/>
-              <a:t> 사용자에게 알림 제공 해야함</a:t>
+              <a:t>문서화 기능</a:t>
+            </a:r>
+            <a:r>
+              <a:rPr lang="en-US" altLang="ko-KR" dirty="0"/>
+              <a:t>: pdf</a:t>
+            </a:r>
+            <a:r>
+              <a:rPr lang="ko-KR" altLang="en-US" dirty="0"/>
+              <a:t>문서화 변환</a:t>
+            </a:r>
+            <a:r>
+              <a:rPr lang="en-US" altLang="ko-KR" dirty="0"/>
+              <a:t> </a:t>
+            </a:r>
+            <a:r>
+              <a:rPr lang="ko-KR" altLang="en-US" dirty="0"/>
+              <a:t>및 다운로드가 가능 해야함</a:t>
             </a:r>
             <a:endParaRPr lang="en-US" altLang="ko-KR" dirty="0"/>
-          </a:p>
-          <a:p>
-            <a:pPr>
-              <a:lnSpc>
-                <a:spcPts val="2600"/>
-              </a:lnSpc>
-            </a:pPr>
-            <a:r>
-              <a:rPr lang="ko-KR" altLang="en-US" b="1" dirty="0"/>
-              <a:t>문서화 기능</a:t>
-            </a:r>
-            <a:r>
-              <a:rPr lang="en-US" altLang="ko-KR" dirty="0"/>
-              <a:t>: pdf</a:t>
-            </a:r>
-            <a:r>
-              <a:rPr lang="ko-KR" altLang="en-US" dirty="0"/>
-              <a:t>문서화 변환</a:t>
-            </a:r>
-            <a:r>
-              <a:rPr lang="en-US" altLang="ko-KR" dirty="0"/>
-              <a:t> </a:t>
-            </a:r>
-            <a:r>
-              <a:rPr lang="ko-KR" altLang="en-US" dirty="0"/>
-              <a:t>및 다운로드가 가능 해야함</a:t>
-            </a:r>
-            <a:endParaRPr lang="en-US" altLang="ko-KR" dirty="0"/>
-          </a:p>
-          <a:p>
-            <a:pPr>
-              <a:lnSpc>
-                <a:spcPts val="2600"/>
-              </a:lnSpc>
-            </a:pPr>
-            <a:r>
-              <a:rPr lang="ko-KR" altLang="en-US" b="1" dirty="0"/>
-              <a:t>권한 관리</a:t>
-            </a:r>
-            <a:r>
-              <a:rPr lang="en-US" altLang="ko-KR" dirty="0"/>
-              <a:t>: </a:t>
-            </a:r>
-            <a:r>
-              <a:rPr lang="ko-KR" altLang="en-US" dirty="0"/>
-              <a:t>관리자와</a:t>
-            </a:r>
-            <a:r>
-              <a:rPr lang="en-US" altLang="ko-KR" dirty="0"/>
-              <a:t> </a:t>
-            </a:r>
-            <a:r>
-              <a:rPr lang="ko-KR" altLang="en-US" dirty="0"/>
-              <a:t>면접관에 맞는 사용자 인터페이스 제공</a:t>
-            </a:r>
-            <a:r>
-              <a:rPr lang="en-US" altLang="ko-KR" dirty="0"/>
-              <a:t>, </a:t>
-            </a:r>
-            <a:r>
-              <a:rPr lang="ko-KR" altLang="en-US" dirty="0"/>
-              <a:t>권한에 따른 데이터 접근 제한해야 함</a:t>
-            </a:r>
           </a:p>
           <a:p>
             <a:pPr>
